--- a/전공지식/C언어의 기초/C언어 기초지식.pptx
+++ b/전공지식/C언어의 기초/C언어 기초지식.pptx
@@ -27,7 +27,8 @@
     <p:sldId id="276" r:id="rId21"/>
     <p:sldId id="277" r:id="rId22"/>
     <p:sldId id="278" r:id="rId23"/>
-    <p:sldId id="279" r:id="rId24"/>
+    <p:sldId id="280" r:id="rId24"/>
+    <p:sldId id="279" r:id="rId25"/>
   </p:sldIdLst>
   <p:sldSz cx="12192000" cy="6858000"/>
   <p:notesSz cx="6858000" cy="9144000"/>
@@ -137,6 +138,7 @@
 <file path=ppt/revisionInfo.xml><?xml version="1.0" encoding="utf-8"?>
 <p1510:revInfo xmlns:a="http://schemas.openxmlformats.org/drawingml/2006/main" xmlns:r="http://schemas.openxmlformats.org/officeDocument/2006/relationships" xmlns:p1510="http://schemas.microsoft.com/office/powerpoint/2015/10/main">
   <p1510:revLst>
+    <p1510:client id="{68FA48E1-8A62-4041-A1F4-B32A27D0A544}" v="264" dt="2023-10-21T14:52:49.774"/>
     <p1510:client id="{70AA4CCD-8E10-434E-868F-5C5E0A410C2E}" v="3097" dt="2023-10-17T12:35:51.078"/>
     <p1510:client id="{773FEA85-BD00-400D-8917-366C44315C9D}" v="1719" dt="2023-10-19T11:41:03.164"/>
     <p1510:client id="{C0B17A74-5F7D-4C82-8D87-A30C0598D578}" v="167" dt="2023-10-19T10:58:23.895"/>
@@ -7100,7 +7102,7 @@
           <a:p>
             <a:fld id="{76969C88-B244-455D-A017-012B25B1ACDD}" type="datetimeFigureOut">
               <a:rPr lang="en-US" smtClean="0"/>
-              <a:t>10/19/2023</a:t>
+              <a:t>10/21/2023</a:t>
             </a:fld>
             <a:endParaRPr lang="en-US"/>
           </a:p>
@@ -7298,7 +7300,7 @@
           <a:p>
             <a:fld id="{76969C88-B244-455D-A017-012B25B1ACDD}" type="datetimeFigureOut">
               <a:rPr lang="en-US" smtClean="0"/>
-              <a:t>10/19/2023</a:t>
+              <a:t>10/21/2023</a:t>
             </a:fld>
             <a:endParaRPr lang="en-US"/>
           </a:p>
@@ -7506,7 +7508,7 @@
           <a:p>
             <a:fld id="{76969C88-B244-455D-A017-012B25B1ACDD}" type="datetimeFigureOut">
               <a:rPr lang="en-US" smtClean="0"/>
-              <a:t>10/19/2023</a:t>
+              <a:t>10/21/2023</a:t>
             </a:fld>
             <a:endParaRPr lang="en-US"/>
           </a:p>
@@ -7704,7 +7706,7 @@
           <a:p>
             <a:fld id="{76969C88-B244-455D-A017-012B25B1ACDD}" type="datetimeFigureOut">
               <a:rPr lang="en-US" smtClean="0"/>
-              <a:t>10/19/2023</a:t>
+              <a:t>10/21/2023</a:t>
             </a:fld>
             <a:endParaRPr lang="en-US"/>
           </a:p>
@@ -7979,7 +7981,7 @@
           <a:p>
             <a:fld id="{76969C88-B244-455D-A017-012B25B1ACDD}" type="datetimeFigureOut">
               <a:rPr lang="en-US" smtClean="0"/>
-              <a:t>10/19/2023</a:t>
+              <a:t>10/21/2023</a:t>
             </a:fld>
             <a:endParaRPr lang="en-US"/>
           </a:p>
@@ -8244,7 +8246,7 @@
           <a:p>
             <a:fld id="{76969C88-B244-455D-A017-012B25B1ACDD}" type="datetimeFigureOut">
               <a:rPr lang="en-US" smtClean="0"/>
-              <a:t>10/19/2023</a:t>
+              <a:t>10/21/2023</a:t>
             </a:fld>
             <a:endParaRPr lang="en-US"/>
           </a:p>
@@ -8656,7 +8658,7 @@
           <a:p>
             <a:fld id="{76969C88-B244-455D-A017-012B25B1ACDD}" type="datetimeFigureOut">
               <a:rPr lang="en-US" smtClean="0"/>
-              <a:t>10/19/2023</a:t>
+              <a:t>10/21/2023</a:t>
             </a:fld>
             <a:endParaRPr lang="en-US"/>
           </a:p>
@@ -8797,7 +8799,7 @@
           <a:p>
             <a:fld id="{76969C88-B244-455D-A017-012B25B1ACDD}" type="datetimeFigureOut">
               <a:rPr lang="en-US" smtClean="0"/>
-              <a:t>10/19/2023</a:t>
+              <a:t>10/21/2023</a:t>
             </a:fld>
             <a:endParaRPr lang="en-US"/>
           </a:p>
@@ -8910,7 +8912,7 @@
           <a:p>
             <a:fld id="{76969C88-B244-455D-A017-012B25B1ACDD}" type="datetimeFigureOut">
               <a:rPr lang="en-US" smtClean="0"/>
-              <a:t>10/19/2023</a:t>
+              <a:t>10/21/2023</a:t>
             </a:fld>
             <a:endParaRPr lang="en-US"/>
           </a:p>
@@ -9221,7 +9223,7 @@
           <a:p>
             <a:fld id="{76969C88-B244-455D-A017-012B25B1ACDD}" type="datetimeFigureOut">
               <a:rPr lang="en-US" smtClean="0"/>
-              <a:t>10/19/2023</a:t>
+              <a:t>10/21/2023</a:t>
             </a:fld>
             <a:endParaRPr lang="en-US"/>
           </a:p>
@@ -9512,7 +9514,7 @@
           <a:p>
             <a:fld id="{76969C88-B244-455D-A017-012B25B1ACDD}" type="datetimeFigureOut">
               <a:rPr lang="en-US" smtClean="0"/>
-              <a:t>10/19/2023</a:t>
+              <a:t>10/21/2023</a:t>
             </a:fld>
             <a:endParaRPr lang="en-US"/>
           </a:p>
@@ -10262,7 +10264,7 @@
             <a:fld id="{76969C88-B244-455D-A017-012B25B1ACDD}" type="datetimeFigureOut">
               <a:rPr lang="en-US" smtClean="0"/>
               <a:pPr/>
-              <a:t>10/19/2023</a:t>
+              <a:t>10/21/2023</a:t>
             </a:fld>
             <a:endParaRPr lang="en-US"/>
           </a:p>
@@ -19675,6 +19677,483 @@
           <p:cNvPr id="2" name="제목 1">
             <a:extLst>
               <a:ext uri="{FF2B5EF4-FFF2-40B4-BE49-F238E27FC236}">
+                <a16:creationId xmlns:a16="http://schemas.microsoft.com/office/drawing/2014/main" id="{B6220CCF-DDDE-4EFE-267E-7E8958E7215F}"/>
+              </a:ext>
+            </a:extLst>
+          </p:cNvPr>
+          <p:cNvSpPr>
+            <a:spLocks noGrp="1"/>
+          </p:cNvSpPr>
+          <p:nvPr>
+            <p:ph type="title"/>
+          </p:nvPr>
+        </p:nvSpPr>
+        <p:spPr/>
+        <p:txBody>
+          <a:bodyPr/>
+          <a:lstStyle/>
+          <a:p>
+            <a:r>
+              <a:rPr lang="ko-KR" altLang="en-US" dirty="0">
+                <a:ea typeface="Microsoft GothicNeo"/>
+                <a:cs typeface="Microsoft GothicNeo"/>
+              </a:rPr>
+              <a:t>&lt; </a:t>
+            </a:r>
+            <a:r>
+              <a:rPr lang="ko-KR" altLang="en-US" dirty="0" err="1">
+                <a:ea typeface="Microsoft GothicNeo"/>
+                <a:cs typeface="Microsoft GothicNeo"/>
+              </a:rPr>
+              <a:t>Fprint</a:t>
+            </a:r>
+            <a:r>
+              <a:rPr lang="ko-KR" altLang="en-US" dirty="0">
+                <a:ea typeface="Microsoft GothicNeo"/>
+                <a:cs typeface="Microsoft GothicNeo"/>
+              </a:rPr>
+              <a:t> &amp; </a:t>
+            </a:r>
+            <a:r>
+              <a:rPr lang="ko-KR" altLang="en-US" dirty="0" err="1">
+                <a:ea typeface="Microsoft GothicNeo"/>
+                <a:cs typeface="Microsoft GothicNeo"/>
+              </a:rPr>
+              <a:t>fscanf</a:t>
+            </a:r>
+            <a:r>
+              <a:rPr lang="ko-KR" altLang="en-US" dirty="0">
+                <a:ea typeface="Microsoft GothicNeo"/>
+                <a:cs typeface="Microsoft GothicNeo"/>
+              </a:rPr>
+              <a:t> &gt; 파일 입/출력</a:t>
+            </a:r>
+            <a:endParaRPr lang="ko-KR" altLang="en-US" dirty="0" err="1"/>
+          </a:p>
+        </p:txBody>
+      </p:sp>
+      <p:sp>
+        <p:nvSpPr>
+          <p:cNvPr id="3" name="내용 개체 틀 2">
+            <a:extLst>
+              <a:ext uri="{FF2B5EF4-FFF2-40B4-BE49-F238E27FC236}">
+                <a16:creationId xmlns:a16="http://schemas.microsoft.com/office/drawing/2014/main" id="{52E2E398-FE6B-A617-EB9D-A4BBB95A36AA}"/>
+              </a:ext>
+            </a:extLst>
+          </p:cNvPr>
+          <p:cNvSpPr>
+            <a:spLocks noGrp="1"/>
+          </p:cNvSpPr>
+          <p:nvPr>
+            <p:ph idx="1"/>
+          </p:nvPr>
+        </p:nvSpPr>
+        <p:spPr/>
+        <p:txBody>
+          <a:bodyPr lIns="109728" tIns="109728" rIns="109728" bIns="91440" anchor="t"/>
+          <a:lstStyle/>
+          <a:p>
+            <a:r>
+              <a:rPr lang="ko-KR" altLang="en-US" err="1">
+                <a:solidFill>
+                  <a:srgbClr val="FFFFFF">
+                    <a:alpha val="70000"/>
+                  </a:srgbClr>
+                </a:solidFill>
+                <a:ea typeface="Microsoft GothicNeo"/>
+                <a:cs typeface="Microsoft GothicNeo"/>
+              </a:rPr>
+              <a:t>Why</a:t>
+            </a:r>
+            <a:r>
+              <a:rPr lang="ko-KR" altLang="en-US">
+                <a:solidFill>
+                  <a:srgbClr val="FFFFFF">
+                    <a:alpha val="70000"/>
+                  </a:srgbClr>
+                </a:solidFill>
+                <a:ea typeface="Microsoft GothicNeo"/>
+                <a:cs typeface="Microsoft GothicNeo"/>
+              </a:rPr>
+              <a:t>_ 메모리는 프로그램이 종료되면 휘발되는 성질이 있다.</a:t>
+            </a:r>
+          </a:p>
+          <a:p>
+            <a:pPr marL="0" indent="0">
+              <a:buNone/>
+            </a:pPr>
+            <a:r>
+              <a:rPr lang="ko-KR" altLang="en-US" dirty="0">
+                <a:solidFill>
+                  <a:srgbClr val="FFFFFF">
+                    <a:alpha val="70000"/>
+                  </a:srgbClr>
+                </a:solidFill>
+                <a:ea typeface="Microsoft GothicNeo"/>
+                <a:cs typeface="Microsoft GothicNeo"/>
+              </a:rPr>
+              <a:t>데이터를 파일로 </a:t>
+            </a:r>
+            <a:r>
+              <a:rPr lang="ko-KR" altLang="en-US" dirty="0" err="1">
+                <a:solidFill>
+                  <a:srgbClr val="FFFFFF">
+                    <a:alpha val="70000"/>
+                  </a:srgbClr>
+                </a:solidFill>
+                <a:ea typeface="Microsoft GothicNeo"/>
+                <a:cs typeface="Microsoft GothicNeo"/>
+              </a:rPr>
+              <a:t>저장해야할</a:t>
+            </a:r>
+            <a:r>
+              <a:rPr lang="ko-KR" altLang="en-US" dirty="0">
+                <a:solidFill>
+                  <a:srgbClr val="FFFFFF">
+                    <a:alpha val="70000"/>
+                  </a:srgbClr>
+                </a:solidFill>
+                <a:ea typeface="Microsoft GothicNeo"/>
+                <a:cs typeface="Microsoft GothicNeo"/>
+              </a:rPr>
+              <a:t> 필요성이 존재하는데 </a:t>
+            </a:r>
+            <a:r>
+              <a:rPr lang="ko-KR" altLang="en-US" dirty="0" err="1">
+                <a:solidFill>
+                  <a:srgbClr val="FFFFFF">
+                    <a:alpha val="70000"/>
+                  </a:srgbClr>
+                </a:solidFill>
+                <a:ea typeface="Microsoft GothicNeo"/>
+                <a:cs typeface="Microsoft GothicNeo"/>
+              </a:rPr>
+              <a:t>떄문에</a:t>
+            </a:r>
+            <a:r>
+              <a:rPr lang="ko-KR" altLang="en-US" dirty="0">
+                <a:solidFill>
+                  <a:srgbClr val="FFFFFF">
+                    <a:alpha val="70000"/>
+                  </a:srgbClr>
+                </a:solidFill>
+                <a:ea typeface="Microsoft GothicNeo"/>
+                <a:cs typeface="Microsoft GothicNeo"/>
+              </a:rPr>
+              <a:t> 스트림을 만들었다.</a:t>
+            </a:r>
+          </a:p>
+          <a:p>
+            <a:pPr marL="0" indent="0">
+              <a:buNone/>
+            </a:pPr>
+            <a:r>
+              <a:rPr lang="ko-KR" altLang="en-US" dirty="0" err="1">
+                <a:solidFill>
+                  <a:srgbClr val="FFFFFF">
+                    <a:alpha val="70000"/>
+                  </a:srgbClr>
+                </a:solidFill>
+                <a:ea typeface="Microsoft GothicNeo"/>
+                <a:cs typeface="Microsoft GothicNeo"/>
+              </a:rPr>
+              <a:t>How</a:t>
+            </a:r>
+            <a:r>
+              <a:rPr lang="ko-KR" altLang="en-US" dirty="0">
+                <a:solidFill>
+                  <a:srgbClr val="FFFFFF">
+                    <a:alpha val="70000"/>
+                  </a:srgbClr>
+                </a:solidFill>
+                <a:ea typeface="Microsoft GothicNeo"/>
+                <a:cs typeface="Microsoft GothicNeo"/>
+              </a:rPr>
+              <a:t>_ 사실 </a:t>
+            </a:r>
+            <a:r>
+              <a:rPr lang="ko-KR" altLang="en-US" dirty="0" err="1">
+                <a:solidFill>
+                  <a:srgbClr val="FFFFFF">
+                    <a:alpha val="70000"/>
+                  </a:srgbClr>
+                </a:solidFill>
+                <a:ea typeface="Microsoft GothicNeo"/>
+                <a:cs typeface="Microsoft GothicNeo"/>
+              </a:rPr>
+              <a:t>Printf</a:t>
+            </a:r>
+            <a:r>
+              <a:rPr lang="ko-KR" altLang="en-US" dirty="0">
+                <a:solidFill>
+                  <a:srgbClr val="FFFFFF">
+                    <a:alpha val="70000"/>
+                  </a:srgbClr>
+                </a:solidFill>
+                <a:ea typeface="Microsoft GothicNeo"/>
+                <a:cs typeface="Microsoft GothicNeo"/>
+              </a:rPr>
+              <a:t> 든 </a:t>
+            </a:r>
+            <a:r>
+              <a:rPr lang="ko-KR" altLang="en-US" dirty="0" err="1">
+                <a:solidFill>
+                  <a:srgbClr val="FFFFFF">
+                    <a:alpha val="70000"/>
+                  </a:srgbClr>
+                </a:solidFill>
+                <a:ea typeface="Microsoft GothicNeo"/>
+                <a:cs typeface="Microsoft GothicNeo"/>
+              </a:rPr>
+              <a:t>Scanf든</a:t>
+            </a:r>
+            <a:r>
+              <a:rPr lang="ko-KR" altLang="en-US" dirty="0">
+                <a:solidFill>
+                  <a:srgbClr val="FFFFFF">
+                    <a:alpha val="70000"/>
+                  </a:srgbClr>
+                </a:solidFill>
+                <a:ea typeface="Microsoft GothicNeo"/>
+                <a:cs typeface="Microsoft GothicNeo"/>
+              </a:rPr>
+              <a:t> </a:t>
+            </a:r>
+            <a:r>
+              <a:rPr lang="ko-KR" altLang="en-US" dirty="0" err="1">
+                <a:solidFill>
+                  <a:srgbClr val="FFFFFF">
+                    <a:alpha val="70000"/>
+                  </a:srgbClr>
+                </a:solidFill>
+                <a:ea typeface="Microsoft GothicNeo"/>
+                <a:cs typeface="Microsoft GothicNeo"/>
+              </a:rPr>
+              <a:t>fprint를</a:t>
+            </a:r>
+            <a:r>
+              <a:rPr lang="ko-KR" altLang="en-US" dirty="0">
+                <a:solidFill>
+                  <a:srgbClr val="FFFFFF">
+                    <a:alpha val="70000"/>
+                  </a:srgbClr>
+                </a:solidFill>
+                <a:ea typeface="Microsoft GothicNeo"/>
+                <a:cs typeface="Microsoft GothicNeo"/>
+              </a:rPr>
+              <a:t>  내부적으로 </a:t>
+            </a:r>
+            <a:r>
+              <a:rPr lang="ko-KR" altLang="en-US" dirty="0" err="1">
+                <a:solidFill>
+                  <a:srgbClr val="FFFFFF">
+                    <a:alpha val="70000"/>
+                  </a:srgbClr>
+                </a:solidFill>
+                <a:ea typeface="Microsoft GothicNeo"/>
+                <a:cs typeface="Microsoft GothicNeo"/>
+              </a:rPr>
+              <a:t>호출하는데데</a:t>
+            </a:r>
+          </a:p>
+          <a:p>
+            <a:pPr marL="0" indent="0">
+              <a:buNone/>
+            </a:pPr>
+            <a:r>
+              <a:rPr lang="ko-KR" altLang="en-US" dirty="0">
+                <a:solidFill>
+                  <a:srgbClr val="FFFFFF">
+                    <a:alpha val="70000"/>
+                  </a:srgbClr>
+                </a:solidFill>
+                <a:ea typeface="Microsoft GothicNeo"/>
+                <a:cs typeface="Microsoft GothicNeo"/>
+              </a:rPr>
+              <a:t>이는   어셈블리어를 </a:t>
+            </a:r>
+            <a:r>
+              <a:rPr lang="ko-KR" altLang="en-US" dirty="0" err="1">
+                <a:solidFill>
+                  <a:srgbClr val="FFFFFF">
+                    <a:alpha val="70000"/>
+                  </a:srgbClr>
+                </a:solidFill>
+                <a:ea typeface="Microsoft GothicNeo"/>
+                <a:cs typeface="Microsoft GothicNeo"/>
+              </a:rPr>
+              <a:t>안쓰는</a:t>
+            </a:r>
+            <a:r>
+              <a:rPr lang="ko-KR" altLang="en-US" dirty="0">
+                <a:solidFill>
+                  <a:srgbClr val="FFFFFF">
+                    <a:alpha val="70000"/>
+                  </a:srgbClr>
+                </a:solidFill>
+                <a:ea typeface="Microsoft GothicNeo"/>
+                <a:cs typeface="Microsoft GothicNeo"/>
+              </a:rPr>
+              <a:t> 이유처럼 모든 </a:t>
+            </a:r>
+            <a:r>
+              <a:rPr lang="ko-KR" altLang="en-US" dirty="0" err="1">
+                <a:solidFill>
+                  <a:srgbClr val="FFFFFF">
+                    <a:alpha val="70000"/>
+                  </a:srgbClr>
+                </a:solidFill>
+                <a:ea typeface="Microsoft GothicNeo"/>
+                <a:cs typeface="Microsoft GothicNeo"/>
+              </a:rPr>
+              <a:t>I</a:t>
+            </a:r>
+            <a:r>
+              <a:rPr lang="ko-KR" altLang="en-US" dirty="0">
+                <a:solidFill>
+                  <a:srgbClr val="FFFFFF">
+                    <a:alpha val="70000"/>
+                  </a:srgbClr>
+                </a:solidFill>
+                <a:ea typeface="Microsoft GothicNeo"/>
+                <a:cs typeface="Microsoft GothicNeo"/>
+              </a:rPr>
+              <a:t>/</a:t>
+            </a:r>
+            <a:r>
+              <a:rPr lang="ko-KR" altLang="en-US" dirty="0" err="1">
+                <a:solidFill>
+                  <a:srgbClr val="FFFFFF">
+                    <a:alpha val="70000"/>
+                  </a:srgbClr>
+                </a:solidFill>
+                <a:ea typeface="Microsoft GothicNeo"/>
+                <a:cs typeface="Microsoft GothicNeo"/>
+              </a:rPr>
+              <a:t>O장치들이</a:t>
+            </a:r>
+            <a:r>
+              <a:rPr lang="ko-KR" altLang="en-US" dirty="0">
+                <a:solidFill>
+                  <a:srgbClr val="FFFFFF">
+                    <a:alpha val="70000"/>
+                  </a:srgbClr>
+                </a:solidFill>
+                <a:ea typeface="Microsoft GothicNeo"/>
+                <a:cs typeface="Microsoft GothicNeo"/>
+              </a:rPr>
+              <a:t> 공통적으로 사용되는 명령어가 필요하였다. </a:t>
+            </a:r>
+            <a:r>
+              <a:rPr lang="ko-KR" altLang="en-US" dirty="0" err="1">
+                <a:solidFill>
+                  <a:srgbClr val="FFFFFF">
+                    <a:alpha val="70000"/>
+                  </a:srgbClr>
+                </a:solidFill>
+                <a:ea typeface="Microsoft GothicNeo"/>
+                <a:cs typeface="Microsoft GothicNeo"/>
+              </a:rPr>
+              <a:t>Stream을</a:t>
+            </a:r>
+            <a:r>
+              <a:rPr lang="ko-KR" altLang="en-US" dirty="0">
+                <a:solidFill>
+                  <a:srgbClr val="FFFFFF">
+                    <a:alpha val="70000"/>
+                  </a:srgbClr>
+                </a:solidFill>
+                <a:ea typeface="Microsoft GothicNeo"/>
+                <a:cs typeface="Microsoft GothicNeo"/>
+              </a:rPr>
+              <a:t>  FILE 오브젝트를 반환하는 </a:t>
+            </a:r>
+            <a:r>
+              <a:rPr lang="ko-KR" altLang="en-US" dirty="0" err="1">
+                <a:solidFill>
+                  <a:srgbClr val="FFFFFF">
+                    <a:alpha val="70000"/>
+                  </a:srgbClr>
+                </a:solidFill>
+                <a:ea typeface="Microsoft GothicNeo"/>
+                <a:cs typeface="Microsoft GothicNeo"/>
+              </a:rPr>
+              <a:t>Fopen</a:t>
+            </a:r>
+            <a:r>
+              <a:rPr lang="ko-KR" altLang="en-US" dirty="0">
+                <a:solidFill>
+                  <a:srgbClr val="FFFFFF">
+                    <a:alpha val="70000"/>
+                  </a:srgbClr>
+                </a:solidFill>
+                <a:ea typeface="Microsoft GothicNeo"/>
+                <a:cs typeface="Microsoft GothicNeo"/>
+              </a:rPr>
+              <a:t>() 이용해 </a:t>
+            </a:r>
+            <a:r>
+              <a:rPr lang="ko-KR" altLang="en-US" dirty="0" err="1">
+                <a:solidFill>
+                  <a:srgbClr val="FFFFFF">
+                    <a:alpha val="70000"/>
+                  </a:srgbClr>
+                </a:solidFill>
+                <a:ea typeface="Microsoft GothicNeo"/>
+                <a:cs typeface="Microsoft GothicNeo"/>
+              </a:rPr>
+              <a:t>FILE구조체를</a:t>
+            </a:r>
+            <a:r>
+              <a:rPr lang="ko-KR" altLang="en-US" dirty="0">
+                <a:solidFill>
+                  <a:srgbClr val="FFFFFF">
+                    <a:alpha val="70000"/>
+                  </a:srgbClr>
+                </a:solidFill>
+                <a:ea typeface="Microsoft GothicNeo"/>
+                <a:cs typeface="Microsoft GothicNeo"/>
+              </a:rPr>
+              <a:t> 가져오고 파일 입/출력을 사용할 수 있다.</a:t>
+            </a:r>
+          </a:p>
+        </p:txBody>
+      </p:sp>
+    </p:spTree>
+    <p:extLst>
+      <p:ext uri="{BB962C8B-B14F-4D97-AF65-F5344CB8AC3E}">
+        <p14:creationId xmlns:p14="http://schemas.microsoft.com/office/powerpoint/2010/main" val="1122904946"/>
+      </p:ext>
+    </p:extLst>
+  </p:cSld>
+  <p:clrMapOvr>
+    <a:masterClrMapping/>
+  </p:clrMapOvr>
+</p:sld>
+</file>
+
+<file path=ppt/slides/slide24.xml><?xml version="1.0" encoding="utf-8"?>
+<p:sld xmlns:a="http://schemas.openxmlformats.org/drawingml/2006/main" xmlns:r="http://schemas.openxmlformats.org/officeDocument/2006/relationships" xmlns:p="http://schemas.openxmlformats.org/presentationml/2006/main">
+  <p:cSld>
+    <p:spTree>
+      <p:nvGrpSpPr>
+        <p:cNvPr id="1" name=""/>
+        <p:cNvGrpSpPr/>
+        <p:nvPr/>
+      </p:nvGrpSpPr>
+      <p:grpSpPr>
+        <a:xfrm>
+          <a:off x="0" y="0"/>
+          <a:ext cx="0" cy="0"/>
+          <a:chOff x="0" y="0"/>
+          <a:chExt cx="0" cy="0"/>
+        </a:xfrm>
+      </p:grpSpPr>
+      <p:sp>
+        <p:nvSpPr>
+          <p:cNvPr id="2" name="제목 1">
+            <a:extLst>
+              <a:ext uri="{FF2B5EF4-FFF2-40B4-BE49-F238E27FC236}">
                 <a16:creationId xmlns:a16="http://schemas.microsoft.com/office/drawing/2014/main" id="{C3A0C8F3-B8EF-D2DC-C4F5-2368E0DD13BA}"/>
               </a:ext>
             </a:extLst>

--- a/전공지식/C언어의 기초/C언어 기초지식.pptx
+++ b/전공지식/C언어의 기초/C언어 기초지식.pptx
@@ -29,6 +29,10 @@
     <p:sldId id="278" r:id="rId23"/>
     <p:sldId id="280" r:id="rId24"/>
     <p:sldId id="279" r:id="rId25"/>
+    <p:sldId id="281" r:id="rId26"/>
+    <p:sldId id="282" r:id="rId27"/>
+    <p:sldId id="283" r:id="rId28"/>
+    <p:sldId id="284" r:id="rId29"/>
   </p:sldIdLst>
   <p:sldSz cx="12192000" cy="6858000"/>
   <p:notesSz cx="6858000" cy="9144000"/>
@@ -143,6 +147,7 @@
     <p1510:client id="{773FEA85-BD00-400D-8917-366C44315C9D}" v="1719" dt="2023-10-19T11:41:03.164"/>
     <p1510:client id="{C0B17A74-5F7D-4C82-8D87-A30C0598D578}" v="167" dt="2023-10-19T10:58:23.895"/>
     <p1510:client id="{CD3A230A-4545-4B5A-8F53-A35FBDF96CF4}" v="889" dt="2023-10-15T10:18:49.371"/>
+    <p1510:client id="{DBFDBAC8-DE04-484C-B94C-F71EF475F54E}" v="770" dt="2023-10-22T14:19:39.866"/>
   </p1510:revLst>
 </p1510:revInfo>
 </file>
@@ -7102,7 +7107,7 @@
           <a:p>
             <a:fld id="{76969C88-B244-455D-A017-012B25B1ACDD}" type="datetimeFigureOut">
               <a:rPr lang="en-US" smtClean="0"/>
-              <a:t>10/21/2023</a:t>
+              <a:t>10/22/2023</a:t>
             </a:fld>
             <a:endParaRPr lang="en-US"/>
           </a:p>
@@ -7300,7 +7305,7 @@
           <a:p>
             <a:fld id="{76969C88-B244-455D-A017-012B25B1ACDD}" type="datetimeFigureOut">
               <a:rPr lang="en-US" smtClean="0"/>
-              <a:t>10/21/2023</a:t>
+              <a:t>10/22/2023</a:t>
             </a:fld>
             <a:endParaRPr lang="en-US"/>
           </a:p>
@@ -7508,7 +7513,7 @@
           <a:p>
             <a:fld id="{76969C88-B244-455D-A017-012B25B1ACDD}" type="datetimeFigureOut">
               <a:rPr lang="en-US" smtClean="0"/>
-              <a:t>10/21/2023</a:t>
+              <a:t>10/22/2023</a:t>
             </a:fld>
             <a:endParaRPr lang="en-US"/>
           </a:p>
@@ -7706,7 +7711,7 @@
           <a:p>
             <a:fld id="{76969C88-B244-455D-A017-012B25B1ACDD}" type="datetimeFigureOut">
               <a:rPr lang="en-US" smtClean="0"/>
-              <a:t>10/21/2023</a:t>
+              <a:t>10/22/2023</a:t>
             </a:fld>
             <a:endParaRPr lang="en-US"/>
           </a:p>
@@ -7981,7 +7986,7 @@
           <a:p>
             <a:fld id="{76969C88-B244-455D-A017-012B25B1ACDD}" type="datetimeFigureOut">
               <a:rPr lang="en-US" smtClean="0"/>
-              <a:t>10/21/2023</a:t>
+              <a:t>10/22/2023</a:t>
             </a:fld>
             <a:endParaRPr lang="en-US"/>
           </a:p>
@@ -8246,7 +8251,7 @@
           <a:p>
             <a:fld id="{76969C88-B244-455D-A017-012B25B1ACDD}" type="datetimeFigureOut">
               <a:rPr lang="en-US" smtClean="0"/>
-              <a:t>10/21/2023</a:t>
+              <a:t>10/22/2023</a:t>
             </a:fld>
             <a:endParaRPr lang="en-US"/>
           </a:p>
@@ -8658,7 +8663,7 @@
           <a:p>
             <a:fld id="{76969C88-B244-455D-A017-012B25B1ACDD}" type="datetimeFigureOut">
               <a:rPr lang="en-US" smtClean="0"/>
-              <a:t>10/21/2023</a:t>
+              <a:t>10/22/2023</a:t>
             </a:fld>
             <a:endParaRPr lang="en-US"/>
           </a:p>
@@ -8799,7 +8804,7 @@
           <a:p>
             <a:fld id="{76969C88-B244-455D-A017-012B25B1ACDD}" type="datetimeFigureOut">
               <a:rPr lang="en-US" smtClean="0"/>
-              <a:t>10/21/2023</a:t>
+              <a:t>10/22/2023</a:t>
             </a:fld>
             <a:endParaRPr lang="en-US"/>
           </a:p>
@@ -8912,7 +8917,7 @@
           <a:p>
             <a:fld id="{76969C88-B244-455D-A017-012B25B1ACDD}" type="datetimeFigureOut">
               <a:rPr lang="en-US" smtClean="0"/>
-              <a:t>10/21/2023</a:t>
+              <a:t>10/22/2023</a:t>
             </a:fld>
             <a:endParaRPr lang="en-US"/>
           </a:p>
@@ -9223,7 +9228,7 @@
           <a:p>
             <a:fld id="{76969C88-B244-455D-A017-012B25B1ACDD}" type="datetimeFigureOut">
               <a:rPr lang="en-US" smtClean="0"/>
-              <a:t>10/21/2023</a:t>
+              <a:t>10/22/2023</a:t>
             </a:fld>
             <a:endParaRPr lang="en-US"/>
           </a:p>
@@ -9514,7 +9519,7 @@
           <a:p>
             <a:fld id="{76969C88-B244-455D-A017-012B25B1ACDD}" type="datetimeFigureOut">
               <a:rPr lang="en-US" smtClean="0"/>
-              <a:t>10/21/2023</a:t>
+              <a:t>10/22/2023</a:t>
             </a:fld>
             <a:endParaRPr lang="en-US"/>
           </a:p>
@@ -10264,7 +10269,7 @@
             <a:fld id="{76969C88-B244-455D-A017-012B25B1ACDD}" type="datetimeFigureOut">
               <a:rPr lang="en-US" smtClean="0"/>
               <a:pPr/>
-              <a:t>10/21/2023</a:t>
+              <a:t>10/22/2023</a:t>
             </a:fld>
             <a:endParaRPr lang="en-US"/>
           </a:p>
@@ -20538,6 +20543,2094 @@
 </p:sld>
 </file>
 
+<file path=ppt/slides/slide25.xml><?xml version="1.0" encoding="utf-8"?>
+<p:sld xmlns:a="http://schemas.openxmlformats.org/drawingml/2006/main" xmlns:r="http://schemas.openxmlformats.org/officeDocument/2006/relationships" xmlns:p="http://schemas.openxmlformats.org/presentationml/2006/main">
+  <p:cSld>
+    <p:spTree>
+      <p:nvGrpSpPr>
+        <p:cNvPr id="1" name=""/>
+        <p:cNvGrpSpPr/>
+        <p:nvPr/>
+      </p:nvGrpSpPr>
+      <p:grpSpPr>
+        <a:xfrm>
+          <a:off x="0" y="0"/>
+          <a:ext cx="0" cy="0"/>
+          <a:chOff x="0" y="0"/>
+          <a:chExt cx="0" cy="0"/>
+        </a:xfrm>
+      </p:grpSpPr>
+      <p:sp>
+        <p:nvSpPr>
+          <p:cNvPr id="2" name="제목 1">
+            <a:extLst>
+              <a:ext uri="{FF2B5EF4-FFF2-40B4-BE49-F238E27FC236}">
+                <a16:creationId xmlns:a16="http://schemas.microsoft.com/office/drawing/2014/main" id="{E0597E43-BD18-6ECA-04FA-6025A4F94FBE}"/>
+              </a:ext>
+            </a:extLst>
+          </p:cNvPr>
+          <p:cNvSpPr>
+            <a:spLocks noGrp="1"/>
+          </p:cNvSpPr>
+          <p:nvPr>
+            <p:ph type="title"/>
+          </p:nvPr>
+        </p:nvSpPr>
+        <p:spPr/>
+        <p:txBody>
+          <a:bodyPr/>
+          <a:lstStyle/>
+          <a:p>
+            <a:r>
+              <a:rPr lang="ko-KR" altLang="en-US" dirty="0">
+                <a:ea typeface="Microsoft GothicNeo"/>
+                <a:cs typeface="Microsoft GothicNeo"/>
+              </a:rPr>
+              <a:t> &lt;</a:t>
+            </a:r>
+            <a:r>
+              <a:rPr lang="ko-KR" altLang="en-US" dirty="0" err="1">
+                <a:ea typeface="Microsoft GothicNeo"/>
+                <a:cs typeface="Microsoft GothicNeo"/>
+              </a:rPr>
+              <a:t>malloc</a:t>
+            </a:r>
+            <a:r>
+              <a:rPr lang="ko-KR" altLang="en-US" dirty="0">
+                <a:ea typeface="Microsoft GothicNeo"/>
+                <a:cs typeface="Microsoft GothicNeo"/>
+              </a:rPr>
+              <a:t> </a:t>
+            </a:r>
+            <a:r>
+              <a:rPr lang="ko-KR" altLang="en-US" dirty="0" err="1">
+                <a:ea typeface="Microsoft GothicNeo"/>
+                <a:cs typeface="Microsoft GothicNeo"/>
+              </a:rPr>
+              <a:t>vs</a:t>
+            </a:r>
+            <a:r>
+              <a:rPr lang="ko-KR" altLang="en-US" dirty="0">
+                <a:ea typeface="Microsoft GothicNeo"/>
+                <a:cs typeface="Microsoft GothicNeo"/>
+              </a:rPr>
+              <a:t> </a:t>
+            </a:r>
+            <a:r>
+              <a:rPr lang="ko-KR" altLang="en-US" dirty="0" err="1">
+                <a:ea typeface="Microsoft GothicNeo"/>
+                <a:cs typeface="Microsoft GothicNeo"/>
+              </a:rPr>
+              <a:t>new</a:t>
+            </a:r>
+            <a:r>
+              <a:rPr lang="ko-KR" altLang="en-US" dirty="0">
+                <a:ea typeface="Microsoft GothicNeo"/>
+                <a:cs typeface="Microsoft GothicNeo"/>
+              </a:rPr>
+              <a:t>&gt;</a:t>
+            </a:r>
+          </a:p>
+        </p:txBody>
+      </p:sp>
+      <p:sp>
+        <p:nvSpPr>
+          <p:cNvPr id="3" name="내용 개체 틀 2">
+            <a:extLst>
+              <a:ext uri="{FF2B5EF4-FFF2-40B4-BE49-F238E27FC236}">
+                <a16:creationId xmlns:a16="http://schemas.microsoft.com/office/drawing/2014/main" id="{86A85CFC-1C2C-21D6-A3AA-DF45D897E932}"/>
+              </a:ext>
+            </a:extLst>
+          </p:cNvPr>
+          <p:cNvSpPr>
+            <a:spLocks noGrp="1"/>
+          </p:cNvSpPr>
+          <p:nvPr>
+            <p:ph idx="1"/>
+          </p:nvPr>
+        </p:nvSpPr>
+        <p:spPr/>
+        <p:txBody>
+          <a:bodyPr lIns="109728" tIns="109728" rIns="109728" bIns="91440" anchor="t"/>
+          <a:lstStyle/>
+          <a:p>
+            <a:r>
+              <a:rPr lang="ko-KR" altLang="en-US" dirty="0" err="1">
+                <a:solidFill>
+                  <a:srgbClr val="FFFFFF">
+                    <a:alpha val="70000"/>
+                  </a:srgbClr>
+                </a:solidFill>
+                <a:ea typeface="Microsoft GothicNeo"/>
+                <a:cs typeface="Microsoft GothicNeo"/>
+              </a:rPr>
+              <a:t>Malloc</a:t>
+            </a:r>
+            <a:r>
+              <a:rPr lang="ko-KR" altLang="en-US" dirty="0">
+                <a:solidFill>
+                  <a:srgbClr val="FFFFFF">
+                    <a:alpha val="70000"/>
+                  </a:srgbClr>
+                </a:solidFill>
+                <a:ea typeface="Microsoft GothicNeo"/>
+                <a:cs typeface="Microsoft GothicNeo"/>
+              </a:rPr>
+              <a:t> 의 원형은 </a:t>
+            </a:r>
+          </a:p>
+          <a:p>
+            <a:pPr marL="0" indent="0">
+              <a:buNone/>
+            </a:pPr>
+            <a:r>
+              <a:rPr lang="ko-KR" altLang="en-US" err="1">
+                <a:solidFill>
+                  <a:srgbClr val="FFFFFF">
+                    <a:alpha val="70000"/>
+                  </a:srgbClr>
+                </a:solidFill>
+                <a:ea typeface="Microsoft GothicNeo"/>
+                <a:cs typeface="Microsoft GothicNeo"/>
+              </a:rPr>
+              <a:t>Void</a:t>
+            </a:r>
+            <a:r>
+              <a:rPr lang="ko-KR" altLang="en-US" dirty="0">
+                <a:solidFill>
+                  <a:srgbClr val="FFFFFF">
+                    <a:alpha val="70000"/>
+                  </a:srgbClr>
+                </a:solidFill>
+                <a:ea typeface="Microsoft GothicNeo"/>
+                <a:cs typeface="Microsoft GothicNeo"/>
+              </a:rPr>
+              <a:t>* </a:t>
+            </a:r>
+            <a:r>
+              <a:rPr lang="ko-KR" altLang="en-US" err="1">
+                <a:solidFill>
+                  <a:srgbClr val="FFFFFF">
+                    <a:alpha val="70000"/>
+                  </a:srgbClr>
+                </a:solidFill>
+                <a:ea typeface="Microsoft GothicNeo"/>
+                <a:cs typeface="Microsoft GothicNeo"/>
+              </a:rPr>
+              <a:t>malloc</a:t>
+            </a:r>
+            <a:r>
+              <a:rPr lang="ko-KR" altLang="en-US" dirty="0">
+                <a:solidFill>
+                  <a:srgbClr val="FFFFFF">
+                    <a:alpha val="70000"/>
+                  </a:srgbClr>
+                </a:solidFill>
+                <a:ea typeface="Microsoft GothicNeo"/>
+                <a:cs typeface="Microsoft GothicNeo"/>
+              </a:rPr>
+              <a:t>(</a:t>
+            </a:r>
+            <a:r>
+              <a:rPr lang="ko-KR" altLang="en-US" err="1">
+                <a:solidFill>
+                  <a:srgbClr val="FFFFFF">
+                    <a:alpha val="70000"/>
+                  </a:srgbClr>
+                </a:solidFill>
+                <a:ea typeface="Microsoft GothicNeo"/>
+                <a:cs typeface="Microsoft GothicNeo"/>
+              </a:rPr>
+              <a:t>size_t</a:t>
+            </a:r>
+            <a:r>
+              <a:rPr lang="ko-KR" altLang="en-US" dirty="0">
+                <a:solidFill>
+                  <a:srgbClr val="FFFFFF">
+                    <a:alpha val="70000"/>
+                  </a:srgbClr>
+                </a:solidFill>
+                <a:ea typeface="Microsoft GothicNeo"/>
+                <a:cs typeface="Microsoft GothicNeo"/>
+              </a:rPr>
+              <a:t> </a:t>
+            </a:r>
+            <a:r>
+              <a:rPr lang="ko-KR" altLang="en-US" err="1">
+                <a:solidFill>
+                  <a:srgbClr val="FFFFFF">
+                    <a:alpha val="70000"/>
+                  </a:srgbClr>
+                </a:solidFill>
+                <a:ea typeface="Microsoft GothicNeo"/>
+                <a:cs typeface="Microsoft GothicNeo"/>
+              </a:rPr>
+              <a:t>size</a:t>
+            </a:r>
+            <a:r>
+              <a:rPr lang="ko-KR" altLang="en-US" dirty="0">
+                <a:solidFill>
+                  <a:srgbClr val="FFFFFF">
+                    <a:alpha val="70000"/>
+                  </a:srgbClr>
+                </a:solidFill>
+                <a:ea typeface="Microsoft GothicNeo"/>
+                <a:cs typeface="Microsoft GothicNeo"/>
+              </a:rPr>
+              <a:t>);  인데 C++ 로 넘어오면서 </a:t>
+            </a:r>
+            <a:r>
+              <a:rPr lang="ko-KR" altLang="en-US" err="1">
+                <a:solidFill>
+                  <a:srgbClr val="FFFFFF">
+                    <a:alpha val="70000"/>
+                  </a:srgbClr>
+                </a:solidFill>
+                <a:ea typeface="Microsoft GothicNeo"/>
+                <a:cs typeface="Microsoft GothicNeo"/>
+              </a:rPr>
+              <a:t>void</a:t>
+            </a:r>
+            <a:r>
+              <a:rPr lang="ko-KR" altLang="en-US" dirty="0">
+                <a:solidFill>
+                  <a:srgbClr val="FFFFFF">
+                    <a:alpha val="70000"/>
+                  </a:srgbClr>
+                </a:solidFill>
+                <a:ea typeface="Microsoft GothicNeo"/>
+                <a:cs typeface="Microsoft GothicNeo"/>
+              </a:rPr>
+              <a:t>*의 사용방법이 변경되었다.</a:t>
+            </a:r>
+          </a:p>
+          <a:p>
+            <a:pPr marL="0" indent="0">
+              <a:buNone/>
+            </a:pPr>
+            <a:r>
+              <a:rPr lang="ko-KR" altLang="en-US" dirty="0" err="1">
+                <a:solidFill>
+                  <a:srgbClr val="FFFFFF">
+                    <a:alpha val="70000"/>
+                  </a:srgbClr>
+                </a:solidFill>
+                <a:ea typeface="Microsoft GothicNeo"/>
+                <a:cs typeface="Microsoft GothicNeo"/>
+              </a:rPr>
+              <a:t>Void</a:t>
+            </a:r>
+            <a:r>
+              <a:rPr lang="ko-KR" altLang="en-US" dirty="0">
+                <a:solidFill>
+                  <a:srgbClr val="FFFFFF">
+                    <a:alpha val="70000"/>
+                  </a:srgbClr>
+                </a:solidFill>
+                <a:ea typeface="Microsoft GothicNeo"/>
+                <a:cs typeface="Microsoft GothicNeo"/>
+              </a:rPr>
+              <a:t>* </a:t>
+            </a:r>
+            <a:r>
+              <a:rPr lang="ko-KR" altLang="en-US" dirty="0" err="1">
+                <a:solidFill>
+                  <a:srgbClr val="FFFFFF">
+                    <a:alpha val="70000"/>
+                  </a:srgbClr>
+                </a:solidFill>
+                <a:ea typeface="Microsoft GothicNeo"/>
+                <a:cs typeface="Microsoft GothicNeo"/>
+              </a:rPr>
+              <a:t>를</a:t>
+            </a:r>
+            <a:r>
+              <a:rPr lang="ko-KR" altLang="en-US" dirty="0">
+                <a:solidFill>
+                  <a:srgbClr val="FFFFFF">
+                    <a:alpha val="70000"/>
+                  </a:srgbClr>
+                </a:solidFill>
+                <a:ea typeface="Microsoft GothicNeo"/>
+                <a:cs typeface="Microsoft GothicNeo"/>
+              </a:rPr>
+              <a:t> 타입에 강제캐스팅을 </a:t>
+            </a:r>
+            <a:r>
+              <a:rPr lang="ko-KR" altLang="en-US" dirty="0" err="1">
+                <a:solidFill>
+                  <a:srgbClr val="FFFFFF">
+                    <a:alpha val="70000"/>
+                  </a:srgbClr>
+                </a:solidFill>
+                <a:ea typeface="Microsoft GothicNeo"/>
+                <a:cs typeface="Microsoft GothicNeo"/>
+              </a:rPr>
+              <a:t>해ㅝ야</a:t>
+            </a:r>
+            <a:r>
+              <a:rPr lang="ko-KR" altLang="en-US" dirty="0">
+                <a:solidFill>
+                  <a:srgbClr val="FFFFFF">
+                    <a:alpha val="70000"/>
+                  </a:srgbClr>
+                </a:solidFill>
+                <a:ea typeface="Microsoft GothicNeo"/>
+                <a:cs typeface="Microsoft GothicNeo"/>
+              </a:rPr>
+              <a:t> 사용가능</a:t>
+            </a:r>
+          </a:p>
+          <a:p>
+            <a:pPr marL="0" indent="0">
+              <a:buNone/>
+            </a:pPr>
+            <a:r>
+              <a:rPr lang="ko-KR" altLang="en-US" dirty="0">
+                <a:solidFill>
+                  <a:srgbClr val="FFFFFF">
+                    <a:alpha val="70000"/>
+                  </a:srgbClr>
+                </a:solidFill>
+                <a:ea typeface="Microsoft GothicNeo"/>
+                <a:cs typeface="Microsoft GothicNeo"/>
+              </a:rPr>
+              <a:t>New / </a:t>
+            </a:r>
+            <a:r>
+              <a:rPr lang="ko-KR" altLang="en-US" dirty="0" err="1">
+                <a:solidFill>
+                  <a:srgbClr val="FFFFFF">
+                    <a:alpha val="70000"/>
+                  </a:srgbClr>
+                </a:solidFill>
+                <a:ea typeface="Microsoft GothicNeo"/>
+                <a:cs typeface="Microsoft GothicNeo"/>
+              </a:rPr>
+              <a:t>delete를</a:t>
+            </a:r>
+            <a:r>
+              <a:rPr lang="ko-KR" altLang="en-US" dirty="0">
+                <a:solidFill>
+                  <a:srgbClr val="FFFFFF">
+                    <a:alpha val="70000"/>
+                  </a:srgbClr>
+                </a:solidFill>
+                <a:ea typeface="Microsoft GothicNeo"/>
+                <a:cs typeface="Microsoft GothicNeo"/>
+              </a:rPr>
+              <a:t> 이용해 편의성 </a:t>
+            </a:r>
+            <a:r>
+              <a:rPr lang="ko-KR" altLang="en-US" dirty="0" err="1">
+                <a:solidFill>
+                  <a:srgbClr val="FFFFFF">
+                    <a:alpha val="70000"/>
+                  </a:srgbClr>
+                </a:solidFill>
+                <a:ea typeface="Microsoft GothicNeo"/>
+                <a:cs typeface="Microsoft GothicNeo"/>
+              </a:rPr>
+              <a:t>증대시킴</a:t>
+            </a:r>
+          </a:p>
+          <a:p>
+            <a:pPr marL="0" indent="0">
+              <a:buNone/>
+            </a:pPr>
+            <a:r>
+              <a:rPr lang="ko-KR" altLang="en-US" dirty="0">
+                <a:solidFill>
+                  <a:srgbClr val="FFFFFF">
+                    <a:alpha val="70000"/>
+                  </a:srgbClr>
+                </a:solidFill>
+                <a:ea typeface="Microsoft GothicNeo"/>
+                <a:cs typeface="Microsoft GothicNeo"/>
+              </a:rPr>
+              <a:t>(c++ 의 이념 데이터타입을 엄격히 </a:t>
+            </a:r>
+            <a:r>
+              <a:rPr lang="ko-KR" altLang="en-US" dirty="0" err="1">
+                <a:solidFill>
+                  <a:srgbClr val="FFFFFF">
+                    <a:alpha val="70000"/>
+                  </a:srgbClr>
+                </a:solidFill>
+                <a:ea typeface="Microsoft GothicNeo"/>
+                <a:cs typeface="Microsoft GothicNeo"/>
+              </a:rPr>
+              <a:t>검사한다에</a:t>
+            </a:r>
+            <a:r>
+              <a:rPr lang="ko-KR" altLang="en-US" dirty="0">
+                <a:solidFill>
+                  <a:srgbClr val="FFFFFF">
+                    <a:alpha val="70000"/>
+                  </a:srgbClr>
+                </a:solidFill>
+                <a:ea typeface="Microsoft GothicNeo"/>
+                <a:cs typeface="Microsoft GothicNeo"/>
+              </a:rPr>
+              <a:t> </a:t>
+            </a:r>
+            <a:r>
+              <a:rPr lang="ko-KR" altLang="en-US" dirty="0" err="1">
+                <a:solidFill>
+                  <a:srgbClr val="FFFFFF">
+                    <a:alpha val="70000"/>
+                  </a:srgbClr>
+                </a:solidFill>
+                <a:ea typeface="Microsoft GothicNeo"/>
+                <a:cs typeface="Microsoft GothicNeo"/>
+              </a:rPr>
+              <a:t>위배되서</a:t>
+            </a:r>
+            <a:r>
+              <a:rPr lang="ko-KR" altLang="en-US" dirty="0">
+                <a:solidFill>
+                  <a:srgbClr val="FFFFFF">
+                    <a:alpha val="70000"/>
+                  </a:srgbClr>
+                </a:solidFill>
+                <a:ea typeface="Microsoft GothicNeo"/>
+                <a:cs typeface="Microsoft GothicNeo"/>
+              </a:rPr>
+              <a:t> 바꿈)</a:t>
+            </a:r>
+          </a:p>
+        </p:txBody>
+      </p:sp>
+    </p:spTree>
+    <p:extLst>
+      <p:ext uri="{BB962C8B-B14F-4D97-AF65-F5344CB8AC3E}">
+        <p14:creationId xmlns:p14="http://schemas.microsoft.com/office/powerpoint/2010/main" val="215334789"/>
+      </p:ext>
+    </p:extLst>
+  </p:cSld>
+  <p:clrMapOvr>
+    <a:masterClrMapping/>
+  </p:clrMapOvr>
+</p:sld>
+</file>
+
+<file path=ppt/slides/slide26.xml><?xml version="1.0" encoding="utf-8"?>
+<p:sld xmlns:a="http://schemas.openxmlformats.org/drawingml/2006/main" xmlns:r="http://schemas.openxmlformats.org/officeDocument/2006/relationships" xmlns:p="http://schemas.openxmlformats.org/presentationml/2006/main">
+  <p:cSld>
+    <p:spTree>
+      <p:nvGrpSpPr>
+        <p:cNvPr id="1" name=""/>
+        <p:cNvGrpSpPr/>
+        <p:nvPr/>
+      </p:nvGrpSpPr>
+      <p:grpSpPr>
+        <a:xfrm>
+          <a:off x="0" y="0"/>
+          <a:ext cx="0" cy="0"/>
+          <a:chOff x="0" y="0"/>
+          <a:chExt cx="0" cy="0"/>
+        </a:xfrm>
+      </p:grpSpPr>
+      <p:sp>
+        <p:nvSpPr>
+          <p:cNvPr id="2" name="제목 1">
+            <a:extLst>
+              <a:ext uri="{FF2B5EF4-FFF2-40B4-BE49-F238E27FC236}">
+                <a16:creationId xmlns:a16="http://schemas.microsoft.com/office/drawing/2014/main" id="{C09EBF72-0283-78F8-5A54-322D8DB8A6A5}"/>
+              </a:ext>
+            </a:extLst>
+          </p:cNvPr>
+          <p:cNvSpPr>
+            <a:spLocks noGrp="1"/>
+          </p:cNvSpPr>
+          <p:nvPr>
+            <p:ph type="title"/>
+          </p:nvPr>
+        </p:nvSpPr>
+        <p:spPr/>
+        <p:txBody>
+          <a:bodyPr/>
+          <a:lstStyle/>
+          <a:p>
+            <a:r>
+              <a:rPr lang="ko-KR" altLang="en-US" dirty="0">
+                <a:ea typeface="Microsoft GothicNeo"/>
+                <a:cs typeface="Microsoft GothicNeo"/>
+              </a:rPr>
+              <a:t>&lt;&amp; </a:t>
+            </a:r>
+            <a:r>
+              <a:rPr lang="ko-KR" altLang="en-US" dirty="0" err="1">
+                <a:ea typeface="Microsoft GothicNeo"/>
+                <a:cs typeface="Microsoft GothicNeo"/>
+              </a:rPr>
+              <a:t>참조자</a:t>
+            </a:r>
+            <a:r>
+              <a:rPr lang="ko-KR" altLang="en-US" dirty="0">
+                <a:ea typeface="Microsoft GothicNeo"/>
+                <a:cs typeface="Microsoft GothicNeo"/>
+              </a:rPr>
+              <a:t>&gt;</a:t>
+            </a:r>
+            <a:endParaRPr lang="ko-KR" altLang="en-US" dirty="0"/>
+          </a:p>
+        </p:txBody>
+      </p:sp>
+      <p:sp>
+        <p:nvSpPr>
+          <p:cNvPr id="3" name="내용 개체 틀 2">
+            <a:extLst>
+              <a:ext uri="{FF2B5EF4-FFF2-40B4-BE49-F238E27FC236}">
+                <a16:creationId xmlns:a16="http://schemas.microsoft.com/office/drawing/2014/main" id="{DCA6722B-080A-5A86-B48B-CB98EB19D93D}"/>
+              </a:ext>
+            </a:extLst>
+          </p:cNvPr>
+          <p:cNvSpPr>
+            <a:spLocks noGrp="1"/>
+          </p:cNvSpPr>
+          <p:nvPr>
+            <p:ph idx="1"/>
+          </p:nvPr>
+        </p:nvSpPr>
+        <p:spPr/>
+        <p:txBody>
+          <a:bodyPr lIns="109728" tIns="109728" rIns="109728" bIns="91440" anchor="t"/>
+          <a:lstStyle/>
+          <a:p>
+            <a:pPr marL="0" indent="0">
+              <a:buNone/>
+            </a:pPr>
+            <a:r>
+              <a:rPr lang="ko-KR" altLang="en-US" dirty="0" err="1">
+                <a:solidFill>
+                  <a:srgbClr val="FFFFFF">
+                    <a:alpha val="70000"/>
+                  </a:srgbClr>
+                </a:solidFill>
+                <a:ea typeface="Microsoft GothicNeo"/>
+                <a:cs typeface="Microsoft GothicNeo"/>
+              </a:rPr>
+              <a:t>Why</a:t>
+            </a:r>
+            <a:r>
+              <a:rPr lang="ko-KR" altLang="en-US" dirty="0">
+                <a:solidFill>
+                  <a:srgbClr val="FFFFFF">
+                    <a:alpha val="70000"/>
+                  </a:srgbClr>
+                </a:solidFill>
+                <a:ea typeface="Microsoft GothicNeo"/>
+                <a:cs typeface="Microsoft GothicNeo"/>
+              </a:rPr>
+              <a:t>_ 포인터처럼 메모리에 접근할 </a:t>
+            </a:r>
+            <a:r>
+              <a:rPr lang="ko-KR" altLang="en-US" dirty="0" err="1">
+                <a:solidFill>
+                  <a:srgbClr val="FFFFFF">
+                    <a:alpha val="70000"/>
+                  </a:srgbClr>
+                </a:solidFill>
+                <a:ea typeface="Microsoft GothicNeo"/>
+                <a:cs typeface="Microsoft GothicNeo"/>
+              </a:rPr>
+              <a:t>수있으나</a:t>
+            </a:r>
+            <a:r>
+              <a:rPr lang="ko-KR" altLang="en-US" dirty="0">
+                <a:solidFill>
+                  <a:srgbClr val="FFFFFF">
+                    <a:alpha val="70000"/>
+                  </a:srgbClr>
+                </a:solidFill>
+                <a:ea typeface="Microsoft GothicNeo"/>
+                <a:cs typeface="Microsoft GothicNeo"/>
+              </a:rPr>
+              <a:t> </a:t>
+            </a:r>
+            <a:r>
+              <a:rPr lang="ko-KR" altLang="en-US" dirty="0" err="1">
+                <a:solidFill>
+                  <a:srgbClr val="FFFFFF">
+                    <a:alpha val="70000"/>
+                  </a:srgbClr>
+                </a:solidFill>
+                <a:ea typeface="Microsoft GothicNeo"/>
+                <a:cs typeface="Microsoft GothicNeo"/>
+              </a:rPr>
+              <a:t>T</a:t>
+            </a:r>
+            <a:r>
+              <a:rPr lang="ko-KR" altLang="en-US" dirty="0">
+                <a:solidFill>
+                  <a:srgbClr val="FFFFFF">
+                    <a:alpha val="70000"/>
+                  </a:srgbClr>
+                </a:solidFill>
+                <a:ea typeface="Microsoft GothicNeo"/>
+                <a:cs typeface="Microsoft GothicNeo"/>
+              </a:rPr>
+              <a:t> </a:t>
+            </a:r>
+            <a:r>
+              <a:rPr lang="ko-KR" altLang="en-US" dirty="0" err="1">
+                <a:solidFill>
+                  <a:srgbClr val="FFFFFF">
+                    <a:alpha val="70000"/>
+                  </a:srgbClr>
+                </a:solidFill>
+                <a:ea typeface="Microsoft GothicNeo"/>
+                <a:cs typeface="Microsoft GothicNeo"/>
+              </a:rPr>
+              <a:t>const</a:t>
+            </a:r>
+            <a:r>
+              <a:rPr lang="ko-KR" altLang="en-US" dirty="0">
+                <a:solidFill>
+                  <a:srgbClr val="FFFFFF">
+                    <a:alpha val="70000"/>
+                  </a:srgbClr>
+                </a:solidFill>
+                <a:ea typeface="Microsoft GothicNeo"/>
+                <a:cs typeface="Microsoft GothicNeo"/>
+              </a:rPr>
+              <a:t> </a:t>
+            </a:r>
+            <a:r>
+              <a:rPr lang="ko-KR" altLang="en-US" dirty="0" err="1">
+                <a:solidFill>
+                  <a:srgbClr val="FFFFFF">
+                    <a:alpha val="70000"/>
+                  </a:srgbClr>
+                </a:solidFill>
+                <a:ea typeface="Microsoft GothicNeo"/>
+                <a:cs typeface="Microsoft GothicNeo"/>
+              </a:rPr>
+              <a:t>pt</a:t>
+            </a:r>
+            <a:r>
+              <a:rPr lang="ko-KR" altLang="en-US" dirty="0">
+                <a:solidFill>
+                  <a:srgbClr val="FFFFFF">
+                    <a:alpha val="70000"/>
+                  </a:srgbClr>
+                </a:solidFill>
+                <a:ea typeface="Microsoft GothicNeo"/>
+                <a:cs typeface="Microsoft GothicNeo"/>
+              </a:rPr>
+              <a:t>; </a:t>
+            </a:r>
+            <a:r>
+              <a:rPr lang="ko-KR" altLang="en-US" dirty="0" err="1">
+                <a:solidFill>
+                  <a:srgbClr val="FFFFFF">
+                    <a:alpha val="70000"/>
+                  </a:srgbClr>
+                </a:solidFill>
+                <a:ea typeface="Microsoft GothicNeo"/>
+                <a:cs typeface="Microsoft GothicNeo"/>
+              </a:rPr>
+              <a:t>처럼</a:t>
+            </a:r>
+            <a:r>
+              <a:rPr lang="ko-KR" altLang="en-US" dirty="0">
+                <a:solidFill>
+                  <a:srgbClr val="FFFFFF">
+                    <a:alpha val="70000"/>
+                  </a:srgbClr>
+                </a:solidFill>
+                <a:ea typeface="Microsoft GothicNeo"/>
+                <a:cs typeface="Microsoft GothicNeo"/>
+              </a:rPr>
+              <a:t> 사용된다.(</a:t>
+            </a:r>
+            <a:r>
+              <a:rPr lang="ko-KR" altLang="en-US" dirty="0" err="1">
+                <a:solidFill>
+                  <a:srgbClr val="FFFFFF">
+                    <a:alpha val="70000"/>
+                  </a:srgbClr>
+                </a:solidFill>
+                <a:ea typeface="Microsoft GothicNeo"/>
+                <a:cs typeface="Microsoft GothicNeo"/>
+              </a:rPr>
+              <a:t>주소값변경</a:t>
+            </a:r>
+            <a:r>
+              <a:rPr lang="ko-KR" altLang="en-US" dirty="0">
+                <a:solidFill>
+                  <a:srgbClr val="FFFFFF">
+                    <a:alpha val="70000"/>
+                  </a:srgbClr>
+                </a:solidFill>
+                <a:ea typeface="Microsoft GothicNeo"/>
+                <a:cs typeface="Microsoft GothicNeo"/>
+              </a:rPr>
+              <a:t> 불가능)</a:t>
+            </a:r>
+          </a:p>
+          <a:p>
+            <a:pPr marL="0" indent="0">
+              <a:buNone/>
+            </a:pPr>
+            <a:r>
+              <a:rPr lang="ko-KR" altLang="en-US" dirty="0">
+                <a:solidFill>
+                  <a:srgbClr val="FFFFFF">
+                    <a:alpha val="70000"/>
+                  </a:srgbClr>
+                </a:solidFill>
+                <a:ea typeface="Microsoft GothicNeo"/>
+                <a:cs typeface="Microsoft GothicNeo"/>
+              </a:rPr>
+              <a:t>       </a:t>
+            </a:r>
+            <a:r>
+              <a:rPr lang="ko-KR" altLang="en-US" err="1">
+                <a:solidFill>
+                  <a:srgbClr val="FFFFFF">
+                    <a:alpha val="70000"/>
+                  </a:srgbClr>
+                </a:solidFill>
+                <a:ea typeface="Microsoft GothicNeo"/>
+                <a:cs typeface="Microsoft GothicNeo"/>
+              </a:rPr>
+              <a:t>How</a:t>
+            </a:r>
+            <a:r>
+              <a:rPr lang="ko-KR" altLang="en-US" dirty="0">
+                <a:solidFill>
+                  <a:srgbClr val="FFFFFF">
+                    <a:alpha val="70000"/>
+                  </a:srgbClr>
+                </a:solidFill>
+                <a:ea typeface="Microsoft GothicNeo"/>
+                <a:cs typeface="Microsoft GothicNeo"/>
+              </a:rPr>
+              <a:t>_  </a:t>
+            </a:r>
+            <a:r>
+              <a:rPr lang="ko-KR" altLang="en-US" err="1">
+                <a:solidFill>
+                  <a:srgbClr val="FFFFFF">
+                    <a:alpha val="70000"/>
+                  </a:srgbClr>
+                </a:solidFill>
+                <a:ea typeface="Microsoft GothicNeo"/>
+                <a:cs typeface="Microsoft GothicNeo"/>
+              </a:rPr>
+              <a:t>int</a:t>
+            </a:r>
+            <a:r>
+              <a:rPr lang="ko-KR" altLang="en-US" dirty="0">
+                <a:solidFill>
+                  <a:srgbClr val="FFFFFF">
+                    <a:alpha val="70000"/>
+                  </a:srgbClr>
+                </a:solidFill>
+                <a:ea typeface="Microsoft GothicNeo"/>
+                <a:cs typeface="Microsoft GothicNeo"/>
+              </a:rPr>
+              <a:t> &amp; </a:t>
+            </a:r>
+            <a:r>
+              <a:rPr lang="ko-KR" altLang="en-US" err="1">
+                <a:solidFill>
+                  <a:srgbClr val="FFFFFF">
+                    <a:alpha val="70000"/>
+                  </a:srgbClr>
+                </a:solidFill>
+                <a:ea typeface="Microsoft GothicNeo"/>
+                <a:cs typeface="Microsoft GothicNeo"/>
+              </a:rPr>
+              <a:t>pt</a:t>
+            </a:r>
+            <a:r>
+              <a:rPr lang="ko-KR" altLang="en-US" dirty="0">
+                <a:solidFill>
+                  <a:srgbClr val="FFFFFF">
+                    <a:alpha val="70000"/>
+                  </a:srgbClr>
+                </a:solidFill>
+                <a:ea typeface="Microsoft GothicNeo"/>
+                <a:cs typeface="Microsoft GothicNeo"/>
+              </a:rPr>
+              <a:t> = </a:t>
+            </a:r>
+            <a:r>
+              <a:rPr lang="ko-KR" altLang="en-US" err="1">
+                <a:solidFill>
+                  <a:srgbClr val="FFFFFF">
+                    <a:alpha val="70000"/>
+                  </a:srgbClr>
+                </a:solidFill>
+                <a:ea typeface="Microsoft GothicNeo"/>
+                <a:cs typeface="Microsoft GothicNeo"/>
+              </a:rPr>
+              <a:t>a</a:t>
+            </a:r>
+            <a:r>
+              <a:rPr lang="ko-KR" altLang="en-US">
+                <a:solidFill>
+                  <a:srgbClr val="FFFFFF">
+                    <a:alpha val="70000"/>
+                  </a:srgbClr>
+                </a:solidFill>
+                <a:ea typeface="Microsoft GothicNeo"/>
+                <a:cs typeface="Microsoft GothicNeo"/>
+              </a:rPr>
+              <a:t>;  // 선언과 동시에 </a:t>
+            </a:r>
+            <a:r>
+              <a:rPr lang="ko-KR" altLang="en-US" err="1">
+                <a:solidFill>
+                  <a:srgbClr val="FFFFFF">
+                    <a:alpha val="70000"/>
+                  </a:srgbClr>
+                </a:solidFill>
+                <a:ea typeface="Microsoft GothicNeo"/>
+                <a:cs typeface="Microsoft GothicNeo"/>
+              </a:rPr>
+              <a:t>초기화해야함</a:t>
+            </a:r>
+            <a:endParaRPr lang="ko-KR" altLang="en-US" dirty="0" err="1">
+              <a:solidFill>
+                <a:srgbClr val="FFFFFF">
+                  <a:alpha val="70000"/>
+                </a:srgbClr>
+              </a:solidFill>
+              <a:ea typeface="Microsoft GothicNeo"/>
+              <a:cs typeface="Microsoft GothicNeo"/>
+            </a:endParaRPr>
+          </a:p>
+          <a:p>
+            <a:pPr marL="0" indent="0">
+              <a:buNone/>
+            </a:pPr>
+            <a:endParaRPr lang="ko-KR" altLang="en-US" dirty="0">
+              <a:solidFill>
+                <a:srgbClr val="FFFFFF">
+                  <a:alpha val="70000"/>
+                </a:srgbClr>
+              </a:solidFill>
+              <a:ea typeface="Microsoft GothicNeo"/>
+              <a:cs typeface="Microsoft GothicNeo"/>
+            </a:endParaRPr>
+          </a:p>
+          <a:p>
+            <a:pPr marL="0" indent="0">
+              <a:buNone/>
+            </a:pPr>
+            <a:r>
+              <a:rPr lang="ko-KR" altLang="en-US" dirty="0" err="1">
+                <a:solidFill>
+                  <a:srgbClr val="FFFFFF">
+                    <a:alpha val="70000"/>
+                  </a:srgbClr>
+                </a:solidFill>
+                <a:ea typeface="Microsoft GothicNeo"/>
+                <a:cs typeface="Microsoft GothicNeo"/>
+              </a:rPr>
+              <a:t>When</a:t>
+            </a:r>
+            <a:r>
+              <a:rPr lang="ko-KR" altLang="en-US" dirty="0">
+                <a:solidFill>
+                  <a:srgbClr val="FFFFFF">
+                    <a:alpha val="70000"/>
+                  </a:srgbClr>
+                </a:solidFill>
+                <a:ea typeface="Microsoft GothicNeo"/>
+                <a:cs typeface="Microsoft GothicNeo"/>
+              </a:rPr>
+              <a:t>_  </a:t>
+            </a:r>
+            <a:r>
+              <a:rPr lang="ko-KR" altLang="en-US" dirty="0" err="1">
+                <a:solidFill>
+                  <a:srgbClr val="FFFFFF">
+                    <a:alpha val="70000"/>
+                  </a:srgbClr>
+                </a:solidFill>
+                <a:ea typeface="Microsoft GothicNeo"/>
+                <a:cs typeface="Microsoft GothicNeo"/>
+              </a:rPr>
+              <a:t>void</a:t>
+            </a:r>
+            <a:r>
+              <a:rPr lang="ko-KR" altLang="en-US" dirty="0">
+                <a:solidFill>
+                  <a:srgbClr val="FFFFFF">
+                    <a:alpha val="70000"/>
+                  </a:srgbClr>
+                </a:solidFill>
+                <a:ea typeface="Microsoft GothicNeo"/>
+                <a:cs typeface="Microsoft GothicNeo"/>
+              </a:rPr>
+              <a:t> </a:t>
+            </a:r>
+            <a:r>
+              <a:rPr lang="ko-KR" altLang="en-US" dirty="0" err="1">
+                <a:solidFill>
+                  <a:srgbClr val="FFFFFF">
+                    <a:alpha val="70000"/>
+                  </a:srgbClr>
+                </a:solidFill>
+                <a:ea typeface="Microsoft GothicNeo"/>
+                <a:cs typeface="Microsoft GothicNeo"/>
+              </a:rPr>
+              <a:t>Swap</a:t>
+            </a:r>
+            <a:r>
+              <a:rPr lang="ko-KR" altLang="en-US" dirty="0">
+                <a:solidFill>
+                  <a:srgbClr val="FFFFFF">
+                    <a:alpha val="70000"/>
+                  </a:srgbClr>
+                </a:solidFill>
+                <a:ea typeface="Microsoft GothicNeo"/>
+                <a:cs typeface="Microsoft GothicNeo"/>
+              </a:rPr>
+              <a:t>(</a:t>
+            </a:r>
+            <a:r>
+              <a:rPr lang="ko-KR" altLang="en-US" dirty="0" err="1">
+                <a:solidFill>
+                  <a:srgbClr val="FFFFFF">
+                    <a:alpha val="70000"/>
+                  </a:srgbClr>
+                </a:solidFill>
+                <a:ea typeface="Microsoft GothicNeo"/>
+                <a:cs typeface="Microsoft GothicNeo"/>
+              </a:rPr>
+              <a:t>int</a:t>
+            </a:r>
+            <a:r>
+              <a:rPr lang="ko-KR" altLang="en-US" dirty="0">
+                <a:solidFill>
+                  <a:srgbClr val="FFFFFF">
+                    <a:alpha val="70000"/>
+                  </a:srgbClr>
+                </a:solidFill>
+                <a:ea typeface="Microsoft GothicNeo"/>
+                <a:cs typeface="Microsoft GothicNeo"/>
+              </a:rPr>
+              <a:t> &amp; </a:t>
+            </a:r>
+            <a:r>
+              <a:rPr lang="ko-KR" altLang="en-US" dirty="0" err="1">
+                <a:solidFill>
+                  <a:srgbClr val="FFFFFF">
+                    <a:alpha val="70000"/>
+                  </a:srgbClr>
+                </a:solidFill>
+                <a:ea typeface="Microsoft GothicNeo"/>
+                <a:cs typeface="Microsoft GothicNeo"/>
+              </a:rPr>
+              <a:t>a</a:t>
+            </a:r>
+            <a:r>
+              <a:rPr lang="ko-KR" altLang="en-US" dirty="0">
+                <a:solidFill>
+                  <a:srgbClr val="FFFFFF">
+                    <a:alpha val="70000"/>
+                  </a:srgbClr>
+                </a:solidFill>
+                <a:ea typeface="Microsoft GothicNeo"/>
+                <a:cs typeface="Microsoft GothicNeo"/>
+              </a:rPr>
+              <a:t>, </a:t>
+            </a:r>
+            <a:r>
+              <a:rPr lang="ko-KR" altLang="en-US" dirty="0" err="1">
+                <a:solidFill>
+                  <a:srgbClr val="FFFFFF">
+                    <a:alpha val="70000"/>
+                  </a:srgbClr>
+                </a:solidFill>
+                <a:ea typeface="Microsoft GothicNeo"/>
+                <a:cs typeface="Microsoft GothicNeo"/>
+              </a:rPr>
+              <a:t>int</a:t>
+            </a:r>
+            <a:r>
+              <a:rPr lang="ko-KR" altLang="en-US" dirty="0">
+                <a:solidFill>
+                  <a:srgbClr val="FFFFFF">
+                    <a:alpha val="70000"/>
+                  </a:srgbClr>
+                </a:solidFill>
+                <a:ea typeface="Microsoft GothicNeo"/>
+                <a:cs typeface="Microsoft GothicNeo"/>
+              </a:rPr>
+              <a:t>&amp; </a:t>
+            </a:r>
+            <a:r>
+              <a:rPr lang="ko-KR" altLang="en-US" dirty="0" err="1">
+                <a:solidFill>
+                  <a:srgbClr val="FFFFFF">
+                    <a:alpha val="70000"/>
+                  </a:srgbClr>
+                </a:solidFill>
+                <a:ea typeface="Microsoft GothicNeo"/>
+                <a:cs typeface="Microsoft GothicNeo"/>
+              </a:rPr>
+              <a:t>b</a:t>
+            </a:r>
+            <a:r>
+              <a:rPr lang="ko-KR" altLang="en-US" dirty="0">
+                <a:solidFill>
+                  <a:srgbClr val="FFFFFF">
+                    <a:alpha val="70000"/>
+                  </a:srgbClr>
+                </a:solidFill>
+                <a:ea typeface="Microsoft GothicNeo"/>
+                <a:cs typeface="Microsoft GothicNeo"/>
+              </a:rPr>
+              <a:t>){ … } </a:t>
+            </a:r>
+            <a:r>
+              <a:rPr lang="ko-KR" altLang="en-US" dirty="0" err="1">
+                <a:solidFill>
+                  <a:srgbClr val="FFFFFF">
+                    <a:alpha val="70000"/>
+                  </a:srgbClr>
+                </a:solidFill>
+                <a:ea typeface="Microsoft GothicNeo"/>
+                <a:cs typeface="Microsoft GothicNeo"/>
+              </a:rPr>
+              <a:t>Call</a:t>
+            </a:r>
+            <a:r>
+              <a:rPr lang="ko-KR" altLang="en-US" dirty="0">
+                <a:solidFill>
+                  <a:srgbClr val="FFFFFF">
+                    <a:alpha val="70000"/>
+                  </a:srgbClr>
+                </a:solidFill>
+                <a:ea typeface="Microsoft GothicNeo"/>
+                <a:cs typeface="Microsoft GothicNeo"/>
+              </a:rPr>
+              <a:t> </a:t>
+            </a:r>
+            <a:r>
+              <a:rPr lang="ko-KR" altLang="en-US" dirty="0" err="1">
+                <a:solidFill>
+                  <a:srgbClr val="FFFFFF">
+                    <a:alpha val="70000"/>
+                  </a:srgbClr>
+                </a:solidFill>
+                <a:ea typeface="Microsoft GothicNeo"/>
+                <a:cs typeface="Microsoft GothicNeo"/>
+              </a:rPr>
+              <a:t>By</a:t>
+            </a:r>
+            <a:r>
+              <a:rPr lang="ko-KR" altLang="en-US" dirty="0">
+                <a:solidFill>
+                  <a:srgbClr val="FFFFFF">
+                    <a:alpha val="70000"/>
+                  </a:srgbClr>
+                </a:solidFill>
+                <a:ea typeface="Microsoft GothicNeo"/>
+                <a:cs typeface="Microsoft GothicNeo"/>
+              </a:rPr>
+              <a:t> </a:t>
+            </a:r>
+            <a:r>
+              <a:rPr lang="ko-KR" altLang="en-US" dirty="0" err="1">
+                <a:solidFill>
+                  <a:srgbClr val="FFFFFF">
+                    <a:alpha val="70000"/>
+                  </a:srgbClr>
+                </a:solidFill>
+                <a:ea typeface="Microsoft GothicNeo"/>
+                <a:cs typeface="Microsoft GothicNeo"/>
+              </a:rPr>
+              <a:t>Refer</a:t>
+            </a:r>
+            <a:r>
+              <a:rPr lang="ko-KR" altLang="en-US" dirty="0">
+                <a:solidFill>
+                  <a:srgbClr val="FFFFFF">
+                    <a:alpha val="70000"/>
+                  </a:srgbClr>
+                </a:solidFill>
+                <a:ea typeface="Microsoft GothicNeo"/>
+                <a:cs typeface="Microsoft GothicNeo"/>
+              </a:rPr>
+              <a:t> 가 적용되며 직관적임</a:t>
+            </a:r>
+          </a:p>
+        </p:txBody>
+      </p:sp>
+    </p:spTree>
+    <p:extLst>
+      <p:ext uri="{BB962C8B-B14F-4D97-AF65-F5344CB8AC3E}">
+        <p14:creationId xmlns:p14="http://schemas.microsoft.com/office/powerpoint/2010/main" val="149172264"/>
+      </p:ext>
+    </p:extLst>
+  </p:cSld>
+  <p:clrMapOvr>
+    <a:masterClrMapping/>
+  </p:clrMapOvr>
+</p:sld>
+</file>
+
+<file path=ppt/slides/slide27.xml><?xml version="1.0" encoding="utf-8"?>
+<p:sld xmlns:a="http://schemas.openxmlformats.org/drawingml/2006/main" xmlns:r="http://schemas.openxmlformats.org/officeDocument/2006/relationships" xmlns:p="http://schemas.openxmlformats.org/presentationml/2006/main">
+  <p:cSld>
+    <p:spTree>
+      <p:nvGrpSpPr>
+        <p:cNvPr id="1" name=""/>
+        <p:cNvGrpSpPr/>
+        <p:nvPr/>
+      </p:nvGrpSpPr>
+      <p:grpSpPr>
+        <a:xfrm>
+          <a:off x="0" y="0"/>
+          <a:ext cx="0" cy="0"/>
+          <a:chOff x="0" y="0"/>
+          <a:chExt cx="0" cy="0"/>
+        </a:xfrm>
+      </p:grpSpPr>
+      <p:sp>
+        <p:nvSpPr>
+          <p:cNvPr id="2" name="제목 1">
+            <a:extLst>
+              <a:ext uri="{FF2B5EF4-FFF2-40B4-BE49-F238E27FC236}">
+                <a16:creationId xmlns:a16="http://schemas.microsoft.com/office/drawing/2014/main" id="{7B390464-16FD-6A9C-DE3B-0CDF8C301454}"/>
+              </a:ext>
+            </a:extLst>
+          </p:cNvPr>
+          <p:cNvSpPr>
+            <a:spLocks noGrp="1"/>
+          </p:cNvSpPr>
+          <p:nvPr>
+            <p:ph type="title"/>
+          </p:nvPr>
+        </p:nvSpPr>
+        <p:spPr/>
+        <p:txBody>
+          <a:bodyPr/>
+          <a:lstStyle/>
+          <a:p>
+            <a:r>
+              <a:rPr lang="ko-KR" altLang="en-US" dirty="0">
+                <a:ea typeface="Microsoft GothicNeo"/>
+                <a:cs typeface="Microsoft GothicNeo"/>
+              </a:rPr>
+              <a:t>&lt;복사 생성자&gt;</a:t>
+            </a:r>
+            <a:endParaRPr lang="ko-KR" altLang="en-US" dirty="0"/>
+          </a:p>
+        </p:txBody>
+      </p:sp>
+      <p:sp>
+        <p:nvSpPr>
+          <p:cNvPr id="3" name="내용 개체 틀 2">
+            <a:extLst>
+              <a:ext uri="{FF2B5EF4-FFF2-40B4-BE49-F238E27FC236}">
+                <a16:creationId xmlns:a16="http://schemas.microsoft.com/office/drawing/2014/main" id="{2BE1EA04-1509-1432-CF67-B29EFDBFF0C6}"/>
+              </a:ext>
+            </a:extLst>
+          </p:cNvPr>
+          <p:cNvSpPr>
+            <a:spLocks noGrp="1"/>
+          </p:cNvSpPr>
+          <p:nvPr>
+            <p:ph idx="1"/>
+          </p:nvPr>
+        </p:nvSpPr>
+        <p:spPr/>
+        <p:txBody>
+          <a:bodyPr lIns="109728" tIns="109728" rIns="109728" bIns="91440" anchor="t"/>
+          <a:lstStyle/>
+          <a:p>
+            <a:r>
+              <a:rPr lang="ko-KR" altLang="en-US" dirty="0" err="1">
+                <a:solidFill>
+                  <a:srgbClr val="FFFFFF">
+                    <a:alpha val="70000"/>
+                  </a:srgbClr>
+                </a:solidFill>
+                <a:ea typeface="Microsoft GothicNeo"/>
+                <a:cs typeface="Microsoft GothicNeo"/>
+              </a:rPr>
+              <a:t>Car</a:t>
+            </a:r>
+            <a:r>
+              <a:rPr lang="ko-KR" altLang="en-US" dirty="0">
+                <a:solidFill>
+                  <a:srgbClr val="FFFFFF">
+                    <a:alpha val="70000"/>
+                  </a:srgbClr>
+                </a:solidFill>
+                <a:ea typeface="Microsoft GothicNeo"/>
+                <a:cs typeface="Microsoft GothicNeo"/>
+              </a:rPr>
+              <a:t> (</a:t>
+            </a:r>
+            <a:r>
+              <a:rPr lang="ko-KR" altLang="en-US" dirty="0" err="1">
+                <a:solidFill>
+                  <a:srgbClr val="FFFFFF">
+                    <a:alpha val="70000"/>
+                  </a:srgbClr>
+                </a:solidFill>
+                <a:ea typeface="Microsoft GothicNeo"/>
+                <a:cs typeface="Microsoft GothicNeo"/>
+              </a:rPr>
+              <a:t>const</a:t>
+            </a:r>
+            <a:r>
+              <a:rPr lang="ko-KR" altLang="en-US" dirty="0">
+                <a:solidFill>
+                  <a:srgbClr val="FFFFFF">
+                    <a:alpha val="70000"/>
+                  </a:srgbClr>
+                </a:solidFill>
+                <a:ea typeface="Microsoft GothicNeo"/>
+                <a:cs typeface="Microsoft GothicNeo"/>
+              </a:rPr>
+              <a:t> </a:t>
+            </a:r>
+            <a:r>
+              <a:rPr lang="ko-KR" altLang="en-US" dirty="0" err="1">
+                <a:solidFill>
+                  <a:srgbClr val="FFFFFF">
+                    <a:alpha val="70000"/>
+                  </a:srgbClr>
+                </a:solidFill>
+                <a:ea typeface="Microsoft GothicNeo"/>
+                <a:cs typeface="Microsoft GothicNeo"/>
+              </a:rPr>
+              <a:t>Car</a:t>
+            </a:r>
+            <a:r>
+              <a:rPr lang="ko-KR" altLang="en-US" dirty="0">
+                <a:solidFill>
+                  <a:srgbClr val="FFFFFF">
+                    <a:alpha val="70000"/>
+                  </a:srgbClr>
+                </a:solidFill>
+                <a:ea typeface="Microsoft GothicNeo"/>
+                <a:cs typeface="Microsoft GothicNeo"/>
+              </a:rPr>
+              <a:t>&amp; </a:t>
+            </a:r>
+            <a:r>
+              <a:rPr lang="ko-KR" altLang="en-US" dirty="0" err="1">
+                <a:solidFill>
+                  <a:srgbClr val="FFFFFF">
+                    <a:alpha val="70000"/>
+                  </a:srgbClr>
+                </a:solidFill>
+                <a:ea typeface="Microsoft GothicNeo"/>
+                <a:cs typeface="Microsoft GothicNeo"/>
+              </a:rPr>
+              <a:t>obj</a:t>
+            </a:r>
+            <a:r>
+              <a:rPr lang="ko-KR" altLang="en-US" dirty="0">
+                <a:solidFill>
+                  <a:srgbClr val="FFFFFF">
+                    <a:alpha val="70000"/>
+                  </a:srgbClr>
+                </a:solidFill>
+                <a:ea typeface="Microsoft GothicNeo"/>
+                <a:cs typeface="Microsoft GothicNeo"/>
+              </a:rPr>
+              <a:t>) : </a:t>
+            </a:r>
+            <a:r>
+              <a:rPr lang="ko-KR" altLang="en-US" dirty="0" err="1">
+                <a:solidFill>
+                  <a:srgbClr val="FFFFFF">
+                    <a:alpha val="70000"/>
+                  </a:srgbClr>
+                </a:solidFill>
+                <a:ea typeface="Microsoft GothicNeo"/>
+                <a:cs typeface="Microsoft GothicNeo"/>
+              </a:rPr>
+              <a:t>Speed</a:t>
+            </a:r>
+            <a:r>
+              <a:rPr lang="ko-KR" altLang="en-US" dirty="0">
+                <a:solidFill>
+                  <a:srgbClr val="FFFFFF">
+                    <a:alpha val="70000"/>
+                  </a:srgbClr>
+                </a:solidFill>
+                <a:ea typeface="Microsoft GothicNeo"/>
+                <a:cs typeface="Microsoft GothicNeo"/>
+              </a:rPr>
+              <a:t>(</a:t>
+            </a:r>
+            <a:r>
+              <a:rPr lang="ko-KR" altLang="en-US" dirty="0" err="1">
+                <a:solidFill>
+                  <a:srgbClr val="FFFFFF">
+                    <a:alpha val="70000"/>
+                  </a:srgbClr>
+                </a:solidFill>
+                <a:ea typeface="Microsoft GothicNeo"/>
+                <a:cs typeface="Microsoft GothicNeo"/>
+              </a:rPr>
+              <a:t>obj.Speed</a:t>
+            </a:r>
+            <a:r>
+              <a:rPr lang="ko-KR" altLang="en-US" dirty="0">
+                <a:solidFill>
+                  <a:srgbClr val="FFFFFF">
+                    <a:alpha val="70000"/>
+                  </a:srgbClr>
+                </a:solidFill>
+                <a:ea typeface="Microsoft GothicNeo"/>
+                <a:cs typeface="Microsoft GothicNeo"/>
+              </a:rPr>
+              <a:t>) , </a:t>
+            </a:r>
+            <a:r>
+              <a:rPr lang="ko-KR" altLang="en-US" dirty="0" err="1">
+                <a:solidFill>
+                  <a:srgbClr val="FFFFFF">
+                    <a:alpha val="70000"/>
+                  </a:srgbClr>
+                </a:solidFill>
+                <a:ea typeface="Microsoft GothicNeo"/>
+                <a:cs typeface="Microsoft GothicNeo"/>
+              </a:rPr>
+              <a:t>Limit</a:t>
+            </a:r>
+            <a:r>
+              <a:rPr lang="ko-KR" altLang="en-US" dirty="0">
+                <a:solidFill>
+                  <a:srgbClr val="FFFFFF">
+                    <a:alpha val="70000"/>
+                  </a:srgbClr>
+                </a:solidFill>
+                <a:ea typeface="Microsoft GothicNeo"/>
+                <a:cs typeface="Microsoft GothicNeo"/>
+              </a:rPr>
+              <a:t>(</a:t>
+            </a:r>
+            <a:r>
+              <a:rPr lang="ko-KR" altLang="en-US" dirty="0" err="1">
+                <a:solidFill>
+                  <a:srgbClr val="FFFFFF">
+                    <a:alpha val="70000"/>
+                  </a:srgbClr>
+                </a:solidFill>
+                <a:ea typeface="Microsoft GothicNeo"/>
+                <a:cs typeface="Microsoft GothicNeo"/>
+              </a:rPr>
+              <a:t>obj.Limit</a:t>
+            </a:r>
+            <a:r>
+              <a:rPr lang="ko-KR" altLang="en-US" dirty="0">
+                <a:solidFill>
+                  <a:srgbClr val="FFFFFF">
+                    <a:alpha val="70000"/>
+                  </a:srgbClr>
+                </a:solidFill>
+                <a:ea typeface="Microsoft GothicNeo"/>
+                <a:cs typeface="Microsoft GothicNeo"/>
+              </a:rPr>
+              <a:t>){};</a:t>
+            </a:r>
+          </a:p>
+          <a:p>
+            <a:pPr marL="0" indent="0">
+              <a:buNone/>
+            </a:pPr>
+            <a:r>
+              <a:rPr lang="ko-KR" altLang="en-US" dirty="0">
+                <a:solidFill>
+                  <a:srgbClr val="FFFFFF">
+                    <a:alpha val="70000"/>
+                  </a:srgbClr>
+                </a:solidFill>
+                <a:ea typeface="Microsoft GothicNeo"/>
+                <a:cs typeface="Microsoft GothicNeo"/>
+              </a:rPr>
+              <a:t>는 직접 구현하지 않아도 컴파일러가 생성하는 디폴트 복사생성자 이다. </a:t>
+            </a:r>
+          </a:p>
+          <a:p>
+            <a:pPr marL="0" indent="0">
+              <a:buNone/>
+            </a:pPr>
+            <a:r>
+              <a:rPr lang="ko-KR" altLang="en-US" err="1">
+                <a:solidFill>
+                  <a:srgbClr val="FFFFFF">
+                    <a:alpha val="70000"/>
+                  </a:srgbClr>
+                </a:solidFill>
+                <a:ea typeface="Microsoft GothicNeo"/>
+                <a:cs typeface="Microsoft GothicNeo"/>
+              </a:rPr>
+              <a:t>Why</a:t>
+            </a:r>
+            <a:r>
+              <a:rPr lang="ko-KR" altLang="en-US" dirty="0">
+                <a:solidFill>
+                  <a:srgbClr val="FFFFFF">
+                    <a:alpha val="70000"/>
+                  </a:srgbClr>
+                </a:solidFill>
+                <a:ea typeface="Microsoft GothicNeo"/>
+                <a:cs typeface="Microsoft GothicNeo"/>
+              </a:rPr>
+              <a:t>_ </a:t>
+            </a:r>
+            <a:r>
+              <a:rPr lang="ko-KR" altLang="en-US" err="1">
+                <a:solidFill>
+                  <a:srgbClr val="FFFFFF">
+                    <a:alpha val="70000"/>
+                  </a:srgbClr>
+                </a:solidFill>
+                <a:ea typeface="Microsoft GothicNeo"/>
+                <a:cs typeface="Microsoft GothicNeo"/>
+              </a:rPr>
+              <a:t>Car</a:t>
+            </a:r>
+            <a:r>
+              <a:rPr lang="ko-KR" altLang="en-US" dirty="0">
+                <a:solidFill>
+                  <a:srgbClr val="FFFFFF">
+                    <a:alpha val="70000"/>
+                  </a:srgbClr>
+                </a:solidFill>
+                <a:ea typeface="Microsoft GothicNeo"/>
+                <a:cs typeface="Microsoft GothicNeo"/>
+              </a:rPr>
+              <a:t> c1;   </a:t>
+            </a:r>
+            <a:r>
+              <a:rPr lang="ko-KR" altLang="en-US" err="1">
+                <a:solidFill>
+                  <a:srgbClr val="FFFFFF">
+                    <a:alpha val="70000"/>
+                  </a:srgbClr>
+                </a:solidFill>
+                <a:ea typeface="Microsoft GothicNeo"/>
+                <a:cs typeface="Microsoft GothicNeo"/>
+              </a:rPr>
+              <a:t>Car</a:t>
+            </a:r>
+            <a:r>
+              <a:rPr lang="ko-KR" altLang="en-US" dirty="0">
+                <a:solidFill>
+                  <a:srgbClr val="FFFFFF">
+                    <a:alpha val="70000"/>
+                  </a:srgbClr>
+                </a:solidFill>
+                <a:ea typeface="Microsoft GothicNeo"/>
+                <a:cs typeface="Microsoft GothicNeo"/>
+              </a:rPr>
+              <a:t> C2(C1); </a:t>
+            </a:r>
+            <a:r>
+              <a:rPr lang="ko-KR" altLang="en-US" err="1">
+                <a:solidFill>
+                  <a:srgbClr val="FFFFFF">
+                    <a:alpha val="70000"/>
+                  </a:srgbClr>
+                </a:solidFill>
+                <a:ea typeface="Microsoft GothicNeo"/>
+                <a:cs typeface="Microsoft GothicNeo"/>
+              </a:rPr>
+              <a:t>을하면</a:t>
+            </a:r>
+            <a:r>
+              <a:rPr lang="ko-KR" altLang="en-US" dirty="0">
+                <a:solidFill>
+                  <a:srgbClr val="FFFFFF">
+                    <a:alpha val="70000"/>
+                  </a:srgbClr>
+                </a:solidFill>
+                <a:ea typeface="Microsoft GothicNeo"/>
+                <a:cs typeface="Microsoft GothicNeo"/>
+              </a:rPr>
+              <a:t> 복사가가 된다. // C2 = C1; </a:t>
+            </a:r>
+            <a:r>
+              <a:rPr lang="ko-KR" altLang="en-US" err="1">
+                <a:solidFill>
+                  <a:srgbClr val="FFFFFF">
+                    <a:alpha val="70000"/>
+                  </a:srgbClr>
+                </a:solidFill>
+                <a:ea typeface="Microsoft GothicNeo"/>
+                <a:cs typeface="Microsoft GothicNeo"/>
+              </a:rPr>
+              <a:t>으로</a:t>
+            </a:r>
+            <a:r>
+              <a:rPr lang="ko-KR" altLang="en-US">
+                <a:solidFill>
+                  <a:srgbClr val="FFFFFF">
+                    <a:alpha val="70000"/>
+                  </a:srgbClr>
+                </a:solidFill>
+                <a:ea typeface="Microsoft GothicNeo"/>
+                <a:cs typeface="Microsoft GothicNeo"/>
+              </a:rPr>
+              <a:t> 사용가능능</a:t>
+            </a:r>
+          </a:p>
+          <a:p>
+            <a:pPr marL="0" indent="0">
+              <a:buNone/>
+            </a:pPr>
+            <a:endParaRPr lang="ko-KR" altLang="en-US" dirty="0">
+              <a:solidFill>
+                <a:srgbClr val="FFFFFF">
+                  <a:alpha val="70000"/>
+                </a:srgbClr>
+              </a:solidFill>
+              <a:ea typeface="Microsoft GothicNeo"/>
+              <a:cs typeface="Microsoft GothicNeo"/>
+            </a:endParaRPr>
+          </a:p>
+          <a:p>
+            <a:pPr marL="0" indent="0">
+              <a:buNone/>
+            </a:pPr>
+            <a:r>
+              <a:rPr lang="ko-KR" altLang="en-US" dirty="0">
+                <a:solidFill>
+                  <a:srgbClr val="FFFFFF">
+                    <a:alpha val="70000"/>
+                  </a:srgbClr>
+                </a:solidFill>
+                <a:ea typeface="Microsoft GothicNeo"/>
+                <a:cs typeface="Microsoft GothicNeo"/>
+              </a:rPr>
+              <a:t>주의: 함수내에 </a:t>
+            </a:r>
+            <a:r>
+              <a:rPr lang="ko-KR" altLang="en-US" dirty="0" err="1">
+                <a:solidFill>
+                  <a:srgbClr val="FFFFFF">
+                    <a:alpha val="70000"/>
+                  </a:srgbClr>
+                </a:solidFill>
+                <a:ea typeface="Microsoft GothicNeo"/>
+                <a:cs typeface="Microsoft GothicNeo"/>
+              </a:rPr>
+              <a:t>동적할당하는</a:t>
+            </a:r>
+            <a:r>
+              <a:rPr lang="ko-KR" altLang="en-US" dirty="0">
+                <a:solidFill>
+                  <a:srgbClr val="FFFFFF">
+                    <a:alpha val="70000"/>
+                  </a:srgbClr>
+                </a:solidFill>
+                <a:ea typeface="Microsoft GothicNeo"/>
+                <a:cs typeface="Microsoft GothicNeo"/>
+              </a:rPr>
+              <a:t> </a:t>
+            </a:r>
+            <a:r>
+              <a:rPr lang="ko-KR" altLang="en-US" dirty="0" err="1">
+                <a:solidFill>
+                  <a:srgbClr val="FFFFFF">
+                    <a:alpha val="70000"/>
+                  </a:srgbClr>
+                </a:solidFill>
+                <a:ea typeface="Microsoft GothicNeo"/>
+                <a:cs typeface="Microsoft GothicNeo"/>
+              </a:rPr>
+              <a:t>변수가있을경우</a:t>
+            </a:r>
+            <a:r>
+              <a:rPr lang="ko-KR" altLang="en-US" dirty="0">
+                <a:solidFill>
+                  <a:srgbClr val="FFFFFF">
+                    <a:alpha val="70000"/>
+                  </a:srgbClr>
+                </a:solidFill>
+                <a:ea typeface="Microsoft GothicNeo"/>
+                <a:cs typeface="Microsoft GothicNeo"/>
+              </a:rPr>
+              <a:t> </a:t>
+            </a:r>
+            <a:r>
+              <a:rPr lang="ko-KR" altLang="en-US" dirty="0" err="1">
+                <a:solidFill>
+                  <a:srgbClr val="FFFFFF">
+                    <a:alpha val="70000"/>
+                  </a:srgbClr>
+                </a:solidFill>
+                <a:ea typeface="Microsoft GothicNeo"/>
+                <a:cs typeface="Microsoft GothicNeo"/>
+              </a:rPr>
+              <a:t>Defalut</a:t>
+            </a:r>
+            <a:r>
+              <a:rPr lang="ko-KR" altLang="en-US" dirty="0">
+                <a:solidFill>
+                  <a:srgbClr val="FFFFFF">
+                    <a:alpha val="70000"/>
+                  </a:srgbClr>
+                </a:solidFill>
+                <a:ea typeface="Microsoft GothicNeo"/>
+                <a:cs typeface="Microsoft GothicNeo"/>
+              </a:rPr>
+              <a:t> 복사생성자의 경우 </a:t>
+            </a:r>
+            <a:r>
+              <a:rPr lang="ko-KR" altLang="en-US" dirty="0" err="1">
+                <a:solidFill>
+                  <a:srgbClr val="FFFFFF">
+                    <a:alpha val="70000"/>
+                  </a:srgbClr>
+                </a:solidFill>
+                <a:ea typeface="Microsoft GothicNeo"/>
+                <a:cs typeface="Microsoft GothicNeo"/>
+              </a:rPr>
+              <a:t>얕은복사가</a:t>
+            </a:r>
+            <a:r>
+              <a:rPr lang="ko-KR" altLang="en-US" dirty="0">
+                <a:solidFill>
+                  <a:srgbClr val="FFFFFF">
+                    <a:alpha val="70000"/>
+                  </a:srgbClr>
+                </a:solidFill>
+                <a:ea typeface="Microsoft GothicNeo"/>
+                <a:cs typeface="Microsoft GothicNeo"/>
+              </a:rPr>
+              <a:t> 진행된다.</a:t>
+            </a:r>
+            <a:br>
+              <a:rPr lang="en-US" altLang="ko-KR" dirty="0"/>
+            </a:br>
+            <a:r>
+              <a:rPr lang="ko-KR" altLang="en-US" dirty="0">
+                <a:solidFill>
+                  <a:srgbClr val="FFFFFF">
+                    <a:alpha val="70000"/>
+                  </a:srgbClr>
+                </a:solidFill>
+                <a:ea typeface="Microsoft GothicNeo"/>
+                <a:cs typeface="Microsoft GothicNeo"/>
+              </a:rPr>
+              <a:t>이 경우 직접 구현하여 </a:t>
+            </a:r>
+            <a:r>
+              <a:rPr lang="ko-KR" altLang="en-US" dirty="0" err="1">
+                <a:solidFill>
+                  <a:srgbClr val="FFFFFF">
+                    <a:alpha val="70000"/>
+                  </a:srgbClr>
+                </a:solidFill>
+                <a:ea typeface="Microsoft GothicNeo"/>
+                <a:cs typeface="Microsoft GothicNeo"/>
+              </a:rPr>
+              <a:t>동적할당하는</a:t>
+            </a:r>
+            <a:r>
+              <a:rPr lang="ko-KR" altLang="en-US" dirty="0">
+                <a:solidFill>
+                  <a:srgbClr val="FFFFFF">
+                    <a:alpha val="70000"/>
+                  </a:srgbClr>
+                </a:solidFill>
+                <a:ea typeface="Microsoft GothicNeo"/>
+                <a:cs typeface="Microsoft GothicNeo"/>
+              </a:rPr>
+              <a:t> 변수는 </a:t>
+            </a:r>
+            <a:r>
+              <a:rPr lang="ko-KR" altLang="en-US" dirty="0" err="1">
+                <a:solidFill>
+                  <a:srgbClr val="FFFFFF">
+                    <a:alpha val="70000"/>
+                  </a:srgbClr>
+                </a:solidFill>
+                <a:ea typeface="Microsoft GothicNeo"/>
+                <a:cs typeface="Microsoft GothicNeo"/>
+              </a:rPr>
+              <a:t>동적할당하도록</a:t>
+            </a:r>
+            <a:r>
+              <a:rPr lang="ko-KR" altLang="en-US" dirty="0">
+                <a:solidFill>
+                  <a:srgbClr val="FFFFFF">
+                    <a:alpha val="70000"/>
+                  </a:srgbClr>
+                </a:solidFill>
+                <a:ea typeface="Microsoft GothicNeo"/>
+                <a:cs typeface="Microsoft GothicNeo"/>
+              </a:rPr>
+              <a:t> 해야함</a:t>
+            </a:r>
+          </a:p>
+        </p:txBody>
+      </p:sp>
+    </p:spTree>
+    <p:extLst>
+      <p:ext uri="{BB962C8B-B14F-4D97-AF65-F5344CB8AC3E}">
+        <p14:creationId xmlns:p14="http://schemas.microsoft.com/office/powerpoint/2010/main" val="3484138944"/>
+      </p:ext>
+    </p:extLst>
+  </p:cSld>
+  <p:clrMapOvr>
+    <a:masterClrMapping/>
+  </p:clrMapOvr>
+</p:sld>
+</file>
+
+<file path=ppt/slides/slide28.xml><?xml version="1.0" encoding="utf-8"?>
+<p:sld xmlns:a="http://schemas.openxmlformats.org/drawingml/2006/main" xmlns:r="http://schemas.openxmlformats.org/officeDocument/2006/relationships" xmlns:p="http://schemas.openxmlformats.org/presentationml/2006/main">
+  <p:cSld>
+    <p:spTree>
+      <p:nvGrpSpPr>
+        <p:cNvPr id="1" name=""/>
+        <p:cNvGrpSpPr/>
+        <p:nvPr/>
+      </p:nvGrpSpPr>
+      <p:grpSpPr>
+        <a:xfrm>
+          <a:off x="0" y="0"/>
+          <a:ext cx="0" cy="0"/>
+          <a:chOff x="0" y="0"/>
+          <a:chExt cx="0" cy="0"/>
+        </a:xfrm>
+      </p:grpSpPr>
+      <p:sp>
+        <p:nvSpPr>
+          <p:cNvPr id="2" name="제목 1">
+            <a:extLst>
+              <a:ext uri="{FF2B5EF4-FFF2-40B4-BE49-F238E27FC236}">
+                <a16:creationId xmlns:a16="http://schemas.microsoft.com/office/drawing/2014/main" id="{7FED96D4-9D23-4FAD-D9CE-0EBD30AD4C0F}"/>
+              </a:ext>
+            </a:extLst>
+          </p:cNvPr>
+          <p:cNvSpPr>
+            <a:spLocks noGrp="1"/>
+          </p:cNvSpPr>
+          <p:nvPr>
+            <p:ph type="title"/>
+          </p:nvPr>
+        </p:nvSpPr>
+        <p:spPr/>
+        <p:txBody>
+          <a:bodyPr/>
+          <a:lstStyle/>
+          <a:p>
+            <a:r>
+              <a:rPr lang="ko-KR" altLang="en-US" dirty="0">
+                <a:ea typeface="Microsoft GothicNeo"/>
+                <a:cs typeface="Microsoft GothicNeo"/>
+              </a:rPr>
+              <a:t>&lt;</a:t>
+            </a:r>
+            <a:r>
+              <a:rPr lang="ko-KR" altLang="en-US" dirty="0" err="1">
+                <a:ea typeface="Microsoft GothicNeo"/>
+                <a:cs typeface="Microsoft GothicNeo"/>
+              </a:rPr>
+              <a:t>class</a:t>
+            </a:r>
+            <a:r>
+              <a:rPr lang="ko-KR" altLang="en-US" dirty="0">
+                <a:ea typeface="Microsoft GothicNeo"/>
+                <a:cs typeface="Microsoft GothicNeo"/>
+              </a:rPr>
+              <a:t> 사용에서 동적할당을 하는 이유&gt;</a:t>
+            </a:r>
+            <a:endParaRPr lang="ko-KR" altLang="en-US" dirty="0"/>
+          </a:p>
+        </p:txBody>
+      </p:sp>
+      <p:sp>
+        <p:nvSpPr>
+          <p:cNvPr id="3" name="내용 개체 틀 2">
+            <a:extLst>
+              <a:ext uri="{FF2B5EF4-FFF2-40B4-BE49-F238E27FC236}">
+                <a16:creationId xmlns:a16="http://schemas.microsoft.com/office/drawing/2014/main" id="{0CDB8C0A-599A-7F9D-30BB-C855087BC84B}"/>
+              </a:ext>
+            </a:extLst>
+          </p:cNvPr>
+          <p:cNvSpPr>
+            <a:spLocks noGrp="1"/>
+          </p:cNvSpPr>
+          <p:nvPr>
+            <p:ph idx="1"/>
+          </p:nvPr>
+        </p:nvSpPr>
+        <p:spPr/>
+        <p:txBody>
+          <a:bodyPr lIns="109728" tIns="109728" rIns="109728" bIns="91440" anchor="t"/>
+          <a:lstStyle/>
+          <a:p>
+            <a:r>
+              <a:rPr lang="ko-KR" altLang="en-US" dirty="0" err="1">
+                <a:solidFill>
+                  <a:srgbClr val="FFFFFF">
+                    <a:alpha val="70000"/>
+                  </a:srgbClr>
+                </a:solidFill>
+                <a:ea typeface="Microsoft GothicNeo"/>
+                <a:cs typeface="Microsoft GothicNeo"/>
+              </a:rPr>
+              <a:t>Car</a:t>
+            </a:r>
+            <a:r>
+              <a:rPr lang="ko-KR" altLang="en-US" dirty="0">
+                <a:solidFill>
+                  <a:srgbClr val="FFFFFF">
+                    <a:alpha val="70000"/>
+                  </a:srgbClr>
+                </a:solidFill>
+                <a:ea typeface="Microsoft GothicNeo"/>
+                <a:cs typeface="Microsoft GothicNeo"/>
+              </a:rPr>
+              <a:t> c1 ; </a:t>
+            </a:r>
+            <a:r>
+              <a:rPr lang="ko-KR" altLang="en-US" dirty="0" err="1">
+                <a:solidFill>
+                  <a:srgbClr val="FFFFFF">
+                    <a:alpha val="70000"/>
+                  </a:srgbClr>
+                </a:solidFill>
+                <a:ea typeface="Microsoft GothicNeo"/>
+                <a:cs typeface="Microsoft GothicNeo"/>
+              </a:rPr>
+              <a:t>처럼</a:t>
+            </a:r>
+            <a:r>
+              <a:rPr lang="ko-KR" altLang="en-US" dirty="0">
+                <a:solidFill>
+                  <a:srgbClr val="FFFFFF">
+                    <a:alpha val="70000"/>
+                  </a:srgbClr>
+                </a:solidFill>
+                <a:ea typeface="Microsoft GothicNeo"/>
+                <a:cs typeface="Microsoft GothicNeo"/>
+              </a:rPr>
+              <a:t> 직접 사용할 수 있으나 이는 지역변수와 같으며 </a:t>
+            </a:r>
+          </a:p>
+          <a:p>
+            <a:pPr marL="0" indent="0">
+              <a:buNone/>
+            </a:pPr>
+            <a:r>
+              <a:rPr lang="ko-KR" altLang="en-US" dirty="0">
+                <a:solidFill>
+                  <a:srgbClr val="FFFFFF">
+                    <a:alpha val="70000"/>
+                  </a:srgbClr>
+                </a:solidFill>
+                <a:ea typeface="Microsoft GothicNeo"/>
+                <a:cs typeface="Microsoft GothicNeo"/>
+              </a:rPr>
+              <a:t>다른 함수에서 사용하는데 </a:t>
+            </a:r>
+            <a:r>
+              <a:rPr lang="ko-KR" altLang="en-US" err="1">
+                <a:solidFill>
+                  <a:srgbClr val="FFFFFF">
+                    <a:alpha val="70000"/>
+                  </a:srgbClr>
+                </a:solidFill>
+                <a:ea typeface="Microsoft GothicNeo"/>
+                <a:cs typeface="Microsoft GothicNeo"/>
+              </a:rPr>
+              <a:t>무리가있다</a:t>
+            </a:r>
+            <a:r>
+              <a:rPr lang="ko-KR" altLang="en-US" dirty="0">
+                <a:solidFill>
+                  <a:srgbClr val="FFFFFF">
+                    <a:alpha val="70000"/>
+                  </a:srgbClr>
+                </a:solidFill>
+                <a:ea typeface="Microsoft GothicNeo"/>
+                <a:cs typeface="Microsoft GothicNeo"/>
+              </a:rPr>
+              <a:t>.</a:t>
+            </a:r>
+          </a:p>
+          <a:p>
+            <a:pPr marL="0" indent="0">
+              <a:buNone/>
+            </a:pPr>
+            <a:r>
+              <a:rPr lang="ko-KR" altLang="en-US" dirty="0">
+                <a:solidFill>
+                  <a:srgbClr val="FFFFFF">
+                    <a:alpha val="70000"/>
+                  </a:srgbClr>
+                </a:solidFill>
+                <a:ea typeface="Microsoft GothicNeo"/>
+                <a:cs typeface="Microsoft GothicNeo"/>
+              </a:rPr>
+              <a:t> </a:t>
+            </a:r>
+            <a:r>
+              <a:rPr lang="ko-KR" altLang="en-US" dirty="0" err="1">
+                <a:solidFill>
+                  <a:srgbClr val="FFFFFF">
+                    <a:alpha val="70000"/>
+                  </a:srgbClr>
+                </a:solidFill>
+                <a:ea typeface="Microsoft GothicNeo"/>
+                <a:cs typeface="Microsoft GothicNeo"/>
+              </a:rPr>
+              <a:t>필요할떄</a:t>
+            </a:r>
+            <a:r>
+              <a:rPr lang="ko-KR" altLang="en-US" dirty="0">
+                <a:solidFill>
+                  <a:srgbClr val="FFFFFF">
+                    <a:alpha val="70000"/>
+                  </a:srgbClr>
+                </a:solidFill>
+                <a:ea typeface="Microsoft GothicNeo"/>
+                <a:cs typeface="Microsoft GothicNeo"/>
+              </a:rPr>
+              <a:t> 사용하고 </a:t>
+            </a:r>
+            <a:r>
+              <a:rPr lang="ko-KR" altLang="en-US" dirty="0" err="1">
+                <a:solidFill>
+                  <a:srgbClr val="FFFFFF">
+                    <a:alpha val="70000"/>
+                  </a:srgbClr>
+                </a:solidFill>
+                <a:ea typeface="Microsoft GothicNeo"/>
+                <a:cs typeface="Microsoft GothicNeo"/>
+              </a:rPr>
+              <a:t>필요없을경우</a:t>
+            </a:r>
+            <a:r>
+              <a:rPr lang="ko-KR" altLang="en-US" dirty="0">
+                <a:solidFill>
+                  <a:srgbClr val="FFFFFF">
+                    <a:alpha val="70000"/>
+                  </a:srgbClr>
+                </a:solidFill>
+                <a:ea typeface="Microsoft GothicNeo"/>
+                <a:cs typeface="Microsoft GothicNeo"/>
+              </a:rPr>
+              <a:t> 메모리 할당을 해제해야 </a:t>
+            </a:r>
+            <a:r>
+              <a:rPr lang="ko-KR" altLang="en-US" dirty="0" err="1">
+                <a:solidFill>
+                  <a:srgbClr val="FFFFFF">
+                    <a:alpha val="70000"/>
+                  </a:srgbClr>
+                </a:solidFill>
+                <a:ea typeface="Microsoft GothicNeo"/>
+                <a:cs typeface="Microsoft GothicNeo"/>
+              </a:rPr>
+              <a:t>C언어의</a:t>
+            </a:r>
+            <a:r>
+              <a:rPr lang="ko-KR" altLang="en-US" dirty="0">
+                <a:solidFill>
+                  <a:srgbClr val="FFFFFF">
+                    <a:alpha val="70000"/>
+                  </a:srgbClr>
+                </a:solidFill>
+                <a:ea typeface="Microsoft GothicNeo"/>
+                <a:cs typeface="Microsoft GothicNeo"/>
+              </a:rPr>
+              <a:t> 강점이 </a:t>
+            </a:r>
+            <a:r>
+              <a:rPr lang="ko-KR" altLang="en-US" dirty="0" err="1">
+                <a:solidFill>
+                  <a:srgbClr val="FFFFFF">
+                    <a:alpha val="70000"/>
+                  </a:srgbClr>
+                </a:solidFill>
+                <a:ea typeface="Microsoft GothicNeo"/>
+                <a:cs typeface="Microsoft GothicNeo"/>
+              </a:rPr>
+              <a:t>들어난다</a:t>
+            </a:r>
+            <a:r>
+              <a:rPr lang="ko-KR" altLang="en-US" dirty="0">
+                <a:solidFill>
+                  <a:srgbClr val="FFFFFF">
+                    <a:alpha val="70000"/>
+                  </a:srgbClr>
+                </a:solidFill>
+                <a:ea typeface="Microsoft GothicNeo"/>
+                <a:cs typeface="Microsoft GothicNeo"/>
+              </a:rPr>
+              <a:t>.</a:t>
+            </a:r>
+          </a:p>
+          <a:p>
+            <a:pPr marL="0" indent="0">
+              <a:buNone/>
+            </a:pPr>
+            <a:r>
+              <a:rPr lang="ko-KR" altLang="en-US" dirty="0">
+                <a:solidFill>
+                  <a:srgbClr val="FFFFFF">
+                    <a:alpha val="70000"/>
+                  </a:srgbClr>
+                </a:solidFill>
+                <a:ea typeface="Microsoft GothicNeo"/>
+                <a:cs typeface="Microsoft GothicNeo"/>
+              </a:rPr>
+              <a:t>따라서 클래스를 </a:t>
+            </a:r>
+            <a:r>
+              <a:rPr lang="ko-KR" altLang="en-US" dirty="0" err="1">
+                <a:solidFill>
+                  <a:srgbClr val="FFFFFF">
+                    <a:alpha val="70000"/>
+                  </a:srgbClr>
+                </a:solidFill>
+                <a:ea typeface="Microsoft GothicNeo"/>
+                <a:cs typeface="Microsoft GothicNeo"/>
+              </a:rPr>
+              <a:t>동적할당하는</a:t>
+            </a:r>
+            <a:r>
+              <a:rPr lang="ko-KR" altLang="en-US" dirty="0">
+                <a:solidFill>
+                  <a:srgbClr val="FFFFFF">
+                    <a:alpha val="70000"/>
+                  </a:srgbClr>
+                </a:solidFill>
+                <a:ea typeface="Microsoft GothicNeo"/>
+                <a:cs typeface="Microsoft GothicNeo"/>
+              </a:rPr>
+              <a:t> 편이 메모리를 효율적으로 사용할 수 있다.</a:t>
+            </a:r>
+          </a:p>
+        </p:txBody>
+      </p:sp>
+    </p:spTree>
+    <p:extLst>
+      <p:ext uri="{BB962C8B-B14F-4D97-AF65-F5344CB8AC3E}">
+        <p14:creationId xmlns:p14="http://schemas.microsoft.com/office/powerpoint/2010/main" val="3917372195"/>
+      </p:ext>
+    </p:extLst>
+  </p:cSld>
+  <p:clrMapOvr>
+    <a:masterClrMapping/>
+  </p:clrMapOvr>
+</p:sld>
+</file>
+
 <file path=ppt/slides/slide3.xml><?xml version="1.0" encoding="utf-8"?>
 <p:sld xmlns:a="http://schemas.openxmlformats.org/drawingml/2006/main" xmlns:r="http://schemas.openxmlformats.org/officeDocument/2006/relationships" xmlns:p="http://schemas.openxmlformats.org/presentationml/2006/main">
   <p:cSld>

--- a/전공지식/C언어의 기초/C언어 기초지식.pptx
+++ b/전공지식/C언어의 기초/C언어 기초지식.pptx
@@ -33,6 +33,10 @@
     <p:sldId id="282" r:id="rId27"/>
     <p:sldId id="283" r:id="rId28"/>
     <p:sldId id="284" r:id="rId29"/>
+    <p:sldId id="285" r:id="rId30"/>
+    <p:sldId id="286" r:id="rId31"/>
+    <p:sldId id="287" r:id="rId32"/>
+    <p:sldId id="288" r:id="rId33"/>
   </p:sldIdLst>
   <p:sldSz cx="12192000" cy="6858000"/>
   <p:notesSz cx="6858000" cy="9144000"/>
@@ -145,6 +149,7 @@
     <p1510:client id="{68FA48E1-8A62-4041-A1F4-B32A27D0A544}" v="264" dt="2023-10-21T14:52:49.774"/>
     <p1510:client id="{70AA4CCD-8E10-434E-868F-5C5E0A410C2E}" v="3097" dt="2023-10-17T12:35:51.078"/>
     <p1510:client id="{773FEA85-BD00-400D-8917-366C44315C9D}" v="1719" dt="2023-10-19T11:41:03.164"/>
+    <p1510:client id="{95F9D723-334F-40E2-9BD2-493BAD9321A6}" v="744" dt="2023-10-23T14:53:20.899"/>
     <p1510:client id="{C0B17A74-5F7D-4C82-8D87-A30C0598D578}" v="167" dt="2023-10-19T10:58:23.895"/>
     <p1510:client id="{CD3A230A-4545-4B5A-8F53-A35FBDF96CF4}" v="889" dt="2023-10-15T10:18:49.371"/>
     <p1510:client id="{DBFDBAC8-DE04-484C-B94C-F71EF475F54E}" v="770" dt="2023-10-22T14:19:39.866"/>
@@ -7107,7 +7112,7 @@
           <a:p>
             <a:fld id="{76969C88-B244-455D-A017-012B25B1ACDD}" type="datetimeFigureOut">
               <a:rPr lang="en-US" smtClean="0"/>
-              <a:t>10/22/2023</a:t>
+              <a:t>10/23/2023</a:t>
             </a:fld>
             <a:endParaRPr lang="en-US"/>
           </a:p>
@@ -7305,7 +7310,7 @@
           <a:p>
             <a:fld id="{76969C88-B244-455D-A017-012B25B1ACDD}" type="datetimeFigureOut">
               <a:rPr lang="en-US" smtClean="0"/>
-              <a:t>10/22/2023</a:t>
+              <a:t>10/23/2023</a:t>
             </a:fld>
             <a:endParaRPr lang="en-US"/>
           </a:p>
@@ -7513,7 +7518,7 @@
           <a:p>
             <a:fld id="{76969C88-B244-455D-A017-012B25B1ACDD}" type="datetimeFigureOut">
               <a:rPr lang="en-US" smtClean="0"/>
-              <a:t>10/22/2023</a:t>
+              <a:t>10/23/2023</a:t>
             </a:fld>
             <a:endParaRPr lang="en-US"/>
           </a:p>
@@ -7711,7 +7716,7 @@
           <a:p>
             <a:fld id="{76969C88-B244-455D-A017-012B25B1ACDD}" type="datetimeFigureOut">
               <a:rPr lang="en-US" smtClean="0"/>
-              <a:t>10/22/2023</a:t>
+              <a:t>10/23/2023</a:t>
             </a:fld>
             <a:endParaRPr lang="en-US"/>
           </a:p>
@@ -7986,7 +7991,7 @@
           <a:p>
             <a:fld id="{76969C88-B244-455D-A017-012B25B1ACDD}" type="datetimeFigureOut">
               <a:rPr lang="en-US" smtClean="0"/>
-              <a:t>10/22/2023</a:t>
+              <a:t>10/23/2023</a:t>
             </a:fld>
             <a:endParaRPr lang="en-US"/>
           </a:p>
@@ -8251,7 +8256,7 @@
           <a:p>
             <a:fld id="{76969C88-B244-455D-A017-012B25B1ACDD}" type="datetimeFigureOut">
               <a:rPr lang="en-US" smtClean="0"/>
-              <a:t>10/22/2023</a:t>
+              <a:t>10/23/2023</a:t>
             </a:fld>
             <a:endParaRPr lang="en-US"/>
           </a:p>
@@ -8663,7 +8668,7 @@
           <a:p>
             <a:fld id="{76969C88-B244-455D-A017-012B25B1ACDD}" type="datetimeFigureOut">
               <a:rPr lang="en-US" smtClean="0"/>
-              <a:t>10/22/2023</a:t>
+              <a:t>10/23/2023</a:t>
             </a:fld>
             <a:endParaRPr lang="en-US"/>
           </a:p>
@@ -8804,7 +8809,7 @@
           <a:p>
             <a:fld id="{76969C88-B244-455D-A017-012B25B1ACDD}" type="datetimeFigureOut">
               <a:rPr lang="en-US" smtClean="0"/>
-              <a:t>10/22/2023</a:t>
+              <a:t>10/23/2023</a:t>
             </a:fld>
             <a:endParaRPr lang="en-US"/>
           </a:p>
@@ -8917,7 +8922,7 @@
           <a:p>
             <a:fld id="{76969C88-B244-455D-A017-012B25B1ACDD}" type="datetimeFigureOut">
               <a:rPr lang="en-US" smtClean="0"/>
-              <a:t>10/22/2023</a:t>
+              <a:t>10/23/2023</a:t>
             </a:fld>
             <a:endParaRPr lang="en-US"/>
           </a:p>
@@ -9228,7 +9233,7 @@
           <a:p>
             <a:fld id="{76969C88-B244-455D-A017-012B25B1ACDD}" type="datetimeFigureOut">
               <a:rPr lang="en-US" smtClean="0"/>
-              <a:t>10/22/2023</a:t>
+              <a:t>10/23/2023</a:t>
             </a:fld>
             <a:endParaRPr lang="en-US"/>
           </a:p>
@@ -9519,7 +9524,7 @@
           <a:p>
             <a:fld id="{76969C88-B244-455D-A017-012B25B1ACDD}" type="datetimeFigureOut">
               <a:rPr lang="en-US" smtClean="0"/>
-              <a:t>10/22/2023</a:t>
+              <a:t>10/23/2023</a:t>
             </a:fld>
             <a:endParaRPr lang="en-US"/>
           </a:p>
@@ -10269,7 +10274,7 @@
             <a:fld id="{76969C88-B244-455D-A017-012B25B1ACDD}" type="datetimeFigureOut">
               <a:rPr lang="en-US" smtClean="0"/>
               <a:pPr/>
-              <a:t>10/22/2023</a:t>
+              <a:t>10/23/2023</a:t>
             </a:fld>
             <a:endParaRPr lang="en-US"/>
           </a:p>
@@ -22631,6 +22636,665 @@
 </p:sld>
 </file>
 
+<file path=ppt/slides/slide29.xml><?xml version="1.0" encoding="utf-8"?>
+<p:sld xmlns:a="http://schemas.openxmlformats.org/drawingml/2006/main" xmlns:r="http://schemas.openxmlformats.org/officeDocument/2006/relationships" xmlns:p="http://schemas.openxmlformats.org/presentationml/2006/main">
+  <p:cSld>
+    <p:spTree>
+      <p:nvGrpSpPr>
+        <p:cNvPr id="1" name=""/>
+        <p:cNvGrpSpPr/>
+        <p:nvPr/>
+      </p:nvGrpSpPr>
+      <p:grpSpPr>
+        <a:xfrm>
+          <a:off x="0" y="0"/>
+          <a:ext cx="0" cy="0"/>
+          <a:chOff x="0" y="0"/>
+          <a:chExt cx="0" cy="0"/>
+        </a:xfrm>
+      </p:grpSpPr>
+      <p:sp>
+        <p:nvSpPr>
+          <p:cNvPr id="2" name="제목 1">
+            <a:extLst>
+              <a:ext uri="{FF2B5EF4-FFF2-40B4-BE49-F238E27FC236}">
+                <a16:creationId xmlns:a16="http://schemas.microsoft.com/office/drawing/2014/main" id="{9D5DF353-9E4B-6C74-A7A5-BA8C54C8100F}"/>
+              </a:ext>
+            </a:extLst>
+          </p:cNvPr>
+          <p:cNvSpPr>
+            <a:spLocks noGrp="1"/>
+          </p:cNvSpPr>
+          <p:nvPr>
+            <p:ph type="title"/>
+          </p:nvPr>
+        </p:nvSpPr>
+        <p:spPr/>
+        <p:txBody>
+          <a:bodyPr/>
+          <a:lstStyle/>
+          <a:p>
+            <a:r>
+              <a:rPr lang="ko-KR" altLang="en-US" dirty="0">
+                <a:ea typeface="Microsoft GothicNeo"/>
+                <a:cs typeface="Microsoft GothicNeo"/>
+              </a:rPr>
+              <a:t>&lt;임시 객체&gt;</a:t>
+            </a:r>
+          </a:p>
+        </p:txBody>
+      </p:sp>
+      <p:sp>
+        <p:nvSpPr>
+          <p:cNvPr id="3" name="내용 개체 틀 2">
+            <a:extLst>
+              <a:ext uri="{FF2B5EF4-FFF2-40B4-BE49-F238E27FC236}">
+                <a16:creationId xmlns:a16="http://schemas.microsoft.com/office/drawing/2014/main" id="{EB0A0811-B56B-D5DD-8CC2-EF066DB8A708}"/>
+              </a:ext>
+            </a:extLst>
+          </p:cNvPr>
+          <p:cNvSpPr>
+            <a:spLocks noGrp="1"/>
+          </p:cNvSpPr>
+          <p:nvPr>
+            <p:ph idx="1"/>
+          </p:nvPr>
+        </p:nvSpPr>
+        <p:spPr/>
+        <p:txBody>
+          <a:bodyPr lIns="109728" tIns="109728" rIns="109728" bIns="91440" anchor="t"/>
+          <a:lstStyle/>
+          <a:p>
+            <a:r>
+              <a:rPr lang="ko-KR" altLang="en-US" dirty="0" err="1">
+                <a:solidFill>
+                  <a:srgbClr val="FFFFFF">
+                    <a:alpha val="70000"/>
+                  </a:srgbClr>
+                </a:solidFill>
+                <a:ea typeface="Microsoft GothicNeo"/>
+                <a:cs typeface="Microsoft GothicNeo"/>
+              </a:rPr>
+              <a:t>String</a:t>
+            </a:r>
+            <a:r>
+              <a:rPr lang="ko-KR" altLang="en-US" dirty="0">
+                <a:solidFill>
+                  <a:srgbClr val="FFFFFF">
+                    <a:alpha val="70000"/>
+                  </a:srgbClr>
+                </a:solidFill>
+                <a:ea typeface="Microsoft GothicNeo"/>
+                <a:cs typeface="Microsoft GothicNeo"/>
+              </a:rPr>
+              <a:t> s1,s2; // s1 = "</a:t>
+            </a:r>
+            <a:r>
+              <a:rPr lang="ko-KR" altLang="en-US" dirty="0" err="1">
+                <a:solidFill>
+                  <a:srgbClr val="FFFFFF">
+                    <a:alpha val="70000"/>
+                  </a:srgbClr>
+                </a:solidFill>
+                <a:ea typeface="Microsoft GothicNeo"/>
+                <a:cs typeface="Microsoft GothicNeo"/>
+              </a:rPr>
+              <a:t>Hello</a:t>
+            </a:r>
+            <a:r>
+              <a:rPr lang="ko-KR" altLang="en-US" dirty="0">
+                <a:solidFill>
+                  <a:srgbClr val="FFFFFF">
+                    <a:alpha val="70000"/>
+                  </a:srgbClr>
+                </a:solidFill>
+                <a:ea typeface="Microsoft GothicNeo"/>
+                <a:cs typeface="Microsoft GothicNeo"/>
+              </a:rPr>
+              <a:t>" , s2 = "World " 로 가정</a:t>
+            </a:r>
+          </a:p>
+          <a:p>
+            <a:r>
+              <a:rPr lang="ko-KR" altLang="en-US" dirty="0" err="1">
+                <a:solidFill>
+                  <a:srgbClr val="FFFFFF">
+                    <a:alpha val="70000"/>
+                  </a:srgbClr>
+                </a:solidFill>
+                <a:ea typeface="Microsoft GothicNeo"/>
+                <a:cs typeface="Microsoft GothicNeo"/>
+              </a:rPr>
+              <a:t>Const</a:t>
+            </a:r>
+            <a:r>
+              <a:rPr lang="ko-KR" altLang="en-US" dirty="0">
+                <a:solidFill>
+                  <a:srgbClr val="FFFFFF">
+                    <a:alpha val="70000"/>
+                  </a:srgbClr>
+                </a:solidFill>
+                <a:ea typeface="Microsoft GothicNeo"/>
+                <a:cs typeface="Microsoft GothicNeo"/>
+              </a:rPr>
+              <a:t> </a:t>
+            </a:r>
+            <a:r>
+              <a:rPr lang="ko-KR" altLang="en-US" dirty="0" err="1">
+                <a:solidFill>
+                  <a:srgbClr val="FFFFFF">
+                    <a:alpha val="70000"/>
+                  </a:srgbClr>
+                </a:solidFill>
+                <a:ea typeface="Microsoft GothicNeo"/>
+                <a:cs typeface="Microsoft GothicNeo"/>
+              </a:rPr>
+              <a:t>char</a:t>
+            </a:r>
+            <a:r>
+              <a:rPr lang="ko-KR" altLang="en-US" dirty="0">
+                <a:solidFill>
+                  <a:srgbClr val="FFFFFF">
+                    <a:alpha val="70000"/>
+                  </a:srgbClr>
+                </a:solidFill>
+                <a:ea typeface="Microsoft GothicNeo"/>
+                <a:cs typeface="Microsoft GothicNeo"/>
+              </a:rPr>
+              <a:t>* </a:t>
+            </a:r>
+            <a:r>
+              <a:rPr lang="ko-KR" altLang="en-US" dirty="0" err="1">
+                <a:solidFill>
+                  <a:srgbClr val="FFFFFF">
+                    <a:alpha val="70000"/>
+                  </a:srgbClr>
+                </a:solidFill>
+                <a:ea typeface="Microsoft GothicNeo"/>
+                <a:cs typeface="Microsoft GothicNeo"/>
+              </a:rPr>
+              <a:t>str</a:t>
+            </a:r>
+            <a:r>
+              <a:rPr lang="ko-KR" altLang="en-US" dirty="0">
+                <a:solidFill>
+                  <a:srgbClr val="FFFFFF">
+                    <a:alpha val="70000"/>
+                  </a:srgbClr>
+                </a:solidFill>
+                <a:ea typeface="Microsoft GothicNeo"/>
+                <a:cs typeface="Microsoft GothicNeo"/>
+              </a:rPr>
+              <a:t> = (s1 + s2).</a:t>
+            </a:r>
+            <a:r>
+              <a:rPr lang="ko-KR" altLang="en-US" dirty="0" err="1">
+                <a:solidFill>
+                  <a:srgbClr val="FFFFFF">
+                    <a:alpha val="70000"/>
+                  </a:srgbClr>
+                </a:solidFill>
+                <a:ea typeface="Microsoft GothicNeo"/>
+                <a:cs typeface="Microsoft GothicNeo"/>
+              </a:rPr>
+              <a:t>c_str</a:t>
+            </a:r>
+            <a:r>
+              <a:rPr lang="ko-KR" altLang="en-US" dirty="0">
+                <a:solidFill>
+                  <a:srgbClr val="FFFFFF">
+                    <a:alpha val="70000"/>
+                  </a:srgbClr>
+                </a:solidFill>
+                <a:ea typeface="Microsoft GothicNeo"/>
+                <a:cs typeface="Microsoft GothicNeo"/>
+              </a:rPr>
+              <a:t>();// 문자열로 </a:t>
+            </a:r>
+            <a:r>
+              <a:rPr lang="ko-KR" altLang="en-US" dirty="0" err="1">
+                <a:solidFill>
+                  <a:srgbClr val="FFFFFF">
+                    <a:alpha val="70000"/>
+                  </a:srgbClr>
+                </a:solidFill>
+                <a:ea typeface="Microsoft GothicNeo"/>
+                <a:cs typeface="Microsoft GothicNeo"/>
+              </a:rPr>
+              <a:t>캐스팅했을떄</a:t>
+            </a:r>
+            <a:r>
+              <a:rPr lang="ko-KR" altLang="en-US" dirty="0">
+                <a:solidFill>
+                  <a:srgbClr val="FFFFFF">
+                    <a:alpha val="70000"/>
+                  </a:srgbClr>
+                </a:solidFill>
+                <a:ea typeface="Microsoft GothicNeo"/>
+                <a:cs typeface="Microsoft GothicNeo"/>
+              </a:rPr>
+              <a:t>.</a:t>
+            </a:r>
+          </a:p>
+          <a:p>
+            <a:r>
+              <a:rPr lang="ko-KR" altLang="en-US" dirty="0" err="1">
+                <a:solidFill>
+                  <a:srgbClr val="FFFFFF">
+                    <a:alpha val="70000"/>
+                  </a:srgbClr>
+                </a:solidFill>
+                <a:ea typeface="Microsoft GothicNeo"/>
+                <a:cs typeface="Microsoft GothicNeo"/>
+              </a:rPr>
+              <a:t>Std</a:t>
+            </a:r>
+            <a:r>
+              <a:rPr lang="ko-KR" altLang="en-US" dirty="0">
+                <a:solidFill>
+                  <a:srgbClr val="FFFFFF">
+                    <a:alpha val="70000"/>
+                  </a:srgbClr>
+                </a:solidFill>
+                <a:ea typeface="Microsoft GothicNeo"/>
+                <a:cs typeface="Microsoft GothicNeo"/>
+              </a:rPr>
+              <a:t>:: </a:t>
+            </a:r>
+            <a:r>
+              <a:rPr lang="ko-KR" altLang="en-US" dirty="0" err="1">
+                <a:solidFill>
+                  <a:srgbClr val="FFFFFF">
+                    <a:alpha val="70000"/>
+                  </a:srgbClr>
+                </a:solidFill>
+                <a:ea typeface="Microsoft GothicNeo"/>
+                <a:cs typeface="Microsoft GothicNeo"/>
+              </a:rPr>
+              <a:t>cout</a:t>
+            </a:r>
+            <a:r>
+              <a:rPr lang="ko-KR" altLang="en-US" dirty="0">
+                <a:solidFill>
+                  <a:srgbClr val="FFFFFF">
+                    <a:alpha val="70000"/>
+                  </a:srgbClr>
+                </a:solidFill>
+                <a:ea typeface="Microsoft GothicNeo"/>
+                <a:cs typeface="Microsoft GothicNeo"/>
+              </a:rPr>
+              <a:t> &lt;&lt; </a:t>
+            </a:r>
+            <a:r>
+              <a:rPr lang="ko-KR" altLang="en-US" dirty="0" err="1">
+                <a:solidFill>
+                  <a:srgbClr val="FFFFFF">
+                    <a:alpha val="70000"/>
+                  </a:srgbClr>
+                </a:solidFill>
+                <a:ea typeface="Microsoft GothicNeo"/>
+                <a:cs typeface="Microsoft GothicNeo"/>
+              </a:rPr>
+              <a:t>str</a:t>
+            </a:r>
+            <a:r>
+              <a:rPr lang="ko-KR" altLang="en-US" dirty="0">
+                <a:solidFill>
+                  <a:srgbClr val="FFFFFF">
+                    <a:alpha val="70000"/>
+                  </a:srgbClr>
+                </a:solidFill>
+                <a:ea typeface="Microsoft GothicNeo"/>
+                <a:cs typeface="Microsoft GothicNeo"/>
+              </a:rPr>
+              <a:t> ; // 컴파일 오류가 </a:t>
+            </a:r>
+            <a:r>
+              <a:rPr lang="ko-KR" altLang="en-US" dirty="0" err="1">
+                <a:solidFill>
+                  <a:srgbClr val="FFFFFF">
+                    <a:alpha val="70000"/>
+                  </a:srgbClr>
+                </a:solidFill>
+                <a:ea typeface="Microsoft GothicNeo"/>
+                <a:cs typeface="Microsoft GothicNeo"/>
+              </a:rPr>
+              <a:t>나게된다</a:t>
+            </a:r>
+            <a:r>
+              <a:rPr lang="ko-KR" altLang="en-US" dirty="0">
+                <a:solidFill>
+                  <a:srgbClr val="FFFFFF">
+                    <a:alpha val="70000"/>
+                  </a:srgbClr>
+                </a:solidFill>
+                <a:ea typeface="Microsoft GothicNeo"/>
+                <a:cs typeface="Microsoft GothicNeo"/>
+              </a:rPr>
+              <a:t>.</a:t>
+            </a:r>
+          </a:p>
+          <a:p>
+            <a:r>
+              <a:rPr lang="ko-KR" altLang="en-US" err="1">
+                <a:solidFill>
+                  <a:srgbClr val="FFFFFF">
+                    <a:alpha val="70000"/>
+                  </a:srgbClr>
+                </a:solidFill>
+                <a:ea typeface="Microsoft GothicNeo"/>
+                <a:cs typeface="Microsoft GothicNeo"/>
+              </a:rPr>
+              <a:t>String</a:t>
+            </a:r>
+            <a:r>
+              <a:rPr lang="ko-KR" altLang="en-US" dirty="0">
+                <a:solidFill>
+                  <a:srgbClr val="FFFFFF">
+                    <a:alpha val="70000"/>
+                  </a:srgbClr>
+                </a:solidFill>
+                <a:ea typeface="Microsoft GothicNeo"/>
+                <a:cs typeface="Microsoft GothicNeo"/>
+              </a:rPr>
+              <a:t> + </a:t>
+            </a:r>
+            <a:r>
+              <a:rPr lang="ko-KR" altLang="en-US" err="1">
+                <a:solidFill>
+                  <a:srgbClr val="FFFFFF">
+                    <a:alpha val="70000"/>
+                  </a:srgbClr>
+                </a:solidFill>
+                <a:ea typeface="Microsoft GothicNeo"/>
+                <a:cs typeface="Microsoft GothicNeo"/>
+              </a:rPr>
+              <a:t>string</a:t>
+            </a:r>
+            <a:r>
+              <a:rPr lang="ko-KR" altLang="en-US" dirty="0">
+                <a:solidFill>
+                  <a:srgbClr val="FFFFFF">
+                    <a:alpha val="70000"/>
+                  </a:srgbClr>
+                </a:solidFill>
+                <a:ea typeface="Microsoft GothicNeo"/>
+                <a:cs typeface="Microsoft GothicNeo"/>
+              </a:rPr>
+              <a:t> 간의 </a:t>
+            </a:r>
+            <a:r>
+              <a:rPr lang="ko-KR" altLang="en-US" err="1">
+                <a:solidFill>
+                  <a:srgbClr val="FFFFFF">
+                    <a:alpha val="70000"/>
+                  </a:srgbClr>
+                </a:solidFill>
+                <a:ea typeface="Microsoft GothicNeo"/>
+                <a:cs typeface="Microsoft GothicNeo"/>
+              </a:rPr>
+              <a:t>Operator</a:t>
+            </a:r>
+            <a:r>
+              <a:rPr lang="ko-KR" altLang="en-US">
+                <a:solidFill>
+                  <a:srgbClr val="FFFFFF">
+                    <a:alpha val="70000"/>
+                  </a:srgbClr>
+                </a:solidFill>
+                <a:ea typeface="Microsoft GothicNeo"/>
+                <a:cs typeface="Microsoft GothicNeo"/>
+              </a:rPr>
+              <a:t> + 연산자 오버로딩으로 인한 것인데.</a:t>
+            </a:r>
+          </a:p>
+          <a:p>
+            <a:pPr marL="0" indent="0">
+              <a:buNone/>
+            </a:pPr>
+            <a:r>
+              <a:rPr lang="ko-KR" altLang="en-US" dirty="0">
+                <a:solidFill>
+                  <a:srgbClr val="FFFFFF">
+                    <a:alpha val="70000"/>
+                  </a:srgbClr>
+                </a:solidFill>
+                <a:ea typeface="Microsoft GothicNeo"/>
+                <a:cs typeface="Microsoft GothicNeo"/>
+              </a:rPr>
+              <a:t>내부적으로 </a:t>
+            </a:r>
+            <a:r>
+              <a:rPr lang="ko-KR" altLang="en-US" dirty="0" err="1">
+                <a:solidFill>
+                  <a:srgbClr val="FFFFFF">
+                    <a:alpha val="70000"/>
+                  </a:srgbClr>
+                </a:solidFill>
+                <a:ea typeface="Microsoft GothicNeo"/>
+                <a:cs typeface="Microsoft GothicNeo"/>
+              </a:rPr>
+              <a:t>return</a:t>
+            </a:r>
+            <a:r>
+              <a:rPr lang="ko-KR" altLang="en-US" dirty="0">
+                <a:solidFill>
+                  <a:srgbClr val="FFFFFF">
+                    <a:alpha val="70000"/>
+                  </a:srgbClr>
+                </a:solidFill>
+                <a:ea typeface="Microsoft GothicNeo"/>
+                <a:cs typeface="Microsoft GothicNeo"/>
+              </a:rPr>
+              <a:t> </a:t>
+            </a:r>
+            <a:r>
+              <a:rPr lang="ko-KR" altLang="en-US" dirty="0" err="1">
+                <a:solidFill>
+                  <a:srgbClr val="FFFFFF">
+                    <a:alpha val="70000"/>
+                  </a:srgbClr>
+                </a:solidFill>
+                <a:ea typeface="Microsoft GothicNeo"/>
+                <a:cs typeface="Microsoft GothicNeo"/>
+              </a:rPr>
+              <a:t>string</a:t>
+            </a:r>
+            <a:r>
+              <a:rPr lang="ko-KR" altLang="en-US" dirty="0">
+                <a:solidFill>
+                  <a:srgbClr val="FFFFFF">
+                    <a:alpha val="70000"/>
+                  </a:srgbClr>
+                </a:solidFill>
+                <a:ea typeface="Microsoft GothicNeo"/>
+                <a:cs typeface="Microsoft GothicNeo"/>
+              </a:rPr>
+              <a:t> </a:t>
+            </a:r>
+            <a:r>
+              <a:rPr lang="ko-KR" altLang="en-US" dirty="0" err="1">
+                <a:solidFill>
+                  <a:srgbClr val="FFFFFF">
+                    <a:alpha val="70000"/>
+                  </a:srgbClr>
+                </a:solidFill>
+                <a:ea typeface="Microsoft GothicNeo"/>
+                <a:cs typeface="Microsoft GothicNeo"/>
+              </a:rPr>
+              <a:t>s</a:t>
+            </a:r>
+            <a:r>
+              <a:rPr lang="ko-KR" altLang="en-US" dirty="0">
+                <a:solidFill>
+                  <a:srgbClr val="FFFFFF">
+                    <a:alpha val="70000"/>
+                  </a:srgbClr>
+                </a:solidFill>
+                <a:ea typeface="Microsoft GothicNeo"/>
+                <a:cs typeface="Microsoft GothicNeo"/>
+              </a:rPr>
+              <a:t> = s1 + s2; </a:t>
+            </a:r>
+            <a:r>
+              <a:rPr lang="ko-KR" altLang="en-US" dirty="0" err="1">
+                <a:solidFill>
+                  <a:srgbClr val="FFFFFF">
+                    <a:alpha val="70000"/>
+                  </a:srgbClr>
+                </a:solidFill>
+                <a:ea typeface="Microsoft GothicNeo"/>
+                <a:cs typeface="Microsoft GothicNeo"/>
+              </a:rPr>
+              <a:t>s</a:t>
+            </a:r>
+            <a:r>
+              <a:rPr lang="ko-KR" altLang="en-US" dirty="0">
+                <a:solidFill>
+                  <a:srgbClr val="FFFFFF">
+                    <a:alpha val="70000"/>
+                  </a:srgbClr>
+                </a:solidFill>
+                <a:ea typeface="Microsoft GothicNeo"/>
+                <a:cs typeface="Microsoft GothicNeo"/>
+              </a:rPr>
+              <a:t> 변수는 </a:t>
+            </a:r>
+            <a:r>
+              <a:rPr lang="ko-KR" dirty="0" err="1">
+                <a:solidFill>
+                  <a:srgbClr val="FFFFFF"/>
+                </a:solidFill>
+                <a:ea typeface="+mn-lt"/>
+                <a:cs typeface="+mn-lt"/>
+              </a:rPr>
+              <a:t>Const</a:t>
+            </a:r>
+            <a:r>
+              <a:rPr lang="ko-KR" dirty="0">
+                <a:solidFill>
+                  <a:srgbClr val="FFFFFF"/>
+                </a:solidFill>
+                <a:ea typeface="+mn-lt"/>
+                <a:cs typeface="+mn-lt"/>
+              </a:rPr>
+              <a:t> </a:t>
+            </a:r>
+            <a:r>
+              <a:rPr lang="ko-KR" dirty="0" err="1">
+                <a:solidFill>
+                  <a:srgbClr val="FFFFFF"/>
+                </a:solidFill>
+                <a:ea typeface="+mn-lt"/>
+                <a:cs typeface="+mn-lt"/>
+              </a:rPr>
+              <a:t>char</a:t>
+            </a:r>
+            <a:r>
+              <a:rPr lang="ko-KR" dirty="0">
+                <a:solidFill>
+                  <a:srgbClr val="FFFFFF"/>
+                </a:solidFill>
+                <a:ea typeface="+mn-lt"/>
+                <a:cs typeface="+mn-lt"/>
+              </a:rPr>
+              <a:t>* </a:t>
+            </a:r>
+            <a:r>
+              <a:rPr lang="ko-KR" dirty="0" err="1">
+                <a:solidFill>
+                  <a:srgbClr val="FFFFFF"/>
+                </a:solidFill>
+                <a:ea typeface="+mn-lt"/>
+                <a:cs typeface="+mn-lt"/>
+              </a:rPr>
+              <a:t>str</a:t>
+            </a:r>
+            <a:r>
+              <a:rPr lang="ko-KR" dirty="0">
+                <a:solidFill>
+                  <a:srgbClr val="FFFFFF"/>
+                </a:solidFill>
+                <a:ea typeface="+mn-lt"/>
+                <a:cs typeface="+mn-lt"/>
+              </a:rPr>
+              <a:t> = (s1 + s2).</a:t>
+            </a:r>
+            <a:r>
+              <a:rPr lang="ko-KR" dirty="0" err="1">
+                <a:solidFill>
+                  <a:srgbClr val="FFFFFF"/>
+                </a:solidFill>
+                <a:ea typeface="+mn-lt"/>
+                <a:cs typeface="+mn-lt"/>
+              </a:rPr>
+              <a:t>c_str</a:t>
+            </a:r>
+            <a:r>
+              <a:rPr lang="ko-KR" dirty="0">
+                <a:solidFill>
+                  <a:srgbClr val="FFFFFF"/>
+                </a:solidFill>
+                <a:ea typeface="+mn-lt"/>
+                <a:cs typeface="+mn-lt"/>
+              </a:rPr>
+              <a:t>(); 문장이 끝난 후 </a:t>
+            </a:r>
+            <a:r>
+              <a:rPr lang="ko-KR" altLang="en-US" dirty="0">
+                <a:solidFill>
+                  <a:srgbClr val="FFFFFF"/>
+                </a:solidFill>
+                <a:ea typeface="+mn-lt"/>
+                <a:cs typeface="+mn-lt"/>
+              </a:rPr>
+              <a:t>반환되기때문에 반환된 메모리를 </a:t>
+            </a:r>
+            <a:r>
+              <a:rPr lang="ko-KR" altLang="en-US" dirty="0" err="1">
+                <a:solidFill>
+                  <a:srgbClr val="FFFFFF"/>
+                </a:solidFill>
+                <a:ea typeface="+mn-lt"/>
+                <a:cs typeface="+mn-lt"/>
+              </a:rPr>
+              <a:t>가리키게된다</a:t>
+            </a:r>
+            <a:r>
+              <a:rPr lang="ko-KR" altLang="en-US" dirty="0">
+                <a:solidFill>
+                  <a:srgbClr val="FFFFFF"/>
+                </a:solidFill>
+                <a:ea typeface="+mn-lt"/>
+                <a:cs typeface="+mn-lt"/>
+              </a:rPr>
+              <a:t>.</a:t>
+            </a:r>
+            <a:endParaRPr lang="ko-KR" dirty="0">
+              <a:solidFill>
+                <a:srgbClr val="FFFFFF">
+                  <a:alpha val="70000"/>
+                </a:srgbClr>
+              </a:solidFill>
+              <a:ea typeface="+mn-lt"/>
+              <a:cs typeface="+mn-lt"/>
+            </a:endParaRPr>
+          </a:p>
+        </p:txBody>
+      </p:sp>
+    </p:spTree>
+    <p:extLst>
+      <p:ext uri="{BB962C8B-B14F-4D97-AF65-F5344CB8AC3E}">
+        <p14:creationId xmlns:p14="http://schemas.microsoft.com/office/powerpoint/2010/main" val="3593812576"/>
+      </p:ext>
+    </p:extLst>
+  </p:cSld>
+  <p:clrMapOvr>
+    <a:masterClrMapping/>
+  </p:clrMapOvr>
+</p:sld>
+</file>
+
 <file path=ppt/slides/slide3.xml><?xml version="1.0" encoding="utf-8"?>
 <p:sld xmlns:a="http://schemas.openxmlformats.org/drawingml/2006/main" xmlns:r="http://schemas.openxmlformats.org/officeDocument/2006/relationships" xmlns:p="http://schemas.openxmlformats.org/presentationml/2006/main">
   <p:cSld>
@@ -22709,6 +23373,1206 @@
     <p:extLst>
       <p:ext uri="{BB962C8B-B14F-4D97-AF65-F5344CB8AC3E}">
         <p14:creationId xmlns:p14="http://schemas.microsoft.com/office/powerpoint/2010/main" val="1818535439"/>
+      </p:ext>
+    </p:extLst>
+  </p:cSld>
+  <p:clrMapOvr>
+    <a:masterClrMapping/>
+  </p:clrMapOvr>
+</p:sld>
+</file>
+
+<file path=ppt/slides/slide30.xml><?xml version="1.0" encoding="utf-8"?>
+<p:sld xmlns:a="http://schemas.openxmlformats.org/drawingml/2006/main" xmlns:r="http://schemas.openxmlformats.org/officeDocument/2006/relationships" xmlns:p="http://schemas.openxmlformats.org/presentationml/2006/main">
+  <p:cSld>
+    <p:spTree>
+      <p:nvGrpSpPr>
+        <p:cNvPr id="1" name=""/>
+        <p:cNvGrpSpPr/>
+        <p:nvPr/>
+      </p:nvGrpSpPr>
+      <p:grpSpPr>
+        <a:xfrm>
+          <a:off x="0" y="0"/>
+          <a:ext cx="0" cy="0"/>
+          <a:chOff x="0" y="0"/>
+          <a:chExt cx="0" cy="0"/>
+        </a:xfrm>
+      </p:grpSpPr>
+      <p:sp>
+        <p:nvSpPr>
+          <p:cNvPr id="2" name="제목 1">
+            <a:extLst>
+              <a:ext uri="{FF2B5EF4-FFF2-40B4-BE49-F238E27FC236}">
+                <a16:creationId xmlns:a16="http://schemas.microsoft.com/office/drawing/2014/main" id="{A9378991-3466-4568-7365-558D285AC53E}"/>
+              </a:ext>
+            </a:extLst>
+          </p:cNvPr>
+          <p:cNvSpPr>
+            <a:spLocks noGrp="1"/>
+          </p:cNvSpPr>
+          <p:nvPr>
+            <p:ph type="title"/>
+          </p:nvPr>
+        </p:nvSpPr>
+        <p:spPr/>
+        <p:txBody>
+          <a:bodyPr/>
+          <a:lstStyle/>
+          <a:p>
+            <a:r>
+              <a:rPr lang="ko-KR" altLang="en-US" dirty="0">
+                <a:ea typeface="Microsoft GothicNeo"/>
+                <a:cs typeface="Microsoft GothicNeo"/>
+              </a:rPr>
+              <a:t>&lt;상속 관계에서 생성자와 </a:t>
+            </a:r>
+            <a:r>
+              <a:rPr lang="ko-KR" altLang="en-US" dirty="0" err="1">
+                <a:ea typeface="Microsoft GothicNeo"/>
+                <a:cs typeface="Microsoft GothicNeo"/>
+              </a:rPr>
+              <a:t>소멸자</a:t>
+            </a:r>
+            <a:r>
+              <a:rPr lang="ko-KR" altLang="en-US" dirty="0">
+                <a:ea typeface="Microsoft GothicNeo"/>
+                <a:cs typeface="Microsoft GothicNeo"/>
+              </a:rPr>
+              <a:t>&gt;</a:t>
+            </a:r>
+            <a:endParaRPr lang="ko-KR" altLang="en-US" dirty="0"/>
+          </a:p>
+        </p:txBody>
+      </p:sp>
+      <p:sp>
+        <p:nvSpPr>
+          <p:cNvPr id="3" name="내용 개체 틀 2">
+            <a:extLst>
+              <a:ext uri="{FF2B5EF4-FFF2-40B4-BE49-F238E27FC236}">
+                <a16:creationId xmlns:a16="http://schemas.microsoft.com/office/drawing/2014/main" id="{EC5D53FD-C5F2-45A0-3C1B-18A1DBB172B0}"/>
+              </a:ext>
+            </a:extLst>
+          </p:cNvPr>
+          <p:cNvSpPr>
+            <a:spLocks noGrp="1"/>
+          </p:cNvSpPr>
+          <p:nvPr>
+            <p:ph idx="1"/>
+          </p:nvPr>
+        </p:nvSpPr>
+        <p:spPr/>
+        <p:txBody>
+          <a:bodyPr lIns="109728" tIns="109728" rIns="109728" bIns="91440" anchor="t"/>
+          <a:lstStyle/>
+          <a:p>
+            <a:r>
+              <a:rPr lang="ko-KR" altLang="en-US" err="1">
+                <a:solidFill>
+                  <a:srgbClr val="FFFFFF">
+                    <a:alpha val="70000"/>
+                  </a:srgbClr>
+                </a:solidFill>
+                <a:ea typeface="Microsoft GothicNeo"/>
+                <a:cs typeface="Microsoft GothicNeo"/>
+              </a:rPr>
+              <a:t>Class</a:t>
+            </a:r>
+            <a:r>
+              <a:rPr lang="ko-KR" altLang="en-US" dirty="0">
+                <a:solidFill>
+                  <a:srgbClr val="FFFFFF">
+                    <a:alpha val="70000"/>
+                  </a:srgbClr>
+                </a:solidFill>
+                <a:ea typeface="Microsoft GothicNeo"/>
+                <a:cs typeface="Microsoft GothicNeo"/>
+              </a:rPr>
+              <a:t> </a:t>
+            </a:r>
+            <a:r>
+              <a:rPr lang="ko-KR" altLang="en-US" err="1">
+                <a:solidFill>
+                  <a:srgbClr val="FFFFFF">
+                    <a:alpha val="70000"/>
+                  </a:srgbClr>
+                </a:solidFill>
+                <a:ea typeface="Microsoft GothicNeo"/>
+                <a:cs typeface="Microsoft GothicNeo"/>
+              </a:rPr>
+              <a:t>Dog</a:t>
+            </a:r>
+            <a:r>
+              <a:rPr lang="ko-KR" altLang="en-US" dirty="0">
+                <a:solidFill>
+                  <a:srgbClr val="FFFFFF">
+                    <a:alpha val="70000"/>
+                  </a:srgbClr>
+                </a:solidFill>
+                <a:ea typeface="Microsoft GothicNeo"/>
+                <a:cs typeface="Microsoft GothicNeo"/>
+              </a:rPr>
+              <a:t> : </a:t>
+            </a:r>
+            <a:r>
+              <a:rPr lang="ko-KR" altLang="en-US" err="1">
+                <a:solidFill>
+                  <a:srgbClr val="FFFFFF">
+                    <a:alpha val="70000"/>
+                  </a:srgbClr>
+                </a:solidFill>
+                <a:ea typeface="Microsoft GothicNeo"/>
+                <a:cs typeface="Microsoft GothicNeo"/>
+              </a:rPr>
+              <a:t>class</a:t>
+            </a:r>
+            <a:r>
+              <a:rPr lang="ko-KR" altLang="en-US" dirty="0">
+                <a:solidFill>
+                  <a:srgbClr val="FFFFFF">
+                    <a:alpha val="70000"/>
+                  </a:srgbClr>
+                </a:solidFill>
+                <a:ea typeface="Microsoft GothicNeo"/>
+                <a:cs typeface="Microsoft GothicNeo"/>
+              </a:rPr>
+              <a:t> </a:t>
+            </a:r>
+            <a:r>
+              <a:rPr lang="ko-KR" altLang="en-US" err="1">
+                <a:solidFill>
+                  <a:srgbClr val="FFFFFF">
+                    <a:alpha val="70000"/>
+                  </a:srgbClr>
+                </a:solidFill>
+                <a:ea typeface="Microsoft GothicNeo"/>
+                <a:cs typeface="Microsoft GothicNeo"/>
+              </a:rPr>
+              <a:t>Animal</a:t>
+            </a:r>
+            <a:r>
+              <a:rPr lang="ko-KR" altLang="en-US">
+                <a:solidFill>
+                  <a:srgbClr val="FFFFFF">
+                    <a:alpha val="70000"/>
+                  </a:srgbClr>
+                </a:solidFill>
+                <a:ea typeface="Microsoft GothicNeo"/>
+                <a:cs typeface="Microsoft GothicNeo"/>
+              </a:rPr>
+              <a:t>{</a:t>
+            </a:r>
+            <a:endParaRPr lang="ko-KR" altLang="en-US" dirty="0">
+              <a:solidFill>
+                <a:srgbClr val="FFFFFF">
+                  <a:alpha val="70000"/>
+                </a:srgbClr>
+              </a:solidFill>
+              <a:ea typeface="Microsoft GothicNeo"/>
+              <a:cs typeface="Microsoft GothicNeo"/>
+            </a:endParaRPr>
+          </a:p>
+          <a:p>
+            <a:r>
+              <a:rPr lang="ko-KR" altLang="en-US" err="1">
+                <a:solidFill>
+                  <a:srgbClr val="FFFFFF">
+                    <a:alpha val="70000"/>
+                  </a:srgbClr>
+                </a:solidFill>
+                <a:ea typeface="Microsoft GothicNeo"/>
+                <a:cs typeface="Microsoft GothicNeo"/>
+              </a:rPr>
+              <a:t>Class</a:t>
+            </a:r>
+            <a:r>
+              <a:rPr lang="ko-KR" altLang="en-US" dirty="0">
+                <a:solidFill>
+                  <a:srgbClr val="FFFFFF">
+                    <a:alpha val="70000"/>
+                  </a:srgbClr>
+                </a:solidFill>
+                <a:ea typeface="Microsoft GothicNeo"/>
+                <a:cs typeface="Microsoft GothicNeo"/>
+              </a:rPr>
+              <a:t> </a:t>
+            </a:r>
+            <a:r>
+              <a:rPr lang="ko-KR" altLang="en-US" err="1">
+                <a:solidFill>
+                  <a:srgbClr val="FFFFFF">
+                    <a:alpha val="70000"/>
+                  </a:srgbClr>
+                </a:solidFill>
+                <a:ea typeface="Microsoft GothicNeo"/>
+                <a:cs typeface="Microsoft GothicNeo"/>
+              </a:rPr>
+              <a:t>Dog</a:t>
+            </a:r>
+            <a:r>
+              <a:rPr lang="ko-KR" altLang="en-US">
+                <a:solidFill>
+                  <a:srgbClr val="FFFFFF">
+                    <a:alpha val="70000"/>
+                  </a:srgbClr>
+                </a:solidFill>
+                <a:ea typeface="Microsoft GothicNeo"/>
+                <a:cs typeface="Microsoft GothicNeo"/>
+              </a:rPr>
+              <a:t>()</a:t>
+            </a:r>
+            <a:endParaRPr lang="ko-KR" altLang="en-US" dirty="0">
+              <a:solidFill>
+                <a:srgbClr val="FFFFFF">
+                  <a:alpha val="70000"/>
+                </a:srgbClr>
+              </a:solidFill>
+              <a:ea typeface="Microsoft GothicNeo"/>
+              <a:cs typeface="Microsoft GothicNeo"/>
+            </a:endParaRPr>
+          </a:p>
+          <a:p>
+            <a:r>
+              <a:rPr lang="ko-KR" altLang="en-US" dirty="0">
+                <a:solidFill>
+                  <a:srgbClr val="FFFFFF">
+                    <a:alpha val="70000"/>
+                  </a:srgbClr>
+                </a:solidFill>
+                <a:ea typeface="Microsoft GothicNeo"/>
+                <a:cs typeface="Microsoft GothicNeo"/>
+              </a:rPr>
+              <a:t>: </a:t>
+            </a:r>
+            <a:r>
+              <a:rPr lang="ko-KR" altLang="en-US" dirty="0" err="1">
+                <a:solidFill>
+                  <a:srgbClr val="FFFFFF">
+                    <a:alpha val="70000"/>
+                  </a:srgbClr>
+                </a:solidFill>
+                <a:ea typeface="Microsoft GothicNeo"/>
+                <a:cs typeface="Microsoft GothicNeo"/>
+              </a:rPr>
+              <a:t>Animal</a:t>
+            </a:r>
+            <a:r>
+              <a:rPr lang="ko-KR" altLang="en-US" dirty="0">
+                <a:solidFill>
+                  <a:srgbClr val="FFFFFF">
+                    <a:alpha val="70000"/>
+                  </a:srgbClr>
+                </a:solidFill>
+                <a:ea typeface="Microsoft GothicNeo"/>
+                <a:cs typeface="Microsoft GothicNeo"/>
+              </a:rPr>
+              <a:t>() // 부모 생성자가 내부적으로 호출된다. 디폴트로 디폴트 생성자를 호출하기 때문에 인자가 </a:t>
+            </a:r>
+            <a:r>
+              <a:rPr lang="ko-KR" altLang="en-US" dirty="0" err="1">
+                <a:solidFill>
+                  <a:srgbClr val="FFFFFF">
+                    <a:alpha val="70000"/>
+                  </a:srgbClr>
+                </a:solidFill>
+                <a:ea typeface="Microsoft GothicNeo"/>
+                <a:cs typeface="Microsoft GothicNeo"/>
+              </a:rPr>
+              <a:t>필요할경우엔</a:t>
+            </a:r>
+            <a:r>
+              <a:rPr lang="ko-KR" altLang="en-US" dirty="0">
+                <a:solidFill>
+                  <a:srgbClr val="FFFFFF">
+                    <a:alpha val="70000"/>
+                  </a:srgbClr>
+                </a:solidFill>
+                <a:ea typeface="Microsoft GothicNeo"/>
+                <a:cs typeface="Microsoft GothicNeo"/>
+              </a:rPr>
+              <a:t> 명시적으로 </a:t>
+            </a:r>
+            <a:r>
+              <a:rPr lang="ko-KR" altLang="en-US" dirty="0" err="1">
+                <a:solidFill>
+                  <a:srgbClr val="FFFFFF">
+                    <a:alpha val="70000"/>
+                  </a:srgbClr>
+                </a:solidFill>
+                <a:ea typeface="Microsoft GothicNeo"/>
+                <a:cs typeface="Microsoft GothicNeo"/>
+              </a:rPr>
+              <a:t>작성해야함</a:t>
+            </a:r>
+            <a:r>
+              <a:rPr lang="ko-KR" altLang="en-US" dirty="0">
+                <a:solidFill>
+                  <a:srgbClr val="FFFFFF">
+                    <a:alpha val="70000"/>
+                  </a:srgbClr>
+                </a:solidFill>
+                <a:ea typeface="Microsoft GothicNeo"/>
+                <a:cs typeface="Microsoft GothicNeo"/>
+              </a:rPr>
+              <a:t>.</a:t>
+            </a:r>
+          </a:p>
+          <a:p>
+            <a:r>
+              <a:rPr lang="ko-KR" altLang="en-US" dirty="0">
+                <a:solidFill>
+                  <a:srgbClr val="FFFFFF">
+                    <a:alpha val="70000"/>
+                  </a:srgbClr>
+                </a:solidFill>
+                <a:ea typeface="Microsoft GothicNeo"/>
+                <a:cs typeface="Microsoft GothicNeo"/>
+              </a:rPr>
+              <a:t>호출순서 : 부모생성자 -&gt; 자식생성자</a:t>
+            </a:r>
+          </a:p>
+          <a:p>
+            <a:pPr marL="0" indent="0">
+              <a:buNone/>
+            </a:pPr>
+            <a:endParaRPr lang="ko-KR" altLang="en-US" dirty="0">
+              <a:solidFill>
+                <a:srgbClr val="FFFFFF">
+                  <a:alpha val="70000"/>
+                </a:srgbClr>
+              </a:solidFill>
+              <a:ea typeface="Microsoft GothicNeo"/>
+              <a:cs typeface="Microsoft GothicNeo"/>
+            </a:endParaRPr>
+          </a:p>
+        </p:txBody>
+      </p:sp>
+    </p:spTree>
+    <p:extLst>
+      <p:ext uri="{BB962C8B-B14F-4D97-AF65-F5344CB8AC3E}">
+        <p14:creationId xmlns:p14="http://schemas.microsoft.com/office/powerpoint/2010/main" val="1001391513"/>
+      </p:ext>
+    </p:extLst>
+  </p:cSld>
+  <p:clrMapOvr>
+    <a:masterClrMapping/>
+  </p:clrMapOvr>
+</p:sld>
+</file>
+
+<file path=ppt/slides/slide31.xml><?xml version="1.0" encoding="utf-8"?>
+<p:sld xmlns:a="http://schemas.openxmlformats.org/drawingml/2006/main" xmlns:r="http://schemas.openxmlformats.org/officeDocument/2006/relationships" xmlns:p="http://schemas.openxmlformats.org/presentationml/2006/main">
+  <p:cSld>
+    <p:spTree>
+      <p:nvGrpSpPr>
+        <p:cNvPr id="1" name=""/>
+        <p:cNvGrpSpPr/>
+        <p:nvPr/>
+      </p:nvGrpSpPr>
+      <p:grpSpPr>
+        <a:xfrm>
+          <a:off x="0" y="0"/>
+          <a:ext cx="0" cy="0"/>
+          <a:chOff x="0" y="0"/>
+          <a:chExt cx="0" cy="0"/>
+        </a:xfrm>
+      </p:grpSpPr>
+      <p:sp>
+        <p:nvSpPr>
+          <p:cNvPr id="2" name="제목 1">
+            <a:extLst>
+              <a:ext uri="{FF2B5EF4-FFF2-40B4-BE49-F238E27FC236}">
+                <a16:creationId xmlns:a16="http://schemas.microsoft.com/office/drawing/2014/main" id="{66170B08-8D04-94AC-F388-73745DB4565E}"/>
+              </a:ext>
+            </a:extLst>
+          </p:cNvPr>
+          <p:cNvSpPr>
+            <a:spLocks noGrp="1"/>
+          </p:cNvSpPr>
+          <p:nvPr>
+            <p:ph type="title"/>
+          </p:nvPr>
+        </p:nvSpPr>
+        <p:spPr/>
+        <p:txBody>
+          <a:bodyPr/>
+          <a:lstStyle/>
+          <a:p>
+            <a:r>
+              <a:rPr lang="ko-KR" dirty="0">
+                <a:ea typeface="+mj-lt"/>
+                <a:cs typeface="+mj-lt"/>
+              </a:rPr>
+              <a:t>&lt;상속 관계에서 </a:t>
+            </a:r>
+            <a:r>
+              <a:rPr lang="ko-KR" dirty="0" err="1">
+                <a:ea typeface="+mj-lt"/>
+                <a:cs typeface="+mj-lt"/>
+              </a:rPr>
+              <a:t>소멸자</a:t>
+            </a:r>
+            <a:r>
+              <a:rPr lang="ko-KR" dirty="0">
+                <a:ea typeface="+mj-lt"/>
+                <a:cs typeface="+mj-lt"/>
+              </a:rPr>
+              <a:t>&gt;</a:t>
+            </a:r>
+            <a:endParaRPr lang="ko-KR" b="0" dirty="0">
+              <a:ea typeface="+mj-lt"/>
+              <a:cs typeface="+mj-lt"/>
+            </a:endParaRPr>
+          </a:p>
+          <a:p>
+            <a:endParaRPr lang="ko-KR" altLang="en-US" dirty="0">
+              <a:ea typeface="Microsoft GothicNeo"/>
+              <a:cs typeface="Microsoft GothicNeo"/>
+            </a:endParaRPr>
+          </a:p>
+        </p:txBody>
+      </p:sp>
+      <p:sp>
+        <p:nvSpPr>
+          <p:cNvPr id="3" name="내용 개체 틀 2">
+            <a:extLst>
+              <a:ext uri="{FF2B5EF4-FFF2-40B4-BE49-F238E27FC236}">
+                <a16:creationId xmlns:a16="http://schemas.microsoft.com/office/drawing/2014/main" id="{05F76CE8-57B0-5A5E-E17E-A3C95CA72C90}"/>
+              </a:ext>
+            </a:extLst>
+          </p:cNvPr>
+          <p:cNvSpPr>
+            <a:spLocks noGrp="1"/>
+          </p:cNvSpPr>
+          <p:nvPr>
+            <p:ph idx="1"/>
+          </p:nvPr>
+        </p:nvSpPr>
+        <p:spPr/>
+        <p:txBody>
+          <a:bodyPr lIns="109728" tIns="109728" rIns="109728" bIns="91440" anchor="t"/>
+          <a:lstStyle/>
+          <a:p>
+            <a:r>
+              <a:rPr lang="ko-KR" altLang="en-US" dirty="0">
+                <a:solidFill>
+                  <a:srgbClr val="FFFFFF">
+                    <a:alpha val="70000"/>
+                  </a:srgbClr>
+                </a:solidFill>
+                <a:ea typeface="Microsoft GothicNeo"/>
+                <a:cs typeface="Microsoft GothicNeo"/>
+              </a:rPr>
+              <a:t>부모 클래스에서는 자식클래스가 있는지 판명하기 어려운 구조라서</a:t>
+            </a:r>
+          </a:p>
+          <a:p>
+            <a:r>
+              <a:rPr lang="ko-KR" altLang="en-US" dirty="0">
+                <a:solidFill>
+                  <a:srgbClr val="FFFFFF">
+                    <a:alpha val="70000"/>
+                  </a:srgbClr>
+                </a:solidFill>
+                <a:ea typeface="Microsoft GothicNeo"/>
+                <a:cs typeface="Microsoft GothicNeo"/>
+              </a:rPr>
+              <a:t>만일 자식클래스를 업캐스팅 한 상황이라면 메모리 반환시에 자식클래스가 호출이 안될 경우가 존재한다. </a:t>
+            </a:r>
+          </a:p>
+          <a:p>
+            <a:pPr marL="0" indent="0">
+              <a:buNone/>
+            </a:pPr>
+            <a:r>
+              <a:rPr lang="ko-KR" altLang="en-US" dirty="0">
+                <a:solidFill>
+                  <a:srgbClr val="FFFFFF">
+                    <a:alpha val="70000"/>
+                  </a:srgbClr>
+                </a:solidFill>
+                <a:ea typeface="Microsoft GothicNeo"/>
+                <a:cs typeface="Microsoft GothicNeo"/>
+              </a:rPr>
+              <a:t>따라서 </a:t>
+            </a:r>
+            <a:r>
+              <a:rPr lang="ko-KR" altLang="en-US" dirty="0" err="1">
+                <a:solidFill>
+                  <a:srgbClr val="FFFFFF">
+                    <a:alpha val="70000"/>
+                  </a:srgbClr>
+                </a:solidFill>
+                <a:ea typeface="Microsoft GothicNeo"/>
+                <a:cs typeface="Microsoft GothicNeo"/>
+              </a:rPr>
+              <a:t>소멸자</a:t>
+            </a:r>
+            <a:r>
+              <a:rPr lang="ko-KR" altLang="en-US" dirty="0">
+                <a:solidFill>
+                  <a:srgbClr val="FFFFFF">
+                    <a:alpha val="70000"/>
+                  </a:srgbClr>
+                </a:solidFill>
+                <a:ea typeface="Microsoft GothicNeo"/>
+                <a:cs typeface="Microsoft GothicNeo"/>
+              </a:rPr>
+              <a:t> 앞에 </a:t>
+            </a:r>
+            <a:r>
+              <a:rPr lang="ko-KR" altLang="en-US" dirty="0" err="1">
+                <a:solidFill>
+                  <a:srgbClr val="FFFFFF">
+                    <a:alpha val="70000"/>
+                  </a:srgbClr>
+                </a:solidFill>
+                <a:ea typeface="Microsoft GothicNeo"/>
+                <a:cs typeface="Microsoft GothicNeo"/>
+              </a:rPr>
+              <a:t>virtual</a:t>
+            </a:r>
+            <a:r>
+              <a:rPr lang="ko-KR" altLang="en-US" dirty="0">
+                <a:solidFill>
+                  <a:srgbClr val="FFFFFF">
+                    <a:alpha val="70000"/>
+                  </a:srgbClr>
+                </a:solidFill>
+                <a:ea typeface="Microsoft GothicNeo"/>
+                <a:cs typeface="Microsoft GothicNeo"/>
+              </a:rPr>
+              <a:t> ~</a:t>
+            </a:r>
+            <a:r>
+              <a:rPr lang="ko-KR" altLang="en-US" dirty="0" err="1">
+                <a:solidFill>
+                  <a:srgbClr val="FFFFFF">
+                    <a:alpha val="70000"/>
+                  </a:srgbClr>
+                </a:solidFill>
+                <a:ea typeface="Microsoft GothicNeo"/>
+                <a:cs typeface="Microsoft GothicNeo"/>
+              </a:rPr>
+              <a:t>Animal</a:t>
+            </a:r>
+            <a:r>
+              <a:rPr lang="ko-KR" altLang="en-US" dirty="0">
+                <a:solidFill>
+                  <a:srgbClr val="FFFFFF">
+                    <a:alpha val="70000"/>
+                  </a:srgbClr>
+                </a:solidFill>
+                <a:ea typeface="Microsoft GothicNeo"/>
+                <a:cs typeface="Microsoft GothicNeo"/>
+              </a:rPr>
+              <a:t>() // </a:t>
+            </a:r>
+            <a:r>
+              <a:rPr lang="ko-KR" altLang="en-US" dirty="0" err="1">
+                <a:solidFill>
+                  <a:srgbClr val="FFFFFF">
+                    <a:alpha val="70000"/>
+                  </a:srgbClr>
+                </a:solidFill>
+                <a:ea typeface="Microsoft GothicNeo"/>
+                <a:cs typeface="Microsoft GothicNeo"/>
+              </a:rPr>
+              <a:t>virtual</a:t>
+            </a:r>
+            <a:r>
+              <a:rPr lang="ko-KR" altLang="en-US" dirty="0">
+                <a:solidFill>
+                  <a:srgbClr val="FFFFFF">
+                    <a:alpha val="70000"/>
+                  </a:srgbClr>
+                </a:solidFill>
+                <a:ea typeface="Microsoft GothicNeo"/>
+                <a:cs typeface="Microsoft GothicNeo"/>
+              </a:rPr>
+              <a:t> 을 통해 자식 클래스가 존재함을 알린다.</a:t>
+            </a:r>
+          </a:p>
+        </p:txBody>
+      </p:sp>
+    </p:spTree>
+    <p:extLst>
+      <p:ext uri="{BB962C8B-B14F-4D97-AF65-F5344CB8AC3E}">
+        <p14:creationId xmlns:p14="http://schemas.microsoft.com/office/powerpoint/2010/main" val="4292737570"/>
+      </p:ext>
+    </p:extLst>
+  </p:cSld>
+  <p:clrMapOvr>
+    <a:masterClrMapping/>
+  </p:clrMapOvr>
+</p:sld>
+</file>
+
+<file path=ppt/slides/slide32.xml><?xml version="1.0" encoding="utf-8"?>
+<p:sld xmlns:a="http://schemas.openxmlformats.org/drawingml/2006/main" xmlns:r="http://schemas.openxmlformats.org/officeDocument/2006/relationships" xmlns:p="http://schemas.openxmlformats.org/presentationml/2006/main">
+  <p:cSld>
+    <p:spTree>
+      <p:nvGrpSpPr>
+        <p:cNvPr id="1" name=""/>
+        <p:cNvGrpSpPr/>
+        <p:nvPr/>
+      </p:nvGrpSpPr>
+      <p:grpSpPr>
+        <a:xfrm>
+          <a:off x="0" y="0"/>
+          <a:ext cx="0" cy="0"/>
+          <a:chOff x="0" y="0"/>
+          <a:chExt cx="0" cy="0"/>
+        </a:xfrm>
+      </p:grpSpPr>
+      <p:sp>
+        <p:nvSpPr>
+          <p:cNvPr id="2" name="제목 1">
+            <a:extLst>
+              <a:ext uri="{FF2B5EF4-FFF2-40B4-BE49-F238E27FC236}">
+                <a16:creationId xmlns:a16="http://schemas.microsoft.com/office/drawing/2014/main" id="{DCAABEBE-902D-2F6F-D031-456CDF1933A6}"/>
+              </a:ext>
+            </a:extLst>
+          </p:cNvPr>
+          <p:cNvSpPr>
+            <a:spLocks noGrp="1"/>
+          </p:cNvSpPr>
+          <p:nvPr>
+            <p:ph type="title"/>
+          </p:nvPr>
+        </p:nvSpPr>
+        <p:spPr/>
+        <p:txBody>
+          <a:bodyPr/>
+          <a:lstStyle/>
+          <a:p>
+            <a:r>
+              <a:rPr lang="ko-KR" altLang="en-US" dirty="0">
+                <a:ea typeface="Microsoft GothicNeo"/>
+                <a:cs typeface="Microsoft GothicNeo"/>
+              </a:rPr>
+              <a:t>&lt; 업캐스팅 &amp; 다운캐스팅 &gt;</a:t>
+            </a:r>
+            <a:endParaRPr lang="ko-KR" altLang="en-US" dirty="0"/>
+          </a:p>
+        </p:txBody>
+      </p:sp>
+      <p:sp>
+        <p:nvSpPr>
+          <p:cNvPr id="3" name="내용 개체 틀 2">
+            <a:extLst>
+              <a:ext uri="{FF2B5EF4-FFF2-40B4-BE49-F238E27FC236}">
+                <a16:creationId xmlns:a16="http://schemas.microsoft.com/office/drawing/2014/main" id="{65959E40-CB00-A2C7-A6A4-EF71F532E47C}"/>
+              </a:ext>
+            </a:extLst>
+          </p:cNvPr>
+          <p:cNvSpPr>
+            <a:spLocks noGrp="1"/>
+          </p:cNvSpPr>
+          <p:nvPr>
+            <p:ph idx="1"/>
+          </p:nvPr>
+        </p:nvSpPr>
+        <p:spPr/>
+        <p:txBody>
+          <a:bodyPr lIns="109728" tIns="109728" rIns="109728" bIns="91440" anchor="t"/>
+          <a:lstStyle/>
+          <a:p>
+            <a:r>
+              <a:rPr lang="ko-KR" altLang="en-US" dirty="0">
+                <a:solidFill>
+                  <a:srgbClr val="FFFFFF">
+                    <a:alpha val="70000"/>
+                  </a:srgbClr>
+                </a:solidFill>
+                <a:ea typeface="Microsoft GothicNeo"/>
+                <a:cs typeface="Microsoft GothicNeo"/>
+              </a:rPr>
+              <a:t>다형성을 위해 </a:t>
+            </a:r>
+            <a:r>
+              <a:rPr lang="ko-KR" altLang="en-US" dirty="0" err="1">
+                <a:solidFill>
+                  <a:srgbClr val="FFFFFF">
+                    <a:alpha val="70000"/>
+                  </a:srgbClr>
+                </a:solidFill>
+                <a:ea typeface="Microsoft GothicNeo"/>
+                <a:cs typeface="Microsoft GothicNeo"/>
+              </a:rPr>
+              <a:t>Animal</a:t>
+            </a:r>
+            <a:r>
+              <a:rPr lang="ko-KR" altLang="en-US" dirty="0">
+                <a:solidFill>
+                  <a:srgbClr val="FFFFFF">
+                    <a:alpha val="70000"/>
+                  </a:srgbClr>
+                </a:solidFill>
+                <a:ea typeface="Microsoft GothicNeo"/>
+                <a:cs typeface="Microsoft GothicNeo"/>
+              </a:rPr>
+              <a:t> </a:t>
+            </a:r>
+            <a:r>
+              <a:rPr lang="ko-KR" altLang="en-US" dirty="0" err="1">
+                <a:solidFill>
+                  <a:srgbClr val="FFFFFF">
+                    <a:alpha val="70000"/>
+                  </a:srgbClr>
+                </a:solidFill>
+                <a:ea typeface="Microsoft GothicNeo"/>
+                <a:cs typeface="Microsoft GothicNeo"/>
+              </a:rPr>
+              <a:t>arr</a:t>
+            </a:r>
+            <a:r>
+              <a:rPr lang="ko-KR" altLang="en-US" dirty="0">
+                <a:solidFill>
+                  <a:srgbClr val="FFFFFF">
+                    <a:alpha val="70000"/>
+                  </a:srgbClr>
+                </a:solidFill>
+                <a:ea typeface="Microsoft GothicNeo"/>
+                <a:cs typeface="Microsoft GothicNeo"/>
+              </a:rPr>
+              <a:t>[] = {</a:t>
+            </a:r>
+            <a:r>
+              <a:rPr lang="ko-KR" altLang="en-US" dirty="0" err="1">
+                <a:solidFill>
+                  <a:srgbClr val="FFFFFF">
+                    <a:alpha val="70000"/>
+                  </a:srgbClr>
+                </a:solidFill>
+                <a:ea typeface="Microsoft GothicNeo"/>
+                <a:cs typeface="Microsoft GothicNeo"/>
+              </a:rPr>
+              <a:t>Dog_class</a:t>
+            </a:r>
+            <a:r>
+              <a:rPr lang="ko-KR" altLang="en-US" dirty="0">
+                <a:solidFill>
+                  <a:srgbClr val="FFFFFF">
+                    <a:alpha val="70000"/>
+                  </a:srgbClr>
+                </a:solidFill>
+                <a:ea typeface="Microsoft GothicNeo"/>
+                <a:cs typeface="Microsoft GothicNeo"/>
+              </a:rPr>
+              <a:t>, </a:t>
+            </a:r>
+            <a:r>
+              <a:rPr lang="ko-KR" altLang="en-US" dirty="0" err="1">
+                <a:solidFill>
+                  <a:srgbClr val="FFFFFF">
+                    <a:alpha val="70000"/>
+                  </a:srgbClr>
+                </a:solidFill>
+                <a:ea typeface="Microsoft GothicNeo"/>
+                <a:cs typeface="Microsoft GothicNeo"/>
+              </a:rPr>
+              <a:t>Cat</a:t>
+            </a:r>
+            <a:r>
+              <a:rPr lang="ko-KR" dirty="0" err="1">
+                <a:solidFill>
+                  <a:srgbClr val="FFFFFF"/>
+                </a:solidFill>
+                <a:ea typeface="+mn-lt"/>
+                <a:cs typeface="+mn-lt"/>
+              </a:rPr>
+              <a:t>_class</a:t>
+            </a:r>
+            <a:r>
+              <a:rPr lang="en-US" altLang="ko-KR" dirty="0">
+                <a:solidFill>
+                  <a:srgbClr val="FFFFFF"/>
+                </a:solidFill>
+                <a:ea typeface="Microsoft GothicNeo"/>
+                <a:cs typeface="Microsoft GothicNeo"/>
+              </a:rPr>
+              <a:t>, ...</a:t>
+            </a:r>
+            <a:r>
+              <a:rPr lang="ko-KR" altLang="en-US" dirty="0"/>
+              <a:t>};</a:t>
+            </a:r>
+          </a:p>
+          <a:p>
+            <a:pPr marL="0" indent="0">
+              <a:buNone/>
+            </a:pPr>
+            <a:r>
+              <a:rPr lang="ko-KR" altLang="en-US" dirty="0">
+                <a:solidFill>
+                  <a:srgbClr val="FFFFFF">
+                    <a:alpha val="70000"/>
+                  </a:srgbClr>
+                </a:solidFill>
+                <a:ea typeface="Microsoft GothicNeo"/>
+                <a:cs typeface="Microsoft GothicNeo"/>
+              </a:rPr>
+              <a:t>등이 있다고 가정하자. 각 자식클래스는 업캐스팅을 하여 관리하는데 </a:t>
+            </a:r>
+          </a:p>
+          <a:p>
+            <a:pPr marL="0" indent="0">
+              <a:buNone/>
+            </a:pPr>
+            <a:r>
+              <a:rPr lang="ko-KR" altLang="en-US" dirty="0" err="1">
+                <a:solidFill>
+                  <a:srgbClr val="FFFFFF">
+                    <a:alpha val="70000"/>
+                  </a:srgbClr>
+                </a:solidFill>
+                <a:ea typeface="Microsoft GothicNeo"/>
+                <a:cs typeface="Microsoft GothicNeo"/>
+              </a:rPr>
+              <a:t>Arr</a:t>
+            </a:r>
+            <a:r>
+              <a:rPr lang="ko-KR" altLang="en-US" dirty="0">
+                <a:solidFill>
+                  <a:srgbClr val="FFFFFF">
+                    <a:alpha val="70000"/>
+                  </a:srgbClr>
+                </a:solidFill>
+                <a:ea typeface="Microsoft GothicNeo"/>
+                <a:cs typeface="Microsoft GothicNeo"/>
+              </a:rPr>
+              <a:t>[0].</a:t>
+            </a:r>
+            <a:r>
+              <a:rPr lang="ko-KR" altLang="en-US" dirty="0" err="1">
+                <a:solidFill>
+                  <a:srgbClr val="FFFFFF">
+                    <a:alpha val="70000"/>
+                  </a:srgbClr>
+                </a:solidFill>
+                <a:ea typeface="Microsoft GothicNeo"/>
+                <a:cs typeface="Microsoft GothicNeo"/>
+              </a:rPr>
+              <a:t>Sound</a:t>
+            </a:r>
+            <a:r>
+              <a:rPr lang="ko-KR" altLang="en-US" dirty="0">
+                <a:solidFill>
+                  <a:srgbClr val="FFFFFF">
+                    <a:alpha val="70000"/>
+                  </a:srgbClr>
+                </a:solidFill>
+                <a:ea typeface="Microsoft GothicNeo"/>
+                <a:cs typeface="Microsoft GothicNeo"/>
+              </a:rPr>
+              <a:t>() </a:t>
+            </a:r>
+            <a:r>
+              <a:rPr lang="ko-KR" altLang="en-US" dirty="0" err="1">
+                <a:solidFill>
+                  <a:srgbClr val="FFFFFF">
+                    <a:alpha val="70000"/>
+                  </a:srgbClr>
+                </a:solidFill>
+                <a:ea typeface="Microsoft GothicNeo"/>
+                <a:cs typeface="Microsoft GothicNeo"/>
+              </a:rPr>
+              <a:t>를</a:t>
+            </a:r>
+            <a:r>
+              <a:rPr lang="ko-KR" altLang="en-US" dirty="0">
+                <a:solidFill>
+                  <a:srgbClr val="FFFFFF">
+                    <a:alpha val="70000"/>
+                  </a:srgbClr>
+                </a:solidFill>
+                <a:ea typeface="Microsoft GothicNeo"/>
+                <a:cs typeface="Microsoft GothicNeo"/>
+              </a:rPr>
+              <a:t> 호출 </a:t>
+            </a:r>
+            <a:r>
+              <a:rPr lang="ko-KR" altLang="en-US" dirty="0" err="1">
+                <a:solidFill>
+                  <a:srgbClr val="FFFFFF">
+                    <a:alpha val="70000"/>
+                  </a:srgbClr>
+                </a:solidFill>
+                <a:ea typeface="Microsoft GothicNeo"/>
+                <a:cs typeface="Microsoft GothicNeo"/>
+              </a:rPr>
+              <a:t>할경우</a:t>
+            </a:r>
+            <a:r>
+              <a:rPr lang="ko-KR" altLang="en-US" dirty="0">
+                <a:solidFill>
+                  <a:srgbClr val="FFFFFF">
+                    <a:alpha val="70000"/>
+                  </a:srgbClr>
+                </a:solidFill>
+                <a:ea typeface="Microsoft GothicNeo"/>
+                <a:cs typeface="Microsoft GothicNeo"/>
+              </a:rPr>
+              <a:t> 업캐스팅이 된 상황이기 때문에 </a:t>
+            </a:r>
+          </a:p>
+          <a:p>
+            <a:pPr marL="0" indent="0">
+              <a:buNone/>
+            </a:pPr>
+            <a:r>
+              <a:rPr lang="ko-KR" altLang="en-US" dirty="0" err="1">
+                <a:solidFill>
+                  <a:srgbClr val="FFFFFF">
+                    <a:alpha val="70000"/>
+                  </a:srgbClr>
+                </a:solidFill>
+                <a:ea typeface="Microsoft GothicNeo"/>
+                <a:cs typeface="Microsoft GothicNeo"/>
+              </a:rPr>
+              <a:t>Animal</a:t>
+            </a:r>
+            <a:r>
+              <a:rPr lang="ko-KR" altLang="en-US" dirty="0">
+                <a:solidFill>
+                  <a:srgbClr val="FFFFFF">
+                    <a:alpha val="70000"/>
+                  </a:srgbClr>
+                </a:solidFill>
+                <a:ea typeface="Microsoft GothicNeo"/>
+                <a:cs typeface="Microsoft GothicNeo"/>
+              </a:rPr>
+              <a:t>::</a:t>
+            </a:r>
+            <a:r>
+              <a:rPr lang="ko-KR" altLang="en-US" dirty="0" err="1">
+                <a:solidFill>
+                  <a:srgbClr val="FFFFFF">
+                    <a:alpha val="70000"/>
+                  </a:srgbClr>
+                </a:solidFill>
+                <a:ea typeface="Microsoft GothicNeo"/>
+                <a:cs typeface="Microsoft GothicNeo"/>
+              </a:rPr>
+              <a:t>Sound</a:t>
+            </a:r>
+            <a:r>
+              <a:rPr lang="ko-KR" altLang="en-US" dirty="0">
+                <a:solidFill>
+                  <a:srgbClr val="FFFFFF">
+                    <a:alpha val="70000"/>
+                  </a:srgbClr>
+                </a:solidFill>
+                <a:ea typeface="Microsoft GothicNeo"/>
+                <a:cs typeface="Microsoft GothicNeo"/>
+              </a:rPr>
+              <a:t>()가 호출이 된다. 이는 다형성의 의미가 </a:t>
+            </a:r>
+            <a:r>
+              <a:rPr lang="ko-KR" altLang="en-US" dirty="0" err="1">
+                <a:solidFill>
+                  <a:srgbClr val="FFFFFF">
+                    <a:alpha val="70000"/>
+                  </a:srgbClr>
+                </a:solidFill>
+                <a:ea typeface="Microsoft GothicNeo"/>
+                <a:cs typeface="Microsoft GothicNeo"/>
+              </a:rPr>
+              <a:t>가져지지않기떄문에에</a:t>
+            </a:r>
+          </a:p>
+          <a:p>
+            <a:pPr marL="0" indent="0">
+              <a:buNone/>
+            </a:pPr>
+            <a:r>
+              <a:rPr lang="ko-KR" altLang="en-US" dirty="0">
+                <a:solidFill>
+                  <a:srgbClr val="FFFFFF">
+                    <a:alpha val="70000"/>
+                  </a:srgbClr>
+                </a:solidFill>
+                <a:ea typeface="Microsoft GothicNeo"/>
+                <a:cs typeface="Microsoft GothicNeo"/>
+              </a:rPr>
+              <a:t>함수 </a:t>
+            </a:r>
+            <a:r>
+              <a:rPr lang="ko-KR" altLang="en-US" dirty="0" err="1">
+                <a:solidFill>
+                  <a:srgbClr val="FFFFFF">
+                    <a:alpha val="70000"/>
+                  </a:srgbClr>
+                </a:solidFill>
+                <a:ea typeface="Microsoft GothicNeo"/>
+                <a:cs typeface="Microsoft GothicNeo"/>
+              </a:rPr>
+              <a:t>오버라이드를</a:t>
+            </a:r>
+            <a:r>
+              <a:rPr lang="ko-KR" altLang="en-US" dirty="0">
+                <a:solidFill>
+                  <a:srgbClr val="FFFFFF">
+                    <a:alpha val="70000"/>
+                  </a:srgbClr>
+                </a:solidFill>
+                <a:ea typeface="Microsoft GothicNeo"/>
+                <a:cs typeface="Microsoft GothicNeo"/>
+              </a:rPr>
+              <a:t> 이용하여 작성하면 </a:t>
+            </a:r>
+            <a:r>
+              <a:rPr lang="ko-KR" altLang="en-US" dirty="0" err="1">
+                <a:solidFill>
+                  <a:srgbClr val="FFFFFF">
+                    <a:alpha val="70000"/>
+                  </a:srgbClr>
+                </a:solidFill>
+                <a:ea typeface="Microsoft GothicNeo"/>
+                <a:cs typeface="Microsoft GothicNeo"/>
+              </a:rPr>
+              <a:t>Dog</a:t>
+            </a:r>
+            <a:r>
+              <a:rPr lang="ko-KR" altLang="en-US" dirty="0">
+                <a:solidFill>
+                  <a:srgbClr val="FFFFFF">
+                    <a:alpha val="70000"/>
+                  </a:srgbClr>
+                </a:solidFill>
+                <a:ea typeface="Microsoft GothicNeo"/>
+                <a:cs typeface="Microsoft GothicNeo"/>
+              </a:rPr>
+              <a:t>::</a:t>
+            </a:r>
+            <a:r>
+              <a:rPr lang="ko-KR" altLang="en-US" dirty="0" err="1">
+                <a:solidFill>
+                  <a:srgbClr val="FFFFFF">
+                    <a:alpha val="70000"/>
+                  </a:srgbClr>
+                </a:solidFill>
+                <a:ea typeface="Microsoft GothicNeo"/>
+                <a:cs typeface="Microsoft GothicNeo"/>
+              </a:rPr>
+              <a:t>Sound</a:t>
+            </a:r>
+            <a:r>
+              <a:rPr lang="ko-KR" altLang="en-US" dirty="0">
+                <a:solidFill>
+                  <a:srgbClr val="FFFFFF">
+                    <a:alpha val="70000"/>
+                  </a:srgbClr>
+                </a:solidFill>
+                <a:ea typeface="Microsoft GothicNeo"/>
+                <a:cs typeface="Microsoft GothicNeo"/>
+              </a:rPr>
+              <a:t>() , </a:t>
+            </a:r>
+            <a:r>
+              <a:rPr lang="ko-KR" altLang="en-US" dirty="0" err="1">
+                <a:solidFill>
+                  <a:srgbClr val="FFFFFF">
+                    <a:alpha val="70000"/>
+                  </a:srgbClr>
+                </a:solidFill>
+                <a:ea typeface="Microsoft GothicNeo"/>
+                <a:cs typeface="Microsoft GothicNeo"/>
+              </a:rPr>
+              <a:t>Cat</a:t>
+            </a:r>
+            <a:r>
+              <a:rPr lang="ko-KR" altLang="en-US" dirty="0">
+                <a:solidFill>
+                  <a:srgbClr val="FFFFFF">
+                    <a:alpha val="70000"/>
+                  </a:srgbClr>
+                </a:solidFill>
+                <a:ea typeface="Microsoft GothicNeo"/>
+                <a:cs typeface="Microsoft GothicNeo"/>
+              </a:rPr>
+              <a:t>::</a:t>
+            </a:r>
+            <a:r>
+              <a:rPr lang="ko-KR" altLang="en-US" dirty="0" err="1">
+                <a:solidFill>
+                  <a:srgbClr val="FFFFFF">
+                    <a:alpha val="70000"/>
+                  </a:srgbClr>
+                </a:solidFill>
+                <a:ea typeface="Microsoft GothicNeo"/>
+                <a:cs typeface="Microsoft GothicNeo"/>
+              </a:rPr>
+              <a:t>Sound</a:t>
+            </a:r>
+            <a:r>
+              <a:rPr lang="ko-KR" altLang="en-US" dirty="0">
+                <a:solidFill>
+                  <a:srgbClr val="FFFFFF">
+                    <a:alpha val="70000"/>
+                  </a:srgbClr>
+                </a:solidFill>
+                <a:ea typeface="Microsoft GothicNeo"/>
+                <a:cs typeface="Microsoft GothicNeo"/>
+              </a:rPr>
+              <a:t>()</a:t>
+            </a:r>
+            <a:r>
+              <a:rPr lang="ko-KR" altLang="en-US" dirty="0" err="1">
+                <a:solidFill>
+                  <a:srgbClr val="FFFFFF">
+                    <a:alpha val="70000"/>
+                  </a:srgbClr>
+                </a:solidFill>
+                <a:ea typeface="Microsoft GothicNeo"/>
+                <a:cs typeface="Microsoft GothicNeo"/>
+              </a:rPr>
+              <a:t>를</a:t>
+            </a:r>
+            <a:r>
+              <a:rPr lang="ko-KR" altLang="en-US" dirty="0">
+                <a:solidFill>
+                  <a:srgbClr val="FFFFFF">
+                    <a:alpha val="70000"/>
+                  </a:srgbClr>
+                </a:solidFill>
+                <a:ea typeface="Microsoft GothicNeo"/>
+                <a:cs typeface="Microsoft GothicNeo"/>
+              </a:rPr>
+              <a:t> </a:t>
+            </a:r>
+            <a:r>
+              <a:rPr lang="ko-KR" altLang="en-US" dirty="0" err="1">
+                <a:solidFill>
+                  <a:srgbClr val="FFFFFF">
+                    <a:alpha val="70000"/>
+                  </a:srgbClr>
+                </a:solidFill>
+                <a:ea typeface="Microsoft GothicNeo"/>
+                <a:cs typeface="Microsoft GothicNeo"/>
+              </a:rPr>
+              <a:t>호출할수있다</a:t>
+            </a:r>
+            <a:r>
+              <a:rPr lang="ko-KR" altLang="en-US" dirty="0">
+                <a:solidFill>
+                  <a:srgbClr val="FFFFFF">
+                    <a:alpha val="70000"/>
+                  </a:srgbClr>
+                </a:solidFill>
+                <a:ea typeface="Microsoft GothicNeo"/>
+                <a:cs typeface="Microsoft GothicNeo"/>
+              </a:rPr>
+              <a:t>.</a:t>
+            </a:r>
+          </a:p>
+        </p:txBody>
+      </p:sp>
+    </p:spTree>
+    <p:extLst>
+      <p:ext uri="{BB962C8B-B14F-4D97-AF65-F5344CB8AC3E}">
+        <p14:creationId xmlns:p14="http://schemas.microsoft.com/office/powerpoint/2010/main" val="2477266860"/>
       </p:ext>
     </p:extLst>
   </p:cSld>

--- a/전공지식/C언어의 기초/C언어 기초지식.pptx
+++ b/전공지식/C언어의 기초/C언어 기초지식.pptx
@@ -37,6 +37,9 @@
     <p:sldId id="286" r:id="rId31"/>
     <p:sldId id="287" r:id="rId32"/>
     <p:sldId id="288" r:id="rId33"/>
+    <p:sldId id="289" r:id="rId34"/>
+    <p:sldId id="290" r:id="rId35"/>
+    <p:sldId id="291" r:id="rId36"/>
   </p:sldIdLst>
   <p:sldSz cx="12192000" cy="6858000"/>
   <p:notesSz cx="6858000" cy="9144000"/>
@@ -149,7 +152,7 @@
     <p1510:client id="{68FA48E1-8A62-4041-A1F4-B32A27D0A544}" v="264" dt="2023-10-21T14:52:49.774"/>
     <p1510:client id="{70AA4CCD-8E10-434E-868F-5C5E0A410C2E}" v="3097" dt="2023-10-17T12:35:51.078"/>
     <p1510:client id="{773FEA85-BD00-400D-8917-366C44315C9D}" v="1719" dt="2023-10-19T11:41:03.164"/>
-    <p1510:client id="{95F9D723-334F-40E2-9BD2-493BAD9321A6}" v="744" dt="2023-10-23T14:53:20.899"/>
+    <p1510:client id="{95F9D723-334F-40E2-9BD2-493BAD9321A6}" v="1499" dt="2023-10-23T15:06:12.089"/>
     <p1510:client id="{C0B17A74-5F7D-4C82-8D87-A30C0598D578}" v="167" dt="2023-10-19T10:58:23.895"/>
     <p1510:client id="{CD3A230A-4545-4B5A-8F53-A35FBDF96CF4}" v="889" dt="2023-10-15T10:18:49.371"/>
     <p1510:client id="{DBFDBAC8-DE04-484C-B94C-F71EF475F54E}" v="770" dt="2023-10-22T14:19:39.866"/>
@@ -24582,6 +24585,1947 @@
 </p:sld>
 </file>
 
+<file path=ppt/slides/slide33.xml><?xml version="1.0" encoding="utf-8"?>
+<p:sld xmlns:a="http://schemas.openxmlformats.org/drawingml/2006/main" xmlns:r="http://schemas.openxmlformats.org/officeDocument/2006/relationships" xmlns:p="http://schemas.openxmlformats.org/presentationml/2006/main">
+  <p:cSld>
+    <p:spTree>
+      <p:nvGrpSpPr>
+        <p:cNvPr id="1" name=""/>
+        <p:cNvGrpSpPr/>
+        <p:nvPr/>
+      </p:nvGrpSpPr>
+      <p:grpSpPr>
+        <a:xfrm>
+          <a:off x="0" y="0"/>
+          <a:ext cx="0" cy="0"/>
+          <a:chOff x="0" y="0"/>
+          <a:chExt cx="0" cy="0"/>
+        </a:xfrm>
+      </p:grpSpPr>
+      <p:sp>
+        <p:nvSpPr>
+          <p:cNvPr id="2" name="제목 1">
+            <a:extLst>
+              <a:ext uri="{FF2B5EF4-FFF2-40B4-BE49-F238E27FC236}">
+                <a16:creationId xmlns:a16="http://schemas.microsoft.com/office/drawing/2014/main" id="{8756B156-8B46-0242-E1C9-A629B1845B6B}"/>
+              </a:ext>
+            </a:extLst>
+          </p:cNvPr>
+          <p:cNvSpPr>
+            <a:spLocks noGrp="1"/>
+          </p:cNvSpPr>
+          <p:nvPr>
+            <p:ph type="title"/>
+          </p:nvPr>
+        </p:nvSpPr>
+        <p:spPr/>
+        <p:txBody>
+          <a:bodyPr/>
+          <a:lstStyle/>
+          <a:p>
+            <a:r>
+              <a:rPr lang="ko-KR" altLang="en-US" dirty="0">
+                <a:ea typeface="Microsoft GothicNeo"/>
+                <a:cs typeface="Microsoft GothicNeo"/>
+              </a:rPr>
+              <a:t> &lt; </a:t>
+            </a:r>
+            <a:r>
+              <a:rPr lang="ko-KR" altLang="en-US" dirty="0" err="1">
+                <a:ea typeface="Microsoft GothicNeo"/>
+                <a:cs typeface="Microsoft GothicNeo"/>
+              </a:rPr>
+              <a:t>Friend</a:t>
+            </a:r>
+            <a:r>
+              <a:rPr lang="ko-KR" altLang="en-US" dirty="0">
+                <a:ea typeface="Microsoft GothicNeo"/>
+                <a:cs typeface="Microsoft GothicNeo"/>
+              </a:rPr>
+              <a:t> 메커니즘 &gt;</a:t>
+            </a:r>
+            <a:endParaRPr lang="ko-KR" altLang="en-US" dirty="0"/>
+          </a:p>
+        </p:txBody>
+      </p:sp>
+      <p:sp>
+        <p:nvSpPr>
+          <p:cNvPr id="3" name="내용 개체 틀 2">
+            <a:extLst>
+              <a:ext uri="{FF2B5EF4-FFF2-40B4-BE49-F238E27FC236}">
+                <a16:creationId xmlns:a16="http://schemas.microsoft.com/office/drawing/2014/main" id="{5514A49C-C1A9-646A-CB05-783100247CAB}"/>
+              </a:ext>
+            </a:extLst>
+          </p:cNvPr>
+          <p:cNvSpPr>
+            <a:spLocks noGrp="1"/>
+          </p:cNvSpPr>
+          <p:nvPr>
+            <p:ph idx="1"/>
+          </p:nvPr>
+        </p:nvSpPr>
+        <p:spPr/>
+        <p:txBody>
+          <a:bodyPr lIns="109728" tIns="109728" rIns="109728" bIns="91440" anchor="t"/>
+          <a:lstStyle/>
+          <a:p>
+            <a:r>
+              <a:rPr lang="ko-KR" altLang="en-US" dirty="0">
+                <a:solidFill>
+                  <a:srgbClr val="FFFFFF">
+                    <a:alpha val="70000"/>
+                  </a:srgbClr>
+                </a:solidFill>
+                <a:ea typeface="Microsoft GothicNeo"/>
+                <a:cs typeface="Microsoft GothicNeo"/>
+              </a:rPr>
+              <a:t>상속관계에 </a:t>
+            </a:r>
+            <a:r>
+              <a:rPr lang="ko-KR" altLang="en-US" dirty="0" err="1">
+                <a:solidFill>
+                  <a:srgbClr val="FFFFFF">
+                    <a:alpha val="70000"/>
+                  </a:srgbClr>
+                </a:solidFill>
+                <a:ea typeface="Microsoft GothicNeo"/>
+                <a:cs typeface="Microsoft GothicNeo"/>
+              </a:rPr>
+              <a:t>있지않으나</a:t>
+            </a:r>
+            <a:r>
+              <a:rPr lang="ko-KR" altLang="en-US" dirty="0">
+                <a:solidFill>
+                  <a:srgbClr val="FFFFFF">
+                    <a:alpha val="70000"/>
+                  </a:srgbClr>
+                </a:solidFill>
+                <a:ea typeface="Microsoft GothicNeo"/>
+                <a:cs typeface="Microsoft GothicNeo"/>
+              </a:rPr>
+              <a:t> 외부 클래스에서 </a:t>
+            </a:r>
+            <a:r>
+              <a:rPr lang="ko-KR" altLang="en-US" dirty="0" err="1">
+                <a:solidFill>
+                  <a:srgbClr val="FFFFFF">
+                    <a:alpha val="70000"/>
+                  </a:srgbClr>
+                </a:solidFill>
+                <a:ea typeface="Microsoft GothicNeo"/>
+                <a:cs typeface="Microsoft GothicNeo"/>
+              </a:rPr>
+              <a:t>Private로</a:t>
+            </a:r>
+            <a:r>
+              <a:rPr lang="ko-KR" altLang="en-US" dirty="0">
+                <a:solidFill>
+                  <a:srgbClr val="FFFFFF">
+                    <a:alpha val="70000"/>
+                  </a:srgbClr>
+                </a:solidFill>
+                <a:ea typeface="Microsoft GothicNeo"/>
+                <a:cs typeface="Microsoft GothicNeo"/>
+              </a:rPr>
+              <a:t> 선언한 변수나 함수에 접근하고 싶은 경우가 깔끔한 경우가 존재한다.</a:t>
+            </a:r>
+          </a:p>
+          <a:p>
+            <a:r>
+              <a:rPr lang="ko-KR" altLang="en-US" dirty="0">
+                <a:solidFill>
+                  <a:srgbClr val="FFFFFF">
+                    <a:alpha val="70000"/>
+                  </a:srgbClr>
+                </a:solidFill>
+                <a:ea typeface="Microsoft GothicNeo"/>
+                <a:cs typeface="Microsoft GothicNeo"/>
+              </a:rPr>
+              <a:t>그 경우를 위해 만들어진 것으로 </a:t>
+            </a:r>
+            <a:r>
+              <a:rPr lang="ko-KR" altLang="en-US" dirty="0" err="1">
+                <a:solidFill>
+                  <a:srgbClr val="FFFFFF">
+                    <a:alpha val="70000"/>
+                  </a:srgbClr>
+                </a:solidFill>
+                <a:ea typeface="Microsoft GothicNeo"/>
+                <a:cs typeface="Microsoft GothicNeo"/>
+              </a:rPr>
+              <a:t>Friend의</a:t>
+            </a:r>
+            <a:r>
+              <a:rPr lang="ko-KR" altLang="en-US" dirty="0">
+                <a:solidFill>
+                  <a:srgbClr val="FFFFFF">
+                    <a:alpha val="70000"/>
+                  </a:srgbClr>
+                </a:solidFill>
+                <a:ea typeface="Microsoft GothicNeo"/>
+                <a:cs typeface="Microsoft GothicNeo"/>
+              </a:rPr>
+              <a:t> 특징은 함수의 경우</a:t>
+            </a:r>
+          </a:p>
+          <a:p>
+            <a:r>
+              <a:rPr lang="ko-KR" altLang="en-US" dirty="0">
+                <a:solidFill>
+                  <a:srgbClr val="FFFFFF">
+                    <a:alpha val="70000"/>
+                  </a:srgbClr>
+                </a:solidFill>
+                <a:ea typeface="Microsoft GothicNeo"/>
+                <a:cs typeface="Microsoft GothicNeo"/>
+              </a:rPr>
+              <a:t>함수원형은 클래스 내부에 선언되지만 본체는 클래스 외부에 작성된다.</a:t>
+            </a:r>
+          </a:p>
+          <a:p>
+            <a:pPr marL="0" indent="0">
+              <a:buNone/>
+            </a:pPr>
+            <a:r>
+              <a:rPr lang="ko-KR" altLang="en-US" dirty="0" err="1">
+                <a:solidFill>
+                  <a:srgbClr val="FFFFFF">
+                    <a:alpha val="70000"/>
+                  </a:srgbClr>
+                </a:solidFill>
+                <a:ea typeface="Microsoft GothicNeo"/>
+                <a:cs typeface="Microsoft GothicNeo"/>
+              </a:rPr>
+              <a:t>Class</a:t>
+            </a:r>
+            <a:r>
+              <a:rPr lang="ko-KR" altLang="en-US" dirty="0">
+                <a:solidFill>
+                  <a:srgbClr val="FFFFFF">
+                    <a:alpha val="70000"/>
+                  </a:srgbClr>
+                </a:solidFill>
+                <a:ea typeface="Microsoft GothicNeo"/>
+                <a:cs typeface="Microsoft GothicNeo"/>
+              </a:rPr>
+              <a:t> </a:t>
+            </a:r>
+            <a:r>
+              <a:rPr lang="ko-KR" altLang="en-US" dirty="0" err="1">
+                <a:solidFill>
+                  <a:srgbClr val="FFFFFF">
+                    <a:alpha val="70000"/>
+                  </a:srgbClr>
+                </a:solidFill>
+                <a:ea typeface="Microsoft GothicNeo"/>
+                <a:cs typeface="Microsoft GothicNeo"/>
+              </a:rPr>
+              <a:t>Employee</a:t>
+            </a:r>
+            <a:r>
+              <a:rPr lang="ko-KR" altLang="en-US" dirty="0">
+                <a:solidFill>
+                  <a:srgbClr val="FFFFFF">
+                    <a:alpha val="70000"/>
+                  </a:srgbClr>
+                </a:solidFill>
+                <a:ea typeface="Microsoft GothicNeo"/>
+                <a:cs typeface="Microsoft GothicNeo"/>
+              </a:rPr>
+              <a:t>{</a:t>
+            </a:r>
+          </a:p>
+          <a:p>
+            <a:pPr marL="0" indent="0">
+              <a:buNone/>
+            </a:pPr>
+            <a:r>
+              <a:rPr lang="ko-KR" altLang="en-US" dirty="0">
+                <a:solidFill>
+                  <a:srgbClr val="FFFFFF">
+                    <a:alpha val="70000"/>
+                  </a:srgbClr>
+                </a:solidFill>
+                <a:ea typeface="Microsoft GothicNeo"/>
+                <a:cs typeface="Microsoft GothicNeo"/>
+              </a:rPr>
+              <a:t>         </a:t>
+            </a:r>
+            <a:r>
+              <a:rPr lang="ko-KR" altLang="en-US" dirty="0" err="1">
+                <a:solidFill>
+                  <a:srgbClr val="FFFFFF">
+                    <a:alpha val="70000"/>
+                  </a:srgbClr>
+                </a:solidFill>
+                <a:ea typeface="Microsoft GothicNeo"/>
+                <a:cs typeface="Microsoft GothicNeo"/>
+              </a:rPr>
+              <a:t>Friend</a:t>
+            </a:r>
+            <a:r>
+              <a:rPr lang="ko-KR" altLang="en-US" dirty="0">
+                <a:solidFill>
+                  <a:srgbClr val="FFFFFF">
+                    <a:alpha val="70000"/>
+                  </a:srgbClr>
+                </a:solidFill>
+                <a:ea typeface="Microsoft GothicNeo"/>
+                <a:cs typeface="Microsoft GothicNeo"/>
+              </a:rPr>
+              <a:t> </a:t>
+            </a:r>
+            <a:r>
+              <a:rPr lang="ko-KR" altLang="en-US" dirty="0" err="1">
+                <a:solidFill>
+                  <a:srgbClr val="FFFFFF">
+                    <a:alpha val="70000"/>
+                  </a:srgbClr>
+                </a:solidFill>
+                <a:ea typeface="Microsoft GothicNeo"/>
+                <a:cs typeface="Microsoft GothicNeo"/>
+              </a:rPr>
+              <a:t>class</a:t>
+            </a:r>
+            <a:r>
+              <a:rPr lang="ko-KR" altLang="en-US" dirty="0">
+                <a:solidFill>
+                  <a:srgbClr val="FFFFFF">
+                    <a:alpha val="70000"/>
+                  </a:srgbClr>
+                </a:solidFill>
+                <a:ea typeface="Microsoft GothicNeo"/>
+                <a:cs typeface="Microsoft GothicNeo"/>
+              </a:rPr>
+              <a:t> </a:t>
+            </a:r>
+            <a:r>
+              <a:rPr lang="ko-KR" altLang="en-US" dirty="0" err="1">
+                <a:solidFill>
+                  <a:srgbClr val="FFFFFF">
+                    <a:alpha val="70000"/>
+                  </a:srgbClr>
+                </a:solidFill>
+                <a:ea typeface="Microsoft GothicNeo"/>
+                <a:cs typeface="Microsoft GothicNeo"/>
+              </a:rPr>
+              <a:t>Manager</a:t>
+            </a:r>
+            <a:r>
+              <a:rPr lang="ko-KR" altLang="en-US" dirty="0">
+                <a:solidFill>
+                  <a:srgbClr val="FFFFFF">
+                    <a:alpha val="70000"/>
+                  </a:srgbClr>
+                </a:solidFill>
+                <a:ea typeface="Microsoft GothicNeo"/>
+                <a:cs typeface="Microsoft GothicNeo"/>
+              </a:rPr>
+              <a:t>; // </a:t>
+            </a:r>
+            <a:r>
+              <a:rPr lang="ko-KR" altLang="en-US" dirty="0" err="1">
+                <a:solidFill>
+                  <a:srgbClr val="FFFFFF">
+                    <a:alpha val="70000"/>
+                  </a:srgbClr>
+                </a:solidFill>
+                <a:ea typeface="Microsoft GothicNeo"/>
+                <a:cs typeface="Microsoft GothicNeo"/>
+              </a:rPr>
+              <a:t>프렌드</a:t>
+            </a:r>
+            <a:r>
+              <a:rPr lang="ko-KR" altLang="en-US" dirty="0">
+                <a:solidFill>
+                  <a:srgbClr val="FFFFFF">
+                    <a:alpha val="70000"/>
+                  </a:srgbClr>
+                </a:solidFill>
+                <a:ea typeface="Microsoft GothicNeo"/>
+                <a:cs typeface="Microsoft GothicNeo"/>
+              </a:rPr>
+              <a:t> 등록을 </a:t>
+            </a:r>
+            <a:r>
+              <a:rPr lang="ko-KR" altLang="en-US" dirty="0" err="1">
+                <a:solidFill>
+                  <a:srgbClr val="FFFFFF">
+                    <a:alpha val="70000"/>
+                  </a:srgbClr>
+                </a:solidFill>
+                <a:ea typeface="Microsoft GothicNeo"/>
+                <a:cs typeface="Microsoft GothicNeo"/>
+              </a:rPr>
+              <a:t>해두면면</a:t>
+            </a:r>
+          </a:p>
+          <a:p>
+            <a:pPr marL="0" indent="0">
+              <a:buNone/>
+            </a:pPr>
+            <a:r>
+              <a:rPr lang="ko-KR" altLang="en-US" dirty="0">
+                <a:solidFill>
+                  <a:srgbClr val="FFFFFF">
+                    <a:alpha val="70000"/>
+                  </a:srgbClr>
+                </a:solidFill>
+                <a:ea typeface="Microsoft GothicNeo"/>
+                <a:cs typeface="Microsoft GothicNeo"/>
+              </a:rPr>
+              <a:t>         </a:t>
+            </a:r>
+            <a:r>
+              <a:rPr lang="ko-KR" altLang="en-US" dirty="0" err="1">
+                <a:solidFill>
+                  <a:srgbClr val="FFFFFF">
+                    <a:alpha val="70000"/>
+                  </a:srgbClr>
+                </a:solidFill>
+                <a:ea typeface="Microsoft GothicNeo"/>
+                <a:cs typeface="Microsoft GothicNeo"/>
+              </a:rPr>
+              <a:t>Private</a:t>
+            </a:r>
+            <a:r>
+              <a:rPr lang="ko-KR" altLang="en-US" dirty="0">
+                <a:solidFill>
+                  <a:srgbClr val="FFFFFF">
+                    <a:alpha val="70000"/>
+                  </a:srgbClr>
+                </a:solidFill>
+                <a:ea typeface="Microsoft GothicNeo"/>
+                <a:cs typeface="Microsoft GothicNeo"/>
+              </a:rPr>
+              <a:t>:  </a:t>
+            </a:r>
+            <a:r>
+              <a:rPr lang="ko-KR" altLang="en-US" dirty="0" err="1">
+                <a:solidFill>
+                  <a:srgbClr val="FFFFFF">
+                    <a:alpha val="70000"/>
+                  </a:srgbClr>
+                </a:solidFill>
+                <a:ea typeface="Microsoft GothicNeo"/>
+                <a:cs typeface="Microsoft GothicNeo"/>
+              </a:rPr>
+              <a:t>int</a:t>
+            </a:r>
+            <a:r>
+              <a:rPr lang="ko-KR" altLang="en-US" dirty="0">
+                <a:solidFill>
+                  <a:srgbClr val="FFFFFF">
+                    <a:alpha val="70000"/>
+                  </a:srgbClr>
+                </a:solidFill>
+                <a:ea typeface="Microsoft GothicNeo"/>
+                <a:cs typeface="Microsoft GothicNeo"/>
+              </a:rPr>
+              <a:t> </a:t>
+            </a:r>
+            <a:r>
+              <a:rPr lang="ko-KR" altLang="en-US" dirty="0" err="1">
+                <a:solidFill>
+                  <a:srgbClr val="FFFFFF">
+                    <a:alpha val="70000"/>
+                  </a:srgbClr>
+                </a:solidFill>
+                <a:ea typeface="Microsoft GothicNeo"/>
+                <a:cs typeface="Microsoft GothicNeo"/>
+              </a:rPr>
+              <a:t>price</a:t>
+            </a:r>
+            <a:r>
+              <a:rPr lang="ko-KR" altLang="en-US" dirty="0">
+                <a:solidFill>
+                  <a:srgbClr val="FFFFFF">
+                    <a:alpha val="70000"/>
+                  </a:srgbClr>
+                </a:solidFill>
+                <a:ea typeface="Microsoft GothicNeo"/>
+                <a:cs typeface="Microsoft GothicNeo"/>
+              </a:rPr>
+              <a:t>; } // </a:t>
+            </a:r>
+            <a:r>
+              <a:rPr lang="ko-KR" altLang="en-US" dirty="0" err="1">
+                <a:solidFill>
+                  <a:srgbClr val="FFFFFF">
+                    <a:alpha val="70000"/>
+                  </a:srgbClr>
+                </a:solidFill>
+                <a:ea typeface="Microsoft GothicNeo"/>
+                <a:cs typeface="Microsoft GothicNeo"/>
+              </a:rPr>
+              <a:t>Price</a:t>
+            </a:r>
+            <a:r>
+              <a:rPr lang="ko-KR" altLang="en-US" dirty="0">
+                <a:solidFill>
+                  <a:srgbClr val="FFFFFF">
+                    <a:alpha val="70000"/>
+                  </a:srgbClr>
+                </a:solidFill>
+                <a:ea typeface="Microsoft GothicNeo"/>
+                <a:cs typeface="Microsoft GothicNeo"/>
+              </a:rPr>
+              <a:t> 에 접근이 </a:t>
+            </a:r>
+            <a:r>
+              <a:rPr lang="ko-KR" altLang="en-US" dirty="0" err="1">
+                <a:solidFill>
+                  <a:srgbClr val="FFFFFF">
+                    <a:alpha val="70000"/>
+                  </a:srgbClr>
+                </a:solidFill>
+                <a:ea typeface="Microsoft GothicNeo"/>
+                <a:cs typeface="Microsoft GothicNeo"/>
+              </a:rPr>
+              <a:t>Manager</a:t>
+            </a:r>
+            <a:r>
+              <a:rPr lang="ko-KR" altLang="en-US" dirty="0">
+                <a:solidFill>
+                  <a:srgbClr val="FFFFFF">
+                    <a:alpha val="70000"/>
+                  </a:srgbClr>
+                </a:solidFill>
+                <a:ea typeface="Microsoft GothicNeo"/>
+                <a:cs typeface="Microsoft GothicNeo"/>
+              </a:rPr>
+              <a:t> 클래스에서 가능해진다.</a:t>
+            </a:r>
+          </a:p>
+          <a:p>
+            <a:pPr marL="0" indent="0">
+              <a:buNone/>
+            </a:pPr>
+            <a:endParaRPr lang="ko-KR" altLang="en-US" dirty="0">
+              <a:solidFill>
+                <a:srgbClr val="FFFFFF">
+                  <a:alpha val="70000"/>
+                </a:srgbClr>
+              </a:solidFill>
+              <a:ea typeface="Microsoft GothicNeo"/>
+              <a:cs typeface="Microsoft GothicNeo"/>
+            </a:endParaRPr>
+          </a:p>
+        </p:txBody>
+      </p:sp>
+    </p:spTree>
+    <p:extLst>
+      <p:ext uri="{BB962C8B-B14F-4D97-AF65-F5344CB8AC3E}">
+        <p14:creationId xmlns:p14="http://schemas.microsoft.com/office/powerpoint/2010/main" val="1875012135"/>
+      </p:ext>
+    </p:extLst>
+  </p:cSld>
+  <p:clrMapOvr>
+    <a:masterClrMapping/>
+  </p:clrMapOvr>
+</p:sld>
+</file>
+
+<file path=ppt/slides/slide34.xml><?xml version="1.0" encoding="utf-8"?>
+<p:sld xmlns:a="http://schemas.openxmlformats.org/drawingml/2006/main" xmlns:r="http://schemas.openxmlformats.org/officeDocument/2006/relationships" xmlns:p="http://schemas.openxmlformats.org/presentationml/2006/main">
+  <p:cSld>
+    <p:spTree>
+      <p:nvGrpSpPr>
+        <p:cNvPr id="1" name=""/>
+        <p:cNvGrpSpPr/>
+        <p:nvPr/>
+      </p:nvGrpSpPr>
+      <p:grpSpPr>
+        <a:xfrm>
+          <a:off x="0" y="0"/>
+          <a:ext cx="0" cy="0"/>
+          <a:chOff x="0" y="0"/>
+          <a:chExt cx="0" cy="0"/>
+        </a:xfrm>
+      </p:grpSpPr>
+      <p:sp>
+        <p:nvSpPr>
+          <p:cNvPr id="2" name="제목 1">
+            <a:extLst>
+              <a:ext uri="{FF2B5EF4-FFF2-40B4-BE49-F238E27FC236}">
+                <a16:creationId xmlns:a16="http://schemas.microsoft.com/office/drawing/2014/main" id="{A9CA29C3-8F91-99A7-3CD4-4AA0B76071D1}"/>
+              </a:ext>
+            </a:extLst>
+          </p:cNvPr>
+          <p:cNvSpPr>
+            <a:spLocks noGrp="1"/>
+          </p:cNvSpPr>
+          <p:nvPr>
+            <p:ph type="title"/>
+          </p:nvPr>
+        </p:nvSpPr>
+        <p:spPr/>
+        <p:txBody>
+          <a:bodyPr/>
+          <a:lstStyle/>
+          <a:p>
+            <a:r>
+              <a:rPr lang="ko-KR" altLang="en-US" dirty="0">
+                <a:ea typeface="Microsoft GothicNeo"/>
+                <a:cs typeface="Microsoft GothicNeo"/>
+              </a:rPr>
+              <a:t>&lt; 연산자 오버로딩 &gt;</a:t>
+            </a:r>
+            <a:endParaRPr lang="ko-KR" altLang="en-US" dirty="0" err="1"/>
+          </a:p>
+        </p:txBody>
+      </p:sp>
+      <p:sp>
+        <p:nvSpPr>
+          <p:cNvPr id="3" name="내용 개체 틀 2">
+            <a:extLst>
+              <a:ext uri="{FF2B5EF4-FFF2-40B4-BE49-F238E27FC236}">
+                <a16:creationId xmlns:a16="http://schemas.microsoft.com/office/drawing/2014/main" id="{F01C691F-31F5-E8D2-A8D4-73D16588CA75}"/>
+              </a:ext>
+            </a:extLst>
+          </p:cNvPr>
+          <p:cNvSpPr>
+            <a:spLocks noGrp="1"/>
+          </p:cNvSpPr>
+          <p:nvPr>
+            <p:ph idx="1"/>
+          </p:nvPr>
+        </p:nvSpPr>
+        <p:spPr/>
+        <p:txBody>
+          <a:bodyPr lIns="109728" tIns="109728" rIns="109728" bIns="91440" anchor="t"/>
+          <a:lstStyle/>
+          <a:p>
+            <a:pPr marL="0" indent="0">
+              <a:buNone/>
+            </a:pPr>
+            <a:r>
+              <a:rPr lang="ko-KR" altLang="en-US" dirty="0" err="1">
+                <a:solidFill>
+                  <a:srgbClr val="FFFFFF">
+                    <a:alpha val="70000"/>
+                  </a:srgbClr>
+                </a:solidFill>
+                <a:ea typeface="Microsoft GothicNeo"/>
+                <a:cs typeface="Microsoft GothicNeo"/>
+              </a:rPr>
+              <a:t>Class</a:t>
+            </a:r>
+            <a:r>
+              <a:rPr lang="ko-KR" altLang="en-US" dirty="0">
+                <a:solidFill>
+                  <a:srgbClr val="FFFFFF">
+                    <a:alpha val="70000"/>
+                  </a:srgbClr>
+                </a:solidFill>
+                <a:ea typeface="Microsoft GothicNeo"/>
+                <a:cs typeface="Microsoft GothicNeo"/>
+              </a:rPr>
+              <a:t> 혹은 STL 간의 자료에 있어서 각 연산자들을 </a:t>
+            </a:r>
+            <a:r>
+              <a:rPr lang="ko-KR" altLang="en-US" dirty="0" err="1">
+                <a:solidFill>
+                  <a:srgbClr val="FFFFFF">
+                    <a:alpha val="70000"/>
+                  </a:srgbClr>
+                </a:solidFill>
+                <a:ea typeface="Microsoft GothicNeo"/>
+                <a:cs typeface="Microsoft GothicNeo"/>
+              </a:rPr>
+              <a:t>오버로딩하여</a:t>
+            </a:r>
+            <a:r>
+              <a:rPr lang="ko-KR" altLang="en-US" dirty="0">
+                <a:solidFill>
+                  <a:srgbClr val="FFFFFF">
+                    <a:alpha val="70000"/>
+                  </a:srgbClr>
+                </a:solidFill>
+                <a:ea typeface="Microsoft GothicNeo"/>
+                <a:cs typeface="Microsoft GothicNeo"/>
+              </a:rPr>
+              <a:t> </a:t>
+            </a:r>
+            <a:r>
+              <a:rPr lang="ko-KR" altLang="en-US" dirty="0" err="1">
+                <a:solidFill>
+                  <a:srgbClr val="FFFFFF">
+                    <a:alpha val="70000"/>
+                  </a:srgbClr>
+                </a:solidFill>
+                <a:ea typeface="Microsoft GothicNeo"/>
+                <a:cs typeface="Microsoft GothicNeo"/>
+              </a:rPr>
+              <a:t>사용할수있다</a:t>
+            </a:r>
+            <a:r>
+              <a:rPr lang="ko-KR" altLang="en-US" dirty="0">
+                <a:solidFill>
+                  <a:srgbClr val="FFFFFF">
+                    <a:alpha val="70000"/>
+                  </a:srgbClr>
+                </a:solidFill>
+                <a:ea typeface="Microsoft GothicNeo"/>
+                <a:cs typeface="Microsoft GothicNeo"/>
+              </a:rPr>
+              <a:t>.</a:t>
+            </a:r>
+          </a:p>
+          <a:p>
+            <a:pPr marL="0" indent="0">
+              <a:buNone/>
+            </a:pPr>
+            <a:r>
+              <a:rPr lang="ko-KR" altLang="en-US" dirty="0" err="1">
+                <a:solidFill>
+                  <a:srgbClr val="FFFFFF">
+                    <a:alpha val="70000"/>
+                  </a:srgbClr>
+                </a:solidFill>
+                <a:ea typeface="Microsoft GothicNeo"/>
+                <a:cs typeface="Microsoft GothicNeo"/>
+              </a:rPr>
+              <a:t>Class</a:t>
+            </a:r>
+            <a:r>
+              <a:rPr lang="ko-KR" altLang="en-US" dirty="0">
+                <a:solidFill>
+                  <a:srgbClr val="FFFFFF">
+                    <a:alpha val="70000"/>
+                  </a:srgbClr>
+                </a:solidFill>
+                <a:ea typeface="Microsoft GothicNeo"/>
+                <a:cs typeface="Microsoft GothicNeo"/>
+              </a:rPr>
+              <a:t> </a:t>
+            </a:r>
+            <a:r>
+              <a:rPr lang="ko-KR" altLang="en-US" dirty="0" err="1">
+                <a:solidFill>
+                  <a:srgbClr val="FFFFFF">
+                    <a:alpha val="70000"/>
+                  </a:srgbClr>
+                </a:solidFill>
+                <a:ea typeface="Microsoft GothicNeo"/>
+                <a:cs typeface="Microsoft GothicNeo"/>
+              </a:rPr>
+              <a:t>My_Vector</a:t>
+            </a:r>
+            <a:r>
+              <a:rPr lang="ko-KR" altLang="en-US" dirty="0">
+                <a:solidFill>
+                  <a:srgbClr val="FFFFFF">
+                    <a:alpha val="70000"/>
+                  </a:srgbClr>
+                </a:solidFill>
+                <a:ea typeface="Microsoft GothicNeo"/>
+                <a:cs typeface="Microsoft GothicNeo"/>
+              </a:rPr>
+              <a:t> { </a:t>
+            </a:r>
+            <a:r>
+              <a:rPr lang="ko-KR" altLang="en-US" dirty="0" err="1">
+                <a:solidFill>
+                  <a:srgbClr val="FFFFFF">
+                    <a:alpha val="70000"/>
+                  </a:srgbClr>
+                </a:solidFill>
+                <a:ea typeface="Microsoft GothicNeo"/>
+                <a:cs typeface="Microsoft GothicNeo"/>
+              </a:rPr>
+              <a:t>int</a:t>
+            </a:r>
+            <a:r>
+              <a:rPr lang="ko-KR" altLang="en-US" dirty="0">
+                <a:solidFill>
+                  <a:srgbClr val="FFFFFF">
+                    <a:alpha val="70000"/>
+                  </a:srgbClr>
+                </a:solidFill>
+                <a:ea typeface="Microsoft GothicNeo"/>
+                <a:cs typeface="Microsoft GothicNeo"/>
+              </a:rPr>
+              <a:t> </a:t>
+            </a:r>
+            <a:r>
+              <a:rPr lang="ko-KR" altLang="en-US" dirty="0" err="1">
+                <a:solidFill>
+                  <a:srgbClr val="FFFFFF">
+                    <a:alpha val="70000"/>
+                  </a:srgbClr>
+                </a:solidFill>
+                <a:ea typeface="Microsoft GothicNeo"/>
+                <a:cs typeface="Microsoft GothicNeo"/>
+              </a:rPr>
+              <a:t>x</a:t>
+            </a:r>
+            <a:r>
+              <a:rPr lang="ko-KR" altLang="en-US" dirty="0">
+                <a:solidFill>
+                  <a:srgbClr val="FFFFFF">
+                    <a:alpha val="70000"/>
+                  </a:srgbClr>
+                </a:solidFill>
+                <a:ea typeface="Microsoft GothicNeo"/>
+                <a:cs typeface="Microsoft GothicNeo"/>
+              </a:rPr>
+              <a:t>, </a:t>
+            </a:r>
+            <a:r>
+              <a:rPr lang="ko-KR" altLang="en-US" dirty="0" err="1">
+                <a:solidFill>
+                  <a:srgbClr val="FFFFFF">
+                    <a:alpha val="70000"/>
+                  </a:srgbClr>
+                </a:solidFill>
+                <a:ea typeface="Microsoft GothicNeo"/>
+                <a:cs typeface="Microsoft GothicNeo"/>
+              </a:rPr>
+              <a:t>int</a:t>
+            </a:r>
+            <a:r>
+              <a:rPr lang="ko-KR" altLang="en-US" dirty="0">
+                <a:solidFill>
+                  <a:srgbClr val="FFFFFF">
+                    <a:alpha val="70000"/>
+                  </a:srgbClr>
+                </a:solidFill>
+                <a:ea typeface="Microsoft GothicNeo"/>
+                <a:cs typeface="Microsoft GothicNeo"/>
+              </a:rPr>
+              <a:t> </a:t>
+            </a:r>
+            <a:r>
+              <a:rPr lang="ko-KR" altLang="en-US" dirty="0" err="1">
+                <a:solidFill>
+                  <a:srgbClr val="FFFFFF">
+                    <a:alpha val="70000"/>
+                  </a:srgbClr>
+                </a:solidFill>
+                <a:ea typeface="Microsoft GothicNeo"/>
+                <a:cs typeface="Microsoft GothicNeo"/>
+              </a:rPr>
+              <a:t>y</a:t>
+            </a:r>
+            <a:r>
+              <a:rPr lang="ko-KR" altLang="en-US" dirty="0">
+                <a:solidFill>
+                  <a:srgbClr val="FFFFFF">
+                    <a:alpha val="70000"/>
+                  </a:srgbClr>
+                </a:solidFill>
+                <a:ea typeface="Microsoft GothicNeo"/>
+                <a:cs typeface="Microsoft GothicNeo"/>
+              </a:rPr>
+              <a:t>;} // 각 0으로 초기화 하였다고 가정</a:t>
+            </a:r>
+          </a:p>
+          <a:p>
+            <a:pPr marL="0" indent="0">
+              <a:buNone/>
+            </a:pPr>
+            <a:r>
+              <a:rPr lang="ko-KR" altLang="en-US" err="1">
+                <a:solidFill>
+                  <a:srgbClr val="FFFFFF">
+                    <a:alpha val="70000"/>
+                  </a:srgbClr>
+                </a:solidFill>
+                <a:ea typeface="Microsoft GothicNeo"/>
+                <a:cs typeface="Microsoft GothicNeo"/>
+              </a:rPr>
+              <a:t>Vector</a:t>
+            </a:r>
+            <a:r>
+              <a:rPr lang="ko-KR" altLang="en-US" dirty="0">
+                <a:solidFill>
+                  <a:srgbClr val="FFFFFF">
+                    <a:alpha val="70000"/>
+                  </a:srgbClr>
+                </a:solidFill>
+                <a:ea typeface="Microsoft GothicNeo"/>
+                <a:cs typeface="Microsoft GothicNeo"/>
+              </a:rPr>
+              <a:t> v1,v2;</a:t>
+            </a:r>
+          </a:p>
+          <a:p>
+            <a:pPr marL="0" indent="0">
+              <a:buNone/>
+            </a:pPr>
+            <a:r>
+              <a:rPr lang="ko-KR" altLang="en-US" dirty="0" err="1">
+                <a:solidFill>
+                  <a:srgbClr val="FFFFFF">
+                    <a:alpha val="70000"/>
+                  </a:srgbClr>
+                </a:solidFill>
+                <a:ea typeface="Microsoft GothicNeo"/>
+                <a:cs typeface="Microsoft GothicNeo"/>
+              </a:rPr>
+              <a:t>Std</a:t>
+            </a:r>
+            <a:r>
+              <a:rPr lang="ko-KR" altLang="en-US" dirty="0">
+                <a:solidFill>
+                  <a:srgbClr val="FFFFFF">
+                    <a:alpha val="70000"/>
+                  </a:srgbClr>
+                </a:solidFill>
+                <a:ea typeface="Microsoft GothicNeo"/>
+                <a:cs typeface="Microsoft GothicNeo"/>
+              </a:rPr>
+              <a:t>::</a:t>
+            </a:r>
+            <a:r>
+              <a:rPr lang="ko-KR" altLang="en-US" dirty="0" err="1">
+                <a:solidFill>
+                  <a:srgbClr val="FFFFFF">
+                    <a:alpha val="70000"/>
+                  </a:srgbClr>
+                </a:solidFill>
+                <a:ea typeface="Microsoft GothicNeo"/>
+                <a:cs typeface="Microsoft GothicNeo"/>
+              </a:rPr>
+              <a:t>cin</a:t>
+            </a:r>
+            <a:r>
+              <a:rPr lang="ko-KR" altLang="en-US" dirty="0">
+                <a:solidFill>
+                  <a:srgbClr val="FFFFFF">
+                    <a:alpha val="70000"/>
+                  </a:srgbClr>
+                </a:solidFill>
+                <a:ea typeface="Microsoft GothicNeo"/>
+                <a:cs typeface="Microsoft GothicNeo"/>
+              </a:rPr>
+              <a:t> &gt;&gt; v1.x &gt;&gt; v1.y ; // 이렇게 입력을 받는 경우도</a:t>
+            </a:r>
+          </a:p>
+          <a:p>
+            <a:pPr marL="0" indent="0">
+              <a:buNone/>
+            </a:pPr>
+            <a:r>
+              <a:rPr lang="en-US" altLang="ko-KR" dirty="0">
+                <a:solidFill>
+                  <a:srgbClr val="FFFFFF">
+                    <a:alpha val="70000"/>
+                  </a:srgbClr>
+                </a:solidFill>
+                <a:ea typeface="Microsoft GothicNeo"/>
+                <a:cs typeface="Microsoft GothicNeo"/>
+              </a:rPr>
+              <a:t>Std::Cin &gt;&gt; v1; </a:t>
+            </a:r>
+            <a:r>
+              <a:rPr lang="en-US" altLang="ko-KR" dirty="0" err="1">
+                <a:solidFill>
+                  <a:srgbClr val="FFFFFF">
+                    <a:alpha val="70000"/>
+                  </a:srgbClr>
+                </a:solidFill>
+                <a:ea typeface="Microsoft GothicNeo"/>
+                <a:cs typeface="Microsoft GothicNeo"/>
+              </a:rPr>
+              <a:t>이런식으로</a:t>
+            </a:r>
+            <a:r>
+              <a:rPr lang="en-US" altLang="ko-KR" dirty="0">
+                <a:solidFill>
+                  <a:srgbClr val="FFFFFF">
+                    <a:alpha val="70000"/>
+                  </a:srgbClr>
+                </a:solidFill>
+                <a:ea typeface="Microsoft GothicNeo"/>
+                <a:cs typeface="Microsoft GothicNeo"/>
+              </a:rPr>
+              <a:t> </a:t>
+            </a:r>
+            <a:r>
+              <a:rPr lang="en-US" dirty="0">
+                <a:solidFill>
+                  <a:srgbClr val="FFFFFF"/>
+                </a:solidFill>
+                <a:ea typeface="+mn-lt"/>
+                <a:cs typeface="+mn-lt"/>
+              </a:rPr>
+              <a:t> </a:t>
+            </a:r>
+            <a:r>
+              <a:rPr lang="en-US" dirty="0" err="1">
+                <a:solidFill>
+                  <a:srgbClr val="FFFFFF"/>
+                </a:solidFill>
+                <a:ea typeface="+mn-lt"/>
+                <a:cs typeface="+mn-lt"/>
+              </a:rPr>
+              <a:t>오버로딩을</a:t>
+            </a:r>
+            <a:r>
+              <a:rPr lang="en-US" dirty="0">
+                <a:solidFill>
+                  <a:srgbClr val="FFFFFF"/>
+                </a:solidFill>
+                <a:ea typeface="+mn-lt"/>
+                <a:cs typeface="+mn-lt"/>
+              </a:rPr>
+              <a:t> </a:t>
+            </a:r>
+            <a:r>
+              <a:rPr lang="en-US" dirty="0" err="1">
+                <a:solidFill>
+                  <a:srgbClr val="FFFFFF"/>
+                </a:solidFill>
+                <a:ea typeface="+mn-lt"/>
+                <a:cs typeface="+mn-lt"/>
+              </a:rPr>
+              <a:t>통해</a:t>
+            </a:r>
+            <a:r>
+              <a:rPr lang="en-US" dirty="0">
+                <a:solidFill>
+                  <a:srgbClr val="FFFFFF"/>
+                </a:solidFill>
+                <a:ea typeface="+mn-lt"/>
+                <a:cs typeface="+mn-lt"/>
+              </a:rPr>
+              <a:t> </a:t>
+            </a:r>
+            <a:r>
+              <a:rPr lang="en-US" altLang="ko-KR" dirty="0" err="1">
+                <a:solidFill>
+                  <a:srgbClr val="FFFFFF">
+                    <a:alpha val="70000"/>
+                  </a:srgbClr>
+                </a:solidFill>
+                <a:ea typeface="Microsoft GothicNeo"/>
+                <a:cs typeface="Microsoft GothicNeo"/>
+              </a:rPr>
+              <a:t>작성할수있다</a:t>
+            </a:r>
+            <a:r>
+              <a:rPr lang="en-US" altLang="ko-KR" dirty="0">
+                <a:solidFill>
+                  <a:srgbClr val="FFFFFF">
+                    <a:alpha val="70000"/>
+                  </a:srgbClr>
+                </a:solidFill>
+                <a:ea typeface="Microsoft GothicNeo"/>
+                <a:cs typeface="Microsoft GothicNeo"/>
+              </a:rPr>
+              <a:t>.</a:t>
+            </a:r>
+          </a:p>
+          <a:p>
+            <a:pPr marL="0" indent="0">
+              <a:buNone/>
+            </a:pPr>
+            <a:r>
+              <a:rPr lang="en-US" altLang="ko-KR" dirty="0" err="1">
+                <a:solidFill>
+                  <a:srgbClr val="FFFFFF">
+                    <a:alpha val="70000"/>
+                  </a:srgbClr>
+                </a:solidFill>
+                <a:ea typeface="Microsoft GothicNeo"/>
+                <a:cs typeface="Microsoft GothicNeo"/>
+              </a:rPr>
+              <a:t>코드의</a:t>
+            </a:r>
+            <a:r>
+              <a:rPr lang="en-US" altLang="ko-KR" dirty="0">
+                <a:solidFill>
+                  <a:srgbClr val="FFFFFF">
+                    <a:alpha val="70000"/>
+                  </a:srgbClr>
+                </a:solidFill>
+                <a:ea typeface="Microsoft GothicNeo"/>
+                <a:cs typeface="Microsoft GothicNeo"/>
+              </a:rPr>
+              <a:t> </a:t>
+            </a:r>
+            <a:r>
+              <a:rPr lang="en-US" altLang="ko-KR" dirty="0" err="1">
+                <a:solidFill>
+                  <a:srgbClr val="FFFFFF">
+                    <a:alpha val="70000"/>
+                  </a:srgbClr>
+                </a:solidFill>
+                <a:ea typeface="Microsoft GothicNeo"/>
+                <a:cs typeface="Microsoft GothicNeo"/>
+              </a:rPr>
+              <a:t>간결성을</a:t>
+            </a:r>
+            <a:r>
+              <a:rPr lang="en-US" altLang="ko-KR" dirty="0">
+                <a:solidFill>
+                  <a:srgbClr val="FFFFFF">
+                    <a:alpha val="70000"/>
+                  </a:srgbClr>
+                </a:solidFill>
+                <a:ea typeface="Microsoft GothicNeo"/>
+                <a:cs typeface="Microsoft GothicNeo"/>
+              </a:rPr>
+              <a:t> </a:t>
+            </a:r>
+            <a:r>
+              <a:rPr lang="en-US" altLang="ko-KR" dirty="0" err="1">
+                <a:solidFill>
+                  <a:srgbClr val="FFFFFF">
+                    <a:alpha val="70000"/>
+                  </a:srgbClr>
+                </a:solidFill>
+                <a:ea typeface="Microsoft GothicNeo"/>
+                <a:cs typeface="Microsoft GothicNeo"/>
+              </a:rPr>
+              <a:t>늘릴수있고</a:t>
+            </a:r>
+            <a:r>
+              <a:rPr lang="en-US" altLang="ko-KR" dirty="0">
+                <a:solidFill>
+                  <a:srgbClr val="FFFFFF">
+                    <a:alpha val="70000"/>
+                  </a:srgbClr>
+                </a:solidFill>
+                <a:ea typeface="Microsoft GothicNeo"/>
+                <a:cs typeface="Microsoft GothicNeo"/>
+              </a:rPr>
+              <a:t> </a:t>
+            </a:r>
+            <a:r>
+              <a:rPr lang="en-US" altLang="ko-KR" dirty="0" err="1">
+                <a:solidFill>
+                  <a:srgbClr val="FFFFFF">
+                    <a:alpha val="70000"/>
+                  </a:srgbClr>
+                </a:solidFill>
+                <a:ea typeface="Microsoft GothicNeo"/>
+                <a:cs typeface="Microsoft GothicNeo"/>
+              </a:rPr>
+              <a:t>직관적인</a:t>
+            </a:r>
+            <a:r>
+              <a:rPr lang="en-US" altLang="ko-KR" dirty="0">
+                <a:solidFill>
+                  <a:srgbClr val="FFFFFF">
+                    <a:alpha val="70000"/>
+                  </a:srgbClr>
+                </a:solidFill>
+                <a:ea typeface="Microsoft GothicNeo"/>
+                <a:cs typeface="Microsoft GothicNeo"/>
+              </a:rPr>
+              <a:t> </a:t>
+            </a:r>
+            <a:r>
+              <a:rPr lang="en-US" altLang="ko-KR" dirty="0" err="1">
+                <a:solidFill>
+                  <a:srgbClr val="FFFFFF">
+                    <a:alpha val="70000"/>
+                  </a:srgbClr>
+                </a:solidFill>
+                <a:ea typeface="Microsoft GothicNeo"/>
+                <a:cs typeface="Microsoft GothicNeo"/>
+              </a:rPr>
+              <a:t>코딩이</a:t>
+            </a:r>
+            <a:r>
+              <a:rPr lang="en-US" altLang="ko-KR" dirty="0">
+                <a:solidFill>
+                  <a:srgbClr val="FFFFFF">
+                    <a:alpha val="70000"/>
+                  </a:srgbClr>
+                </a:solidFill>
+                <a:ea typeface="Microsoft GothicNeo"/>
+                <a:cs typeface="Microsoft GothicNeo"/>
+              </a:rPr>
+              <a:t> </a:t>
+            </a:r>
+            <a:r>
+              <a:rPr lang="en-US" altLang="ko-KR" dirty="0" err="1">
+                <a:solidFill>
+                  <a:srgbClr val="FFFFFF">
+                    <a:alpha val="70000"/>
+                  </a:srgbClr>
+                </a:solidFill>
+                <a:ea typeface="Microsoft GothicNeo"/>
+                <a:cs typeface="Microsoft GothicNeo"/>
+              </a:rPr>
+              <a:t>가능하다</a:t>
+            </a:r>
+            <a:r>
+              <a:rPr lang="en-US" altLang="ko-KR" dirty="0">
+                <a:solidFill>
+                  <a:srgbClr val="FFFFFF">
+                    <a:alpha val="70000"/>
+                  </a:srgbClr>
+                </a:solidFill>
+                <a:ea typeface="Microsoft GothicNeo"/>
+                <a:cs typeface="Microsoft GothicNeo"/>
+              </a:rPr>
+              <a:t>.</a:t>
+            </a:r>
+          </a:p>
+        </p:txBody>
+      </p:sp>
+    </p:spTree>
+    <p:extLst>
+      <p:ext uri="{BB962C8B-B14F-4D97-AF65-F5344CB8AC3E}">
+        <p14:creationId xmlns:p14="http://schemas.microsoft.com/office/powerpoint/2010/main" val="2884041249"/>
+      </p:ext>
+    </p:extLst>
+  </p:cSld>
+  <p:clrMapOvr>
+    <a:masterClrMapping/>
+  </p:clrMapOvr>
+</p:sld>
+</file>
+
+<file path=ppt/slides/slide35.xml><?xml version="1.0" encoding="utf-8"?>
+<p:sld xmlns:a="http://schemas.openxmlformats.org/drawingml/2006/main" xmlns:r="http://schemas.openxmlformats.org/officeDocument/2006/relationships" xmlns:p="http://schemas.openxmlformats.org/presentationml/2006/main">
+  <p:cSld>
+    <p:spTree>
+      <p:nvGrpSpPr>
+        <p:cNvPr id="1" name=""/>
+        <p:cNvGrpSpPr/>
+        <p:nvPr/>
+      </p:nvGrpSpPr>
+      <p:grpSpPr>
+        <a:xfrm>
+          <a:off x="0" y="0"/>
+          <a:ext cx="0" cy="0"/>
+          <a:chOff x="0" y="0"/>
+          <a:chExt cx="0" cy="0"/>
+        </a:xfrm>
+      </p:grpSpPr>
+      <p:sp>
+        <p:nvSpPr>
+          <p:cNvPr id="2" name="제목 1">
+            <a:extLst>
+              <a:ext uri="{FF2B5EF4-FFF2-40B4-BE49-F238E27FC236}">
+                <a16:creationId xmlns:a16="http://schemas.microsoft.com/office/drawing/2014/main" id="{FA32CACF-DB5C-E500-FA25-BE46C17535E1}"/>
+              </a:ext>
+            </a:extLst>
+          </p:cNvPr>
+          <p:cNvSpPr>
+            <a:spLocks noGrp="1"/>
+          </p:cNvSpPr>
+          <p:nvPr>
+            <p:ph type="title"/>
+          </p:nvPr>
+        </p:nvSpPr>
+        <p:spPr/>
+        <p:txBody>
+          <a:bodyPr/>
+          <a:lstStyle/>
+          <a:p>
+            <a:r>
+              <a:rPr lang="ko-KR" altLang="en-US" dirty="0">
+                <a:ea typeface="Microsoft GothicNeo"/>
+                <a:cs typeface="Microsoft GothicNeo"/>
+              </a:rPr>
+              <a:t>&lt;예외처리 &gt;</a:t>
+            </a:r>
+            <a:endParaRPr lang="ko-KR" altLang="en-US" dirty="0"/>
+          </a:p>
+        </p:txBody>
+      </p:sp>
+      <p:sp>
+        <p:nvSpPr>
+          <p:cNvPr id="3" name="내용 개체 틀 2">
+            <a:extLst>
+              <a:ext uri="{FF2B5EF4-FFF2-40B4-BE49-F238E27FC236}">
+                <a16:creationId xmlns:a16="http://schemas.microsoft.com/office/drawing/2014/main" id="{642FF93F-026A-8B3E-D8B7-2AA024ED6C9E}"/>
+              </a:ext>
+            </a:extLst>
+          </p:cNvPr>
+          <p:cNvSpPr>
+            <a:spLocks noGrp="1"/>
+          </p:cNvSpPr>
+          <p:nvPr>
+            <p:ph idx="1"/>
+          </p:nvPr>
+        </p:nvSpPr>
+        <p:spPr/>
+        <p:txBody>
+          <a:bodyPr lIns="109728" tIns="109728" rIns="109728" bIns="91440" anchor="t"/>
+          <a:lstStyle/>
+          <a:p>
+            <a:r>
+              <a:rPr lang="ko-KR" altLang="en-US" dirty="0">
+                <a:solidFill>
+                  <a:srgbClr val="FFFFFF">
+                    <a:alpha val="70000"/>
+                  </a:srgbClr>
+                </a:solidFill>
+                <a:ea typeface="Microsoft GothicNeo"/>
+                <a:cs typeface="Microsoft GothicNeo"/>
+              </a:rPr>
+              <a:t>프로그램을 </a:t>
+            </a:r>
+            <a:r>
+              <a:rPr lang="ko-KR" altLang="en-US" dirty="0" err="1">
+                <a:solidFill>
+                  <a:srgbClr val="FFFFFF">
+                    <a:alpha val="70000"/>
+                  </a:srgbClr>
+                </a:solidFill>
+                <a:ea typeface="Microsoft GothicNeo"/>
+                <a:cs typeface="Microsoft GothicNeo"/>
+              </a:rPr>
+              <a:t>작성하다보면</a:t>
+            </a:r>
+            <a:r>
+              <a:rPr lang="ko-KR" altLang="en-US" dirty="0">
+                <a:solidFill>
+                  <a:srgbClr val="FFFFFF">
+                    <a:alpha val="70000"/>
+                  </a:srgbClr>
+                </a:solidFill>
+                <a:ea typeface="Microsoft GothicNeo"/>
+                <a:cs typeface="Microsoft GothicNeo"/>
+              </a:rPr>
+              <a:t> 에러가 발생하더라도 계속 실행이 되기를 </a:t>
+            </a:r>
+            <a:r>
+              <a:rPr lang="ko-KR" altLang="en-US" dirty="0" err="1">
+                <a:solidFill>
+                  <a:srgbClr val="FFFFFF">
+                    <a:alpha val="70000"/>
+                  </a:srgbClr>
+                </a:solidFill>
+                <a:ea typeface="Microsoft GothicNeo"/>
+                <a:cs typeface="Microsoft GothicNeo"/>
+              </a:rPr>
+              <a:t>원할것이다</a:t>
+            </a:r>
+            <a:r>
+              <a:rPr lang="ko-KR" altLang="en-US" dirty="0">
+                <a:solidFill>
+                  <a:srgbClr val="FFFFFF">
+                    <a:alpha val="70000"/>
+                  </a:srgbClr>
+                </a:solidFill>
+                <a:ea typeface="Microsoft GothicNeo"/>
+                <a:cs typeface="Microsoft GothicNeo"/>
+              </a:rPr>
+              <a:t>.</a:t>
+            </a:r>
+          </a:p>
+          <a:p>
+            <a:r>
+              <a:rPr lang="ko-KR" altLang="en-US" dirty="0" err="1">
+                <a:solidFill>
+                  <a:srgbClr val="FFFFFF">
+                    <a:alpha val="70000"/>
+                  </a:srgbClr>
+                </a:solidFill>
+                <a:ea typeface="Microsoft GothicNeo"/>
+                <a:cs typeface="Microsoft GothicNeo"/>
+              </a:rPr>
+              <a:t>If문을</a:t>
+            </a:r>
+            <a:r>
+              <a:rPr lang="ko-KR" altLang="en-US" dirty="0">
+                <a:solidFill>
+                  <a:srgbClr val="FFFFFF">
+                    <a:alpha val="70000"/>
+                  </a:srgbClr>
+                </a:solidFill>
+                <a:ea typeface="Microsoft GothicNeo"/>
+                <a:cs typeface="Microsoft GothicNeo"/>
+              </a:rPr>
+              <a:t> 이용한 예외처리가 가능은 하지만 모든 가정을 하기 </a:t>
+            </a:r>
+            <a:r>
+              <a:rPr lang="ko-KR" altLang="en-US" dirty="0" err="1">
+                <a:solidFill>
+                  <a:srgbClr val="FFFFFF">
+                    <a:alpha val="70000"/>
+                  </a:srgbClr>
+                </a:solidFill>
+                <a:ea typeface="Microsoft GothicNeo"/>
+                <a:cs typeface="Microsoft GothicNeo"/>
+              </a:rPr>
+              <a:t>쉽지않고</a:t>
+            </a:r>
+            <a:r>
+              <a:rPr lang="ko-KR" altLang="en-US" dirty="0">
+                <a:solidFill>
+                  <a:srgbClr val="FFFFFF">
+                    <a:alpha val="70000"/>
+                  </a:srgbClr>
+                </a:solidFill>
+                <a:ea typeface="Microsoft GothicNeo"/>
+                <a:cs typeface="Microsoft GothicNeo"/>
+              </a:rPr>
+              <a:t>, 코드가 </a:t>
+            </a:r>
+            <a:r>
+              <a:rPr lang="ko-KR" altLang="en-US" dirty="0" err="1">
+                <a:solidFill>
+                  <a:srgbClr val="FFFFFF">
+                    <a:alpha val="70000"/>
+                  </a:srgbClr>
+                </a:solidFill>
+                <a:ea typeface="Microsoft GothicNeo"/>
+                <a:cs typeface="Microsoft GothicNeo"/>
+              </a:rPr>
+              <a:t>복잡해질수있다다</a:t>
+            </a:r>
+            <a:r>
+              <a:rPr lang="ko-KR" altLang="en-US" dirty="0">
+                <a:solidFill>
+                  <a:srgbClr val="FFFFFF">
+                    <a:alpha val="70000"/>
+                  </a:srgbClr>
+                </a:solidFill>
+                <a:ea typeface="Microsoft GothicNeo"/>
+                <a:cs typeface="Microsoft GothicNeo"/>
+              </a:rPr>
+              <a:t>.</a:t>
+            </a:r>
+          </a:p>
+          <a:p>
+            <a:r>
+              <a:rPr lang="ko-KR" altLang="en-US">
+                <a:solidFill>
+                  <a:srgbClr val="FFFFFF">
+                    <a:alpha val="70000"/>
+                  </a:srgbClr>
+                </a:solidFill>
+                <a:ea typeface="Microsoft GothicNeo"/>
+                <a:cs typeface="Microsoft GothicNeo"/>
+              </a:rPr>
+              <a:t>이이를 위해 예외처리기를 개발하였고 이를 통해 쉬운 예외처리가 가능하다.</a:t>
+            </a:r>
+          </a:p>
+          <a:p>
+            <a:r>
+              <a:rPr lang="ko-KR" altLang="en-US" dirty="0" err="1">
+                <a:solidFill>
+                  <a:srgbClr val="FFFFFF">
+                    <a:alpha val="70000"/>
+                  </a:srgbClr>
+                </a:solidFill>
+                <a:ea typeface="Microsoft GothicNeo"/>
+                <a:cs typeface="Microsoft GothicNeo"/>
+              </a:rPr>
+              <a:t>Try</a:t>
+            </a:r>
+            <a:r>
+              <a:rPr lang="ko-KR" altLang="en-US" dirty="0">
+                <a:solidFill>
+                  <a:srgbClr val="FFFFFF">
+                    <a:alpha val="70000"/>
+                  </a:srgbClr>
+                </a:solidFill>
+                <a:ea typeface="Microsoft GothicNeo"/>
+                <a:cs typeface="Microsoft GothicNeo"/>
+              </a:rPr>
+              <a:t> { </a:t>
+            </a:r>
+            <a:r>
+              <a:rPr lang="ko-KR" altLang="en-US" dirty="0" err="1">
+                <a:solidFill>
+                  <a:srgbClr val="FFFFFF">
+                    <a:alpha val="70000"/>
+                  </a:srgbClr>
+                </a:solidFill>
+                <a:ea typeface="Microsoft GothicNeo"/>
+                <a:cs typeface="Microsoft GothicNeo"/>
+              </a:rPr>
+              <a:t>if</a:t>
+            </a:r>
+            <a:r>
+              <a:rPr lang="ko-KR" altLang="en-US" dirty="0">
+                <a:solidFill>
+                  <a:srgbClr val="FFFFFF">
+                    <a:alpha val="70000"/>
+                  </a:srgbClr>
+                </a:solidFill>
+                <a:ea typeface="Microsoft GothicNeo"/>
+                <a:cs typeface="Microsoft GothicNeo"/>
+              </a:rPr>
+              <a:t>(~예외처리의 </a:t>
+            </a:r>
+            <a:r>
+              <a:rPr lang="ko-KR" altLang="en-US" dirty="0" err="1">
+                <a:solidFill>
+                  <a:srgbClr val="FFFFFF">
+                    <a:alpha val="70000"/>
+                  </a:srgbClr>
+                </a:solidFill>
+                <a:ea typeface="Microsoft GothicNeo"/>
+                <a:cs typeface="Microsoft GothicNeo"/>
+              </a:rPr>
+              <a:t>케이스스</a:t>
+            </a:r>
+            <a:r>
+              <a:rPr lang="ko-KR" altLang="en-US" dirty="0">
+                <a:solidFill>
+                  <a:srgbClr val="FFFFFF">
+                    <a:alpha val="70000"/>
+                  </a:srgbClr>
+                </a:solidFill>
+                <a:ea typeface="Microsoft GothicNeo"/>
+                <a:cs typeface="Microsoft GothicNeo"/>
+              </a:rPr>
+              <a:t> ) </a:t>
+            </a:r>
+            <a:r>
+              <a:rPr lang="ko-KR" altLang="en-US" dirty="0" err="1">
+                <a:solidFill>
+                  <a:srgbClr val="FFFFFF">
+                    <a:alpha val="70000"/>
+                  </a:srgbClr>
+                </a:solidFill>
+                <a:ea typeface="Microsoft GothicNeo"/>
+                <a:cs typeface="Microsoft GothicNeo"/>
+              </a:rPr>
+              <a:t>throw</a:t>
+            </a:r>
+            <a:r>
+              <a:rPr lang="ko-KR" altLang="en-US" dirty="0">
+                <a:solidFill>
+                  <a:srgbClr val="FFFFFF">
+                    <a:alpha val="70000"/>
+                  </a:srgbClr>
+                </a:solidFill>
+                <a:ea typeface="Microsoft GothicNeo"/>
+                <a:cs typeface="Microsoft GothicNeo"/>
+              </a:rPr>
+              <a:t> </a:t>
+            </a:r>
+            <a:r>
+              <a:rPr lang="ko-KR" altLang="en-US" dirty="0" err="1">
+                <a:solidFill>
+                  <a:srgbClr val="FFFFFF">
+                    <a:alpha val="70000"/>
+                  </a:srgbClr>
+                </a:solidFill>
+                <a:ea typeface="Microsoft GothicNeo"/>
+                <a:cs typeface="Microsoft GothicNeo"/>
+              </a:rPr>
+              <a:t>val</a:t>
+            </a:r>
+            <a:r>
+              <a:rPr lang="ko-KR" altLang="en-US" dirty="0">
+                <a:solidFill>
+                  <a:srgbClr val="FFFFFF">
+                    <a:alpha val="70000"/>
+                  </a:srgbClr>
+                </a:solidFill>
+                <a:ea typeface="Microsoft GothicNeo"/>
+                <a:cs typeface="Microsoft GothicNeo"/>
+              </a:rPr>
+              <a:t>; //문장1}  </a:t>
+            </a:r>
+            <a:r>
+              <a:rPr lang="ko-KR" altLang="en-US" dirty="0" err="1">
+                <a:solidFill>
+                  <a:srgbClr val="FFFFFF">
+                    <a:alpha val="70000"/>
+                  </a:srgbClr>
+                </a:solidFill>
+                <a:ea typeface="Microsoft GothicNeo"/>
+                <a:cs typeface="Microsoft GothicNeo"/>
+              </a:rPr>
+              <a:t>Catch</a:t>
+            </a:r>
+            <a:r>
+              <a:rPr lang="ko-KR" altLang="en-US" dirty="0">
+                <a:solidFill>
+                  <a:srgbClr val="FFFFFF">
+                    <a:alpha val="70000"/>
+                  </a:srgbClr>
+                </a:solidFill>
+                <a:ea typeface="Microsoft GothicNeo"/>
+                <a:cs typeface="Microsoft GothicNeo"/>
+              </a:rPr>
+              <a:t>(</a:t>
+            </a:r>
+            <a:r>
+              <a:rPr lang="ko-KR" altLang="en-US" dirty="0" err="1">
+                <a:solidFill>
+                  <a:srgbClr val="FFFFFF">
+                    <a:alpha val="70000"/>
+                  </a:srgbClr>
+                </a:solidFill>
+                <a:ea typeface="Microsoft GothicNeo"/>
+                <a:cs typeface="Microsoft GothicNeo"/>
+              </a:rPr>
+              <a:t>T</a:t>
+            </a:r>
+            <a:r>
+              <a:rPr lang="ko-KR" altLang="en-US" dirty="0">
+                <a:solidFill>
+                  <a:srgbClr val="FFFFFF">
+                    <a:alpha val="70000"/>
+                  </a:srgbClr>
+                </a:solidFill>
+                <a:ea typeface="Microsoft GothicNeo"/>
+                <a:cs typeface="Microsoft GothicNeo"/>
+              </a:rPr>
+              <a:t> </a:t>
+            </a:r>
+            <a:r>
+              <a:rPr lang="ko-KR" altLang="en-US" dirty="0" err="1">
+                <a:solidFill>
+                  <a:srgbClr val="FFFFFF">
+                    <a:alpha val="70000"/>
+                  </a:srgbClr>
+                </a:solidFill>
+                <a:ea typeface="Microsoft GothicNeo"/>
+                <a:cs typeface="Microsoft GothicNeo"/>
+              </a:rPr>
+              <a:t>val</a:t>
+            </a:r>
+            <a:r>
+              <a:rPr lang="ko-KR" altLang="en-US" dirty="0">
+                <a:solidFill>
+                  <a:srgbClr val="FFFFFF">
+                    <a:alpha val="70000"/>
+                  </a:srgbClr>
+                </a:solidFill>
+                <a:ea typeface="Microsoft GothicNeo"/>
+                <a:cs typeface="Microsoft GothicNeo"/>
+              </a:rPr>
+              <a:t>){//문장2}</a:t>
+            </a:r>
+          </a:p>
+          <a:p>
+            <a:r>
+              <a:rPr lang="ko-KR" altLang="en-US" dirty="0">
+                <a:solidFill>
+                  <a:srgbClr val="FFFFFF">
+                    <a:alpha val="70000"/>
+                  </a:srgbClr>
+                </a:solidFill>
+                <a:ea typeface="Microsoft GothicNeo"/>
+                <a:cs typeface="Microsoft GothicNeo"/>
+              </a:rPr>
+              <a:t>예외처리를 </a:t>
+            </a:r>
+            <a:r>
+              <a:rPr lang="ko-KR" altLang="en-US" err="1">
+                <a:solidFill>
+                  <a:srgbClr val="FFFFFF">
+                    <a:alpha val="70000"/>
+                  </a:srgbClr>
+                </a:solidFill>
+                <a:ea typeface="Microsoft GothicNeo"/>
+                <a:cs typeface="Microsoft GothicNeo"/>
+              </a:rPr>
+              <a:t>사용하는경우</a:t>
+            </a:r>
+            <a:r>
+              <a:rPr lang="ko-KR" altLang="en-US" dirty="0">
+                <a:solidFill>
+                  <a:srgbClr val="FFFFFF">
+                    <a:alpha val="70000"/>
+                  </a:srgbClr>
+                </a:solidFill>
+                <a:ea typeface="Microsoft GothicNeo"/>
+                <a:cs typeface="Microsoft GothicNeo"/>
+              </a:rPr>
+              <a:t> 함수원형을 </a:t>
+            </a:r>
+            <a:r>
+              <a:rPr lang="ko-KR" altLang="en-US" err="1">
+                <a:solidFill>
+                  <a:srgbClr val="FFFFFF">
+                    <a:alpha val="70000"/>
+                  </a:srgbClr>
+                </a:solidFill>
+                <a:ea typeface="Microsoft GothicNeo"/>
+                <a:cs typeface="Microsoft GothicNeo"/>
+              </a:rPr>
+              <a:t>선언할떄</a:t>
+            </a:r>
+            <a:r>
+              <a:rPr lang="ko-KR" altLang="en-US" dirty="0">
+                <a:solidFill>
+                  <a:srgbClr val="FFFFFF">
+                    <a:alpha val="70000"/>
+                  </a:srgbClr>
+                </a:solidFill>
+                <a:ea typeface="Microsoft GothicNeo"/>
+                <a:cs typeface="Microsoft GothicNeo"/>
+              </a:rPr>
+              <a:t> </a:t>
+            </a:r>
+            <a:r>
+              <a:rPr lang="ko-KR" altLang="en-US" err="1">
+                <a:solidFill>
+                  <a:srgbClr val="FFFFFF">
+                    <a:alpha val="70000"/>
+                  </a:srgbClr>
+                </a:solidFill>
+                <a:ea typeface="Microsoft GothicNeo"/>
+                <a:cs typeface="Microsoft GothicNeo"/>
+              </a:rPr>
+              <a:t>throw</a:t>
+            </a:r>
+            <a:r>
+              <a:rPr lang="ko-KR" altLang="en-US">
+                <a:solidFill>
+                  <a:srgbClr val="FFFFFF">
+                    <a:alpha val="70000"/>
+                  </a:srgbClr>
+                </a:solidFill>
+                <a:ea typeface="Microsoft GothicNeo"/>
+                <a:cs typeface="Microsoft GothicNeo"/>
+              </a:rPr>
+              <a:t> 문구와 반환 타입을 적어주자.</a:t>
+            </a:r>
+          </a:p>
+          <a:p>
+            <a:r>
+              <a:rPr lang="ko-KR" altLang="en-US" dirty="0" err="1">
+                <a:solidFill>
+                  <a:srgbClr val="FFFFFF">
+                    <a:alpha val="70000"/>
+                  </a:srgbClr>
+                </a:solidFill>
+                <a:ea typeface="Microsoft GothicNeo"/>
+                <a:cs typeface="Microsoft GothicNeo"/>
+              </a:rPr>
+              <a:t>Int</a:t>
+            </a:r>
+            <a:r>
+              <a:rPr lang="ko-KR" altLang="en-US" dirty="0">
+                <a:solidFill>
+                  <a:srgbClr val="FFFFFF">
+                    <a:alpha val="70000"/>
+                  </a:srgbClr>
+                </a:solidFill>
+                <a:ea typeface="Microsoft GothicNeo"/>
+                <a:cs typeface="Microsoft GothicNeo"/>
+              </a:rPr>
+              <a:t> </a:t>
+            </a:r>
+            <a:r>
+              <a:rPr lang="ko-KR" altLang="en-US" dirty="0" err="1">
+                <a:solidFill>
+                  <a:srgbClr val="FFFFFF">
+                    <a:alpha val="70000"/>
+                  </a:srgbClr>
+                </a:solidFill>
+                <a:ea typeface="Microsoft GothicNeo"/>
+                <a:cs typeface="Microsoft GothicNeo"/>
+              </a:rPr>
+              <a:t>Get_max</a:t>
+            </a:r>
+            <a:r>
+              <a:rPr lang="ko-KR" altLang="en-US" dirty="0">
+                <a:solidFill>
+                  <a:srgbClr val="FFFFFF">
+                    <a:alpha val="70000"/>
+                  </a:srgbClr>
+                </a:solidFill>
+                <a:ea typeface="Microsoft GothicNeo"/>
+                <a:cs typeface="Microsoft GothicNeo"/>
+              </a:rPr>
+              <a:t>(</a:t>
+            </a:r>
+            <a:r>
+              <a:rPr lang="ko-KR" altLang="en-US" dirty="0" err="1">
+                <a:solidFill>
+                  <a:srgbClr val="FFFFFF">
+                    <a:alpha val="70000"/>
+                  </a:srgbClr>
+                </a:solidFill>
+                <a:ea typeface="Microsoft GothicNeo"/>
+                <a:cs typeface="Microsoft GothicNeo"/>
+              </a:rPr>
+              <a:t>int</a:t>
+            </a:r>
+            <a:r>
+              <a:rPr lang="ko-KR" altLang="en-US" dirty="0">
+                <a:solidFill>
+                  <a:srgbClr val="FFFFFF">
+                    <a:alpha val="70000"/>
+                  </a:srgbClr>
+                </a:solidFill>
+                <a:ea typeface="Microsoft GothicNeo"/>
+                <a:cs typeface="Microsoft GothicNeo"/>
+              </a:rPr>
+              <a:t> </a:t>
+            </a:r>
+            <a:r>
+              <a:rPr lang="ko-KR" altLang="en-US" dirty="0" err="1">
+                <a:solidFill>
+                  <a:srgbClr val="FFFFFF">
+                    <a:alpha val="70000"/>
+                  </a:srgbClr>
+                </a:solidFill>
+                <a:ea typeface="Microsoft GothicNeo"/>
+                <a:cs typeface="Microsoft GothicNeo"/>
+              </a:rPr>
+              <a:t>a</a:t>
+            </a:r>
+            <a:r>
+              <a:rPr lang="ko-KR" altLang="en-US" dirty="0">
+                <a:solidFill>
+                  <a:srgbClr val="FFFFFF">
+                    <a:alpha val="70000"/>
+                  </a:srgbClr>
+                </a:solidFill>
+                <a:ea typeface="Microsoft GothicNeo"/>
+                <a:cs typeface="Microsoft GothicNeo"/>
+              </a:rPr>
+              <a:t>, </a:t>
+            </a:r>
+            <a:r>
+              <a:rPr lang="ko-KR" altLang="en-US" dirty="0" err="1">
+                <a:solidFill>
+                  <a:srgbClr val="FFFFFF">
+                    <a:alpha val="70000"/>
+                  </a:srgbClr>
+                </a:solidFill>
+                <a:ea typeface="Microsoft GothicNeo"/>
+                <a:cs typeface="Microsoft GothicNeo"/>
+              </a:rPr>
+              <a:t>int</a:t>
+            </a:r>
+            <a:r>
+              <a:rPr lang="ko-KR" altLang="en-US" dirty="0">
+                <a:solidFill>
+                  <a:srgbClr val="FFFFFF">
+                    <a:alpha val="70000"/>
+                  </a:srgbClr>
+                </a:solidFill>
+                <a:ea typeface="Microsoft GothicNeo"/>
+                <a:cs typeface="Microsoft GothicNeo"/>
+              </a:rPr>
+              <a:t> </a:t>
+            </a:r>
+            <a:r>
+              <a:rPr lang="ko-KR" altLang="en-US" dirty="0" err="1">
+                <a:solidFill>
+                  <a:srgbClr val="FFFFFF">
+                    <a:alpha val="70000"/>
+                  </a:srgbClr>
+                </a:solidFill>
+                <a:ea typeface="Microsoft GothicNeo"/>
+                <a:cs typeface="Microsoft GothicNeo"/>
+              </a:rPr>
+              <a:t>b</a:t>
+            </a:r>
+            <a:r>
+              <a:rPr lang="ko-KR" altLang="en-US" dirty="0">
+                <a:solidFill>
+                  <a:srgbClr val="FFFFFF">
+                    <a:alpha val="70000"/>
+                  </a:srgbClr>
+                </a:solidFill>
+                <a:ea typeface="Microsoft GothicNeo"/>
+                <a:cs typeface="Microsoft GothicNeo"/>
+              </a:rPr>
+              <a:t>) </a:t>
+            </a:r>
+            <a:r>
+              <a:rPr lang="ko-KR" altLang="en-US" dirty="0" err="1">
+                <a:solidFill>
+                  <a:srgbClr val="FFFFFF">
+                    <a:alpha val="70000"/>
+                  </a:srgbClr>
+                </a:solidFill>
+                <a:ea typeface="Microsoft GothicNeo"/>
+                <a:cs typeface="Microsoft GothicNeo"/>
+              </a:rPr>
+              <a:t>throw</a:t>
+            </a:r>
+            <a:r>
+              <a:rPr lang="ko-KR" altLang="en-US" dirty="0">
+                <a:solidFill>
+                  <a:srgbClr val="FFFFFF">
+                    <a:alpha val="70000"/>
+                  </a:srgbClr>
+                </a:solidFill>
+                <a:ea typeface="Microsoft GothicNeo"/>
+                <a:cs typeface="Microsoft GothicNeo"/>
+              </a:rPr>
+              <a:t> (</a:t>
+            </a:r>
+            <a:r>
+              <a:rPr lang="ko-KR" altLang="en-US" dirty="0" err="1">
+                <a:solidFill>
+                  <a:srgbClr val="FFFFFF">
+                    <a:alpha val="70000"/>
+                  </a:srgbClr>
+                </a:solidFill>
+                <a:ea typeface="Microsoft GothicNeo"/>
+                <a:cs typeface="Microsoft GothicNeo"/>
+              </a:rPr>
+              <a:t>int</a:t>
+            </a:r>
+            <a:r>
+              <a:rPr lang="ko-KR" altLang="en-US" dirty="0">
+                <a:solidFill>
+                  <a:srgbClr val="FFFFFF">
+                    <a:alpha val="70000"/>
+                  </a:srgbClr>
+                </a:solidFill>
+                <a:ea typeface="Microsoft GothicNeo"/>
+                <a:cs typeface="Microsoft GothicNeo"/>
+              </a:rPr>
+              <a:t>); //</a:t>
+            </a:r>
+            <a:r>
+              <a:rPr lang="ko-KR" altLang="en-US" dirty="0" err="1">
+                <a:solidFill>
+                  <a:srgbClr val="FFFFFF">
+                    <a:alpha val="70000"/>
+                  </a:srgbClr>
+                </a:solidFill>
+                <a:ea typeface="Microsoft GothicNeo"/>
+                <a:cs typeface="Microsoft GothicNeo"/>
+              </a:rPr>
+              <a:t>무슨무슨경우</a:t>
+            </a:r>
+            <a:r>
+              <a:rPr lang="ko-KR" altLang="en-US" dirty="0">
+                <a:solidFill>
+                  <a:srgbClr val="FFFFFF">
+                    <a:alpha val="70000"/>
+                  </a:srgbClr>
+                </a:solidFill>
+                <a:ea typeface="Microsoft GothicNeo"/>
+                <a:cs typeface="Microsoft GothicNeo"/>
+              </a:rPr>
+              <a:t> </a:t>
+            </a:r>
+            <a:r>
+              <a:rPr lang="ko-KR" altLang="en-US" dirty="0" err="1">
+                <a:solidFill>
+                  <a:srgbClr val="FFFFFF">
+                    <a:alpha val="70000"/>
+                  </a:srgbClr>
+                </a:solidFill>
+                <a:ea typeface="Microsoft GothicNeo"/>
+                <a:cs typeface="Microsoft GothicNeo"/>
+              </a:rPr>
+              <a:t>Throw</a:t>
+            </a:r>
+          </a:p>
+        </p:txBody>
+      </p:sp>
+    </p:spTree>
+    <p:extLst>
+      <p:ext uri="{BB962C8B-B14F-4D97-AF65-F5344CB8AC3E}">
+        <p14:creationId xmlns:p14="http://schemas.microsoft.com/office/powerpoint/2010/main" val="1994872023"/>
+      </p:ext>
+    </p:extLst>
+  </p:cSld>
+  <p:clrMapOvr>
+    <a:masterClrMapping/>
+  </p:clrMapOvr>
+</p:sld>
+</file>
+
 <file path=ppt/slides/slide4.xml><?xml version="1.0" encoding="utf-8"?>
 <p:sld xmlns:a="http://schemas.openxmlformats.org/drawingml/2006/main" xmlns:r="http://schemas.openxmlformats.org/officeDocument/2006/relationships" xmlns:p="http://schemas.openxmlformats.org/presentationml/2006/main">
   <p:cSld>

--- a/전공지식/C언어의 기초/C언어 기초지식.pptx
+++ b/전공지식/C언어의 기초/C언어 기초지식.pptx
@@ -40,6 +40,12 @@
     <p:sldId id="289" r:id="rId34"/>
     <p:sldId id="290" r:id="rId35"/>
     <p:sldId id="291" r:id="rId36"/>
+    <p:sldId id="292" r:id="rId37"/>
+    <p:sldId id="293" r:id="rId38"/>
+    <p:sldId id="294" r:id="rId39"/>
+    <p:sldId id="295" r:id="rId40"/>
+    <p:sldId id="296" r:id="rId41"/>
+    <p:sldId id="297" r:id="rId42"/>
   </p:sldIdLst>
   <p:sldSz cx="12192000" cy="6858000"/>
   <p:notesSz cx="6858000" cy="9144000"/>
@@ -153,6 +159,7 @@
     <p1510:client id="{70AA4CCD-8E10-434E-868F-5C5E0A410C2E}" v="3097" dt="2023-10-17T12:35:51.078"/>
     <p1510:client id="{773FEA85-BD00-400D-8917-366C44315C9D}" v="1719" dt="2023-10-19T11:41:03.164"/>
     <p1510:client id="{95F9D723-334F-40E2-9BD2-493BAD9321A6}" v="1499" dt="2023-10-23T15:06:12.089"/>
+    <p1510:client id="{BF47BEEB-8673-4758-A1D2-68E9E367D2AE}" v="1785" dt="2023-10-24T08:33:50.445"/>
     <p1510:client id="{C0B17A74-5F7D-4C82-8D87-A30C0598D578}" v="167" dt="2023-10-19T10:58:23.895"/>
     <p1510:client id="{CD3A230A-4545-4B5A-8F53-A35FBDF96CF4}" v="889" dt="2023-10-15T10:18:49.371"/>
     <p1510:client id="{DBFDBAC8-DE04-484C-B94C-F71EF475F54E}" v="770" dt="2023-10-22T14:19:39.866"/>
@@ -7115,7 +7122,7 @@
           <a:p>
             <a:fld id="{76969C88-B244-455D-A017-012B25B1ACDD}" type="datetimeFigureOut">
               <a:rPr lang="en-US" smtClean="0"/>
-              <a:t>10/23/2023</a:t>
+              <a:t>10/24/2023</a:t>
             </a:fld>
             <a:endParaRPr lang="en-US"/>
           </a:p>
@@ -7313,7 +7320,7 @@
           <a:p>
             <a:fld id="{76969C88-B244-455D-A017-012B25B1ACDD}" type="datetimeFigureOut">
               <a:rPr lang="en-US" smtClean="0"/>
-              <a:t>10/23/2023</a:t>
+              <a:t>10/24/2023</a:t>
             </a:fld>
             <a:endParaRPr lang="en-US"/>
           </a:p>
@@ -7521,7 +7528,7 @@
           <a:p>
             <a:fld id="{76969C88-B244-455D-A017-012B25B1ACDD}" type="datetimeFigureOut">
               <a:rPr lang="en-US" smtClean="0"/>
-              <a:t>10/23/2023</a:t>
+              <a:t>10/24/2023</a:t>
             </a:fld>
             <a:endParaRPr lang="en-US"/>
           </a:p>
@@ -7719,7 +7726,7 @@
           <a:p>
             <a:fld id="{76969C88-B244-455D-A017-012B25B1ACDD}" type="datetimeFigureOut">
               <a:rPr lang="en-US" smtClean="0"/>
-              <a:t>10/23/2023</a:t>
+              <a:t>10/24/2023</a:t>
             </a:fld>
             <a:endParaRPr lang="en-US"/>
           </a:p>
@@ -7994,7 +8001,7 @@
           <a:p>
             <a:fld id="{76969C88-B244-455D-A017-012B25B1ACDD}" type="datetimeFigureOut">
               <a:rPr lang="en-US" smtClean="0"/>
-              <a:t>10/23/2023</a:t>
+              <a:t>10/24/2023</a:t>
             </a:fld>
             <a:endParaRPr lang="en-US"/>
           </a:p>
@@ -8259,7 +8266,7 @@
           <a:p>
             <a:fld id="{76969C88-B244-455D-A017-012B25B1ACDD}" type="datetimeFigureOut">
               <a:rPr lang="en-US" smtClean="0"/>
-              <a:t>10/23/2023</a:t>
+              <a:t>10/24/2023</a:t>
             </a:fld>
             <a:endParaRPr lang="en-US"/>
           </a:p>
@@ -8671,7 +8678,7 @@
           <a:p>
             <a:fld id="{76969C88-B244-455D-A017-012B25B1ACDD}" type="datetimeFigureOut">
               <a:rPr lang="en-US" smtClean="0"/>
-              <a:t>10/23/2023</a:t>
+              <a:t>10/24/2023</a:t>
             </a:fld>
             <a:endParaRPr lang="en-US"/>
           </a:p>
@@ -8812,7 +8819,7 @@
           <a:p>
             <a:fld id="{76969C88-B244-455D-A017-012B25B1ACDD}" type="datetimeFigureOut">
               <a:rPr lang="en-US" smtClean="0"/>
-              <a:t>10/23/2023</a:t>
+              <a:t>10/24/2023</a:t>
             </a:fld>
             <a:endParaRPr lang="en-US"/>
           </a:p>
@@ -8925,7 +8932,7 @@
           <a:p>
             <a:fld id="{76969C88-B244-455D-A017-012B25B1ACDD}" type="datetimeFigureOut">
               <a:rPr lang="en-US" smtClean="0"/>
-              <a:t>10/23/2023</a:t>
+              <a:t>10/24/2023</a:t>
             </a:fld>
             <a:endParaRPr lang="en-US"/>
           </a:p>
@@ -9236,7 +9243,7 @@
           <a:p>
             <a:fld id="{76969C88-B244-455D-A017-012B25B1ACDD}" type="datetimeFigureOut">
               <a:rPr lang="en-US" smtClean="0"/>
-              <a:t>10/23/2023</a:t>
+              <a:t>10/24/2023</a:t>
             </a:fld>
             <a:endParaRPr lang="en-US"/>
           </a:p>
@@ -9527,7 +9534,7 @@
           <a:p>
             <a:fld id="{76969C88-B244-455D-A017-012B25B1ACDD}" type="datetimeFigureOut">
               <a:rPr lang="en-US" smtClean="0"/>
-              <a:t>10/23/2023</a:t>
+              <a:t>10/24/2023</a:t>
             </a:fld>
             <a:endParaRPr lang="en-US"/>
           </a:p>
@@ -10277,7 +10284,7 @@
             <a:fld id="{76969C88-B244-455D-A017-012B25B1ACDD}" type="datetimeFigureOut">
               <a:rPr lang="en-US" smtClean="0"/>
               <a:pPr/>
-              <a:t>10/23/2023</a:t>
+              <a:t>10/24/2023</a:t>
             </a:fld>
             <a:endParaRPr lang="en-US"/>
           </a:p>
@@ -26526,6 +26533,1692 @@
 </p:sld>
 </file>
 
+<file path=ppt/slides/slide36.xml><?xml version="1.0" encoding="utf-8"?>
+<p:sld xmlns:a="http://schemas.openxmlformats.org/drawingml/2006/main" xmlns:r="http://schemas.openxmlformats.org/officeDocument/2006/relationships" xmlns:p="http://schemas.openxmlformats.org/presentationml/2006/main">
+  <p:cSld>
+    <p:spTree>
+      <p:nvGrpSpPr>
+        <p:cNvPr id="1" name=""/>
+        <p:cNvGrpSpPr/>
+        <p:nvPr/>
+      </p:nvGrpSpPr>
+      <p:grpSpPr>
+        <a:xfrm>
+          <a:off x="0" y="0"/>
+          <a:ext cx="0" cy="0"/>
+          <a:chOff x="0" y="0"/>
+          <a:chExt cx="0" cy="0"/>
+        </a:xfrm>
+      </p:grpSpPr>
+      <p:sp>
+        <p:nvSpPr>
+          <p:cNvPr id="2" name="제목 1">
+            <a:extLst>
+              <a:ext uri="{FF2B5EF4-FFF2-40B4-BE49-F238E27FC236}">
+                <a16:creationId xmlns:a16="http://schemas.microsoft.com/office/drawing/2014/main" id="{28E5C763-E405-F455-74FB-742E7A4C52A5}"/>
+              </a:ext>
+            </a:extLst>
+          </p:cNvPr>
+          <p:cNvSpPr>
+            <a:spLocks noGrp="1"/>
+          </p:cNvSpPr>
+          <p:nvPr>
+            <p:ph type="title"/>
+          </p:nvPr>
+        </p:nvSpPr>
+        <p:spPr/>
+        <p:txBody>
+          <a:bodyPr/>
+          <a:lstStyle/>
+          <a:p>
+            <a:r>
+              <a:rPr lang="ko-KR" altLang="en-US" dirty="0">
+                <a:ea typeface="Microsoft GothicNeo"/>
+                <a:cs typeface="Microsoft GothicNeo"/>
+              </a:rPr>
+              <a:t>&lt;</a:t>
+            </a:r>
+            <a:r>
+              <a:rPr lang="ko-KR" altLang="en-US" dirty="0" err="1">
+                <a:ea typeface="Microsoft GothicNeo"/>
+                <a:cs typeface="Microsoft GothicNeo"/>
+              </a:rPr>
+              <a:t>static_Cast</a:t>
+            </a:r>
+            <a:r>
+              <a:rPr lang="ko-KR" altLang="en-US" dirty="0">
+                <a:ea typeface="Microsoft GothicNeo"/>
+                <a:cs typeface="Microsoft GothicNeo"/>
+              </a:rPr>
+              <a:t> &amp; </a:t>
+            </a:r>
+            <a:r>
+              <a:rPr lang="ko-KR" altLang="en-US" dirty="0" err="1">
+                <a:ea typeface="Microsoft GothicNeo"/>
+                <a:cs typeface="Microsoft GothicNeo"/>
+              </a:rPr>
+              <a:t>dynamic_Cast</a:t>
+            </a:r>
+            <a:r>
+              <a:rPr lang="ko-KR" altLang="en-US" dirty="0">
+                <a:ea typeface="Microsoft GothicNeo"/>
+                <a:cs typeface="Microsoft GothicNeo"/>
+              </a:rPr>
+              <a:t>&gt; 이유</a:t>
+            </a:r>
+            <a:endParaRPr lang="ko-KR" altLang="en-US" dirty="0"/>
+          </a:p>
+        </p:txBody>
+      </p:sp>
+      <p:sp>
+        <p:nvSpPr>
+          <p:cNvPr id="3" name="내용 개체 틀 2">
+            <a:extLst>
+              <a:ext uri="{FF2B5EF4-FFF2-40B4-BE49-F238E27FC236}">
+                <a16:creationId xmlns:a16="http://schemas.microsoft.com/office/drawing/2014/main" id="{EB351E36-5995-95F8-DAEC-54A86317B2A3}"/>
+              </a:ext>
+            </a:extLst>
+          </p:cNvPr>
+          <p:cNvSpPr>
+            <a:spLocks noGrp="1"/>
+          </p:cNvSpPr>
+          <p:nvPr>
+            <p:ph idx="1"/>
+          </p:nvPr>
+        </p:nvSpPr>
+        <p:spPr/>
+        <p:txBody>
+          <a:bodyPr lIns="109728" tIns="109728" rIns="109728" bIns="91440" anchor="t"/>
+          <a:lstStyle/>
+          <a:p>
+            <a:r>
+              <a:rPr lang="ko-KR" altLang="en-US" dirty="0" err="1">
+                <a:solidFill>
+                  <a:srgbClr val="FFFFFF">
+                    <a:alpha val="70000"/>
+                  </a:srgbClr>
+                </a:solidFill>
+                <a:ea typeface="Microsoft GothicNeo"/>
+                <a:cs typeface="Microsoft GothicNeo"/>
+              </a:rPr>
+              <a:t>c언어</a:t>
+            </a:r>
+            <a:r>
+              <a:rPr lang="ko-KR" altLang="en-US" dirty="0">
+                <a:solidFill>
+                  <a:srgbClr val="FFFFFF">
+                    <a:alpha val="70000"/>
+                  </a:srgbClr>
+                </a:solidFill>
+                <a:ea typeface="Microsoft GothicNeo"/>
+                <a:cs typeface="Microsoft GothicNeo"/>
+              </a:rPr>
+              <a:t> 에서는 </a:t>
+            </a:r>
+            <a:r>
+              <a:rPr lang="ko-KR" altLang="en-US" dirty="0" err="1">
+                <a:solidFill>
+                  <a:srgbClr val="FFFFFF">
+                    <a:alpha val="70000"/>
+                  </a:srgbClr>
+                </a:solidFill>
+                <a:ea typeface="Microsoft GothicNeo"/>
+                <a:cs typeface="Microsoft GothicNeo"/>
+              </a:rPr>
+              <a:t>Cast</a:t>
+            </a:r>
+            <a:r>
+              <a:rPr lang="ko-KR" altLang="en-US" dirty="0">
+                <a:solidFill>
+                  <a:srgbClr val="FFFFFF">
+                    <a:alpha val="70000"/>
+                  </a:srgbClr>
+                </a:solidFill>
+                <a:ea typeface="Microsoft GothicNeo"/>
+                <a:cs typeface="Microsoft GothicNeo"/>
+              </a:rPr>
+              <a:t> </a:t>
+            </a:r>
+            <a:r>
+              <a:rPr lang="ko-KR" altLang="en-US" dirty="0" err="1">
+                <a:solidFill>
+                  <a:srgbClr val="FFFFFF">
+                    <a:alpha val="70000"/>
+                  </a:srgbClr>
+                </a:solidFill>
+                <a:ea typeface="Microsoft GothicNeo"/>
+                <a:cs typeface="Microsoft GothicNeo"/>
+              </a:rPr>
+              <a:t>연산자에대해</a:t>
+            </a:r>
+            <a:r>
+              <a:rPr lang="ko-KR" altLang="en-US" dirty="0">
+                <a:solidFill>
+                  <a:srgbClr val="FFFFFF">
+                    <a:alpha val="70000"/>
+                  </a:srgbClr>
+                </a:solidFill>
+                <a:ea typeface="Microsoft GothicNeo"/>
+                <a:cs typeface="Microsoft GothicNeo"/>
+              </a:rPr>
+              <a:t> 관대했다.</a:t>
+            </a:r>
+          </a:p>
+          <a:p>
+            <a:r>
+              <a:rPr lang="ko-KR" altLang="en-US" dirty="0">
+                <a:solidFill>
+                  <a:srgbClr val="FFFFFF">
+                    <a:alpha val="70000"/>
+                  </a:srgbClr>
+                </a:solidFill>
+                <a:ea typeface="Microsoft GothicNeo"/>
+                <a:cs typeface="Microsoft GothicNeo"/>
+              </a:rPr>
+              <a:t>C++로 넘어오면서 데이터 타입에 엄격해지자는 </a:t>
+            </a:r>
+            <a:r>
+              <a:rPr lang="ko-KR" altLang="en-US" dirty="0" err="1">
+                <a:solidFill>
+                  <a:srgbClr val="FFFFFF">
+                    <a:alpha val="70000"/>
+                  </a:srgbClr>
+                </a:solidFill>
+                <a:ea typeface="Microsoft GothicNeo"/>
+                <a:cs typeface="Microsoft GothicNeo"/>
+              </a:rPr>
+              <a:t>목표가있었는데</a:t>
+            </a:r>
+            <a:r>
+              <a:rPr lang="ko-KR" altLang="en-US" dirty="0">
+                <a:solidFill>
+                  <a:srgbClr val="FFFFFF">
+                    <a:alpha val="70000"/>
+                  </a:srgbClr>
+                </a:solidFill>
+                <a:ea typeface="Microsoft GothicNeo"/>
+                <a:cs typeface="Microsoft GothicNeo"/>
+              </a:rPr>
+              <a:t> 그 중하나이다.</a:t>
+            </a:r>
+          </a:p>
+          <a:p>
+            <a:pPr marL="0" indent="0">
+              <a:buNone/>
+            </a:pPr>
+            <a:r>
+              <a:rPr lang="ko-KR" altLang="en-US" dirty="0" err="1">
+                <a:solidFill>
+                  <a:srgbClr val="FFFFFF">
+                    <a:alpha val="70000"/>
+                  </a:srgbClr>
+                </a:solidFill>
+                <a:ea typeface="Microsoft GothicNeo"/>
+                <a:cs typeface="Microsoft GothicNeo"/>
+              </a:rPr>
+              <a:t>C언어의</a:t>
+            </a:r>
+            <a:r>
+              <a:rPr lang="ko-KR" altLang="en-US" dirty="0">
+                <a:solidFill>
+                  <a:srgbClr val="FFFFFF">
+                    <a:alpha val="70000"/>
+                  </a:srgbClr>
+                </a:solidFill>
+                <a:ea typeface="Microsoft GothicNeo"/>
+                <a:cs typeface="Microsoft GothicNeo"/>
+              </a:rPr>
+              <a:t> 문제점 예시 =&gt; </a:t>
+            </a:r>
+            <a:r>
+              <a:rPr lang="ko-KR" altLang="en-US" dirty="0" err="1">
+                <a:solidFill>
+                  <a:srgbClr val="FFFFFF">
+                    <a:alpha val="70000"/>
+                  </a:srgbClr>
+                </a:solidFill>
+                <a:ea typeface="Microsoft GothicNeo"/>
+                <a:cs typeface="Microsoft GothicNeo"/>
+              </a:rPr>
+              <a:t>int</a:t>
+            </a:r>
+            <a:r>
+              <a:rPr lang="ko-KR" altLang="en-US" dirty="0">
+                <a:solidFill>
+                  <a:srgbClr val="FFFFFF">
+                    <a:alpha val="70000"/>
+                  </a:srgbClr>
+                </a:solidFill>
+                <a:ea typeface="Microsoft GothicNeo"/>
+                <a:cs typeface="Microsoft GothicNeo"/>
+              </a:rPr>
+              <a:t>* </a:t>
+            </a:r>
+            <a:r>
+              <a:rPr lang="ko-KR" altLang="en-US" dirty="0" err="1">
+                <a:solidFill>
+                  <a:srgbClr val="FFFFFF">
+                    <a:alpha val="70000"/>
+                  </a:srgbClr>
+                </a:solidFill>
+                <a:ea typeface="Microsoft GothicNeo"/>
+                <a:cs typeface="Microsoft GothicNeo"/>
+              </a:rPr>
+              <a:t>ip</a:t>
+            </a:r>
+            <a:r>
+              <a:rPr lang="ko-KR" altLang="en-US" dirty="0">
+                <a:solidFill>
+                  <a:srgbClr val="FFFFFF">
+                    <a:alpha val="70000"/>
+                  </a:srgbClr>
+                </a:solidFill>
+                <a:ea typeface="Microsoft GothicNeo"/>
+                <a:cs typeface="Microsoft GothicNeo"/>
+              </a:rPr>
+              <a:t>;  </a:t>
+            </a:r>
+            <a:r>
+              <a:rPr lang="ko-KR" altLang="en-US" dirty="0" err="1">
+                <a:solidFill>
+                  <a:srgbClr val="FFFFFF">
+                    <a:alpha val="70000"/>
+                  </a:srgbClr>
+                </a:solidFill>
+                <a:ea typeface="Microsoft GothicNeo"/>
+                <a:cs typeface="Microsoft GothicNeo"/>
+              </a:rPr>
+              <a:t>double</a:t>
+            </a:r>
+            <a:r>
+              <a:rPr lang="ko-KR" altLang="en-US" dirty="0">
+                <a:solidFill>
+                  <a:srgbClr val="FFFFFF">
+                    <a:alpha val="70000"/>
+                  </a:srgbClr>
+                </a:solidFill>
+                <a:ea typeface="Microsoft GothicNeo"/>
+                <a:cs typeface="Microsoft GothicNeo"/>
+              </a:rPr>
+              <a:t>* </a:t>
+            </a:r>
+            <a:r>
+              <a:rPr lang="ko-KR" altLang="en-US" dirty="0" err="1">
+                <a:solidFill>
+                  <a:srgbClr val="FFFFFF">
+                    <a:alpha val="70000"/>
+                  </a:srgbClr>
+                </a:solidFill>
+                <a:ea typeface="Microsoft GothicNeo"/>
+                <a:cs typeface="Microsoft GothicNeo"/>
+              </a:rPr>
+              <a:t>dp</a:t>
+            </a:r>
+            <a:r>
+              <a:rPr lang="ko-KR" altLang="en-US" dirty="0">
+                <a:solidFill>
+                  <a:srgbClr val="FFFFFF">
+                    <a:alpha val="70000"/>
+                  </a:srgbClr>
+                </a:solidFill>
+                <a:ea typeface="Microsoft GothicNeo"/>
+                <a:cs typeface="Microsoft GothicNeo"/>
+              </a:rPr>
+              <a:t> = (</a:t>
+            </a:r>
+            <a:r>
+              <a:rPr lang="ko-KR" altLang="en-US" dirty="0" err="1">
+                <a:solidFill>
+                  <a:srgbClr val="FFFFFF">
+                    <a:alpha val="70000"/>
+                  </a:srgbClr>
+                </a:solidFill>
+                <a:ea typeface="Microsoft GothicNeo"/>
+                <a:cs typeface="Microsoft GothicNeo"/>
+              </a:rPr>
+              <a:t>double</a:t>
+            </a:r>
+            <a:r>
+              <a:rPr lang="ko-KR" altLang="en-US" dirty="0">
+                <a:solidFill>
+                  <a:srgbClr val="FFFFFF">
+                    <a:alpha val="70000"/>
+                  </a:srgbClr>
+                </a:solidFill>
+                <a:ea typeface="Microsoft GothicNeo"/>
+                <a:cs typeface="Microsoft GothicNeo"/>
+              </a:rPr>
+              <a:t>*) </a:t>
+            </a:r>
+            <a:r>
+              <a:rPr lang="ko-KR" altLang="en-US" dirty="0" err="1">
+                <a:solidFill>
+                  <a:srgbClr val="FFFFFF">
+                    <a:alpha val="70000"/>
+                  </a:srgbClr>
+                </a:solidFill>
+                <a:ea typeface="Microsoft GothicNeo"/>
+                <a:cs typeface="Microsoft GothicNeo"/>
+              </a:rPr>
+              <a:t>ip</a:t>
+            </a:r>
+            <a:r>
+              <a:rPr lang="ko-KR" altLang="en-US" dirty="0">
+                <a:solidFill>
+                  <a:srgbClr val="FFFFFF">
+                    <a:alpha val="70000"/>
+                  </a:srgbClr>
+                </a:solidFill>
+                <a:ea typeface="Microsoft GothicNeo"/>
+                <a:cs typeface="Microsoft GothicNeo"/>
+              </a:rPr>
+              <a:t>; //에러가 </a:t>
+            </a:r>
+            <a:r>
+              <a:rPr lang="ko-KR" altLang="en-US" dirty="0" err="1">
+                <a:solidFill>
+                  <a:srgbClr val="FFFFFF">
+                    <a:alpha val="70000"/>
+                  </a:srgbClr>
+                </a:solidFill>
+                <a:ea typeface="Microsoft GothicNeo"/>
+                <a:cs typeface="Microsoft GothicNeo"/>
+              </a:rPr>
+              <a:t>안났음</a:t>
+            </a:r>
+            <a:r>
+              <a:rPr lang="ko-KR" altLang="en-US" dirty="0">
+                <a:solidFill>
+                  <a:srgbClr val="FFFFFF">
+                    <a:alpha val="70000"/>
+                  </a:srgbClr>
+                </a:solidFill>
+                <a:ea typeface="Microsoft GothicNeo"/>
+                <a:cs typeface="Microsoft GothicNeo"/>
+              </a:rPr>
+              <a:t>.</a:t>
+            </a:r>
+          </a:p>
+          <a:p>
+            <a:pPr marL="0" indent="0">
+              <a:buNone/>
+            </a:pPr>
+            <a:r>
+              <a:rPr lang="ko-KR" altLang="en-US" dirty="0" err="1">
+                <a:solidFill>
+                  <a:srgbClr val="FFFFFF">
+                    <a:alpha val="70000"/>
+                  </a:srgbClr>
+                </a:solidFill>
+                <a:ea typeface="Microsoft GothicNeo"/>
+                <a:cs typeface="Microsoft GothicNeo"/>
+              </a:rPr>
+              <a:t>Int와</a:t>
+            </a:r>
+            <a:r>
+              <a:rPr lang="ko-KR" altLang="en-US" dirty="0">
+                <a:solidFill>
+                  <a:srgbClr val="FFFFFF">
+                    <a:alpha val="70000"/>
+                  </a:srgbClr>
+                </a:solidFill>
+                <a:ea typeface="Microsoft GothicNeo"/>
+                <a:cs typeface="Microsoft GothicNeo"/>
+              </a:rPr>
+              <a:t> </a:t>
+            </a:r>
+            <a:r>
+              <a:rPr lang="ko-KR" altLang="en-US" dirty="0" err="1">
+                <a:solidFill>
+                  <a:srgbClr val="FFFFFF">
+                    <a:alpha val="70000"/>
+                  </a:srgbClr>
+                </a:solidFill>
+                <a:ea typeface="Microsoft GothicNeo"/>
+                <a:cs typeface="Microsoft GothicNeo"/>
+              </a:rPr>
+              <a:t>double은</a:t>
+            </a:r>
+            <a:r>
+              <a:rPr lang="ko-KR" altLang="en-US" dirty="0">
+                <a:solidFill>
+                  <a:srgbClr val="FFFFFF">
+                    <a:alpha val="70000"/>
+                  </a:srgbClr>
+                </a:solidFill>
+                <a:ea typeface="Microsoft GothicNeo"/>
+                <a:cs typeface="Microsoft GothicNeo"/>
+              </a:rPr>
+              <a:t> 데이터표현이 다르기 때문에 값이 이상해짐</a:t>
+            </a:r>
+          </a:p>
+        </p:txBody>
+      </p:sp>
+    </p:spTree>
+    <p:extLst>
+      <p:ext uri="{BB962C8B-B14F-4D97-AF65-F5344CB8AC3E}">
+        <p14:creationId xmlns:p14="http://schemas.microsoft.com/office/powerpoint/2010/main" val="3867472867"/>
+      </p:ext>
+    </p:extLst>
+  </p:cSld>
+  <p:clrMapOvr>
+    <a:masterClrMapping/>
+  </p:clrMapOvr>
+</p:sld>
+</file>
+
+<file path=ppt/slides/slide37.xml><?xml version="1.0" encoding="utf-8"?>
+<p:sld xmlns:a="http://schemas.openxmlformats.org/drawingml/2006/main" xmlns:r="http://schemas.openxmlformats.org/officeDocument/2006/relationships" xmlns:p="http://schemas.openxmlformats.org/presentationml/2006/main">
+  <p:cSld>
+    <p:spTree>
+      <p:nvGrpSpPr>
+        <p:cNvPr id="1" name=""/>
+        <p:cNvGrpSpPr/>
+        <p:nvPr/>
+      </p:nvGrpSpPr>
+      <p:grpSpPr>
+        <a:xfrm>
+          <a:off x="0" y="0"/>
+          <a:ext cx="0" cy="0"/>
+          <a:chOff x="0" y="0"/>
+          <a:chExt cx="0" cy="0"/>
+        </a:xfrm>
+      </p:grpSpPr>
+      <p:sp>
+        <p:nvSpPr>
+          <p:cNvPr id="2" name="제목 1">
+            <a:extLst>
+              <a:ext uri="{FF2B5EF4-FFF2-40B4-BE49-F238E27FC236}">
+                <a16:creationId xmlns:a16="http://schemas.microsoft.com/office/drawing/2014/main" id="{F3BB575E-898F-202E-F812-033D75C4182A}"/>
+              </a:ext>
+            </a:extLst>
+          </p:cNvPr>
+          <p:cNvSpPr>
+            <a:spLocks noGrp="1"/>
+          </p:cNvSpPr>
+          <p:nvPr>
+            <p:ph type="title"/>
+          </p:nvPr>
+        </p:nvSpPr>
+        <p:spPr/>
+        <p:txBody>
+          <a:bodyPr/>
+          <a:lstStyle/>
+          <a:p>
+            <a:r>
+              <a:rPr lang="en-US" altLang="ko-KR" dirty="0">
+                <a:ea typeface="+mj-lt"/>
+                <a:cs typeface="+mj-lt"/>
+              </a:rPr>
+              <a:t>&lt;</a:t>
+            </a:r>
+            <a:r>
+              <a:rPr lang="ko-KR" altLang="en-US" dirty="0">
+                <a:ea typeface="+mj-lt"/>
+                <a:cs typeface="+mj-lt"/>
+              </a:rPr>
+              <a:t> </a:t>
+            </a:r>
+            <a:r>
+              <a:rPr lang="ko-KR" dirty="0" err="1">
+                <a:ea typeface="+mj-lt"/>
+                <a:cs typeface="+mj-lt"/>
+              </a:rPr>
+              <a:t>static_Cast</a:t>
+            </a:r>
+            <a:r>
+              <a:rPr lang="ko-KR" altLang="en-US">
+                <a:ea typeface="+mj-lt"/>
+                <a:cs typeface="+mj-lt"/>
+              </a:rPr>
+              <a:t> </a:t>
+            </a:r>
+            <a:r>
+              <a:rPr lang="en-US" altLang="ko-KR">
+                <a:ea typeface="+mj-lt"/>
+                <a:cs typeface="+mj-lt"/>
+              </a:rPr>
+              <a:t>&gt;</a:t>
+            </a:r>
+            <a:endParaRPr lang="ko-KR"/>
+          </a:p>
+        </p:txBody>
+      </p:sp>
+      <p:sp>
+        <p:nvSpPr>
+          <p:cNvPr id="3" name="내용 개체 틀 2">
+            <a:extLst>
+              <a:ext uri="{FF2B5EF4-FFF2-40B4-BE49-F238E27FC236}">
+                <a16:creationId xmlns:a16="http://schemas.microsoft.com/office/drawing/2014/main" id="{B5BA2561-B58E-D379-D96D-8DFC8105A352}"/>
+              </a:ext>
+            </a:extLst>
+          </p:cNvPr>
+          <p:cNvSpPr>
+            <a:spLocks noGrp="1"/>
+          </p:cNvSpPr>
+          <p:nvPr>
+            <p:ph idx="1"/>
+          </p:nvPr>
+        </p:nvSpPr>
+        <p:spPr/>
+        <p:txBody>
+          <a:bodyPr lIns="109728" tIns="109728" rIns="109728" bIns="91440" anchor="t"/>
+          <a:lstStyle/>
+          <a:p>
+            <a:r>
+              <a:rPr lang="ko-KR" altLang="en-US" dirty="0" err="1">
+                <a:solidFill>
+                  <a:srgbClr val="FFFFFF">
+                    <a:alpha val="70000"/>
+                  </a:srgbClr>
+                </a:solidFill>
+                <a:ea typeface="Microsoft GothicNeo"/>
+                <a:cs typeface="Microsoft GothicNeo"/>
+              </a:rPr>
+              <a:t>Int</a:t>
+            </a:r>
+            <a:r>
+              <a:rPr lang="ko-KR" altLang="en-US" dirty="0">
+                <a:solidFill>
+                  <a:srgbClr val="FFFFFF">
+                    <a:alpha val="70000"/>
+                  </a:srgbClr>
+                </a:solidFill>
+                <a:ea typeface="Microsoft GothicNeo"/>
+                <a:cs typeface="Microsoft GothicNeo"/>
+              </a:rPr>
+              <a:t> </a:t>
+            </a:r>
+            <a:r>
+              <a:rPr lang="ko-KR" altLang="en-US" dirty="0" err="1">
+                <a:solidFill>
+                  <a:srgbClr val="FFFFFF">
+                    <a:alpha val="70000"/>
+                  </a:srgbClr>
+                </a:solidFill>
+                <a:ea typeface="Microsoft GothicNeo"/>
+                <a:cs typeface="Microsoft GothicNeo"/>
+              </a:rPr>
+              <a:t>i_num</a:t>
+            </a:r>
+            <a:r>
+              <a:rPr lang="ko-KR" altLang="en-US" dirty="0">
+                <a:solidFill>
+                  <a:srgbClr val="FFFFFF">
+                    <a:alpha val="70000"/>
+                  </a:srgbClr>
+                </a:solidFill>
+                <a:ea typeface="Microsoft GothicNeo"/>
+                <a:cs typeface="Microsoft GothicNeo"/>
+              </a:rPr>
+              <a:t> = </a:t>
+            </a:r>
+            <a:r>
+              <a:rPr lang="ko-KR" altLang="en-US" dirty="0" err="1">
+                <a:solidFill>
+                  <a:srgbClr val="FFFFFF">
+                    <a:alpha val="70000"/>
+                  </a:srgbClr>
+                </a:solidFill>
+                <a:ea typeface="Microsoft GothicNeo"/>
+                <a:cs typeface="Microsoft GothicNeo"/>
+              </a:rPr>
+              <a:t>Static_cast</a:t>
+            </a:r>
+            <a:r>
+              <a:rPr lang="ko-KR" altLang="en-US" dirty="0">
+                <a:solidFill>
+                  <a:srgbClr val="FFFFFF">
+                    <a:alpha val="70000"/>
+                  </a:srgbClr>
+                </a:solidFill>
+                <a:ea typeface="Microsoft GothicNeo"/>
+                <a:cs typeface="Microsoft GothicNeo"/>
+              </a:rPr>
+              <a:t>&lt;</a:t>
+            </a:r>
+            <a:r>
+              <a:rPr lang="ko-KR" altLang="en-US" dirty="0" err="1">
+                <a:solidFill>
+                  <a:srgbClr val="FFFFFF">
+                    <a:alpha val="70000"/>
+                  </a:srgbClr>
+                </a:solidFill>
+                <a:ea typeface="Microsoft GothicNeo"/>
+                <a:cs typeface="Microsoft GothicNeo"/>
+              </a:rPr>
+              <a:t>int</a:t>
+            </a:r>
+            <a:r>
+              <a:rPr lang="ko-KR" altLang="en-US" dirty="0">
+                <a:solidFill>
+                  <a:srgbClr val="FFFFFF">
+                    <a:alpha val="70000"/>
+                  </a:srgbClr>
+                </a:solidFill>
+                <a:ea typeface="Microsoft GothicNeo"/>
+                <a:cs typeface="Microsoft GothicNeo"/>
+              </a:rPr>
+              <a:t>&gt;(</a:t>
+            </a:r>
+            <a:r>
+              <a:rPr lang="ko-KR" altLang="en-US" dirty="0" err="1">
+                <a:solidFill>
+                  <a:srgbClr val="FFFFFF">
+                    <a:alpha val="70000"/>
+                  </a:srgbClr>
+                </a:solidFill>
+                <a:ea typeface="Microsoft GothicNeo"/>
+                <a:cs typeface="Microsoft GothicNeo"/>
+              </a:rPr>
+              <a:t>d_num</a:t>
+            </a:r>
+            <a:r>
+              <a:rPr lang="ko-KR" altLang="en-US" dirty="0">
+                <a:solidFill>
+                  <a:srgbClr val="FFFFFF">
+                    <a:alpha val="70000"/>
+                  </a:srgbClr>
+                </a:solidFill>
+                <a:ea typeface="Microsoft GothicNeo"/>
+                <a:cs typeface="Microsoft GothicNeo"/>
+              </a:rPr>
+              <a:t>); </a:t>
+            </a:r>
+            <a:r>
+              <a:rPr lang="ko-KR" altLang="en-US" dirty="0" err="1">
+                <a:solidFill>
+                  <a:srgbClr val="FFFFFF">
+                    <a:alpha val="70000"/>
+                  </a:srgbClr>
+                </a:solidFill>
+                <a:ea typeface="Microsoft GothicNeo"/>
+                <a:cs typeface="Microsoft GothicNeo"/>
+              </a:rPr>
+              <a:t>를</a:t>
+            </a:r>
+            <a:r>
+              <a:rPr lang="ko-KR" altLang="en-US" dirty="0">
+                <a:solidFill>
+                  <a:srgbClr val="FFFFFF">
+                    <a:alpha val="70000"/>
+                  </a:srgbClr>
+                </a:solidFill>
+                <a:ea typeface="Microsoft GothicNeo"/>
+                <a:cs typeface="Microsoft GothicNeo"/>
+              </a:rPr>
+              <a:t> 하면 데이터 타입을 검사하며 변환을 해준다.</a:t>
+            </a:r>
+          </a:p>
+          <a:p>
+            <a:pPr marL="0" indent="0">
+              <a:buNone/>
+            </a:pPr>
+            <a:r>
+              <a:rPr lang="ko-KR" altLang="en-US" dirty="0">
+                <a:solidFill>
+                  <a:srgbClr val="FFFFFF">
+                    <a:alpha val="70000"/>
+                  </a:srgbClr>
+                </a:solidFill>
+                <a:ea typeface="Microsoft GothicNeo"/>
+                <a:cs typeface="Microsoft GothicNeo"/>
+              </a:rPr>
+              <a:t>업 캐스팅 , 다운캐스팅 </a:t>
+            </a:r>
+            <a:r>
+              <a:rPr lang="ko-KR" altLang="en-US" dirty="0" err="1">
+                <a:solidFill>
+                  <a:srgbClr val="FFFFFF">
+                    <a:alpha val="70000"/>
+                  </a:srgbClr>
+                </a:solidFill>
+                <a:ea typeface="Microsoft GothicNeo"/>
+                <a:cs typeface="Microsoft GothicNeo"/>
+              </a:rPr>
+              <a:t>처럼</a:t>
+            </a:r>
+            <a:r>
+              <a:rPr lang="ko-KR" altLang="en-US" dirty="0">
+                <a:solidFill>
+                  <a:srgbClr val="FFFFFF">
+                    <a:alpha val="70000"/>
+                  </a:srgbClr>
+                </a:solidFill>
+                <a:ea typeface="Microsoft GothicNeo"/>
+                <a:cs typeface="Microsoft GothicNeo"/>
+              </a:rPr>
+              <a:t> 객체를 대상으로 </a:t>
+            </a:r>
+            <a:r>
+              <a:rPr lang="ko-KR" altLang="en-US" dirty="0" err="1">
+                <a:solidFill>
+                  <a:srgbClr val="FFFFFF">
+                    <a:alpha val="70000"/>
+                  </a:srgbClr>
+                </a:solidFill>
+                <a:ea typeface="Microsoft GothicNeo"/>
+                <a:cs typeface="Microsoft GothicNeo"/>
+              </a:rPr>
+              <a:t>사용할수도있다</a:t>
+            </a:r>
+            <a:r>
+              <a:rPr lang="ko-KR" altLang="en-US" dirty="0">
+                <a:solidFill>
+                  <a:srgbClr val="FFFFFF">
+                    <a:alpha val="70000"/>
+                  </a:srgbClr>
+                </a:solidFill>
+                <a:ea typeface="Microsoft GothicNeo"/>
+                <a:cs typeface="Microsoft GothicNeo"/>
+              </a:rPr>
+              <a:t>.</a:t>
+            </a:r>
+          </a:p>
+          <a:p>
+            <a:pPr marL="0" indent="0">
+              <a:buNone/>
+            </a:pPr>
+            <a:r>
+              <a:rPr lang="ko-KR" altLang="en-US" dirty="0">
+                <a:solidFill>
+                  <a:srgbClr val="FFFFFF">
+                    <a:alpha val="70000"/>
+                  </a:srgbClr>
+                </a:solidFill>
+                <a:ea typeface="Microsoft GothicNeo"/>
+                <a:cs typeface="Microsoft GothicNeo"/>
+              </a:rPr>
+              <a:t>문제점 : 객체로 넘어오면서 다운캐스팅 시에 문제가 </a:t>
+            </a:r>
+            <a:r>
+              <a:rPr lang="ko-KR" altLang="en-US" dirty="0" err="1">
+                <a:solidFill>
+                  <a:srgbClr val="FFFFFF">
+                    <a:alpha val="70000"/>
+                  </a:srgbClr>
+                </a:solidFill>
+                <a:ea typeface="Microsoft GothicNeo"/>
+                <a:cs typeface="Microsoft GothicNeo"/>
+              </a:rPr>
+              <a:t>있을수있는데</a:t>
+            </a:r>
+            <a:r>
+              <a:rPr lang="ko-KR" altLang="en-US" dirty="0">
+                <a:solidFill>
+                  <a:srgbClr val="FFFFFF">
+                    <a:alpha val="70000"/>
+                  </a:srgbClr>
+                </a:solidFill>
+                <a:ea typeface="Microsoft GothicNeo"/>
+                <a:cs typeface="Microsoft GothicNeo"/>
+              </a:rPr>
+              <a:t>.</a:t>
+            </a:r>
+          </a:p>
+          <a:p>
+            <a:pPr marL="0" indent="0">
+              <a:buNone/>
+            </a:pPr>
+            <a:r>
+              <a:rPr lang="ko-KR" altLang="en-US" dirty="0">
+                <a:solidFill>
+                  <a:srgbClr val="FFFFFF">
+                    <a:alpha val="70000"/>
+                  </a:srgbClr>
+                </a:solidFill>
+                <a:ea typeface="Microsoft GothicNeo"/>
+                <a:cs typeface="Microsoft GothicNeo"/>
+              </a:rPr>
+              <a:t>예시 : </a:t>
+            </a:r>
+            <a:r>
+              <a:rPr lang="ko-KR" altLang="en-US" dirty="0" err="1">
+                <a:solidFill>
+                  <a:srgbClr val="FFFFFF">
+                    <a:alpha val="70000"/>
+                  </a:srgbClr>
+                </a:solidFill>
+                <a:ea typeface="Microsoft GothicNeo"/>
+                <a:cs typeface="Microsoft GothicNeo"/>
+              </a:rPr>
+              <a:t>Static_cast</a:t>
+            </a:r>
+            <a:r>
+              <a:rPr lang="ko-KR" altLang="en-US" dirty="0">
+                <a:solidFill>
+                  <a:srgbClr val="FFFFFF">
+                    <a:alpha val="70000"/>
+                  </a:srgbClr>
+                </a:solidFill>
+                <a:ea typeface="Microsoft GothicNeo"/>
+                <a:cs typeface="Microsoft GothicNeo"/>
+              </a:rPr>
+              <a:t>&lt;</a:t>
+            </a:r>
+            <a:r>
+              <a:rPr lang="ko-KR" altLang="en-US" dirty="0" err="1">
+                <a:solidFill>
+                  <a:srgbClr val="FFFFFF">
+                    <a:alpha val="70000"/>
+                  </a:srgbClr>
+                </a:solidFill>
+                <a:ea typeface="Microsoft GothicNeo"/>
+                <a:cs typeface="Microsoft GothicNeo"/>
+              </a:rPr>
+              <a:t>Dog</a:t>
+            </a:r>
+            <a:r>
+              <a:rPr lang="ko-KR" altLang="en-US" dirty="0">
+                <a:solidFill>
+                  <a:srgbClr val="FFFFFF">
+                    <a:alpha val="70000"/>
+                  </a:srgbClr>
+                </a:solidFill>
+                <a:ea typeface="Microsoft GothicNeo"/>
+                <a:cs typeface="Microsoft GothicNeo"/>
+              </a:rPr>
+              <a:t>&gt; (</a:t>
+            </a:r>
+            <a:r>
+              <a:rPr lang="ko-KR" altLang="en-US" dirty="0" err="1">
+                <a:solidFill>
+                  <a:srgbClr val="FFFFFF">
+                    <a:alpha val="70000"/>
+                  </a:srgbClr>
+                </a:solidFill>
+                <a:ea typeface="Microsoft GothicNeo"/>
+                <a:cs typeface="Microsoft GothicNeo"/>
+              </a:rPr>
+              <a:t>animal</a:t>
+            </a:r>
+            <a:r>
+              <a:rPr lang="ko-KR" altLang="en-US" dirty="0">
+                <a:solidFill>
+                  <a:srgbClr val="FFFFFF">
+                    <a:alpha val="70000"/>
+                  </a:srgbClr>
+                </a:solidFill>
+                <a:ea typeface="Microsoft GothicNeo"/>
+                <a:cs typeface="Microsoft GothicNeo"/>
+              </a:rPr>
+              <a:t>); // </a:t>
+            </a:r>
+            <a:r>
+              <a:rPr lang="ko-KR" altLang="en-US" dirty="0" err="1">
+                <a:solidFill>
+                  <a:srgbClr val="FFFFFF">
+                    <a:alpha val="70000"/>
+                  </a:srgbClr>
+                </a:solidFill>
+                <a:ea typeface="Microsoft GothicNeo"/>
+                <a:cs typeface="Microsoft GothicNeo"/>
+              </a:rPr>
+              <a:t>처럼</a:t>
+            </a:r>
+            <a:r>
+              <a:rPr lang="ko-KR" altLang="en-US" dirty="0">
+                <a:solidFill>
+                  <a:srgbClr val="FFFFFF">
+                    <a:alpha val="70000"/>
+                  </a:srgbClr>
+                </a:solidFill>
+                <a:ea typeface="Microsoft GothicNeo"/>
+                <a:cs typeface="Microsoft GothicNeo"/>
+              </a:rPr>
+              <a:t> 변환에 실패하는 경우가 존재한다.</a:t>
+            </a:r>
+          </a:p>
+          <a:p>
+            <a:pPr marL="0" indent="0">
+              <a:buNone/>
+            </a:pPr>
+            <a:r>
+              <a:rPr lang="ko-KR" altLang="en-US" dirty="0">
+                <a:solidFill>
+                  <a:srgbClr val="FFFFFF">
+                    <a:alpha val="70000"/>
+                  </a:srgbClr>
+                </a:solidFill>
+                <a:ea typeface="Microsoft GothicNeo"/>
+                <a:cs typeface="Microsoft GothicNeo"/>
+              </a:rPr>
+              <a:t>다운 </a:t>
+            </a:r>
+            <a:r>
+              <a:rPr lang="ko-KR" altLang="en-US" dirty="0" err="1">
+                <a:solidFill>
+                  <a:srgbClr val="FFFFFF">
+                    <a:alpha val="70000"/>
+                  </a:srgbClr>
+                </a:solidFill>
+                <a:ea typeface="Microsoft GothicNeo"/>
+                <a:cs typeface="Microsoft GothicNeo"/>
+              </a:rPr>
+              <a:t>캐스팅에대해</a:t>
+            </a:r>
+            <a:r>
+              <a:rPr lang="ko-KR" altLang="en-US" dirty="0">
+                <a:solidFill>
+                  <a:srgbClr val="FFFFFF">
+                    <a:alpha val="70000"/>
+                  </a:srgbClr>
+                </a:solidFill>
+                <a:ea typeface="Microsoft GothicNeo"/>
+                <a:cs typeface="Microsoft GothicNeo"/>
+              </a:rPr>
+              <a:t> 검사를 </a:t>
+            </a:r>
+            <a:r>
+              <a:rPr lang="ko-KR" altLang="en-US" dirty="0" err="1">
+                <a:solidFill>
+                  <a:srgbClr val="FFFFFF">
+                    <a:alpha val="70000"/>
+                  </a:srgbClr>
+                </a:solidFill>
+                <a:ea typeface="Microsoft GothicNeo"/>
+                <a:cs typeface="Microsoft GothicNeo"/>
+              </a:rPr>
+              <a:t>하여야하는데</a:t>
+            </a:r>
+            <a:r>
+              <a:rPr lang="ko-KR" altLang="en-US" dirty="0">
+                <a:solidFill>
+                  <a:srgbClr val="FFFFFF">
+                    <a:alpha val="70000"/>
+                  </a:srgbClr>
+                </a:solidFill>
+                <a:ea typeface="Microsoft GothicNeo"/>
+                <a:cs typeface="Microsoft GothicNeo"/>
+              </a:rPr>
+              <a:t> </a:t>
+            </a:r>
+            <a:r>
+              <a:rPr lang="ko-KR" altLang="en-US" dirty="0" err="1">
+                <a:solidFill>
+                  <a:srgbClr val="FFFFFF">
+                    <a:alpha val="70000"/>
+                  </a:srgbClr>
+                </a:solidFill>
+                <a:ea typeface="Microsoft GothicNeo"/>
+                <a:cs typeface="Microsoft GothicNeo"/>
+              </a:rPr>
+              <a:t>Static같은</a:t>
+            </a:r>
+            <a:r>
+              <a:rPr lang="ko-KR" altLang="en-US" dirty="0">
+                <a:solidFill>
+                  <a:srgbClr val="FFFFFF">
+                    <a:alpha val="70000"/>
+                  </a:srgbClr>
+                </a:solidFill>
+                <a:ea typeface="Microsoft GothicNeo"/>
+                <a:cs typeface="Microsoft GothicNeo"/>
+              </a:rPr>
+              <a:t> 경우 검사를 </a:t>
+            </a:r>
+            <a:r>
+              <a:rPr lang="ko-KR" altLang="en-US" dirty="0" err="1">
+                <a:solidFill>
+                  <a:srgbClr val="FFFFFF">
+                    <a:alpha val="70000"/>
+                  </a:srgbClr>
+                </a:solidFill>
+                <a:ea typeface="Microsoft GothicNeo"/>
+                <a:cs typeface="Microsoft GothicNeo"/>
+              </a:rPr>
+              <a:t>하지않는다</a:t>
+            </a:r>
+            <a:r>
+              <a:rPr lang="ko-KR" altLang="en-US" dirty="0">
+                <a:solidFill>
+                  <a:srgbClr val="FFFFFF">
+                    <a:alpha val="70000"/>
+                  </a:srgbClr>
+                </a:solidFill>
+                <a:ea typeface="Microsoft GothicNeo"/>
+                <a:cs typeface="Microsoft GothicNeo"/>
+              </a:rPr>
+              <a:t>.</a:t>
+            </a:r>
+          </a:p>
+        </p:txBody>
+      </p:sp>
+    </p:spTree>
+    <p:extLst>
+      <p:ext uri="{BB962C8B-B14F-4D97-AF65-F5344CB8AC3E}">
+        <p14:creationId xmlns:p14="http://schemas.microsoft.com/office/powerpoint/2010/main" val="4191441778"/>
+      </p:ext>
+    </p:extLst>
+  </p:cSld>
+  <p:clrMapOvr>
+    <a:masterClrMapping/>
+  </p:clrMapOvr>
+</p:sld>
+</file>
+
+<file path=ppt/slides/slide38.xml><?xml version="1.0" encoding="utf-8"?>
+<p:sld xmlns:a="http://schemas.openxmlformats.org/drawingml/2006/main" xmlns:r="http://schemas.openxmlformats.org/officeDocument/2006/relationships" xmlns:p="http://schemas.openxmlformats.org/presentationml/2006/main">
+  <p:cSld>
+    <p:spTree>
+      <p:nvGrpSpPr>
+        <p:cNvPr id="1" name=""/>
+        <p:cNvGrpSpPr/>
+        <p:nvPr/>
+      </p:nvGrpSpPr>
+      <p:grpSpPr>
+        <a:xfrm>
+          <a:off x="0" y="0"/>
+          <a:ext cx="0" cy="0"/>
+          <a:chOff x="0" y="0"/>
+          <a:chExt cx="0" cy="0"/>
+        </a:xfrm>
+      </p:grpSpPr>
+      <p:sp>
+        <p:nvSpPr>
+          <p:cNvPr id="2" name="제목 1">
+            <a:extLst>
+              <a:ext uri="{FF2B5EF4-FFF2-40B4-BE49-F238E27FC236}">
+                <a16:creationId xmlns:a16="http://schemas.microsoft.com/office/drawing/2014/main" id="{F99DD5B0-8FA9-E48D-660D-DFAA806414DC}"/>
+              </a:ext>
+            </a:extLst>
+          </p:cNvPr>
+          <p:cNvSpPr>
+            <a:spLocks noGrp="1"/>
+          </p:cNvSpPr>
+          <p:nvPr>
+            <p:ph type="title"/>
+          </p:nvPr>
+        </p:nvSpPr>
+        <p:spPr/>
+        <p:txBody>
+          <a:bodyPr/>
+          <a:lstStyle/>
+          <a:p>
+            <a:r>
+              <a:rPr lang="ko-KR" altLang="en-US" dirty="0">
+                <a:ea typeface="Microsoft GothicNeo"/>
+                <a:cs typeface="Microsoft GothicNeo"/>
+              </a:rPr>
+              <a:t>&lt;</a:t>
+            </a:r>
+            <a:r>
+              <a:rPr lang="ko-KR" altLang="en-US" dirty="0" err="1">
+                <a:ea typeface="Microsoft GothicNeo"/>
+                <a:cs typeface="Microsoft GothicNeo"/>
+              </a:rPr>
+              <a:t>dynamic_Cast</a:t>
+            </a:r>
+            <a:r>
+              <a:rPr lang="ko-KR" altLang="en-US" dirty="0">
+                <a:ea typeface="Microsoft GothicNeo"/>
+                <a:cs typeface="Microsoft GothicNeo"/>
+              </a:rPr>
+              <a:t>&gt;</a:t>
+            </a:r>
+            <a:endParaRPr lang="ko-KR" altLang="en-US" dirty="0"/>
+          </a:p>
+        </p:txBody>
+      </p:sp>
+      <p:sp>
+        <p:nvSpPr>
+          <p:cNvPr id="3" name="내용 개체 틀 2">
+            <a:extLst>
+              <a:ext uri="{FF2B5EF4-FFF2-40B4-BE49-F238E27FC236}">
+                <a16:creationId xmlns:a16="http://schemas.microsoft.com/office/drawing/2014/main" id="{4FD6700A-7693-9F64-AFC0-A230F8417396}"/>
+              </a:ext>
+            </a:extLst>
+          </p:cNvPr>
+          <p:cNvSpPr>
+            <a:spLocks noGrp="1"/>
+          </p:cNvSpPr>
+          <p:nvPr>
+            <p:ph idx="1"/>
+          </p:nvPr>
+        </p:nvSpPr>
+        <p:spPr/>
+        <p:txBody>
+          <a:bodyPr lIns="109728" tIns="109728" rIns="109728" bIns="91440" anchor="t"/>
+          <a:lstStyle/>
+          <a:p>
+            <a:r>
+              <a:rPr lang="ko-KR" altLang="en-US" dirty="0">
+                <a:solidFill>
+                  <a:srgbClr val="FFFFFF">
+                    <a:alpha val="70000"/>
+                  </a:srgbClr>
+                </a:solidFill>
+                <a:ea typeface="Microsoft GothicNeo"/>
+                <a:cs typeface="Microsoft GothicNeo"/>
+              </a:rPr>
+              <a:t>매번 안전한 객체가 들어가면 </a:t>
+            </a:r>
+            <a:r>
+              <a:rPr lang="ko-KR" altLang="en-US" dirty="0" err="1">
+                <a:solidFill>
+                  <a:srgbClr val="FFFFFF">
+                    <a:alpha val="70000"/>
+                  </a:srgbClr>
+                </a:solidFill>
+                <a:ea typeface="Microsoft GothicNeo"/>
+                <a:cs typeface="Microsoft GothicNeo"/>
+              </a:rPr>
+              <a:t>상관이없겠지만</a:t>
+            </a:r>
+            <a:r>
+              <a:rPr lang="ko-KR" altLang="en-US" dirty="0">
+                <a:solidFill>
+                  <a:srgbClr val="FFFFFF">
+                    <a:alpha val="70000"/>
+                  </a:srgbClr>
+                </a:solidFill>
+                <a:ea typeface="Microsoft GothicNeo"/>
+                <a:cs typeface="Microsoft GothicNeo"/>
+              </a:rPr>
+              <a:t> 검사하는 </a:t>
+            </a:r>
+            <a:r>
+              <a:rPr lang="ko-KR" altLang="en-US" dirty="0" err="1">
+                <a:solidFill>
+                  <a:srgbClr val="FFFFFF">
+                    <a:alpha val="70000"/>
+                  </a:srgbClr>
+                </a:solidFill>
+                <a:ea typeface="Microsoft GothicNeo"/>
+                <a:cs typeface="Microsoft GothicNeo"/>
+              </a:rPr>
+              <a:t>cast연산자가</a:t>
+            </a:r>
+            <a:r>
+              <a:rPr lang="ko-KR" altLang="en-US" dirty="0">
+                <a:solidFill>
+                  <a:srgbClr val="FFFFFF">
+                    <a:alpha val="70000"/>
+                  </a:srgbClr>
+                </a:solidFill>
+                <a:ea typeface="Microsoft GothicNeo"/>
+                <a:cs typeface="Microsoft GothicNeo"/>
+              </a:rPr>
+              <a:t> 있으면 편하니 등장했다.</a:t>
+            </a:r>
+          </a:p>
+          <a:p>
+            <a:r>
+              <a:rPr lang="ko-KR" altLang="en-US" err="1">
+                <a:solidFill>
+                  <a:srgbClr val="FFFFFF">
+                    <a:alpha val="70000"/>
+                  </a:srgbClr>
+                </a:solidFill>
+                <a:ea typeface="Microsoft GothicNeo"/>
+                <a:cs typeface="Microsoft GothicNeo"/>
+              </a:rPr>
+              <a:t>Dynamic_cast는</a:t>
+            </a:r>
+            <a:r>
+              <a:rPr lang="ko-KR" altLang="en-US">
+                <a:solidFill>
+                  <a:srgbClr val="FFFFFF">
+                    <a:alpha val="70000"/>
+                  </a:srgbClr>
+                </a:solidFill>
+                <a:ea typeface="Microsoft GothicNeo"/>
+                <a:cs typeface="Microsoft GothicNeo"/>
+              </a:rPr>
+              <a:t> 다운캐스팅은 무조건 실패로 나오는데.</a:t>
+            </a:r>
+          </a:p>
+          <a:p>
+            <a:r>
+              <a:rPr lang="ko-KR" altLang="en-US" dirty="0">
+                <a:solidFill>
+                  <a:srgbClr val="FFFFFF">
+                    <a:alpha val="70000"/>
+                  </a:srgbClr>
+                </a:solidFill>
+                <a:ea typeface="Microsoft GothicNeo"/>
+                <a:cs typeface="Microsoft GothicNeo"/>
+              </a:rPr>
+              <a:t>부모 객체에 </a:t>
+            </a:r>
+            <a:r>
+              <a:rPr lang="ko-KR" altLang="en-US" dirty="0" err="1">
+                <a:solidFill>
+                  <a:srgbClr val="FFFFFF">
+                    <a:alpha val="70000"/>
+                  </a:srgbClr>
+                </a:solidFill>
+                <a:ea typeface="Microsoft GothicNeo"/>
+                <a:cs typeface="Microsoft GothicNeo"/>
+              </a:rPr>
+              <a:t>virtual</a:t>
+            </a:r>
+            <a:r>
+              <a:rPr lang="ko-KR" altLang="en-US" dirty="0">
+                <a:solidFill>
+                  <a:srgbClr val="FFFFFF">
+                    <a:alpha val="70000"/>
+                  </a:srgbClr>
+                </a:solidFill>
+                <a:ea typeface="Microsoft GothicNeo"/>
+                <a:cs typeface="Microsoft GothicNeo"/>
+              </a:rPr>
+              <a:t> 가상함수가 있다면 가상테이블로 다운캐스팅이 가능한지</a:t>
+            </a:r>
+          </a:p>
+          <a:p>
+            <a:r>
+              <a:rPr lang="ko-KR" altLang="en-US" dirty="0" err="1">
+                <a:solidFill>
+                  <a:srgbClr val="FFFFFF">
+                    <a:alpha val="70000"/>
+                  </a:srgbClr>
+                </a:solidFill>
+                <a:ea typeface="Microsoft GothicNeo"/>
+                <a:cs typeface="Microsoft GothicNeo"/>
+              </a:rPr>
+              <a:t>검사할수</a:t>
+            </a:r>
+            <a:r>
+              <a:rPr lang="ko-KR" altLang="en-US" dirty="0">
+                <a:solidFill>
+                  <a:srgbClr val="FFFFFF">
+                    <a:alpha val="70000"/>
+                  </a:srgbClr>
+                </a:solidFill>
+                <a:ea typeface="Microsoft GothicNeo"/>
+                <a:cs typeface="Microsoft GothicNeo"/>
+              </a:rPr>
+              <a:t> 있다.</a:t>
+            </a:r>
+          </a:p>
+          <a:p>
+            <a:r>
+              <a:rPr lang="ko-KR" altLang="en-US" dirty="0">
+                <a:solidFill>
+                  <a:srgbClr val="FFFFFF">
+                    <a:alpha val="70000"/>
+                  </a:srgbClr>
+                </a:solidFill>
+                <a:ea typeface="Microsoft GothicNeo"/>
+                <a:cs typeface="Microsoft GothicNeo"/>
+              </a:rPr>
+              <a:t>만일 변환에 실패한다면 아스키코드 '0' </a:t>
+            </a:r>
+            <a:r>
+              <a:rPr lang="ko-KR" altLang="en-US" dirty="0" err="1">
+                <a:solidFill>
+                  <a:srgbClr val="FFFFFF">
+                    <a:alpha val="70000"/>
+                  </a:srgbClr>
+                </a:solidFill>
+                <a:ea typeface="Microsoft GothicNeo"/>
+                <a:cs typeface="Microsoft GothicNeo"/>
+              </a:rPr>
+              <a:t>nullptr을</a:t>
+            </a:r>
+            <a:r>
+              <a:rPr lang="ko-KR" altLang="en-US" dirty="0">
+                <a:solidFill>
+                  <a:srgbClr val="FFFFFF">
+                    <a:alpha val="70000"/>
+                  </a:srgbClr>
+                </a:solidFill>
+                <a:ea typeface="Microsoft GothicNeo"/>
+                <a:cs typeface="Microsoft GothicNeo"/>
+              </a:rPr>
+              <a:t> </a:t>
+            </a:r>
+            <a:r>
+              <a:rPr lang="ko-KR" altLang="en-US" dirty="0" err="1">
+                <a:solidFill>
+                  <a:srgbClr val="FFFFFF">
+                    <a:alpha val="70000"/>
+                  </a:srgbClr>
+                </a:solidFill>
+                <a:ea typeface="Microsoft GothicNeo"/>
+                <a:cs typeface="Microsoft GothicNeo"/>
+              </a:rPr>
+              <a:t>가리키기떄문에</a:t>
+            </a:r>
+            <a:r>
+              <a:rPr lang="ko-KR" altLang="en-US" dirty="0">
+                <a:solidFill>
+                  <a:srgbClr val="FFFFFF">
+                    <a:alpha val="70000"/>
+                  </a:srgbClr>
+                </a:solidFill>
+                <a:ea typeface="Microsoft GothicNeo"/>
+                <a:cs typeface="Microsoft GothicNeo"/>
+              </a:rPr>
+              <a:t> 변환실패도 </a:t>
+            </a:r>
+            <a:r>
+              <a:rPr lang="ko-KR" altLang="en-US" dirty="0" err="1">
+                <a:solidFill>
+                  <a:srgbClr val="FFFFFF">
+                    <a:alpha val="70000"/>
+                  </a:srgbClr>
+                </a:solidFill>
+                <a:ea typeface="Microsoft GothicNeo"/>
+                <a:cs typeface="Microsoft GothicNeo"/>
+              </a:rPr>
+              <a:t>검사할수있다</a:t>
+            </a:r>
+            <a:r>
+              <a:rPr lang="ko-KR" altLang="en-US" dirty="0">
+                <a:solidFill>
+                  <a:srgbClr val="FFFFFF">
+                    <a:alpha val="70000"/>
+                  </a:srgbClr>
+                </a:solidFill>
+                <a:ea typeface="Microsoft GothicNeo"/>
+                <a:cs typeface="Microsoft GothicNeo"/>
+              </a:rPr>
+              <a:t>.</a:t>
+            </a:r>
+          </a:p>
+        </p:txBody>
+      </p:sp>
+    </p:spTree>
+    <p:extLst>
+      <p:ext uri="{BB962C8B-B14F-4D97-AF65-F5344CB8AC3E}">
+        <p14:creationId xmlns:p14="http://schemas.microsoft.com/office/powerpoint/2010/main" val="1027787148"/>
+      </p:ext>
+    </p:extLst>
+  </p:cSld>
+  <p:clrMapOvr>
+    <a:masterClrMapping/>
+  </p:clrMapOvr>
+</p:sld>
+</file>
+
+<file path=ppt/slides/slide39.xml><?xml version="1.0" encoding="utf-8"?>
+<p:sld xmlns:a="http://schemas.openxmlformats.org/drawingml/2006/main" xmlns:r="http://schemas.openxmlformats.org/officeDocument/2006/relationships" xmlns:p="http://schemas.openxmlformats.org/presentationml/2006/main">
+  <p:cSld>
+    <p:spTree>
+      <p:nvGrpSpPr>
+        <p:cNvPr id="1" name=""/>
+        <p:cNvGrpSpPr/>
+        <p:nvPr/>
+      </p:nvGrpSpPr>
+      <p:grpSpPr>
+        <a:xfrm>
+          <a:off x="0" y="0"/>
+          <a:ext cx="0" cy="0"/>
+          <a:chOff x="0" y="0"/>
+          <a:chExt cx="0" cy="0"/>
+        </a:xfrm>
+      </p:grpSpPr>
+      <p:sp>
+        <p:nvSpPr>
+          <p:cNvPr id="2" name="제목 1">
+            <a:extLst>
+              <a:ext uri="{FF2B5EF4-FFF2-40B4-BE49-F238E27FC236}">
+                <a16:creationId xmlns:a16="http://schemas.microsoft.com/office/drawing/2014/main" id="{AA95DA2E-D4AB-2A68-389C-1369C7093D4F}"/>
+              </a:ext>
+            </a:extLst>
+          </p:cNvPr>
+          <p:cNvSpPr>
+            <a:spLocks noGrp="1"/>
+          </p:cNvSpPr>
+          <p:nvPr>
+            <p:ph type="title"/>
+          </p:nvPr>
+        </p:nvSpPr>
+        <p:spPr/>
+        <p:txBody>
+          <a:bodyPr/>
+          <a:lstStyle/>
+          <a:p>
+            <a:r>
+              <a:rPr lang="ko-KR" altLang="en-US" dirty="0">
+                <a:ea typeface="Microsoft GothicNeo"/>
+                <a:cs typeface="Microsoft GothicNeo"/>
+              </a:rPr>
+              <a:t>&lt; 일반화 코딩의 핵심 템플릿&gt;</a:t>
+            </a:r>
+            <a:endParaRPr lang="ko-KR" altLang="en-US" dirty="0"/>
+          </a:p>
+        </p:txBody>
+      </p:sp>
+      <p:sp>
+        <p:nvSpPr>
+          <p:cNvPr id="3" name="내용 개체 틀 2">
+            <a:extLst>
+              <a:ext uri="{FF2B5EF4-FFF2-40B4-BE49-F238E27FC236}">
+                <a16:creationId xmlns:a16="http://schemas.microsoft.com/office/drawing/2014/main" id="{2342D41C-C6BE-2ED8-E626-31FE585F7137}"/>
+              </a:ext>
+            </a:extLst>
+          </p:cNvPr>
+          <p:cNvSpPr>
+            <a:spLocks noGrp="1"/>
+          </p:cNvSpPr>
+          <p:nvPr>
+            <p:ph idx="1"/>
+          </p:nvPr>
+        </p:nvSpPr>
+        <p:spPr/>
+        <p:txBody>
+          <a:bodyPr lIns="109728" tIns="109728" rIns="109728" bIns="91440" anchor="t"/>
+          <a:lstStyle/>
+          <a:p>
+            <a:r>
+              <a:rPr lang="ko-KR" altLang="en-US" dirty="0" err="1">
+                <a:solidFill>
+                  <a:srgbClr val="FFFFFF">
+                    <a:alpha val="70000"/>
+                  </a:srgbClr>
+                </a:solidFill>
+                <a:ea typeface="Microsoft GothicNeo"/>
+                <a:cs typeface="Microsoft GothicNeo"/>
+              </a:rPr>
+              <a:t>제너릭</a:t>
+            </a:r>
+            <a:r>
+              <a:rPr lang="ko-KR" altLang="en-US" dirty="0">
+                <a:solidFill>
+                  <a:srgbClr val="FFFFFF">
+                    <a:alpha val="70000"/>
+                  </a:srgbClr>
+                </a:solidFill>
+                <a:ea typeface="Microsoft GothicNeo"/>
+                <a:cs typeface="Microsoft GothicNeo"/>
+              </a:rPr>
+              <a:t> 코딩은 코드의 중복을 </a:t>
+            </a:r>
+            <a:r>
+              <a:rPr lang="ko-KR" altLang="en-US" dirty="0" err="1">
+                <a:solidFill>
+                  <a:srgbClr val="FFFFFF">
+                    <a:alpha val="70000"/>
+                  </a:srgbClr>
+                </a:solidFill>
+                <a:ea typeface="Microsoft GothicNeo"/>
+                <a:cs typeface="Microsoft GothicNeo"/>
+              </a:rPr>
+              <a:t>막아줄수있고</a:t>
+            </a:r>
+            <a:r>
+              <a:rPr lang="ko-KR" altLang="en-US" dirty="0">
+                <a:solidFill>
+                  <a:srgbClr val="FFFFFF">
+                    <a:alpha val="70000"/>
+                  </a:srgbClr>
+                </a:solidFill>
+                <a:ea typeface="Microsoft GothicNeo"/>
+                <a:cs typeface="Microsoft GothicNeo"/>
+              </a:rPr>
+              <a:t> 코드의 크기를 줄이는데 도움이 </a:t>
+            </a:r>
+            <a:r>
+              <a:rPr lang="ko-KR" altLang="en-US" dirty="0" err="1">
+                <a:solidFill>
+                  <a:srgbClr val="FFFFFF">
+                    <a:alpha val="70000"/>
+                  </a:srgbClr>
+                </a:solidFill>
+                <a:ea typeface="Microsoft GothicNeo"/>
+                <a:cs typeface="Microsoft GothicNeo"/>
+              </a:rPr>
+              <a:t>많이된다</a:t>
+            </a:r>
+            <a:r>
+              <a:rPr lang="ko-KR" altLang="en-US" dirty="0">
+                <a:solidFill>
+                  <a:srgbClr val="FFFFFF">
+                    <a:alpha val="70000"/>
+                  </a:srgbClr>
+                </a:solidFill>
+                <a:ea typeface="Microsoft GothicNeo"/>
+                <a:cs typeface="Microsoft GothicNeo"/>
+              </a:rPr>
+              <a:t>.</a:t>
+            </a:r>
+          </a:p>
+          <a:p>
+            <a:r>
+              <a:rPr lang="ko-KR" altLang="en-US" dirty="0">
+                <a:solidFill>
+                  <a:srgbClr val="FFFFFF">
+                    <a:alpha val="70000"/>
+                  </a:srgbClr>
+                </a:solidFill>
+                <a:ea typeface="Microsoft GothicNeo"/>
+                <a:cs typeface="Microsoft GothicNeo"/>
+              </a:rPr>
+              <a:t>만일 모든 데이터 타입에 대응해서 작성을 </a:t>
+            </a:r>
+            <a:r>
+              <a:rPr lang="ko-KR" altLang="en-US" dirty="0" err="1">
+                <a:solidFill>
+                  <a:srgbClr val="FFFFFF">
+                    <a:alpha val="70000"/>
+                  </a:srgbClr>
+                </a:solidFill>
+                <a:ea typeface="Microsoft GothicNeo"/>
+                <a:cs typeface="Microsoft GothicNeo"/>
+              </a:rPr>
+              <a:t>해야한다면</a:t>
+            </a:r>
+            <a:r>
+              <a:rPr lang="ko-KR" altLang="en-US" dirty="0">
+                <a:solidFill>
+                  <a:srgbClr val="FFFFFF">
+                    <a:alpha val="70000"/>
+                  </a:srgbClr>
+                </a:solidFill>
+                <a:ea typeface="Microsoft GothicNeo"/>
+                <a:cs typeface="Microsoft GothicNeo"/>
+              </a:rPr>
+              <a:t> 오버로딩을 통한 코드 중복이 많이 </a:t>
+            </a:r>
+            <a:r>
+              <a:rPr lang="ko-KR" altLang="en-US" dirty="0" err="1">
+                <a:solidFill>
+                  <a:srgbClr val="FFFFFF">
+                    <a:alpha val="70000"/>
+                  </a:srgbClr>
+                </a:solidFill>
+                <a:ea typeface="Microsoft GothicNeo"/>
+                <a:cs typeface="Microsoft GothicNeo"/>
+              </a:rPr>
+              <a:t>일어날것이다</a:t>
+            </a:r>
+            <a:r>
+              <a:rPr lang="ko-KR" altLang="en-US" dirty="0">
+                <a:solidFill>
+                  <a:srgbClr val="FFFFFF">
+                    <a:alpha val="70000"/>
+                  </a:srgbClr>
+                </a:solidFill>
+                <a:ea typeface="Microsoft GothicNeo"/>
+                <a:cs typeface="Microsoft GothicNeo"/>
+              </a:rPr>
+              <a:t>.</a:t>
+            </a:r>
+          </a:p>
+          <a:p>
+            <a:r>
+              <a:rPr lang="ko-KR" altLang="en-US" dirty="0">
+                <a:solidFill>
+                  <a:srgbClr val="FFFFFF">
+                    <a:alpha val="70000"/>
+                  </a:srgbClr>
+                </a:solidFill>
+                <a:ea typeface="Microsoft GothicNeo"/>
+                <a:cs typeface="Microsoft GothicNeo"/>
+              </a:rPr>
+              <a:t>이를 없애기 위해 등장한 것이 템플릿 인데 템플릿으로 작성할 경우</a:t>
+            </a:r>
+          </a:p>
+          <a:p>
+            <a:r>
+              <a:rPr lang="ko-KR" altLang="en-US" dirty="0">
+                <a:solidFill>
+                  <a:srgbClr val="FFFFFF">
+                    <a:alpha val="70000"/>
+                  </a:srgbClr>
+                </a:solidFill>
+                <a:ea typeface="Microsoft GothicNeo"/>
+                <a:cs typeface="Microsoft GothicNeo"/>
+              </a:rPr>
+              <a:t>해당 매개변수의 타입에 해당하는 템플릿 함수만 코드에 </a:t>
+            </a:r>
+            <a:r>
+              <a:rPr lang="ko-KR" altLang="en-US" dirty="0" err="1">
+                <a:solidFill>
+                  <a:srgbClr val="FFFFFF">
+                    <a:alpha val="70000"/>
+                  </a:srgbClr>
+                </a:solidFill>
+                <a:ea typeface="Microsoft GothicNeo"/>
+                <a:cs typeface="Microsoft GothicNeo"/>
+              </a:rPr>
+              <a:t>작성되기떄문에</a:t>
+            </a:r>
+            <a:r>
+              <a:rPr lang="ko-KR" altLang="en-US" dirty="0">
+                <a:solidFill>
+                  <a:srgbClr val="FFFFFF">
+                    <a:alpha val="70000"/>
+                  </a:srgbClr>
+                </a:solidFill>
+                <a:ea typeface="Microsoft GothicNeo"/>
+                <a:cs typeface="Microsoft GothicNeo"/>
+              </a:rPr>
+              <a:t> </a:t>
+            </a:r>
+          </a:p>
+          <a:p>
+            <a:r>
+              <a:rPr lang="ko-KR" altLang="en-US" dirty="0">
+                <a:solidFill>
+                  <a:srgbClr val="FFFFFF">
+                    <a:alpha val="70000"/>
+                  </a:srgbClr>
+                </a:solidFill>
+                <a:ea typeface="Microsoft GothicNeo"/>
+                <a:cs typeface="Microsoft GothicNeo"/>
+              </a:rPr>
+              <a:t>코드의 크기가 줄어드는 효과를 가져온다.</a:t>
+            </a:r>
+          </a:p>
+        </p:txBody>
+      </p:sp>
+    </p:spTree>
+    <p:extLst>
+      <p:ext uri="{BB962C8B-B14F-4D97-AF65-F5344CB8AC3E}">
+        <p14:creationId xmlns:p14="http://schemas.microsoft.com/office/powerpoint/2010/main" val="1800863745"/>
+      </p:ext>
+    </p:extLst>
+  </p:cSld>
+  <p:clrMapOvr>
+    <a:masterClrMapping/>
+  </p:clrMapOvr>
+</p:sld>
+</file>
+
 <file path=ppt/slides/slide4.xml><?xml version="1.0" encoding="utf-8"?>
 <p:sld xmlns:a="http://schemas.openxmlformats.org/drawingml/2006/main" xmlns:r="http://schemas.openxmlformats.org/officeDocument/2006/relationships" xmlns:p="http://schemas.openxmlformats.org/presentationml/2006/main">
   <p:cSld>
@@ -27154,6 +28847,1417 @@
     <p:extLst>
       <p:ext uri="{BB962C8B-B14F-4D97-AF65-F5344CB8AC3E}">
         <p14:creationId xmlns:p14="http://schemas.microsoft.com/office/powerpoint/2010/main" val="2818269565"/>
+      </p:ext>
+    </p:extLst>
+  </p:cSld>
+  <p:clrMapOvr>
+    <a:masterClrMapping/>
+  </p:clrMapOvr>
+</p:sld>
+</file>
+
+<file path=ppt/slides/slide40.xml><?xml version="1.0" encoding="utf-8"?>
+<p:sld xmlns:a="http://schemas.openxmlformats.org/drawingml/2006/main" xmlns:r="http://schemas.openxmlformats.org/officeDocument/2006/relationships" xmlns:p="http://schemas.openxmlformats.org/presentationml/2006/main">
+  <p:cSld>
+    <p:spTree>
+      <p:nvGrpSpPr>
+        <p:cNvPr id="1" name=""/>
+        <p:cNvGrpSpPr/>
+        <p:nvPr/>
+      </p:nvGrpSpPr>
+      <p:grpSpPr>
+        <a:xfrm>
+          <a:off x="0" y="0"/>
+          <a:ext cx="0" cy="0"/>
+          <a:chOff x="0" y="0"/>
+          <a:chExt cx="0" cy="0"/>
+        </a:xfrm>
+      </p:grpSpPr>
+      <p:sp>
+        <p:nvSpPr>
+          <p:cNvPr id="2" name="제목 1">
+            <a:extLst>
+              <a:ext uri="{FF2B5EF4-FFF2-40B4-BE49-F238E27FC236}">
+                <a16:creationId xmlns:a16="http://schemas.microsoft.com/office/drawing/2014/main" id="{13506341-BD1E-9CDE-E37B-891084BC28F2}"/>
+              </a:ext>
+            </a:extLst>
+          </p:cNvPr>
+          <p:cNvSpPr>
+            <a:spLocks noGrp="1"/>
+          </p:cNvSpPr>
+          <p:nvPr>
+            <p:ph type="title"/>
+          </p:nvPr>
+        </p:nvSpPr>
+        <p:spPr/>
+        <p:txBody>
+          <a:bodyPr/>
+          <a:lstStyle/>
+          <a:p>
+            <a:r>
+              <a:rPr lang="ko-KR" altLang="en-US" dirty="0">
+                <a:ea typeface="Microsoft GothicNeo"/>
+                <a:cs typeface="Microsoft GothicNeo"/>
+              </a:rPr>
+              <a:t>&lt;템플릿 사용방법&gt;</a:t>
+            </a:r>
+          </a:p>
+        </p:txBody>
+      </p:sp>
+      <p:sp>
+        <p:nvSpPr>
+          <p:cNvPr id="3" name="내용 개체 틀 2">
+            <a:extLst>
+              <a:ext uri="{FF2B5EF4-FFF2-40B4-BE49-F238E27FC236}">
+                <a16:creationId xmlns:a16="http://schemas.microsoft.com/office/drawing/2014/main" id="{DF54C689-BA67-91A7-131E-ADD5452D569D}"/>
+              </a:ext>
+            </a:extLst>
+          </p:cNvPr>
+          <p:cNvSpPr>
+            <a:spLocks noGrp="1"/>
+          </p:cNvSpPr>
+          <p:nvPr>
+            <p:ph idx="1"/>
+          </p:nvPr>
+        </p:nvSpPr>
+        <p:spPr/>
+        <p:txBody>
+          <a:bodyPr lIns="109728" tIns="109728" rIns="109728" bIns="91440" anchor="t"/>
+          <a:lstStyle/>
+          <a:p>
+            <a:pPr marL="0" indent="0">
+              <a:buNone/>
+            </a:pPr>
+            <a:r>
+              <a:rPr lang="ko-KR" altLang="en-US" dirty="0" err="1">
+                <a:solidFill>
+                  <a:srgbClr val="FFFFFF">
+                    <a:alpha val="70000"/>
+                  </a:srgbClr>
+                </a:solidFill>
+                <a:ea typeface="Microsoft GothicNeo"/>
+                <a:cs typeface="Microsoft GothicNeo"/>
+              </a:rPr>
+              <a:t>Template</a:t>
+            </a:r>
+            <a:r>
+              <a:rPr lang="ko-KR" altLang="en-US" dirty="0">
+                <a:solidFill>
+                  <a:srgbClr val="FFFFFF">
+                    <a:alpha val="70000"/>
+                  </a:srgbClr>
+                </a:solidFill>
+                <a:ea typeface="Microsoft GothicNeo"/>
+                <a:cs typeface="Microsoft GothicNeo"/>
+              </a:rPr>
+              <a:t> &lt;</a:t>
+            </a:r>
+            <a:r>
+              <a:rPr lang="ko-KR" altLang="en-US" dirty="0" err="1">
+                <a:solidFill>
+                  <a:srgbClr val="FFFFFF">
+                    <a:alpha val="70000"/>
+                  </a:srgbClr>
+                </a:solidFill>
+                <a:ea typeface="Microsoft GothicNeo"/>
+                <a:cs typeface="Microsoft GothicNeo"/>
+              </a:rPr>
+              <a:t>typename</a:t>
+            </a:r>
+            <a:r>
+              <a:rPr lang="ko-KR" altLang="en-US" dirty="0">
+                <a:solidFill>
+                  <a:srgbClr val="FFFFFF">
+                    <a:alpha val="70000"/>
+                  </a:srgbClr>
+                </a:solidFill>
+                <a:ea typeface="Microsoft GothicNeo"/>
+                <a:cs typeface="Microsoft GothicNeo"/>
+              </a:rPr>
+              <a:t> </a:t>
+            </a:r>
+            <a:r>
+              <a:rPr lang="ko-KR" altLang="en-US" dirty="0" err="1">
+                <a:solidFill>
+                  <a:srgbClr val="FFFFFF">
+                    <a:alpha val="70000"/>
+                  </a:srgbClr>
+                </a:solidFill>
+                <a:ea typeface="Microsoft GothicNeo"/>
+                <a:cs typeface="Microsoft GothicNeo"/>
+              </a:rPr>
+              <a:t>T</a:t>
+            </a:r>
+            <a:r>
+              <a:rPr lang="ko-KR" altLang="en-US" dirty="0">
+                <a:solidFill>
+                  <a:srgbClr val="FFFFFF">
+                    <a:alpha val="70000"/>
+                  </a:srgbClr>
+                </a:solidFill>
+                <a:ea typeface="Microsoft GothicNeo"/>
+                <a:cs typeface="Microsoft GothicNeo"/>
+              </a:rPr>
+              <a:t>&gt; //컴파일러에게 먼저 템플릿 사용을 </a:t>
+            </a:r>
+            <a:r>
+              <a:rPr lang="ko-KR" altLang="en-US" dirty="0" err="1">
+                <a:solidFill>
+                  <a:srgbClr val="FFFFFF">
+                    <a:alpha val="70000"/>
+                  </a:srgbClr>
+                </a:solidFill>
+                <a:ea typeface="Microsoft GothicNeo"/>
+                <a:cs typeface="Microsoft GothicNeo"/>
+              </a:rPr>
+              <a:t>알린후</a:t>
+            </a:r>
+          </a:p>
+          <a:p>
+            <a:pPr marL="0" indent="0">
+              <a:buNone/>
+            </a:pPr>
+            <a:r>
+              <a:rPr lang="ko-KR" altLang="en-US" dirty="0" err="1">
+                <a:solidFill>
+                  <a:srgbClr val="FFFFFF">
+                    <a:alpha val="70000"/>
+                  </a:srgbClr>
+                </a:solidFill>
+                <a:ea typeface="Microsoft GothicNeo"/>
+                <a:cs typeface="Microsoft GothicNeo"/>
+              </a:rPr>
+              <a:t>T</a:t>
+            </a:r>
+            <a:r>
+              <a:rPr lang="ko-KR" altLang="en-US" dirty="0">
+                <a:solidFill>
+                  <a:srgbClr val="FFFFFF">
+                    <a:alpha val="70000"/>
+                  </a:srgbClr>
+                </a:solidFill>
+                <a:ea typeface="Microsoft GothicNeo"/>
+                <a:cs typeface="Microsoft GothicNeo"/>
+              </a:rPr>
+              <a:t> </a:t>
+            </a:r>
+            <a:r>
+              <a:rPr lang="ko-KR" altLang="en-US" dirty="0" err="1">
+                <a:solidFill>
+                  <a:srgbClr val="FFFFFF">
+                    <a:alpha val="70000"/>
+                  </a:srgbClr>
+                </a:solidFill>
+                <a:ea typeface="Microsoft GothicNeo"/>
+                <a:cs typeface="Microsoft GothicNeo"/>
+              </a:rPr>
+              <a:t>Get_Max</a:t>
+            </a:r>
+            <a:r>
+              <a:rPr lang="ko-KR" altLang="en-US" dirty="0">
+                <a:solidFill>
+                  <a:srgbClr val="FFFFFF">
+                    <a:alpha val="70000"/>
+                  </a:srgbClr>
+                </a:solidFill>
+                <a:ea typeface="Microsoft GothicNeo"/>
+                <a:cs typeface="Microsoft GothicNeo"/>
+              </a:rPr>
+              <a:t>(</a:t>
+            </a:r>
+            <a:r>
+              <a:rPr lang="ko-KR" altLang="en-US" dirty="0" err="1">
+                <a:solidFill>
+                  <a:srgbClr val="FFFFFF">
+                    <a:alpha val="70000"/>
+                  </a:srgbClr>
+                </a:solidFill>
+                <a:ea typeface="Microsoft GothicNeo"/>
+                <a:cs typeface="Microsoft GothicNeo"/>
+              </a:rPr>
+              <a:t>T</a:t>
+            </a:r>
+            <a:r>
+              <a:rPr lang="ko-KR" altLang="en-US" dirty="0">
+                <a:solidFill>
+                  <a:srgbClr val="FFFFFF">
+                    <a:alpha val="70000"/>
+                  </a:srgbClr>
+                </a:solidFill>
+                <a:ea typeface="Microsoft GothicNeo"/>
+                <a:cs typeface="Microsoft GothicNeo"/>
+              </a:rPr>
+              <a:t> </a:t>
+            </a:r>
+            <a:r>
+              <a:rPr lang="ko-KR" altLang="en-US" dirty="0" err="1">
+                <a:solidFill>
+                  <a:srgbClr val="FFFFFF">
+                    <a:alpha val="70000"/>
+                  </a:srgbClr>
+                </a:solidFill>
+                <a:ea typeface="Microsoft GothicNeo"/>
+                <a:cs typeface="Microsoft GothicNeo"/>
+              </a:rPr>
+              <a:t>a</a:t>
+            </a:r>
+            <a:r>
+              <a:rPr lang="ko-KR" altLang="en-US" dirty="0">
+                <a:solidFill>
+                  <a:srgbClr val="FFFFFF">
+                    <a:alpha val="70000"/>
+                  </a:srgbClr>
+                </a:solidFill>
+                <a:ea typeface="Microsoft GothicNeo"/>
+                <a:cs typeface="Microsoft GothicNeo"/>
+              </a:rPr>
+              <a:t> ,</a:t>
+            </a:r>
+            <a:r>
+              <a:rPr lang="ko-KR" altLang="en-US" dirty="0" err="1">
+                <a:solidFill>
+                  <a:srgbClr val="FFFFFF">
+                    <a:alpha val="70000"/>
+                  </a:srgbClr>
+                </a:solidFill>
+                <a:ea typeface="Microsoft GothicNeo"/>
+                <a:cs typeface="Microsoft GothicNeo"/>
+              </a:rPr>
+              <a:t>T</a:t>
+            </a:r>
+            <a:r>
+              <a:rPr lang="ko-KR" altLang="en-US" dirty="0">
+                <a:solidFill>
+                  <a:srgbClr val="FFFFFF">
+                    <a:alpha val="70000"/>
+                  </a:srgbClr>
+                </a:solidFill>
+                <a:ea typeface="Microsoft GothicNeo"/>
+                <a:cs typeface="Microsoft GothicNeo"/>
+              </a:rPr>
+              <a:t> </a:t>
+            </a:r>
+            <a:r>
+              <a:rPr lang="ko-KR" altLang="en-US" dirty="0" err="1">
+                <a:solidFill>
+                  <a:srgbClr val="FFFFFF">
+                    <a:alpha val="70000"/>
+                  </a:srgbClr>
+                </a:solidFill>
+                <a:ea typeface="Microsoft GothicNeo"/>
+                <a:cs typeface="Microsoft GothicNeo"/>
+              </a:rPr>
+              <a:t>b</a:t>
+            </a:r>
+            <a:r>
+              <a:rPr lang="ko-KR" altLang="en-US" dirty="0">
+                <a:solidFill>
+                  <a:srgbClr val="FFFFFF">
+                    <a:alpha val="70000"/>
+                  </a:srgbClr>
+                </a:solidFill>
+                <a:ea typeface="Microsoft GothicNeo"/>
+                <a:cs typeface="Microsoft GothicNeo"/>
+              </a:rPr>
+              <a:t>){}</a:t>
+            </a:r>
+          </a:p>
+          <a:p>
+            <a:pPr marL="0" indent="0">
+              <a:buNone/>
+            </a:pPr>
+            <a:r>
+              <a:rPr lang="ko-KR" altLang="en-US" dirty="0">
+                <a:solidFill>
+                  <a:srgbClr val="FFFFFF">
+                    <a:alpha val="70000"/>
+                  </a:srgbClr>
+                </a:solidFill>
+                <a:ea typeface="Microsoft GothicNeo"/>
+                <a:cs typeface="Microsoft GothicNeo"/>
+              </a:rPr>
+              <a:t>//  매개변수의 타입이 다른 경우</a:t>
+            </a:r>
+          </a:p>
+          <a:p>
+            <a:pPr marL="0" indent="0">
+              <a:buNone/>
+            </a:pPr>
+            <a:r>
+              <a:rPr lang="ko-KR" altLang="en-US" err="1">
+                <a:solidFill>
+                  <a:srgbClr val="FFFFFF">
+                    <a:alpha val="70000"/>
+                  </a:srgbClr>
+                </a:solidFill>
+                <a:ea typeface="Microsoft GothicNeo"/>
+                <a:cs typeface="Microsoft GothicNeo"/>
+              </a:rPr>
+              <a:t>Template</a:t>
+            </a:r>
+            <a:r>
+              <a:rPr lang="ko-KR" altLang="en-US" dirty="0">
+                <a:solidFill>
+                  <a:srgbClr val="FFFFFF">
+                    <a:alpha val="70000"/>
+                  </a:srgbClr>
+                </a:solidFill>
+                <a:ea typeface="Microsoft GothicNeo"/>
+                <a:cs typeface="Microsoft GothicNeo"/>
+              </a:rPr>
+              <a:t> &lt;</a:t>
+            </a:r>
+            <a:r>
+              <a:rPr lang="ko-KR" altLang="en-US" err="1">
+                <a:solidFill>
+                  <a:srgbClr val="FFFFFF">
+                    <a:alpha val="70000"/>
+                  </a:srgbClr>
+                </a:solidFill>
+                <a:ea typeface="Microsoft GothicNeo"/>
+                <a:cs typeface="Microsoft GothicNeo"/>
+              </a:rPr>
+              <a:t>typename</a:t>
+            </a:r>
+            <a:r>
+              <a:rPr lang="ko-KR" altLang="en-US">
+                <a:solidFill>
+                  <a:srgbClr val="FFFFFF">
+                    <a:alpha val="70000"/>
+                  </a:srgbClr>
+                </a:solidFill>
+                <a:ea typeface="Microsoft GothicNeo"/>
+                <a:cs typeface="Microsoft GothicNeo"/>
+              </a:rPr>
+              <a:t> T1,typename T2&gt;</a:t>
+            </a:r>
+            <a:endParaRPr lang="ko-KR" altLang="en-US" dirty="0">
+              <a:solidFill>
+                <a:srgbClr val="FFFFFF">
+                  <a:alpha val="70000"/>
+                </a:srgbClr>
+              </a:solidFill>
+              <a:ea typeface="Microsoft GothicNeo"/>
+              <a:cs typeface="Microsoft GothicNeo"/>
+            </a:endParaRPr>
+          </a:p>
+          <a:p>
+            <a:pPr marL="0" indent="0">
+              <a:buNone/>
+            </a:pPr>
+            <a:r>
+              <a:rPr lang="ko-KR" altLang="en-US" dirty="0" err="1">
+                <a:solidFill>
+                  <a:srgbClr val="FFFFFF">
+                    <a:alpha val="70000"/>
+                  </a:srgbClr>
+                </a:solidFill>
+                <a:ea typeface="Microsoft GothicNeo"/>
+                <a:cs typeface="Microsoft GothicNeo"/>
+              </a:rPr>
+              <a:t>T</a:t>
+            </a:r>
+            <a:r>
+              <a:rPr lang="ko-KR" altLang="en-US" dirty="0">
+                <a:solidFill>
+                  <a:srgbClr val="FFFFFF">
+                    <a:alpha val="70000"/>
+                  </a:srgbClr>
+                </a:solidFill>
+                <a:ea typeface="Microsoft GothicNeo"/>
+                <a:cs typeface="Microsoft GothicNeo"/>
+              </a:rPr>
+              <a:t> </a:t>
+            </a:r>
+            <a:r>
+              <a:rPr lang="ko-KR" altLang="en-US" dirty="0" err="1">
+                <a:solidFill>
+                  <a:srgbClr val="FFFFFF">
+                    <a:alpha val="70000"/>
+                  </a:srgbClr>
+                </a:solidFill>
+                <a:ea typeface="Microsoft GothicNeo"/>
+                <a:cs typeface="Microsoft GothicNeo"/>
+              </a:rPr>
+              <a:t>Get_Max</a:t>
+            </a:r>
+            <a:r>
+              <a:rPr lang="ko-KR" altLang="en-US" dirty="0">
+                <a:solidFill>
+                  <a:srgbClr val="FFFFFF">
+                    <a:alpha val="70000"/>
+                  </a:srgbClr>
+                </a:solidFill>
+                <a:ea typeface="Microsoft GothicNeo"/>
+                <a:cs typeface="Microsoft GothicNeo"/>
+              </a:rPr>
+              <a:t>(T1 </a:t>
+            </a:r>
+            <a:r>
+              <a:rPr lang="ko-KR" altLang="en-US" dirty="0" err="1">
+                <a:solidFill>
+                  <a:srgbClr val="FFFFFF">
+                    <a:alpha val="70000"/>
+                  </a:srgbClr>
+                </a:solidFill>
+                <a:ea typeface="Microsoft GothicNeo"/>
+                <a:cs typeface="Microsoft GothicNeo"/>
+              </a:rPr>
+              <a:t>a</a:t>
+            </a:r>
+            <a:r>
+              <a:rPr lang="ko-KR" altLang="en-US" dirty="0">
+                <a:solidFill>
+                  <a:srgbClr val="FFFFFF">
+                    <a:alpha val="70000"/>
+                  </a:srgbClr>
+                </a:solidFill>
+                <a:ea typeface="Microsoft GothicNeo"/>
+                <a:cs typeface="Microsoft GothicNeo"/>
+              </a:rPr>
+              <a:t>, T2 </a:t>
+            </a:r>
+            <a:r>
+              <a:rPr lang="ko-KR" altLang="en-US" dirty="0" err="1">
+                <a:solidFill>
+                  <a:srgbClr val="FFFFFF">
+                    <a:alpha val="70000"/>
+                  </a:srgbClr>
+                </a:solidFill>
+                <a:ea typeface="Microsoft GothicNeo"/>
+                <a:cs typeface="Microsoft GothicNeo"/>
+              </a:rPr>
+              <a:t>b</a:t>
+            </a:r>
+            <a:r>
+              <a:rPr lang="ko-KR" altLang="en-US" dirty="0">
+                <a:solidFill>
+                  <a:srgbClr val="FFFFFF">
+                    <a:alpha val="70000"/>
+                  </a:srgbClr>
+                </a:solidFill>
+                <a:ea typeface="Microsoft GothicNeo"/>
+                <a:cs typeface="Microsoft GothicNeo"/>
+              </a:rPr>
+              <a:t>){}</a:t>
+            </a:r>
+          </a:p>
+          <a:p>
+            <a:pPr marL="0" indent="0">
+              <a:buNone/>
+            </a:pPr>
+            <a:r>
+              <a:rPr lang="ko-KR" altLang="en-US" dirty="0">
+                <a:solidFill>
+                  <a:srgbClr val="FFFFFF">
+                    <a:alpha val="70000"/>
+                  </a:srgbClr>
+                </a:solidFill>
+                <a:ea typeface="Microsoft GothicNeo"/>
+                <a:cs typeface="Microsoft GothicNeo"/>
+              </a:rPr>
+              <a:t>// 매개변수로 배열이 전해졌을 경우</a:t>
+            </a:r>
+          </a:p>
+          <a:p>
+            <a:pPr marL="0" indent="0">
+              <a:buNone/>
+            </a:pPr>
+            <a:r>
+              <a:rPr lang="ko-KR" altLang="en-US" dirty="0" err="1">
+                <a:solidFill>
+                  <a:srgbClr val="FFFFFF">
+                    <a:alpha val="70000"/>
+                  </a:srgbClr>
+                </a:solidFill>
+                <a:ea typeface="Microsoft GothicNeo"/>
+                <a:cs typeface="Microsoft GothicNeo"/>
+              </a:rPr>
+              <a:t>T</a:t>
+            </a:r>
+            <a:r>
+              <a:rPr lang="ko-KR" altLang="en-US" dirty="0">
+                <a:solidFill>
+                  <a:srgbClr val="FFFFFF">
+                    <a:alpha val="70000"/>
+                  </a:srgbClr>
+                </a:solidFill>
+                <a:ea typeface="Microsoft GothicNeo"/>
+                <a:cs typeface="Microsoft GothicNeo"/>
+              </a:rPr>
+              <a:t> </a:t>
+            </a:r>
+            <a:r>
+              <a:rPr lang="ko-KR" altLang="en-US" dirty="0" err="1">
+                <a:solidFill>
+                  <a:srgbClr val="FFFFFF">
+                    <a:alpha val="70000"/>
+                  </a:srgbClr>
+                </a:solidFill>
+                <a:ea typeface="Microsoft GothicNeo"/>
+                <a:cs typeface="Microsoft GothicNeo"/>
+              </a:rPr>
+              <a:t>Get_Max</a:t>
+            </a:r>
+            <a:r>
+              <a:rPr lang="ko-KR" altLang="en-US" dirty="0">
+                <a:solidFill>
+                  <a:srgbClr val="FFFFFF">
+                    <a:alpha val="70000"/>
+                  </a:srgbClr>
+                </a:solidFill>
+                <a:ea typeface="Microsoft GothicNeo"/>
+                <a:cs typeface="Microsoft GothicNeo"/>
+              </a:rPr>
+              <a:t>(</a:t>
+            </a:r>
+            <a:r>
+              <a:rPr lang="ko-KR" altLang="en-US" dirty="0" err="1">
+                <a:solidFill>
+                  <a:srgbClr val="FFFFFF">
+                    <a:alpha val="70000"/>
+                  </a:srgbClr>
+                </a:solidFill>
+                <a:ea typeface="Microsoft GothicNeo"/>
+                <a:cs typeface="Microsoft GothicNeo"/>
+              </a:rPr>
+              <a:t>int</a:t>
+            </a:r>
+            <a:r>
+              <a:rPr lang="ko-KR" altLang="en-US" dirty="0">
+                <a:solidFill>
+                  <a:srgbClr val="FFFFFF">
+                    <a:alpha val="70000"/>
+                  </a:srgbClr>
+                </a:solidFill>
+                <a:ea typeface="Microsoft GothicNeo"/>
+                <a:cs typeface="Microsoft GothicNeo"/>
+              </a:rPr>
+              <a:t> </a:t>
+            </a:r>
+            <a:r>
+              <a:rPr lang="ko-KR" altLang="en-US" dirty="0" err="1">
+                <a:solidFill>
+                  <a:srgbClr val="FFFFFF">
+                    <a:alpha val="70000"/>
+                  </a:srgbClr>
+                </a:solidFill>
+                <a:ea typeface="Microsoft GothicNeo"/>
+                <a:cs typeface="Microsoft GothicNeo"/>
+              </a:rPr>
+              <a:t>arr</a:t>
+            </a:r>
+            <a:r>
+              <a:rPr lang="ko-KR" altLang="en-US" dirty="0">
+                <a:solidFill>
+                  <a:srgbClr val="FFFFFF">
+                    <a:alpha val="70000"/>
+                  </a:srgbClr>
+                </a:solidFill>
+                <a:ea typeface="Microsoft GothicNeo"/>
+                <a:cs typeface="Microsoft GothicNeo"/>
+              </a:rPr>
+              <a:t>[], </a:t>
+            </a:r>
+            <a:r>
+              <a:rPr lang="ko-KR" altLang="en-US" dirty="0" err="1">
+                <a:solidFill>
+                  <a:srgbClr val="FFFFFF">
+                    <a:alpha val="70000"/>
+                  </a:srgbClr>
+                </a:solidFill>
+                <a:ea typeface="Microsoft GothicNeo"/>
+                <a:cs typeface="Microsoft GothicNeo"/>
+              </a:rPr>
+              <a:t>int</a:t>
+            </a:r>
+            <a:r>
+              <a:rPr lang="ko-KR" altLang="en-US" dirty="0">
+                <a:solidFill>
+                  <a:srgbClr val="FFFFFF">
+                    <a:alpha val="70000"/>
+                  </a:srgbClr>
+                </a:solidFill>
+                <a:ea typeface="Microsoft GothicNeo"/>
+                <a:cs typeface="Microsoft GothicNeo"/>
+              </a:rPr>
+              <a:t> arr2[]){};// 매개변수를 명시하여 오버로딩 가능</a:t>
+            </a:r>
+          </a:p>
+        </p:txBody>
+      </p:sp>
+    </p:spTree>
+    <p:extLst>
+      <p:ext uri="{BB962C8B-B14F-4D97-AF65-F5344CB8AC3E}">
+        <p14:creationId xmlns:p14="http://schemas.microsoft.com/office/powerpoint/2010/main" val="3517820391"/>
+      </p:ext>
+    </p:extLst>
+  </p:cSld>
+  <p:clrMapOvr>
+    <a:masterClrMapping/>
+  </p:clrMapOvr>
+</p:sld>
+</file>
+
+<file path=ppt/slides/slide41.xml><?xml version="1.0" encoding="utf-8"?>
+<p:sld xmlns:a="http://schemas.openxmlformats.org/drawingml/2006/main" xmlns:r="http://schemas.openxmlformats.org/officeDocument/2006/relationships" xmlns:p="http://schemas.openxmlformats.org/presentationml/2006/main">
+  <p:cSld>
+    <p:spTree>
+      <p:nvGrpSpPr>
+        <p:cNvPr id="1" name=""/>
+        <p:cNvGrpSpPr/>
+        <p:nvPr/>
+      </p:nvGrpSpPr>
+      <p:grpSpPr>
+        <a:xfrm>
+          <a:off x="0" y="0"/>
+          <a:ext cx="0" cy="0"/>
+          <a:chOff x="0" y="0"/>
+          <a:chExt cx="0" cy="0"/>
+        </a:xfrm>
+      </p:grpSpPr>
+      <p:sp>
+        <p:nvSpPr>
+          <p:cNvPr id="2" name="제목 1">
+            <a:extLst>
+              <a:ext uri="{FF2B5EF4-FFF2-40B4-BE49-F238E27FC236}">
+                <a16:creationId xmlns:a16="http://schemas.microsoft.com/office/drawing/2014/main" id="{019A1A1F-8A9A-D5C0-90C8-B383BB307596}"/>
+              </a:ext>
+            </a:extLst>
+          </p:cNvPr>
+          <p:cNvSpPr>
+            <a:spLocks noGrp="1"/>
+          </p:cNvSpPr>
+          <p:nvPr>
+            <p:ph type="title"/>
+          </p:nvPr>
+        </p:nvSpPr>
+        <p:spPr/>
+        <p:txBody>
+          <a:bodyPr/>
+          <a:lstStyle/>
+          <a:p>
+            <a:r>
+              <a:rPr lang="ko-KR" altLang="en-US" dirty="0">
+                <a:ea typeface="Microsoft GothicNeo"/>
+                <a:cs typeface="Microsoft GothicNeo"/>
+              </a:rPr>
+              <a:t>&lt;템플릿 클래스&gt;</a:t>
+            </a:r>
+            <a:endParaRPr lang="ko-KR" altLang="en-US" dirty="0"/>
+          </a:p>
+        </p:txBody>
+      </p:sp>
+      <p:sp>
+        <p:nvSpPr>
+          <p:cNvPr id="3" name="내용 개체 틀 2">
+            <a:extLst>
+              <a:ext uri="{FF2B5EF4-FFF2-40B4-BE49-F238E27FC236}">
+                <a16:creationId xmlns:a16="http://schemas.microsoft.com/office/drawing/2014/main" id="{E792BA4F-0FE1-A1CE-B14C-3B2E530ADC34}"/>
+              </a:ext>
+            </a:extLst>
+          </p:cNvPr>
+          <p:cNvSpPr>
+            <a:spLocks noGrp="1"/>
+          </p:cNvSpPr>
+          <p:nvPr>
+            <p:ph idx="1"/>
+          </p:nvPr>
+        </p:nvSpPr>
+        <p:spPr/>
+        <p:txBody>
+          <a:bodyPr lIns="109728" tIns="109728" rIns="109728" bIns="91440" anchor="t"/>
+          <a:lstStyle/>
+          <a:p>
+            <a:pPr marL="0" indent="0">
+              <a:buNone/>
+            </a:pPr>
+            <a:r>
+              <a:rPr lang="ko-KR" altLang="en-US" dirty="0" err="1">
+                <a:solidFill>
+                  <a:srgbClr val="FFFFFF">
+                    <a:alpha val="70000"/>
+                  </a:srgbClr>
+                </a:solidFill>
+                <a:ea typeface="Microsoft GothicNeo"/>
+                <a:cs typeface="Microsoft GothicNeo"/>
+              </a:rPr>
+              <a:t>Template</a:t>
+            </a:r>
+            <a:r>
+              <a:rPr lang="ko-KR" altLang="en-US" dirty="0">
+                <a:solidFill>
+                  <a:srgbClr val="FFFFFF">
+                    <a:alpha val="70000"/>
+                  </a:srgbClr>
+                </a:solidFill>
+                <a:ea typeface="Microsoft GothicNeo"/>
+                <a:cs typeface="Microsoft GothicNeo"/>
+              </a:rPr>
+              <a:t> &lt;</a:t>
+            </a:r>
+            <a:r>
+              <a:rPr lang="ko-KR" altLang="en-US" dirty="0" err="1">
+                <a:solidFill>
+                  <a:srgbClr val="FFFFFF">
+                    <a:alpha val="70000"/>
+                  </a:srgbClr>
+                </a:solidFill>
+                <a:ea typeface="Microsoft GothicNeo"/>
+                <a:cs typeface="Microsoft GothicNeo"/>
+              </a:rPr>
+              <a:t>typename</a:t>
+            </a:r>
+            <a:r>
+              <a:rPr lang="ko-KR" altLang="en-US" dirty="0">
+                <a:solidFill>
+                  <a:srgbClr val="FFFFFF">
+                    <a:alpha val="70000"/>
+                  </a:srgbClr>
+                </a:solidFill>
+                <a:ea typeface="Microsoft GothicNeo"/>
+                <a:cs typeface="Microsoft GothicNeo"/>
+              </a:rPr>
+              <a:t> </a:t>
+            </a:r>
+            <a:r>
+              <a:rPr lang="ko-KR" altLang="en-US" dirty="0" err="1">
+                <a:solidFill>
+                  <a:srgbClr val="FFFFFF">
+                    <a:alpha val="70000"/>
+                  </a:srgbClr>
+                </a:solidFill>
+                <a:ea typeface="Microsoft GothicNeo"/>
+                <a:cs typeface="Microsoft GothicNeo"/>
+              </a:rPr>
+              <a:t>T</a:t>
+            </a:r>
+            <a:r>
+              <a:rPr lang="ko-KR" altLang="en-US" dirty="0">
+                <a:solidFill>
+                  <a:srgbClr val="FFFFFF">
+                    <a:alpha val="70000"/>
+                  </a:srgbClr>
+                </a:solidFill>
+                <a:ea typeface="Microsoft GothicNeo"/>
+                <a:cs typeface="Microsoft GothicNeo"/>
+              </a:rPr>
+              <a:t>&gt;</a:t>
+            </a:r>
+          </a:p>
+          <a:p>
+            <a:pPr marL="0" indent="0">
+              <a:buNone/>
+            </a:pPr>
+            <a:r>
+              <a:rPr lang="ko-KR" altLang="en-US" dirty="0" err="1">
+                <a:solidFill>
+                  <a:srgbClr val="FFFFFF">
+                    <a:alpha val="70000"/>
+                  </a:srgbClr>
+                </a:solidFill>
+                <a:ea typeface="Microsoft GothicNeo"/>
+                <a:cs typeface="Microsoft GothicNeo"/>
+              </a:rPr>
+              <a:t>Class</a:t>
+            </a:r>
+            <a:r>
+              <a:rPr lang="ko-KR" altLang="en-US" dirty="0">
+                <a:solidFill>
+                  <a:srgbClr val="FFFFFF">
+                    <a:alpha val="70000"/>
+                  </a:srgbClr>
+                </a:solidFill>
+                <a:ea typeface="Microsoft GothicNeo"/>
+                <a:cs typeface="Microsoft GothicNeo"/>
+              </a:rPr>
+              <a:t> </a:t>
+            </a:r>
+            <a:r>
+              <a:rPr lang="ko-KR" altLang="en-US" dirty="0" err="1">
+                <a:solidFill>
+                  <a:srgbClr val="FFFFFF">
+                    <a:alpha val="70000"/>
+                  </a:srgbClr>
+                </a:solidFill>
+                <a:ea typeface="Microsoft GothicNeo"/>
+                <a:cs typeface="Microsoft GothicNeo"/>
+              </a:rPr>
+              <a:t>Box</a:t>
+            </a:r>
+            <a:r>
+              <a:rPr lang="ko-KR" altLang="en-US" dirty="0">
+                <a:solidFill>
+                  <a:srgbClr val="FFFFFF">
+                    <a:alpha val="70000"/>
+                  </a:srgbClr>
+                </a:solidFill>
+                <a:ea typeface="Microsoft GothicNeo"/>
+                <a:cs typeface="Microsoft GothicNeo"/>
+              </a:rPr>
+              <a:t>{</a:t>
+            </a:r>
+          </a:p>
+          <a:p>
+            <a:pPr marL="0" indent="0">
+              <a:buNone/>
+            </a:pPr>
+            <a:r>
+              <a:rPr lang="ko-KR" altLang="en-US" dirty="0">
+                <a:solidFill>
+                  <a:srgbClr val="FFFFFF">
+                    <a:alpha val="70000"/>
+                  </a:srgbClr>
+                </a:solidFill>
+                <a:ea typeface="Microsoft GothicNeo"/>
+                <a:cs typeface="Microsoft GothicNeo"/>
+              </a:rPr>
+              <a:t>   </a:t>
+            </a:r>
+            <a:r>
+              <a:rPr lang="ko-KR" altLang="en-US" err="1">
+                <a:solidFill>
+                  <a:srgbClr val="FFFFFF">
+                    <a:alpha val="70000"/>
+                  </a:srgbClr>
+                </a:solidFill>
+                <a:ea typeface="Microsoft GothicNeo"/>
+                <a:cs typeface="Microsoft GothicNeo"/>
+              </a:rPr>
+              <a:t>Private</a:t>
+            </a:r>
+            <a:r>
+              <a:rPr lang="ko-KR" altLang="en-US">
+                <a:solidFill>
+                  <a:srgbClr val="FFFFFF">
+                    <a:alpha val="70000"/>
+                  </a:srgbClr>
+                </a:solidFill>
+                <a:ea typeface="Microsoft GothicNeo"/>
+                <a:cs typeface="Microsoft GothicNeo"/>
+              </a:rPr>
+              <a:t>:</a:t>
+            </a:r>
+            <a:endParaRPr lang="ko-KR" altLang="en-US" dirty="0">
+              <a:solidFill>
+                <a:srgbClr val="FFFFFF">
+                  <a:alpha val="70000"/>
+                </a:srgbClr>
+              </a:solidFill>
+              <a:ea typeface="Microsoft GothicNeo"/>
+              <a:cs typeface="Microsoft GothicNeo"/>
+            </a:endParaRPr>
+          </a:p>
+          <a:p>
+            <a:pPr marL="0" indent="0">
+              <a:buNone/>
+            </a:pPr>
+            <a:r>
+              <a:rPr lang="ko-KR" altLang="en-US" dirty="0">
+                <a:solidFill>
+                  <a:srgbClr val="FFFFFF">
+                    <a:alpha val="70000"/>
+                  </a:srgbClr>
+                </a:solidFill>
+                <a:ea typeface="Microsoft GothicNeo"/>
+                <a:cs typeface="Microsoft GothicNeo"/>
+              </a:rPr>
+              <a:t>        </a:t>
+            </a:r>
+            <a:r>
+              <a:rPr lang="ko-KR" altLang="en-US" dirty="0" err="1">
+                <a:solidFill>
+                  <a:srgbClr val="FFFFFF">
+                    <a:alpha val="70000"/>
+                  </a:srgbClr>
+                </a:solidFill>
+                <a:ea typeface="Microsoft GothicNeo"/>
+                <a:cs typeface="Microsoft GothicNeo"/>
+              </a:rPr>
+              <a:t>T</a:t>
+            </a:r>
+            <a:r>
+              <a:rPr lang="ko-KR" altLang="en-US" dirty="0">
+                <a:solidFill>
+                  <a:srgbClr val="FFFFFF">
+                    <a:alpha val="70000"/>
+                  </a:srgbClr>
+                </a:solidFill>
+                <a:ea typeface="Microsoft GothicNeo"/>
+                <a:cs typeface="Microsoft GothicNeo"/>
+              </a:rPr>
+              <a:t> </a:t>
+            </a:r>
+            <a:r>
+              <a:rPr lang="ko-KR" altLang="en-US" dirty="0" err="1">
+                <a:solidFill>
+                  <a:srgbClr val="FFFFFF">
+                    <a:alpha val="70000"/>
+                  </a:srgbClr>
+                </a:solidFill>
+                <a:ea typeface="Microsoft GothicNeo"/>
+                <a:cs typeface="Microsoft GothicNeo"/>
+              </a:rPr>
+              <a:t>data</a:t>
+            </a:r>
+            <a:r>
+              <a:rPr lang="ko-KR" altLang="en-US" dirty="0">
+                <a:solidFill>
+                  <a:srgbClr val="FFFFFF">
+                    <a:alpha val="70000"/>
+                  </a:srgbClr>
+                </a:solidFill>
+                <a:ea typeface="Microsoft GothicNeo"/>
+                <a:cs typeface="Microsoft GothicNeo"/>
+              </a:rPr>
+              <a:t>;</a:t>
+            </a:r>
+          </a:p>
+          <a:p>
+            <a:pPr marL="0" indent="0">
+              <a:buNone/>
+            </a:pPr>
+            <a:r>
+              <a:rPr lang="ko-KR" altLang="en-US" dirty="0">
+                <a:solidFill>
+                  <a:srgbClr val="FFFFFF">
+                    <a:alpha val="70000"/>
+                  </a:srgbClr>
+                </a:solidFill>
+                <a:ea typeface="Microsoft GothicNeo"/>
+                <a:cs typeface="Microsoft GothicNeo"/>
+              </a:rPr>
+              <a:t>   Public :  </a:t>
+            </a:r>
+            <a:r>
+              <a:rPr lang="ko-KR" altLang="en-US" dirty="0" err="1">
+                <a:solidFill>
+                  <a:srgbClr val="FFFFFF">
+                    <a:alpha val="70000"/>
+                  </a:srgbClr>
+                </a:solidFill>
+                <a:ea typeface="Microsoft GothicNeo"/>
+                <a:cs typeface="Microsoft GothicNeo"/>
+              </a:rPr>
+              <a:t>Box</a:t>
+            </a:r>
+            <a:r>
+              <a:rPr lang="ko-KR" altLang="en-US" dirty="0">
+                <a:solidFill>
+                  <a:srgbClr val="FFFFFF">
+                    <a:alpha val="70000"/>
+                  </a:srgbClr>
+                </a:solidFill>
+                <a:ea typeface="Microsoft GothicNeo"/>
+                <a:cs typeface="Microsoft GothicNeo"/>
+              </a:rPr>
+              <a:t>();</a:t>
+            </a:r>
+          </a:p>
+          <a:p>
+            <a:pPr marL="0" indent="0">
+              <a:buNone/>
+            </a:pPr>
+            <a:r>
+              <a:rPr lang="ko-KR" altLang="en-US" dirty="0">
+                <a:solidFill>
+                  <a:srgbClr val="FFFFFF">
+                    <a:alpha val="70000"/>
+                  </a:srgbClr>
+                </a:solidFill>
+                <a:ea typeface="Microsoft GothicNeo"/>
+                <a:cs typeface="Microsoft GothicNeo"/>
+              </a:rPr>
+              <a:t>};</a:t>
+            </a:r>
+          </a:p>
+          <a:p>
+            <a:pPr marL="0" indent="0">
+              <a:buNone/>
+            </a:pPr>
+            <a:r>
+              <a:rPr lang="ko-KR" altLang="en-US" dirty="0" err="1">
+                <a:solidFill>
+                  <a:srgbClr val="FFFFFF">
+                    <a:alpha val="70000"/>
+                  </a:srgbClr>
+                </a:solidFill>
+                <a:ea typeface="Microsoft GothicNeo"/>
+                <a:cs typeface="Microsoft GothicNeo"/>
+              </a:rPr>
+              <a:t>Box</a:t>
+            </a:r>
+            <a:r>
+              <a:rPr lang="ko-KR" altLang="en-US" dirty="0">
+                <a:solidFill>
+                  <a:srgbClr val="FFFFFF">
+                    <a:alpha val="70000"/>
+                  </a:srgbClr>
+                </a:solidFill>
+                <a:ea typeface="Microsoft GothicNeo"/>
+                <a:cs typeface="Microsoft GothicNeo"/>
+              </a:rPr>
+              <a:t>&lt;</a:t>
+            </a:r>
+            <a:r>
+              <a:rPr lang="ko-KR" altLang="en-US" dirty="0" err="1">
+                <a:solidFill>
+                  <a:srgbClr val="FFFFFF">
+                    <a:alpha val="70000"/>
+                  </a:srgbClr>
+                </a:solidFill>
+                <a:ea typeface="Microsoft GothicNeo"/>
+                <a:cs typeface="Microsoft GothicNeo"/>
+              </a:rPr>
+              <a:t>T</a:t>
+            </a:r>
+            <a:r>
+              <a:rPr lang="ko-KR" altLang="en-US" dirty="0">
+                <a:solidFill>
+                  <a:srgbClr val="FFFFFF">
+                    <a:alpha val="70000"/>
+                  </a:srgbClr>
+                </a:solidFill>
+                <a:ea typeface="Microsoft GothicNeo"/>
+                <a:cs typeface="Microsoft GothicNeo"/>
+              </a:rPr>
+              <a:t>&gt;::</a:t>
+            </a:r>
+            <a:r>
+              <a:rPr lang="ko-KR" altLang="en-US" dirty="0" err="1">
+                <a:solidFill>
+                  <a:srgbClr val="FFFFFF">
+                    <a:alpha val="70000"/>
+                  </a:srgbClr>
+                </a:solidFill>
+                <a:ea typeface="Microsoft GothicNeo"/>
+                <a:cs typeface="Microsoft GothicNeo"/>
+              </a:rPr>
+              <a:t>Box</a:t>
+            </a:r>
+            <a:r>
+              <a:rPr lang="ko-KR" altLang="en-US" dirty="0">
+                <a:solidFill>
+                  <a:srgbClr val="FFFFFF">
+                    <a:alpha val="70000"/>
+                  </a:srgbClr>
+                </a:solidFill>
+                <a:ea typeface="Microsoft GothicNeo"/>
+                <a:cs typeface="Microsoft GothicNeo"/>
+              </a:rPr>
+              <a:t>(){...}// &lt;</a:t>
+            </a:r>
+            <a:r>
+              <a:rPr lang="ko-KR" altLang="en-US" dirty="0" err="1">
+                <a:solidFill>
+                  <a:srgbClr val="FFFFFF">
+                    <a:alpha val="70000"/>
+                  </a:srgbClr>
+                </a:solidFill>
+                <a:ea typeface="Microsoft GothicNeo"/>
+                <a:cs typeface="Microsoft GothicNeo"/>
+              </a:rPr>
+              <a:t>T</a:t>
+            </a:r>
+            <a:r>
+              <a:rPr lang="ko-KR" altLang="en-US" dirty="0">
+                <a:solidFill>
+                  <a:srgbClr val="FFFFFF">
+                    <a:alpha val="70000"/>
+                  </a:srgbClr>
+                </a:solidFill>
+                <a:ea typeface="Microsoft GothicNeo"/>
+                <a:cs typeface="Microsoft GothicNeo"/>
+              </a:rPr>
+              <a:t>&gt;</a:t>
+            </a:r>
+            <a:r>
+              <a:rPr lang="ko-KR" altLang="en-US" dirty="0" err="1">
+                <a:solidFill>
+                  <a:srgbClr val="FFFFFF">
+                    <a:alpha val="70000"/>
+                  </a:srgbClr>
+                </a:solidFill>
+                <a:ea typeface="Microsoft GothicNeo"/>
+                <a:cs typeface="Microsoft GothicNeo"/>
+              </a:rPr>
+              <a:t>를</a:t>
+            </a:r>
+            <a:r>
+              <a:rPr lang="ko-KR" altLang="en-US" dirty="0">
+                <a:solidFill>
+                  <a:srgbClr val="FFFFFF">
+                    <a:alpha val="70000"/>
+                  </a:srgbClr>
+                </a:solidFill>
+                <a:ea typeface="Microsoft GothicNeo"/>
+                <a:cs typeface="Microsoft GothicNeo"/>
+              </a:rPr>
+              <a:t> </a:t>
+            </a:r>
+            <a:r>
+              <a:rPr lang="ko-KR" altLang="en-US" dirty="0" err="1">
+                <a:solidFill>
+                  <a:srgbClr val="FFFFFF">
+                    <a:alpha val="70000"/>
+                  </a:srgbClr>
+                </a:solidFill>
+                <a:ea typeface="Microsoft GothicNeo"/>
+                <a:cs typeface="Microsoft GothicNeo"/>
+              </a:rPr>
+              <a:t>사용하여야함</a:t>
+            </a:r>
+            <a:r>
+              <a:rPr lang="ko-KR" altLang="en-US" dirty="0">
+                <a:solidFill>
+                  <a:srgbClr val="FFFFFF">
+                    <a:alpha val="70000"/>
+                  </a:srgbClr>
+                </a:solidFill>
+                <a:ea typeface="Microsoft GothicNeo"/>
+                <a:cs typeface="Microsoft GothicNeo"/>
+              </a:rPr>
+              <a:t>.</a:t>
+            </a:r>
+          </a:p>
+          <a:p>
+            <a:pPr marL="0" indent="0">
+              <a:buNone/>
+            </a:pPr>
+            <a:r>
+              <a:rPr lang="ko-KR" altLang="en-US" dirty="0">
+                <a:solidFill>
+                  <a:srgbClr val="FFFFFF">
+                    <a:alpha val="70000"/>
+                  </a:srgbClr>
+                </a:solidFill>
+                <a:ea typeface="Microsoft GothicNeo"/>
+                <a:cs typeface="Microsoft GothicNeo"/>
+              </a:rPr>
+              <a:t>   </a:t>
+            </a:r>
+          </a:p>
+          <a:p>
+            <a:pPr marL="0" indent="0">
+              <a:buNone/>
+            </a:pPr>
+            <a:r>
+              <a:rPr lang="ko-KR" altLang="en-US" dirty="0">
+                <a:solidFill>
+                  <a:srgbClr val="FFFFFF">
+                    <a:alpha val="70000"/>
+                  </a:srgbClr>
+                </a:solidFill>
+                <a:ea typeface="Microsoft GothicNeo"/>
+                <a:cs typeface="Microsoft GothicNeo"/>
+              </a:rPr>
+              <a:t>    </a:t>
+            </a:r>
+          </a:p>
+        </p:txBody>
+      </p:sp>
+      <p:sp>
+        <p:nvSpPr>
+          <p:cNvPr id="4" name="TextBox 3">
+            <a:extLst>
+              <a:ext uri="{FF2B5EF4-FFF2-40B4-BE49-F238E27FC236}">
+                <a16:creationId xmlns:a16="http://schemas.microsoft.com/office/drawing/2014/main" id="{90802B04-6980-E03A-B8BD-FFFFE175915D}"/>
+              </a:ext>
+            </a:extLst>
+          </p:cNvPr>
+          <p:cNvSpPr txBox="1"/>
+          <p:nvPr/>
+        </p:nvSpPr>
+        <p:spPr>
+          <a:xfrm>
+            <a:off x="6619164" y="2763671"/>
+            <a:ext cx="4594746" cy="1200329"/>
+          </a:xfrm>
+          <a:prstGeom prst="rect">
+            <a:avLst/>
+          </a:prstGeom>
+          <a:noFill/>
+        </p:spPr>
+        <p:txBody>
+          <a:bodyPr rot="0" spcFirstLastPara="0" vertOverflow="overflow" horzOverflow="overflow" vert="horz" wrap="square" lIns="91440" tIns="45720" rIns="91440" bIns="45720" numCol="1" spcCol="0" rtlCol="0" fromWordArt="0" anchor="t" anchorCtr="0" forceAA="0" compatLnSpc="1">
+            <a:prstTxWarp prst="textNoShape">
+              <a:avLst/>
+            </a:prstTxWarp>
+            <a:spAutoFit/>
+          </a:bodyPr>
+          <a:lstStyle/>
+          <a:p>
+            <a:r>
+              <a:rPr lang="ko-KR" altLang="en-US" dirty="0" err="1">
+                <a:ea typeface="Microsoft GothicNeo"/>
+                <a:cs typeface="Microsoft GothicNeo"/>
+              </a:rPr>
+              <a:t>typedef</a:t>
+            </a:r>
+            <a:r>
+              <a:rPr lang="ko-KR" altLang="en-US" dirty="0">
+                <a:ea typeface="Microsoft GothicNeo"/>
+                <a:cs typeface="Microsoft GothicNeo"/>
+              </a:rPr>
+              <a:t> </a:t>
+            </a:r>
+            <a:r>
+              <a:rPr lang="ko-KR" altLang="en-US" dirty="0" err="1">
+                <a:ea typeface="Microsoft GothicNeo"/>
+                <a:cs typeface="Microsoft GothicNeo"/>
+              </a:rPr>
+              <a:t>Box</a:t>
+            </a:r>
+            <a:r>
+              <a:rPr lang="ko-KR" altLang="en-US" dirty="0">
+                <a:ea typeface="Microsoft GothicNeo"/>
+                <a:cs typeface="Microsoft GothicNeo"/>
+              </a:rPr>
+              <a:t>&lt;</a:t>
+            </a:r>
+            <a:r>
+              <a:rPr lang="ko-KR" altLang="en-US" dirty="0" err="1">
+                <a:ea typeface="Microsoft GothicNeo"/>
+                <a:cs typeface="Microsoft GothicNeo"/>
+              </a:rPr>
+              <a:t>int</a:t>
+            </a:r>
+            <a:r>
+              <a:rPr lang="ko-KR" altLang="en-US" dirty="0">
+                <a:ea typeface="Microsoft GothicNeo"/>
+                <a:cs typeface="Microsoft GothicNeo"/>
+              </a:rPr>
+              <a:t>&gt; </a:t>
+            </a:r>
+            <a:r>
+              <a:rPr lang="ko-KR" altLang="en-US" dirty="0" err="1">
+                <a:ea typeface="Microsoft GothicNeo"/>
+                <a:cs typeface="Microsoft GothicNeo"/>
+              </a:rPr>
+              <a:t>ibox</a:t>
+            </a:r>
+            <a:r>
+              <a:rPr lang="ko-KR" altLang="en-US" dirty="0">
+                <a:ea typeface="Microsoft GothicNeo"/>
+                <a:cs typeface="Microsoft GothicNeo"/>
+              </a:rPr>
+              <a:t>;//</a:t>
+            </a:r>
+            <a:r>
+              <a:rPr lang="ko-KR" altLang="en-US" dirty="0" err="1">
+                <a:ea typeface="Microsoft GothicNeo"/>
+                <a:cs typeface="Microsoft GothicNeo"/>
+              </a:rPr>
+              <a:t>를</a:t>
+            </a:r>
+            <a:r>
+              <a:rPr lang="ko-KR" altLang="en-US" dirty="0">
+                <a:ea typeface="Microsoft GothicNeo"/>
+                <a:cs typeface="Microsoft GothicNeo"/>
+              </a:rPr>
+              <a:t> 선언한후</a:t>
+            </a:r>
+          </a:p>
+          <a:p>
+            <a:r>
+              <a:rPr lang="ko-KR" altLang="en-US" dirty="0" err="1">
+                <a:ea typeface="Microsoft GothicNeo"/>
+                <a:cs typeface="Microsoft GothicNeo"/>
+              </a:rPr>
+              <a:t>Ibox</a:t>
+            </a:r>
+            <a:r>
+              <a:rPr lang="ko-KR" altLang="en-US" dirty="0">
+                <a:ea typeface="Microsoft GothicNeo"/>
+                <a:cs typeface="Microsoft GothicNeo"/>
+              </a:rPr>
+              <a:t> </a:t>
+            </a:r>
+            <a:r>
+              <a:rPr lang="ko-KR" altLang="en-US" dirty="0" err="1">
+                <a:ea typeface="Microsoft GothicNeo"/>
+                <a:cs typeface="Microsoft GothicNeo"/>
+              </a:rPr>
+              <a:t>box</a:t>
+            </a:r>
+            <a:r>
+              <a:rPr lang="ko-KR" altLang="en-US" dirty="0">
+                <a:ea typeface="Microsoft GothicNeo"/>
+                <a:cs typeface="Microsoft GothicNeo"/>
+              </a:rPr>
+              <a:t>; 로 사용가능.</a:t>
+            </a:r>
+          </a:p>
+          <a:p>
+            <a:r>
+              <a:rPr lang="ko-KR" altLang="en-US" dirty="0">
+                <a:ea typeface="Microsoft GothicNeo"/>
+                <a:cs typeface="Microsoft GothicNeo"/>
+              </a:rPr>
+              <a:t>// 하지 않는다면</a:t>
+            </a:r>
+          </a:p>
+          <a:p>
+            <a:r>
+              <a:rPr lang="ko-KR" altLang="en-US" dirty="0" err="1">
+                <a:ea typeface="Microsoft GothicNeo"/>
+                <a:cs typeface="Microsoft GothicNeo"/>
+              </a:rPr>
+              <a:t>Box</a:t>
+            </a:r>
+            <a:r>
+              <a:rPr lang="ko-KR" altLang="en-US" dirty="0">
+                <a:ea typeface="Microsoft GothicNeo"/>
+                <a:cs typeface="Microsoft GothicNeo"/>
+              </a:rPr>
+              <a:t>&lt;</a:t>
+            </a:r>
+            <a:r>
+              <a:rPr lang="ko-KR" altLang="en-US" dirty="0" err="1">
+                <a:ea typeface="Microsoft GothicNeo"/>
+                <a:cs typeface="Microsoft GothicNeo"/>
+              </a:rPr>
+              <a:t>int</a:t>
+            </a:r>
+            <a:r>
+              <a:rPr lang="ko-KR" altLang="en-US" dirty="0">
+                <a:ea typeface="Microsoft GothicNeo"/>
+                <a:cs typeface="Microsoft GothicNeo"/>
+              </a:rPr>
+              <a:t>&gt; </a:t>
+            </a:r>
+            <a:r>
+              <a:rPr lang="ko-KR" altLang="en-US" dirty="0" err="1">
+                <a:ea typeface="Microsoft GothicNeo"/>
+                <a:cs typeface="Microsoft GothicNeo"/>
+              </a:rPr>
+              <a:t>box</a:t>
+            </a:r>
+            <a:r>
+              <a:rPr lang="ko-KR" altLang="en-US" dirty="0">
+                <a:ea typeface="Microsoft GothicNeo"/>
+                <a:cs typeface="Microsoft GothicNeo"/>
+              </a:rPr>
+              <a:t>; 로 </a:t>
+            </a:r>
+            <a:r>
+              <a:rPr lang="ko-KR" altLang="en-US" dirty="0" err="1">
+                <a:ea typeface="Microsoft GothicNeo"/>
+                <a:cs typeface="Microsoft GothicNeo"/>
+              </a:rPr>
+              <a:t>사용해야함</a:t>
+            </a:r>
+            <a:endParaRPr lang="ko-KR" altLang="en-US" dirty="0">
+              <a:ea typeface="Microsoft GothicNeo"/>
+              <a:cs typeface="Microsoft GothicNeo"/>
+            </a:endParaRPr>
+          </a:p>
+        </p:txBody>
+      </p:sp>
+    </p:spTree>
+    <p:extLst>
+      <p:ext uri="{BB962C8B-B14F-4D97-AF65-F5344CB8AC3E}">
+        <p14:creationId xmlns:p14="http://schemas.microsoft.com/office/powerpoint/2010/main" val="1358021042"/>
       </p:ext>
     </p:extLst>
   </p:cSld>

--- a/전공지식/C언어의 기초/C언어 기초지식.pptx
+++ b/전공지식/C언어의 기초/C언어 기초지식.pptx
@@ -46,6 +46,13 @@
     <p:sldId id="295" r:id="rId40"/>
     <p:sldId id="296" r:id="rId41"/>
     <p:sldId id="297" r:id="rId42"/>
+    <p:sldId id="298" r:id="rId43"/>
+    <p:sldId id="299" r:id="rId44"/>
+    <p:sldId id="300" r:id="rId45"/>
+    <p:sldId id="301" r:id="rId46"/>
+    <p:sldId id="302" r:id="rId47"/>
+    <p:sldId id="303" r:id="rId48"/>
+    <p:sldId id="304" r:id="rId49"/>
   </p:sldIdLst>
   <p:sldSz cx="12192000" cy="6858000"/>
   <p:notesSz cx="6858000" cy="9144000"/>
@@ -159,6 +166,7 @@
     <p1510:client id="{70AA4CCD-8E10-434E-868F-5C5E0A410C2E}" v="3097" dt="2023-10-17T12:35:51.078"/>
     <p1510:client id="{773FEA85-BD00-400D-8917-366C44315C9D}" v="1719" dt="2023-10-19T11:41:03.164"/>
     <p1510:client id="{95F9D723-334F-40E2-9BD2-493BAD9321A6}" v="1499" dt="2023-10-23T15:06:12.089"/>
+    <p1510:client id="{B9D2BD16-586F-47BD-8BBE-467168D151DF}" v="1667" dt="2023-10-24T14:46:02.688"/>
     <p1510:client id="{BF47BEEB-8673-4758-A1D2-68E9E367D2AE}" v="1785" dt="2023-10-24T08:33:50.445"/>
     <p1510:client id="{C0B17A74-5F7D-4C82-8D87-A30C0598D578}" v="167" dt="2023-10-19T10:58:23.895"/>
     <p1510:client id="{CD3A230A-4545-4B5A-8F53-A35FBDF96CF4}" v="889" dt="2023-10-15T10:18:49.371"/>
@@ -30267,6 +30275,3526 @@
 </p:sld>
 </file>
 
+<file path=ppt/slides/slide42.xml><?xml version="1.0" encoding="utf-8"?>
+<p:sld xmlns:a="http://schemas.openxmlformats.org/drawingml/2006/main" xmlns:r="http://schemas.openxmlformats.org/officeDocument/2006/relationships" xmlns:p="http://schemas.openxmlformats.org/presentationml/2006/main">
+  <p:cSld>
+    <p:spTree>
+      <p:nvGrpSpPr>
+        <p:cNvPr id="1" name=""/>
+        <p:cNvGrpSpPr/>
+        <p:nvPr/>
+      </p:nvGrpSpPr>
+      <p:grpSpPr>
+        <a:xfrm>
+          <a:off x="0" y="0"/>
+          <a:ext cx="0" cy="0"/>
+          <a:chOff x="0" y="0"/>
+          <a:chExt cx="0" cy="0"/>
+        </a:xfrm>
+      </p:grpSpPr>
+      <p:sp>
+        <p:nvSpPr>
+          <p:cNvPr id="2" name="제목 1">
+            <a:extLst>
+              <a:ext uri="{FF2B5EF4-FFF2-40B4-BE49-F238E27FC236}">
+                <a16:creationId xmlns:a16="http://schemas.microsoft.com/office/drawing/2014/main" id="{101D1458-E654-9C14-12FD-23FCEF4AFE43}"/>
+              </a:ext>
+            </a:extLst>
+          </p:cNvPr>
+          <p:cNvSpPr>
+            <a:spLocks noGrp="1"/>
+          </p:cNvSpPr>
+          <p:nvPr>
+            <p:ph type="title"/>
+          </p:nvPr>
+        </p:nvSpPr>
+        <p:spPr/>
+        <p:txBody>
+          <a:bodyPr/>
+          <a:lstStyle/>
+          <a:p>
+            <a:r>
+              <a:rPr lang="ko-KR" altLang="en-US" dirty="0">
+                <a:ea typeface="Microsoft GothicNeo"/>
+                <a:cs typeface="Microsoft GothicNeo"/>
+              </a:rPr>
+              <a:t>&lt; STL &gt; // 컨테이너의 종류</a:t>
+            </a:r>
+            <a:endParaRPr lang="ko-KR" altLang="en-US" dirty="0"/>
+          </a:p>
+        </p:txBody>
+      </p:sp>
+      <p:sp>
+        <p:nvSpPr>
+          <p:cNvPr id="3" name="내용 개체 틀 2">
+            <a:extLst>
+              <a:ext uri="{FF2B5EF4-FFF2-40B4-BE49-F238E27FC236}">
+                <a16:creationId xmlns:a16="http://schemas.microsoft.com/office/drawing/2014/main" id="{394E7092-0B40-DBFE-71B7-D0C828DC86AA}"/>
+              </a:ext>
+            </a:extLst>
+          </p:cNvPr>
+          <p:cNvSpPr>
+            <a:spLocks noGrp="1"/>
+          </p:cNvSpPr>
+          <p:nvPr>
+            <p:ph idx="1"/>
+          </p:nvPr>
+        </p:nvSpPr>
+        <p:spPr/>
+        <p:txBody>
+          <a:bodyPr lIns="109728" tIns="109728" rIns="109728" bIns="91440" anchor="t"/>
+          <a:lstStyle/>
+          <a:p>
+            <a:pPr>
+              <a:buFont typeface="Arial"/>
+            </a:pPr>
+            <a:r>
+              <a:rPr lang="ko-KR" altLang="en-US" dirty="0">
+                <a:solidFill>
+                  <a:srgbClr val="FFFFFF">
+                    <a:alpha val="70000"/>
+                  </a:srgbClr>
+                </a:solidFill>
+                <a:ea typeface="Microsoft GothicNeo"/>
+                <a:cs typeface="Microsoft GothicNeo"/>
+              </a:rPr>
+              <a:t>순차 컨테이너 : </a:t>
+            </a:r>
+            <a:r>
+              <a:rPr lang="ko-KR" altLang="en-US" dirty="0" err="1">
+                <a:solidFill>
+                  <a:srgbClr val="FFFFFF">
+                    <a:alpha val="70000"/>
+                  </a:srgbClr>
+                </a:solidFill>
+                <a:ea typeface="Microsoft GothicNeo"/>
+                <a:cs typeface="Microsoft GothicNeo"/>
+              </a:rPr>
+              <a:t>vector</a:t>
+            </a:r>
+            <a:r>
+              <a:rPr lang="ko-KR" altLang="en-US" dirty="0">
+                <a:solidFill>
+                  <a:srgbClr val="FFFFFF">
+                    <a:alpha val="70000"/>
+                  </a:srgbClr>
+                </a:solidFill>
+                <a:ea typeface="Microsoft GothicNeo"/>
+                <a:cs typeface="Microsoft GothicNeo"/>
+              </a:rPr>
+              <a:t> , </a:t>
+            </a:r>
+            <a:r>
+              <a:rPr lang="ko-KR" altLang="en-US" dirty="0" err="1">
+                <a:solidFill>
+                  <a:srgbClr val="FFFFFF">
+                    <a:alpha val="70000"/>
+                  </a:srgbClr>
+                </a:solidFill>
+                <a:ea typeface="Microsoft GothicNeo"/>
+                <a:cs typeface="Microsoft GothicNeo"/>
+              </a:rPr>
+              <a:t>list</a:t>
+            </a:r>
+            <a:r>
+              <a:rPr lang="ko-KR" altLang="en-US" dirty="0">
+                <a:solidFill>
+                  <a:srgbClr val="FFFFFF">
+                    <a:alpha val="70000"/>
+                  </a:srgbClr>
+                </a:solidFill>
+                <a:ea typeface="Microsoft GothicNeo"/>
+                <a:cs typeface="Microsoft GothicNeo"/>
+              </a:rPr>
+              <a:t> , </a:t>
+            </a:r>
+            <a:r>
+              <a:rPr lang="ko-KR" altLang="en-US" dirty="0" err="1">
+                <a:solidFill>
+                  <a:srgbClr val="FFFFFF">
+                    <a:alpha val="70000"/>
+                  </a:srgbClr>
+                </a:solidFill>
+                <a:ea typeface="Microsoft GothicNeo"/>
+                <a:cs typeface="Microsoft GothicNeo"/>
+              </a:rPr>
+              <a:t>deque</a:t>
+            </a:r>
+            <a:r>
+              <a:rPr lang="ko-KR" altLang="en-US" dirty="0">
+                <a:solidFill>
+                  <a:srgbClr val="FFFFFF">
+                    <a:alpha val="70000"/>
+                  </a:srgbClr>
+                </a:solidFill>
+                <a:ea typeface="Microsoft GothicNeo"/>
+                <a:cs typeface="Microsoft GothicNeo"/>
+              </a:rPr>
+              <a:t> </a:t>
+            </a:r>
+          </a:p>
+          <a:p>
+            <a:pPr>
+              <a:buFont typeface="Arial"/>
+            </a:pPr>
+            <a:r>
+              <a:rPr lang="ko-KR" altLang="en-US" dirty="0">
+                <a:solidFill>
+                  <a:srgbClr val="FFFFFF">
+                    <a:alpha val="70000"/>
+                  </a:srgbClr>
+                </a:solidFill>
+                <a:ea typeface="Microsoft GothicNeo"/>
+                <a:cs typeface="Microsoft GothicNeo"/>
+              </a:rPr>
+              <a:t>연관 컨테이너 : </a:t>
+            </a:r>
+            <a:r>
+              <a:rPr lang="ko-KR" altLang="en-US" dirty="0" err="1">
+                <a:solidFill>
+                  <a:srgbClr val="FFFFFF">
+                    <a:alpha val="70000"/>
+                  </a:srgbClr>
+                </a:solidFill>
+                <a:ea typeface="Microsoft GothicNeo"/>
+                <a:cs typeface="Microsoft GothicNeo"/>
+              </a:rPr>
+              <a:t>set</a:t>
+            </a:r>
+            <a:r>
+              <a:rPr lang="ko-KR" altLang="en-US" dirty="0">
+                <a:solidFill>
+                  <a:srgbClr val="FFFFFF">
+                    <a:alpha val="70000"/>
+                  </a:srgbClr>
+                </a:solidFill>
+                <a:ea typeface="Microsoft GothicNeo"/>
+                <a:cs typeface="Microsoft GothicNeo"/>
+              </a:rPr>
+              <a:t> , </a:t>
+            </a:r>
+            <a:r>
+              <a:rPr lang="ko-KR" altLang="en-US" dirty="0" err="1">
+                <a:solidFill>
+                  <a:srgbClr val="FFFFFF">
+                    <a:alpha val="70000"/>
+                  </a:srgbClr>
+                </a:solidFill>
+                <a:ea typeface="Microsoft GothicNeo"/>
+                <a:cs typeface="Microsoft GothicNeo"/>
+              </a:rPr>
+              <a:t>map</a:t>
+            </a:r>
+            <a:r>
+              <a:rPr lang="ko-KR" altLang="en-US" dirty="0">
+                <a:solidFill>
+                  <a:srgbClr val="FFFFFF">
+                    <a:alpha val="70000"/>
+                  </a:srgbClr>
+                </a:solidFill>
+                <a:ea typeface="Microsoft GothicNeo"/>
+                <a:cs typeface="Microsoft GothicNeo"/>
+              </a:rPr>
+              <a:t> , </a:t>
+            </a:r>
+            <a:r>
+              <a:rPr lang="ko-KR" altLang="en-US" dirty="0" err="1">
+                <a:solidFill>
+                  <a:srgbClr val="FFFFFF">
+                    <a:alpha val="70000"/>
+                  </a:srgbClr>
+                </a:solidFill>
+                <a:ea typeface="Microsoft GothicNeo"/>
+                <a:cs typeface="Microsoft GothicNeo"/>
+              </a:rPr>
+              <a:t>multiset</a:t>
+            </a:r>
+            <a:r>
+              <a:rPr lang="ko-KR" altLang="en-US" dirty="0">
+                <a:solidFill>
+                  <a:srgbClr val="FFFFFF">
+                    <a:alpha val="70000"/>
+                  </a:srgbClr>
+                </a:solidFill>
+                <a:ea typeface="Microsoft GothicNeo"/>
+                <a:cs typeface="Microsoft GothicNeo"/>
+              </a:rPr>
+              <a:t> &amp;</a:t>
+            </a:r>
+            <a:r>
+              <a:rPr lang="ko-KR" altLang="en-US" dirty="0" err="1">
+                <a:solidFill>
+                  <a:srgbClr val="FFFFFF">
+                    <a:alpha val="70000"/>
+                  </a:srgbClr>
+                </a:solidFill>
+                <a:ea typeface="Microsoft GothicNeo"/>
+                <a:cs typeface="Microsoft GothicNeo"/>
+              </a:rPr>
+              <a:t>map</a:t>
+            </a:r>
+            <a:r>
+              <a:rPr lang="ko-KR" altLang="en-US" dirty="0">
+                <a:solidFill>
+                  <a:srgbClr val="FFFFFF">
+                    <a:alpha val="70000"/>
+                  </a:srgbClr>
+                </a:solidFill>
+                <a:ea typeface="Microsoft GothicNeo"/>
+                <a:cs typeface="Microsoft GothicNeo"/>
+              </a:rPr>
+              <a:t> 등</a:t>
+            </a:r>
+          </a:p>
+          <a:p>
+            <a:pPr>
+              <a:buFont typeface="Arial"/>
+            </a:pPr>
+            <a:r>
+              <a:rPr lang="ko-KR" altLang="en-US" dirty="0">
+                <a:solidFill>
+                  <a:srgbClr val="FFFFFF">
+                    <a:alpha val="70000"/>
+                  </a:srgbClr>
+                </a:solidFill>
+                <a:ea typeface="Microsoft GothicNeo"/>
+                <a:cs typeface="Microsoft GothicNeo"/>
+              </a:rPr>
+              <a:t>컨테이너 </a:t>
+            </a:r>
+            <a:r>
+              <a:rPr lang="ko-KR" altLang="en-US" dirty="0" err="1">
+                <a:solidFill>
+                  <a:srgbClr val="FFFFFF">
+                    <a:alpha val="70000"/>
+                  </a:srgbClr>
+                </a:solidFill>
+                <a:ea typeface="Microsoft GothicNeo"/>
+                <a:cs typeface="Microsoft GothicNeo"/>
+              </a:rPr>
+              <a:t>어뎁터</a:t>
+            </a:r>
+            <a:r>
+              <a:rPr lang="ko-KR" altLang="en-US" dirty="0">
+                <a:solidFill>
+                  <a:srgbClr val="FFFFFF">
+                    <a:alpha val="70000"/>
+                  </a:srgbClr>
+                </a:solidFill>
+                <a:ea typeface="Microsoft GothicNeo"/>
+                <a:cs typeface="Microsoft GothicNeo"/>
+              </a:rPr>
+              <a:t> : </a:t>
+            </a:r>
+            <a:r>
+              <a:rPr lang="ko-KR" altLang="en-US" dirty="0" err="1">
+                <a:solidFill>
+                  <a:srgbClr val="FFFFFF">
+                    <a:alpha val="70000"/>
+                  </a:srgbClr>
+                </a:solidFill>
+                <a:ea typeface="Microsoft GothicNeo"/>
+                <a:cs typeface="Microsoft GothicNeo"/>
+              </a:rPr>
+              <a:t>Stack</a:t>
+            </a:r>
+            <a:r>
+              <a:rPr lang="ko-KR" altLang="en-US" dirty="0">
+                <a:solidFill>
+                  <a:srgbClr val="FFFFFF">
+                    <a:alpha val="70000"/>
+                  </a:srgbClr>
+                </a:solidFill>
+                <a:ea typeface="Microsoft GothicNeo"/>
+                <a:cs typeface="Microsoft GothicNeo"/>
+              </a:rPr>
+              <a:t> , </a:t>
+            </a:r>
+            <a:r>
+              <a:rPr lang="ko-KR" altLang="en-US" dirty="0" err="1">
+                <a:solidFill>
+                  <a:srgbClr val="FFFFFF">
+                    <a:alpha val="70000"/>
+                  </a:srgbClr>
+                </a:solidFill>
+                <a:ea typeface="Microsoft GothicNeo"/>
+                <a:cs typeface="Microsoft GothicNeo"/>
+              </a:rPr>
+              <a:t>queue</a:t>
+            </a:r>
+            <a:r>
+              <a:rPr lang="ko-KR" altLang="en-US" dirty="0">
+                <a:solidFill>
+                  <a:srgbClr val="FFFFFF">
+                    <a:alpha val="70000"/>
+                  </a:srgbClr>
+                </a:solidFill>
+                <a:ea typeface="Microsoft GothicNeo"/>
+                <a:cs typeface="Microsoft GothicNeo"/>
+              </a:rPr>
+              <a:t> , 우선순위 </a:t>
+            </a:r>
+            <a:r>
+              <a:rPr lang="ko-KR" altLang="en-US" dirty="0" err="1">
+                <a:solidFill>
+                  <a:srgbClr val="FFFFFF">
+                    <a:alpha val="70000"/>
+                  </a:srgbClr>
+                </a:solidFill>
+                <a:ea typeface="Microsoft GothicNeo"/>
+                <a:cs typeface="Microsoft GothicNeo"/>
+              </a:rPr>
+              <a:t>큐큐</a:t>
+            </a:r>
+          </a:p>
+          <a:p>
+            <a:pPr marL="0" indent="0">
+              <a:buNone/>
+            </a:pPr>
+            <a:r>
+              <a:rPr lang="ko-KR" altLang="en-US" dirty="0">
+                <a:solidFill>
+                  <a:srgbClr val="FFFFFF">
+                    <a:alpha val="70000"/>
+                  </a:srgbClr>
+                </a:solidFill>
+                <a:ea typeface="Microsoft GothicNeo"/>
+                <a:cs typeface="Microsoft GothicNeo"/>
+              </a:rPr>
+              <a:t>컨테이너는 검증된 라이브러리이기때문에 사용하면 효율성을 </a:t>
+            </a:r>
+            <a:r>
+              <a:rPr lang="ko-KR" altLang="en-US" dirty="0" err="1">
+                <a:solidFill>
+                  <a:srgbClr val="FFFFFF">
+                    <a:alpha val="70000"/>
+                  </a:srgbClr>
+                </a:solidFill>
+                <a:ea typeface="Microsoft GothicNeo"/>
+                <a:cs typeface="Microsoft GothicNeo"/>
+              </a:rPr>
+              <a:t>높힐수있다</a:t>
+            </a:r>
+            <a:r>
+              <a:rPr lang="ko-KR" altLang="en-US" dirty="0">
+                <a:solidFill>
+                  <a:srgbClr val="FFFFFF">
+                    <a:alpha val="70000"/>
+                  </a:srgbClr>
+                </a:solidFill>
+                <a:ea typeface="Microsoft GothicNeo"/>
+                <a:cs typeface="Microsoft GothicNeo"/>
+              </a:rPr>
+              <a:t>.</a:t>
+            </a:r>
+          </a:p>
+          <a:p>
+            <a:pPr marL="0" indent="0">
+              <a:buNone/>
+            </a:pPr>
+            <a:r>
+              <a:rPr lang="ko-KR" altLang="en-US" b="1" dirty="0">
+                <a:solidFill>
+                  <a:schemeClr val="accent3">
+                    <a:lumMod val="75000"/>
+                  </a:schemeClr>
+                </a:solidFill>
+                <a:ea typeface="Microsoft GothicNeo"/>
+                <a:cs typeface="Microsoft GothicNeo"/>
+              </a:rPr>
+              <a:t>각 컨테이너 마다 장점과 단점이 명확하기때문에 구분하여 </a:t>
+            </a:r>
+            <a:r>
+              <a:rPr lang="ko-KR" altLang="en-US" b="1" dirty="0" err="1">
+                <a:solidFill>
+                  <a:schemeClr val="accent3">
+                    <a:lumMod val="75000"/>
+                  </a:schemeClr>
+                </a:solidFill>
+                <a:ea typeface="Microsoft GothicNeo"/>
+                <a:cs typeface="Microsoft GothicNeo"/>
+              </a:rPr>
+              <a:t>사용하는것이</a:t>
+            </a:r>
+            <a:r>
+              <a:rPr lang="ko-KR" altLang="en-US" b="1" dirty="0">
+                <a:solidFill>
+                  <a:schemeClr val="accent3">
+                    <a:lumMod val="75000"/>
+                  </a:schemeClr>
+                </a:solidFill>
+                <a:ea typeface="Microsoft GothicNeo"/>
+                <a:cs typeface="Microsoft GothicNeo"/>
+              </a:rPr>
+              <a:t> </a:t>
+            </a:r>
+            <a:r>
+              <a:rPr lang="ko-KR" altLang="en-US" b="1" dirty="0" err="1">
+                <a:solidFill>
+                  <a:schemeClr val="accent3">
+                    <a:lumMod val="75000"/>
+                  </a:schemeClr>
+                </a:solidFill>
+                <a:ea typeface="Microsoft GothicNeo"/>
+                <a:cs typeface="Microsoft GothicNeo"/>
+              </a:rPr>
+              <a:t>중요하다다</a:t>
+            </a:r>
+          </a:p>
+        </p:txBody>
+      </p:sp>
+    </p:spTree>
+    <p:extLst>
+      <p:ext uri="{BB962C8B-B14F-4D97-AF65-F5344CB8AC3E}">
+        <p14:creationId xmlns:p14="http://schemas.microsoft.com/office/powerpoint/2010/main" val="4130130175"/>
+      </p:ext>
+    </p:extLst>
+  </p:cSld>
+  <p:clrMapOvr>
+    <a:masterClrMapping/>
+  </p:clrMapOvr>
+</p:sld>
+</file>
+
+<file path=ppt/slides/slide43.xml><?xml version="1.0" encoding="utf-8"?>
+<p:sld xmlns:a="http://schemas.openxmlformats.org/drawingml/2006/main" xmlns:r="http://schemas.openxmlformats.org/officeDocument/2006/relationships" xmlns:p="http://schemas.openxmlformats.org/presentationml/2006/main">
+  <p:cSld>
+    <p:spTree>
+      <p:nvGrpSpPr>
+        <p:cNvPr id="1" name=""/>
+        <p:cNvGrpSpPr/>
+        <p:nvPr/>
+      </p:nvGrpSpPr>
+      <p:grpSpPr>
+        <a:xfrm>
+          <a:off x="0" y="0"/>
+          <a:ext cx="0" cy="0"/>
+          <a:chOff x="0" y="0"/>
+          <a:chExt cx="0" cy="0"/>
+        </a:xfrm>
+      </p:grpSpPr>
+      <p:sp>
+        <p:nvSpPr>
+          <p:cNvPr id="2" name="제목 1">
+            <a:extLst>
+              <a:ext uri="{FF2B5EF4-FFF2-40B4-BE49-F238E27FC236}">
+                <a16:creationId xmlns:a16="http://schemas.microsoft.com/office/drawing/2014/main" id="{DC899545-0706-226C-D418-B8BA8AA24013}"/>
+              </a:ext>
+            </a:extLst>
+          </p:cNvPr>
+          <p:cNvSpPr>
+            <a:spLocks noGrp="1"/>
+          </p:cNvSpPr>
+          <p:nvPr>
+            <p:ph type="title"/>
+          </p:nvPr>
+        </p:nvSpPr>
+        <p:spPr/>
+        <p:txBody>
+          <a:bodyPr/>
+          <a:lstStyle/>
+          <a:p>
+            <a:r>
+              <a:rPr lang="ko-KR" altLang="en-US" sz="6000" dirty="0">
+                <a:ea typeface="Microsoft GothicNeo"/>
+                <a:cs typeface="Microsoft GothicNeo"/>
+              </a:rPr>
+              <a:t>&lt; </a:t>
+            </a:r>
+            <a:r>
+              <a:rPr lang="ko-KR" altLang="en-US" sz="6000" err="1">
+                <a:ea typeface="Microsoft GothicNeo"/>
+                <a:cs typeface="Microsoft GothicNeo"/>
+              </a:rPr>
+              <a:t>vector</a:t>
+            </a:r>
+            <a:r>
+              <a:rPr lang="ko-KR" altLang="en-US" sz="6000" dirty="0">
+                <a:ea typeface="Microsoft GothicNeo"/>
+                <a:cs typeface="Microsoft GothicNeo"/>
+              </a:rPr>
+              <a:t> &gt;</a:t>
+            </a:r>
+            <a:endParaRPr lang="ko-KR" altLang="en-US" sz="6000" dirty="0"/>
+          </a:p>
+        </p:txBody>
+      </p:sp>
+      <p:sp>
+        <p:nvSpPr>
+          <p:cNvPr id="3" name="내용 개체 틀 2">
+            <a:extLst>
+              <a:ext uri="{FF2B5EF4-FFF2-40B4-BE49-F238E27FC236}">
+                <a16:creationId xmlns:a16="http://schemas.microsoft.com/office/drawing/2014/main" id="{7A51DA00-A5C5-E7AC-878A-ACF01A12A4E5}"/>
+              </a:ext>
+            </a:extLst>
+          </p:cNvPr>
+          <p:cNvSpPr>
+            <a:spLocks noGrp="1"/>
+          </p:cNvSpPr>
+          <p:nvPr>
+            <p:ph idx="1"/>
+          </p:nvPr>
+        </p:nvSpPr>
+        <p:spPr/>
+        <p:txBody>
+          <a:bodyPr lIns="109728" tIns="109728" rIns="109728" bIns="91440" anchor="t"/>
+          <a:lstStyle/>
+          <a:p>
+            <a:r>
+              <a:rPr lang="ko-KR" altLang="en-US" dirty="0" err="1">
+                <a:solidFill>
+                  <a:srgbClr val="FFFFFF">
+                    <a:alpha val="70000"/>
+                  </a:srgbClr>
+                </a:solidFill>
+                <a:ea typeface="Microsoft GothicNeo"/>
+                <a:cs typeface="Microsoft GothicNeo"/>
+              </a:rPr>
+              <a:t>vector는</a:t>
+            </a:r>
+            <a:r>
+              <a:rPr lang="ko-KR" altLang="en-US" dirty="0">
+                <a:solidFill>
+                  <a:srgbClr val="FFFFFF">
+                    <a:alpha val="70000"/>
+                  </a:srgbClr>
+                </a:solidFill>
+                <a:ea typeface="Microsoft GothicNeo"/>
+                <a:cs typeface="Microsoft GothicNeo"/>
+              </a:rPr>
+              <a:t> 배열의 메모리에 존재하는 연속성에서 오는 </a:t>
+            </a:r>
+            <a:r>
+              <a:rPr lang="ko-KR" altLang="en-US" dirty="0" err="1">
+                <a:solidFill>
+                  <a:srgbClr val="FFFFFF">
+                    <a:alpha val="70000"/>
+                  </a:srgbClr>
+                </a:solidFill>
+                <a:ea typeface="Microsoft GothicNeo"/>
+                <a:cs typeface="Microsoft GothicNeo"/>
+              </a:rPr>
+              <a:t>특징을위해</a:t>
+            </a:r>
+            <a:r>
+              <a:rPr lang="ko-KR" altLang="en-US" dirty="0">
+                <a:solidFill>
+                  <a:srgbClr val="FFFFFF">
+                    <a:alpha val="70000"/>
+                  </a:srgbClr>
+                </a:solidFill>
+                <a:ea typeface="Microsoft GothicNeo"/>
+                <a:cs typeface="Microsoft GothicNeo"/>
+              </a:rPr>
+              <a:t> 매우 중요하게 여긴 컨테이너이다. </a:t>
+            </a:r>
+          </a:p>
+          <a:p>
+            <a:r>
+              <a:rPr lang="ko-KR" altLang="en-US" dirty="0" err="1">
+                <a:solidFill>
+                  <a:srgbClr val="FFFFFF">
+                    <a:alpha val="70000"/>
+                  </a:srgbClr>
+                </a:solidFill>
+                <a:ea typeface="Microsoft GothicNeo"/>
+                <a:cs typeface="Microsoft GothicNeo"/>
+              </a:rPr>
+              <a:t>Vector의</a:t>
+            </a:r>
+            <a:r>
+              <a:rPr lang="ko-KR" altLang="en-US" dirty="0">
+                <a:solidFill>
+                  <a:srgbClr val="FFFFFF">
+                    <a:alpha val="70000"/>
+                  </a:srgbClr>
+                </a:solidFill>
+                <a:ea typeface="Microsoft GothicNeo"/>
+                <a:cs typeface="Microsoft GothicNeo"/>
+              </a:rPr>
+              <a:t> </a:t>
+            </a:r>
+            <a:r>
+              <a:rPr lang="ko-KR" altLang="en-US" dirty="0" err="1">
+                <a:solidFill>
+                  <a:srgbClr val="FFFFFF">
+                    <a:alpha val="70000"/>
+                  </a:srgbClr>
+                </a:solidFill>
+                <a:ea typeface="Microsoft GothicNeo"/>
+                <a:cs typeface="Microsoft GothicNeo"/>
+              </a:rPr>
+              <a:t>capacity를</a:t>
+            </a:r>
+            <a:r>
+              <a:rPr lang="ko-KR" altLang="en-US" dirty="0">
+                <a:solidFill>
+                  <a:srgbClr val="FFFFFF">
+                    <a:alpha val="70000"/>
+                  </a:srgbClr>
+                </a:solidFill>
+                <a:ea typeface="Microsoft GothicNeo"/>
+                <a:cs typeface="Microsoft GothicNeo"/>
+              </a:rPr>
+              <a:t> </a:t>
+            </a:r>
+            <a:r>
+              <a:rPr lang="ko-KR" altLang="en-US" dirty="0" err="1">
+                <a:solidFill>
+                  <a:srgbClr val="FFFFFF">
+                    <a:alpha val="70000"/>
+                  </a:srgbClr>
+                </a:solidFill>
+                <a:ea typeface="Microsoft GothicNeo"/>
+                <a:cs typeface="Microsoft GothicNeo"/>
+              </a:rPr>
+              <a:t>초과할떄마다</a:t>
+            </a:r>
+            <a:r>
+              <a:rPr lang="ko-KR" altLang="en-US" dirty="0">
+                <a:solidFill>
+                  <a:srgbClr val="FFFFFF">
+                    <a:alpha val="70000"/>
+                  </a:srgbClr>
+                </a:solidFill>
+                <a:ea typeface="Microsoft GothicNeo"/>
+                <a:cs typeface="Microsoft GothicNeo"/>
+              </a:rPr>
+              <a:t> </a:t>
+            </a:r>
+            <a:r>
+              <a:rPr lang="ko-KR" altLang="en-US" b="1" dirty="0">
+                <a:solidFill>
+                  <a:schemeClr val="accent3">
+                    <a:lumMod val="75000"/>
+                  </a:schemeClr>
+                </a:solidFill>
+                <a:ea typeface="Microsoft GothicNeo"/>
+                <a:cs typeface="Microsoft GothicNeo"/>
+              </a:rPr>
+              <a:t>메모리의 연속성을 유지</a:t>
+            </a:r>
+            <a:r>
+              <a:rPr lang="ko-KR" altLang="en-US" dirty="0">
+                <a:solidFill>
+                  <a:srgbClr val="FFFFFF">
+                    <a:alpha val="70000"/>
+                  </a:srgbClr>
+                </a:solidFill>
+                <a:ea typeface="Microsoft GothicNeo"/>
+                <a:cs typeface="Microsoft GothicNeo"/>
+              </a:rPr>
+              <a:t>하기위해 복사생성자를 호출하여 메모리의 탐색 및 새로운 할당이 실시된다.</a:t>
+            </a:r>
+          </a:p>
+          <a:p>
+            <a:pPr marL="0" indent="0">
+              <a:buNone/>
+            </a:pPr>
+            <a:r>
+              <a:rPr lang="ko-KR" altLang="en-US" dirty="0">
+                <a:solidFill>
+                  <a:srgbClr val="FFFFFF">
+                    <a:alpha val="70000"/>
+                  </a:srgbClr>
+                </a:solidFill>
+                <a:ea typeface="Microsoft GothicNeo"/>
+                <a:cs typeface="Microsoft GothicNeo"/>
+              </a:rPr>
+              <a:t>=&gt; 때문에 어느정도 데이터의 양이 </a:t>
+            </a:r>
+            <a:r>
+              <a:rPr lang="ko-KR" altLang="en-US" dirty="0" err="1">
+                <a:solidFill>
+                  <a:srgbClr val="FFFFFF">
+                    <a:alpha val="70000"/>
+                  </a:srgbClr>
+                </a:solidFill>
+                <a:ea typeface="Microsoft GothicNeo"/>
+                <a:cs typeface="Microsoft GothicNeo"/>
+              </a:rPr>
+              <a:t>예상이된다면</a:t>
+            </a:r>
+            <a:r>
+              <a:rPr lang="ko-KR" altLang="en-US" dirty="0">
+                <a:solidFill>
+                  <a:srgbClr val="FFFFFF">
+                    <a:alpha val="70000"/>
+                  </a:srgbClr>
+                </a:solidFill>
+                <a:ea typeface="Microsoft GothicNeo"/>
+                <a:cs typeface="Microsoft GothicNeo"/>
+              </a:rPr>
+              <a:t> 미리 </a:t>
+            </a:r>
+            <a:r>
+              <a:rPr lang="ko-KR" altLang="en-US" dirty="0" err="1">
+                <a:solidFill>
+                  <a:srgbClr val="FFFFFF">
+                    <a:alpha val="70000"/>
+                  </a:srgbClr>
+                </a:solidFill>
+                <a:ea typeface="Microsoft GothicNeo"/>
+                <a:cs typeface="Microsoft GothicNeo"/>
+              </a:rPr>
+              <a:t>할당해주는것이</a:t>
+            </a:r>
+            <a:r>
+              <a:rPr lang="ko-KR" altLang="en-US" dirty="0">
+                <a:solidFill>
+                  <a:srgbClr val="FFFFFF">
+                    <a:alpha val="70000"/>
+                  </a:srgbClr>
+                </a:solidFill>
+                <a:ea typeface="Microsoft GothicNeo"/>
+                <a:cs typeface="Microsoft GothicNeo"/>
+              </a:rPr>
+              <a:t> 좋다.</a:t>
+            </a:r>
+          </a:p>
+          <a:p>
+            <a:pPr marL="0" indent="0">
+              <a:buNone/>
+            </a:pPr>
+            <a:r>
+              <a:rPr lang="ko-KR" altLang="en-US" b="1" dirty="0">
+                <a:solidFill>
+                  <a:schemeClr val="accent3">
+                    <a:lumMod val="75000"/>
+                  </a:schemeClr>
+                </a:solidFill>
+                <a:ea typeface="Microsoft GothicNeo"/>
+                <a:cs typeface="Microsoft GothicNeo"/>
+              </a:rPr>
+              <a:t>중간에서의 데이터 삽입/삭제에 매우 약하다 </a:t>
+            </a:r>
+          </a:p>
+          <a:p>
+            <a:pPr marL="0" indent="0">
+              <a:buNone/>
+            </a:pPr>
+            <a:r>
+              <a:rPr lang="ko-KR" altLang="en-US" dirty="0">
+                <a:solidFill>
+                  <a:srgbClr val="FFFFFF">
+                    <a:alpha val="70000"/>
+                  </a:srgbClr>
+                </a:solidFill>
+                <a:ea typeface="Microsoft GothicNeo"/>
+                <a:cs typeface="Microsoft GothicNeo"/>
+              </a:rPr>
+              <a:t>메모리의 연속성을 </a:t>
+            </a:r>
+            <a:r>
+              <a:rPr lang="ko-KR" altLang="en-US" dirty="0" err="1">
+                <a:solidFill>
+                  <a:srgbClr val="FFFFFF">
+                    <a:alpha val="70000"/>
+                  </a:srgbClr>
+                </a:solidFill>
+                <a:ea typeface="Microsoft GothicNeo"/>
+                <a:cs typeface="Microsoft GothicNeo"/>
+              </a:rPr>
+              <a:t>유지해야하기떄문에</a:t>
+            </a:r>
+            <a:r>
+              <a:rPr lang="ko-KR" altLang="en-US" dirty="0">
+                <a:solidFill>
+                  <a:srgbClr val="FFFFFF">
+                    <a:alpha val="70000"/>
+                  </a:srgbClr>
+                </a:solidFill>
+                <a:ea typeface="Microsoft GothicNeo"/>
+                <a:cs typeface="Microsoft GothicNeo"/>
+              </a:rPr>
+              <a:t> </a:t>
+            </a:r>
+            <a:r>
+              <a:rPr lang="ko-KR" altLang="en-US" dirty="0" err="1">
+                <a:solidFill>
+                  <a:srgbClr val="FFFFFF">
+                    <a:alpha val="70000"/>
+                  </a:srgbClr>
+                </a:solidFill>
+                <a:ea typeface="Microsoft GothicNeo"/>
+                <a:cs typeface="Microsoft GothicNeo"/>
+              </a:rPr>
+              <a:t>뒷</a:t>
+            </a:r>
+            <a:r>
+              <a:rPr lang="ko-KR" altLang="en-US" dirty="0">
+                <a:solidFill>
+                  <a:srgbClr val="FFFFFF">
+                    <a:alpha val="70000"/>
+                  </a:srgbClr>
+                </a:solidFill>
+                <a:ea typeface="Microsoft GothicNeo"/>
+                <a:cs typeface="Microsoft GothicNeo"/>
+              </a:rPr>
+              <a:t> 데이터들을 당겼다가 </a:t>
+            </a:r>
+            <a:r>
+              <a:rPr lang="ko-KR" altLang="en-US" dirty="0" err="1">
+                <a:solidFill>
+                  <a:srgbClr val="FFFFFF">
+                    <a:alpha val="70000"/>
+                  </a:srgbClr>
+                </a:solidFill>
+                <a:ea typeface="Microsoft GothicNeo"/>
+                <a:cs typeface="Microsoft GothicNeo"/>
+              </a:rPr>
+              <a:t>밀었다가하는</a:t>
+            </a:r>
+            <a:r>
+              <a:rPr lang="ko-KR" altLang="en-US" dirty="0">
+                <a:solidFill>
+                  <a:srgbClr val="FFFFFF">
+                    <a:alpha val="70000"/>
+                  </a:srgbClr>
+                </a:solidFill>
+                <a:ea typeface="Microsoft GothicNeo"/>
+                <a:cs typeface="Microsoft GothicNeo"/>
+              </a:rPr>
+              <a:t> 작업이 </a:t>
+            </a:r>
+            <a:r>
+              <a:rPr lang="ko-KR" altLang="en-US" dirty="0" err="1">
+                <a:solidFill>
+                  <a:srgbClr val="FFFFFF">
+                    <a:alpha val="70000"/>
+                  </a:srgbClr>
+                </a:solidFill>
+                <a:ea typeface="Microsoft GothicNeo"/>
+                <a:cs typeface="Microsoft GothicNeo"/>
+              </a:rPr>
+              <a:t>일어어나기떄문에</a:t>
+            </a:r>
+            <a:r>
+              <a:rPr lang="ko-KR" altLang="en-US" dirty="0">
+                <a:solidFill>
+                  <a:srgbClr val="FFFFFF">
+                    <a:alpha val="70000"/>
+                  </a:srgbClr>
+                </a:solidFill>
+                <a:ea typeface="Microsoft GothicNeo"/>
+                <a:cs typeface="Microsoft GothicNeo"/>
+              </a:rPr>
+              <a:t> 느리게 </a:t>
+            </a:r>
+            <a:r>
+              <a:rPr lang="ko-KR" altLang="en-US" dirty="0" err="1">
+                <a:solidFill>
+                  <a:srgbClr val="FFFFFF">
+                    <a:alpha val="70000"/>
+                  </a:srgbClr>
+                </a:solidFill>
+                <a:ea typeface="Microsoft GothicNeo"/>
+                <a:cs typeface="Microsoft GothicNeo"/>
+              </a:rPr>
+              <a:t>작동하기떄문이다</a:t>
+            </a:r>
+            <a:r>
+              <a:rPr lang="ko-KR" altLang="en-US" dirty="0">
+                <a:solidFill>
+                  <a:srgbClr val="FFFFFF">
+                    <a:alpha val="70000"/>
+                  </a:srgbClr>
+                </a:solidFill>
+                <a:ea typeface="Microsoft GothicNeo"/>
+                <a:cs typeface="Microsoft GothicNeo"/>
+              </a:rPr>
+              <a:t>.</a:t>
+            </a:r>
+          </a:p>
+        </p:txBody>
+      </p:sp>
+    </p:spTree>
+    <p:extLst>
+      <p:ext uri="{BB962C8B-B14F-4D97-AF65-F5344CB8AC3E}">
+        <p14:creationId xmlns:p14="http://schemas.microsoft.com/office/powerpoint/2010/main" val="1596050968"/>
+      </p:ext>
+    </p:extLst>
+  </p:cSld>
+  <p:clrMapOvr>
+    <a:masterClrMapping/>
+  </p:clrMapOvr>
+</p:sld>
+</file>
+
+<file path=ppt/slides/slide44.xml><?xml version="1.0" encoding="utf-8"?>
+<p:sld xmlns:a="http://schemas.openxmlformats.org/drawingml/2006/main" xmlns:r="http://schemas.openxmlformats.org/officeDocument/2006/relationships" xmlns:p="http://schemas.openxmlformats.org/presentationml/2006/main">
+  <p:cSld>
+    <p:spTree>
+      <p:nvGrpSpPr>
+        <p:cNvPr id="1" name=""/>
+        <p:cNvGrpSpPr/>
+        <p:nvPr/>
+      </p:nvGrpSpPr>
+      <p:grpSpPr>
+        <a:xfrm>
+          <a:off x="0" y="0"/>
+          <a:ext cx="0" cy="0"/>
+          <a:chOff x="0" y="0"/>
+          <a:chExt cx="0" cy="0"/>
+        </a:xfrm>
+      </p:grpSpPr>
+      <p:sp>
+        <p:nvSpPr>
+          <p:cNvPr id="2" name="제목 1">
+            <a:extLst>
+              <a:ext uri="{FF2B5EF4-FFF2-40B4-BE49-F238E27FC236}">
+                <a16:creationId xmlns:a16="http://schemas.microsoft.com/office/drawing/2014/main" id="{7B465320-C2DA-3146-4F14-B2087115F614}"/>
+              </a:ext>
+            </a:extLst>
+          </p:cNvPr>
+          <p:cNvSpPr>
+            <a:spLocks noGrp="1"/>
+          </p:cNvSpPr>
+          <p:nvPr>
+            <p:ph type="title"/>
+          </p:nvPr>
+        </p:nvSpPr>
+        <p:spPr/>
+        <p:txBody>
+          <a:bodyPr/>
+          <a:lstStyle/>
+          <a:p>
+            <a:r>
+              <a:rPr lang="ko-KR" altLang="en-US" dirty="0">
+                <a:ea typeface="Microsoft GothicNeo"/>
+                <a:cs typeface="Microsoft GothicNeo"/>
+              </a:rPr>
+              <a:t>&lt; </a:t>
+            </a:r>
+            <a:r>
+              <a:rPr lang="ko-KR" altLang="en-US" dirty="0" err="1">
+                <a:ea typeface="Microsoft GothicNeo"/>
+                <a:cs typeface="Microsoft GothicNeo"/>
+              </a:rPr>
+              <a:t>list</a:t>
+            </a:r>
+            <a:r>
+              <a:rPr lang="ko-KR" altLang="en-US" dirty="0">
+                <a:ea typeface="Microsoft GothicNeo"/>
+                <a:cs typeface="Microsoft GothicNeo"/>
+              </a:rPr>
+              <a:t> &gt;  </a:t>
+            </a:r>
+            <a:r>
+              <a:rPr lang="ko-KR" altLang="en-US" dirty="0" err="1">
+                <a:ea typeface="Microsoft GothicNeo"/>
+                <a:cs typeface="Microsoft GothicNeo"/>
+              </a:rPr>
+              <a:t>singlelink</a:t>
+            </a:r>
+            <a:r>
+              <a:rPr lang="ko-KR" altLang="en-US" dirty="0">
+                <a:ea typeface="Microsoft GothicNeo"/>
+                <a:cs typeface="Microsoft GothicNeo"/>
+              </a:rPr>
+              <a:t> </a:t>
+            </a:r>
+            <a:r>
+              <a:rPr lang="ko-KR" altLang="en-US" dirty="0" err="1">
+                <a:ea typeface="Microsoft GothicNeo"/>
+                <a:cs typeface="Microsoft GothicNeo"/>
+              </a:rPr>
+              <a:t>list</a:t>
+            </a:r>
+            <a:r>
+              <a:rPr lang="ko-KR" altLang="en-US" dirty="0">
+                <a:ea typeface="Microsoft GothicNeo"/>
+                <a:cs typeface="Microsoft GothicNeo"/>
+              </a:rPr>
+              <a:t> </a:t>
+            </a:r>
+            <a:r>
+              <a:rPr lang="ko-KR" altLang="en-US" dirty="0" err="1">
+                <a:ea typeface="Microsoft GothicNeo"/>
+                <a:cs typeface="Microsoft GothicNeo"/>
+              </a:rPr>
+              <a:t>or</a:t>
+            </a:r>
+            <a:r>
+              <a:rPr lang="ko-KR" altLang="en-US" dirty="0">
+                <a:ea typeface="Microsoft GothicNeo"/>
+                <a:cs typeface="Microsoft GothicNeo"/>
+              </a:rPr>
+              <a:t>  </a:t>
+            </a:r>
+            <a:r>
+              <a:rPr lang="ko-KR" altLang="en-US" dirty="0" err="1">
+                <a:ea typeface="Microsoft GothicNeo"/>
+                <a:cs typeface="Microsoft GothicNeo"/>
+              </a:rPr>
+              <a:t>Dlinklist</a:t>
+            </a:r>
+            <a:endParaRPr lang="ko-KR" altLang="en-US" dirty="0" err="1"/>
+          </a:p>
+        </p:txBody>
+      </p:sp>
+      <p:sp>
+        <p:nvSpPr>
+          <p:cNvPr id="3" name="내용 개체 틀 2">
+            <a:extLst>
+              <a:ext uri="{FF2B5EF4-FFF2-40B4-BE49-F238E27FC236}">
+                <a16:creationId xmlns:a16="http://schemas.microsoft.com/office/drawing/2014/main" id="{CB5B3D68-8177-6D88-4722-7F14BBA74254}"/>
+              </a:ext>
+            </a:extLst>
+          </p:cNvPr>
+          <p:cNvSpPr>
+            <a:spLocks noGrp="1"/>
+          </p:cNvSpPr>
+          <p:nvPr>
+            <p:ph idx="1"/>
+          </p:nvPr>
+        </p:nvSpPr>
+        <p:spPr/>
+        <p:txBody>
+          <a:bodyPr lIns="109728" tIns="109728" rIns="109728" bIns="91440" anchor="t"/>
+          <a:lstStyle/>
+          <a:p>
+            <a:r>
+              <a:rPr lang="ko-KR" altLang="en-US" b="1" dirty="0">
+                <a:solidFill>
+                  <a:schemeClr val="accent3">
+                    <a:lumMod val="75000"/>
+                  </a:schemeClr>
+                </a:solidFill>
+                <a:ea typeface="Microsoft GothicNeo"/>
+                <a:cs typeface="Microsoft GothicNeo"/>
+              </a:rPr>
+              <a:t>Vector와 다르게 메모리에 연속적으로 </a:t>
+            </a:r>
+            <a:r>
+              <a:rPr lang="ko-KR" altLang="en-US" b="1" dirty="0" err="1">
+                <a:solidFill>
+                  <a:schemeClr val="accent3">
+                    <a:lumMod val="75000"/>
+                  </a:schemeClr>
+                </a:solidFill>
+                <a:ea typeface="Microsoft GothicNeo"/>
+                <a:cs typeface="Microsoft GothicNeo"/>
+              </a:rPr>
+              <a:t>저장하지않고</a:t>
+            </a:r>
+            <a:r>
+              <a:rPr lang="ko-KR" altLang="en-US" b="1" dirty="0">
+                <a:solidFill>
+                  <a:schemeClr val="accent3">
+                    <a:lumMod val="75000"/>
+                  </a:schemeClr>
+                </a:solidFill>
+                <a:ea typeface="Microsoft GothicNeo"/>
+                <a:cs typeface="Microsoft GothicNeo"/>
+              </a:rPr>
+              <a:t> 각자 다음 </a:t>
+            </a:r>
+            <a:r>
+              <a:rPr lang="ko-KR" altLang="en-US" b="1" dirty="0" err="1">
+                <a:solidFill>
+                  <a:schemeClr val="accent3">
+                    <a:lumMod val="75000"/>
+                  </a:schemeClr>
+                </a:solidFill>
+                <a:ea typeface="Microsoft GothicNeo"/>
+                <a:cs typeface="Microsoft GothicNeo"/>
+              </a:rPr>
+              <a:t>pointer를</a:t>
+            </a:r>
+            <a:r>
+              <a:rPr lang="ko-KR" altLang="en-US" b="1" dirty="0">
+                <a:solidFill>
+                  <a:schemeClr val="accent3">
+                    <a:lumMod val="75000"/>
+                  </a:schemeClr>
+                </a:solidFill>
+                <a:ea typeface="Microsoft GothicNeo"/>
+                <a:cs typeface="Microsoft GothicNeo"/>
+              </a:rPr>
+              <a:t> </a:t>
+            </a:r>
+            <a:r>
+              <a:rPr lang="ko-KR" altLang="en-US" b="1" dirty="0" err="1">
+                <a:solidFill>
+                  <a:schemeClr val="accent3">
+                    <a:lumMod val="75000"/>
+                  </a:schemeClr>
+                </a:solidFill>
+                <a:ea typeface="Microsoft GothicNeo"/>
+                <a:cs typeface="Microsoft GothicNeo"/>
+              </a:rPr>
+              <a:t>가지고있는</a:t>
+            </a:r>
+            <a:r>
+              <a:rPr lang="ko-KR" altLang="en-US" b="1" dirty="0">
+                <a:solidFill>
+                  <a:schemeClr val="accent3">
+                    <a:lumMod val="75000"/>
+                  </a:schemeClr>
+                </a:solidFill>
+                <a:ea typeface="Microsoft GothicNeo"/>
+                <a:cs typeface="Microsoft GothicNeo"/>
+              </a:rPr>
+              <a:t> 컨테이너이다. </a:t>
+            </a:r>
+          </a:p>
+          <a:p>
+            <a:r>
+              <a:rPr lang="ko-KR" altLang="en-US" dirty="0">
+                <a:solidFill>
+                  <a:srgbClr val="FFFFFF">
+                    <a:alpha val="70000"/>
+                  </a:srgbClr>
+                </a:solidFill>
+                <a:ea typeface="Microsoft GothicNeo"/>
+                <a:cs typeface="Microsoft GothicNeo"/>
+              </a:rPr>
+              <a:t>논리적인 순차를 구현하여서 </a:t>
+            </a:r>
+            <a:r>
+              <a:rPr lang="ko-KR" altLang="en-US" dirty="0" err="1">
+                <a:solidFill>
+                  <a:srgbClr val="FFFFFF">
+                    <a:alpha val="70000"/>
+                  </a:srgbClr>
+                </a:solidFill>
+                <a:ea typeface="Microsoft GothicNeo"/>
+                <a:cs typeface="Microsoft GothicNeo"/>
+              </a:rPr>
+              <a:t>vector의</a:t>
+            </a:r>
+            <a:r>
+              <a:rPr lang="ko-KR" altLang="en-US" dirty="0">
+                <a:solidFill>
+                  <a:srgbClr val="FFFFFF">
+                    <a:alpha val="70000"/>
+                  </a:srgbClr>
+                </a:solidFill>
+                <a:ea typeface="Microsoft GothicNeo"/>
+                <a:cs typeface="Microsoft GothicNeo"/>
+              </a:rPr>
+              <a:t> 단점을 </a:t>
+            </a:r>
+            <a:r>
+              <a:rPr lang="ko-KR" altLang="en-US" dirty="0" err="1">
+                <a:solidFill>
+                  <a:srgbClr val="FFFFFF">
+                    <a:alpha val="70000"/>
+                  </a:srgbClr>
+                </a:solidFill>
+                <a:ea typeface="Microsoft GothicNeo"/>
+                <a:cs typeface="Microsoft GothicNeo"/>
+              </a:rPr>
+              <a:t>보완하였기떄문에</a:t>
+            </a:r>
+            <a:endParaRPr lang="ko-KR" altLang="en-US" dirty="0">
+              <a:solidFill>
+                <a:srgbClr val="FFFFFF">
+                  <a:alpha val="70000"/>
+                </a:srgbClr>
+              </a:solidFill>
+              <a:ea typeface="Microsoft GothicNeo"/>
+              <a:cs typeface="Microsoft GothicNeo"/>
+            </a:endParaRPr>
+          </a:p>
+          <a:p>
+            <a:r>
+              <a:rPr lang="ko-KR" altLang="en-US" dirty="0">
+                <a:solidFill>
+                  <a:srgbClr val="FFFFFF">
+                    <a:alpha val="70000"/>
+                  </a:srgbClr>
+                </a:solidFill>
+                <a:ea typeface="Microsoft GothicNeo"/>
+                <a:cs typeface="Microsoft GothicNeo"/>
+              </a:rPr>
+              <a:t>중간에서의 데이터 삽입/삭제가 빠르게 작동한다.</a:t>
+            </a:r>
+          </a:p>
+          <a:p>
+            <a:r>
+              <a:rPr lang="ko-KR" altLang="en-US" dirty="0">
+                <a:solidFill>
+                  <a:srgbClr val="FFFFFF">
+                    <a:alpha val="70000"/>
+                  </a:srgbClr>
+                </a:solidFill>
+                <a:ea typeface="Microsoft GothicNeo"/>
+                <a:cs typeface="Microsoft GothicNeo"/>
+              </a:rPr>
+              <a:t>단지 탐색에서</a:t>
+            </a:r>
+            <a:r>
+              <a:rPr lang="ko-KR" altLang="en-US" b="1" dirty="0">
+                <a:solidFill>
+                  <a:schemeClr val="accent3">
+                    <a:lumMod val="75000"/>
+                  </a:schemeClr>
+                </a:solidFill>
+                <a:ea typeface="Microsoft GothicNeo"/>
+                <a:cs typeface="Microsoft GothicNeo"/>
+              </a:rPr>
+              <a:t> 무조건 0 인덱스</a:t>
+            </a:r>
+            <a:r>
+              <a:rPr lang="ko-KR" altLang="en-US" dirty="0">
+                <a:solidFill>
+                  <a:srgbClr val="FFFFFF">
+                    <a:alpha val="70000"/>
+                  </a:srgbClr>
+                </a:solidFill>
+                <a:ea typeface="Microsoft GothicNeo"/>
+                <a:cs typeface="Microsoft GothicNeo"/>
+              </a:rPr>
+              <a:t>부터 </a:t>
+            </a:r>
+            <a:r>
+              <a:rPr lang="ko-KR" altLang="en-US" dirty="0" err="1">
+                <a:solidFill>
+                  <a:srgbClr val="FFFFFF">
+                    <a:alpha val="70000"/>
+                  </a:srgbClr>
+                </a:solidFill>
+                <a:ea typeface="Microsoft GothicNeo"/>
+                <a:cs typeface="Microsoft GothicNeo"/>
+              </a:rPr>
+              <a:t>탐색해야하는</a:t>
+            </a:r>
+            <a:r>
+              <a:rPr lang="ko-KR" altLang="en-US" dirty="0">
+                <a:solidFill>
+                  <a:srgbClr val="FFFFFF">
+                    <a:alpha val="70000"/>
+                  </a:srgbClr>
+                </a:solidFill>
+                <a:ea typeface="Microsoft GothicNeo"/>
+                <a:cs typeface="Microsoft GothicNeo"/>
+              </a:rPr>
+              <a:t> </a:t>
+            </a:r>
+            <a:r>
+              <a:rPr lang="ko-KR" altLang="en-US" dirty="0" err="1">
+                <a:solidFill>
+                  <a:srgbClr val="FFFFFF">
+                    <a:alpha val="70000"/>
+                  </a:srgbClr>
+                </a:solidFill>
+                <a:ea typeface="Microsoft GothicNeo"/>
+                <a:cs typeface="Microsoft GothicNeo"/>
+              </a:rPr>
+              <a:t>단점이있다</a:t>
+            </a:r>
+            <a:r>
+              <a:rPr lang="ko-KR" altLang="en-US" dirty="0">
+                <a:solidFill>
+                  <a:srgbClr val="FFFFFF">
+                    <a:alpha val="70000"/>
+                  </a:srgbClr>
+                </a:solidFill>
+                <a:ea typeface="Microsoft GothicNeo"/>
+                <a:cs typeface="Microsoft GothicNeo"/>
+              </a:rPr>
+              <a:t>.</a:t>
+            </a:r>
+          </a:p>
+          <a:p>
+            <a:pPr marL="0" indent="0">
+              <a:buNone/>
+            </a:pPr>
+            <a:r>
+              <a:rPr lang="ko-KR" altLang="en-US" dirty="0">
+                <a:solidFill>
+                  <a:srgbClr val="FFFFFF">
+                    <a:alpha val="70000"/>
+                  </a:srgbClr>
+                </a:solidFill>
+                <a:ea typeface="Microsoft GothicNeo"/>
+                <a:cs typeface="Microsoft GothicNeo"/>
+              </a:rPr>
+              <a:t>=&gt; 배열 [0] 접근이 </a:t>
+            </a:r>
+            <a:r>
+              <a:rPr lang="ko-KR" altLang="en-US" dirty="0" err="1">
+                <a:solidFill>
+                  <a:srgbClr val="FFFFFF">
+                    <a:alpha val="70000"/>
+                  </a:srgbClr>
+                </a:solidFill>
+                <a:ea typeface="Microsoft GothicNeo"/>
+                <a:cs typeface="Microsoft GothicNeo"/>
+              </a:rPr>
+              <a:t>불가능하기떄문</a:t>
+            </a:r>
+            <a:r>
+              <a:rPr lang="ko-KR" altLang="en-US" dirty="0">
+                <a:solidFill>
+                  <a:srgbClr val="FFFFFF">
+                    <a:alpha val="70000"/>
+                  </a:srgbClr>
+                </a:solidFill>
+                <a:ea typeface="Microsoft GothicNeo"/>
+                <a:cs typeface="Microsoft GothicNeo"/>
+              </a:rPr>
+              <a:t>.</a:t>
+            </a:r>
+          </a:p>
+          <a:p>
+            <a:pPr marL="0" indent="0">
+              <a:buNone/>
+            </a:pPr>
+            <a:r>
+              <a:rPr lang="ko-KR" altLang="en-US" dirty="0">
+                <a:solidFill>
+                  <a:srgbClr val="FFFFFF">
+                    <a:alpha val="70000"/>
+                  </a:srgbClr>
+                </a:solidFill>
+                <a:ea typeface="Microsoft GothicNeo"/>
+                <a:cs typeface="Microsoft GothicNeo"/>
+              </a:rPr>
+              <a:t>이 단점은 크게 작용하는데.</a:t>
+            </a:r>
+            <a:r>
+              <a:rPr lang="ko-KR" altLang="en-US" b="1" dirty="0">
+                <a:solidFill>
+                  <a:srgbClr val="FFFFFF">
+                    <a:alpha val="70000"/>
+                  </a:srgbClr>
+                </a:solidFill>
+                <a:ea typeface="Microsoft GothicNeo"/>
+                <a:cs typeface="Microsoft GothicNeo"/>
+              </a:rPr>
+              <a:t> </a:t>
+            </a:r>
+            <a:r>
+              <a:rPr lang="ko-KR" altLang="en-US" b="1" err="1">
+                <a:solidFill>
+                  <a:schemeClr val="accent3">
+                    <a:lumMod val="75000"/>
+                  </a:schemeClr>
+                </a:solidFill>
+                <a:ea typeface="Microsoft GothicNeo"/>
+                <a:cs typeface="Microsoft GothicNeo"/>
+              </a:rPr>
+              <a:t>이진트리</a:t>
+            </a:r>
+            <a:r>
+              <a:rPr lang="ko-KR" altLang="en-US" b="1" dirty="0">
+                <a:solidFill>
+                  <a:schemeClr val="accent3">
+                    <a:lumMod val="75000"/>
+                  </a:schemeClr>
+                </a:solidFill>
+                <a:ea typeface="Microsoft GothicNeo"/>
+                <a:cs typeface="Microsoft GothicNeo"/>
+              </a:rPr>
+              <a:t> 탐색방법을 못하기때문에 데이터가 크면 </a:t>
+            </a:r>
+          </a:p>
+          <a:p>
+            <a:pPr marL="0" indent="0">
+              <a:buNone/>
+            </a:pPr>
+            <a:r>
+              <a:rPr lang="ko-KR" altLang="en-US" b="1" dirty="0">
+                <a:solidFill>
+                  <a:schemeClr val="accent3">
+                    <a:lumMod val="75000"/>
+                  </a:schemeClr>
+                </a:solidFill>
+                <a:ea typeface="Microsoft GothicNeo"/>
+                <a:cs typeface="Microsoft GothicNeo"/>
+              </a:rPr>
+              <a:t>매우 느린 탐색속도가 </a:t>
+            </a:r>
+            <a:r>
+              <a:rPr lang="ko-KR" altLang="en-US" b="1" err="1">
+                <a:solidFill>
+                  <a:schemeClr val="accent3">
+                    <a:lumMod val="75000"/>
+                  </a:schemeClr>
+                </a:solidFill>
+                <a:ea typeface="Microsoft GothicNeo"/>
+                <a:cs typeface="Microsoft GothicNeo"/>
+              </a:rPr>
+              <a:t>일어나게된다</a:t>
+            </a:r>
+            <a:r>
+              <a:rPr lang="ko-KR" altLang="en-US" b="1" dirty="0">
+                <a:solidFill>
+                  <a:schemeClr val="accent3">
+                    <a:lumMod val="75000"/>
+                  </a:schemeClr>
+                </a:solidFill>
+                <a:ea typeface="Microsoft GothicNeo"/>
+                <a:cs typeface="Microsoft GothicNeo"/>
+              </a:rPr>
+              <a:t>.</a:t>
+            </a:r>
+          </a:p>
+          <a:p>
+            <a:endParaRPr lang="ko-KR" altLang="en-US" dirty="0">
+              <a:solidFill>
+                <a:srgbClr val="FFFFFF">
+                  <a:alpha val="70000"/>
+                </a:srgbClr>
+              </a:solidFill>
+              <a:ea typeface="Microsoft GothicNeo"/>
+              <a:cs typeface="Microsoft GothicNeo"/>
+            </a:endParaRPr>
+          </a:p>
+        </p:txBody>
+      </p:sp>
+    </p:spTree>
+    <p:extLst>
+      <p:ext uri="{BB962C8B-B14F-4D97-AF65-F5344CB8AC3E}">
+        <p14:creationId xmlns:p14="http://schemas.microsoft.com/office/powerpoint/2010/main" val="2090355886"/>
+      </p:ext>
+    </p:extLst>
+  </p:cSld>
+  <p:clrMapOvr>
+    <a:masterClrMapping/>
+  </p:clrMapOvr>
+</p:sld>
+</file>
+
+<file path=ppt/slides/slide45.xml><?xml version="1.0" encoding="utf-8"?>
+<p:sld xmlns:a="http://schemas.openxmlformats.org/drawingml/2006/main" xmlns:r="http://schemas.openxmlformats.org/officeDocument/2006/relationships" xmlns:p="http://schemas.openxmlformats.org/presentationml/2006/main">
+  <p:cSld>
+    <p:spTree>
+      <p:nvGrpSpPr>
+        <p:cNvPr id="1" name=""/>
+        <p:cNvGrpSpPr/>
+        <p:nvPr/>
+      </p:nvGrpSpPr>
+      <p:grpSpPr>
+        <a:xfrm>
+          <a:off x="0" y="0"/>
+          <a:ext cx="0" cy="0"/>
+          <a:chOff x="0" y="0"/>
+          <a:chExt cx="0" cy="0"/>
+        </a:xfrm>
+      </p:grpSpPr>
+      <p:sp>
+        <p:nvSpPr>
+          <p:cNvPr id="2" name="제목 1">
+            <a:extLst>
+              <a:ext uri="{FF2B5EF4-FFF2-40B4-BE49-F238E27FC236}">
+                <a16:creationId xmlns:a16="http://schemas.microsoft.com/office/drawing/2014/main" id="{CA7267EE-ECE4-9864-F32F-5F2ADA73C8C4}"/>
+              </a:ext>
+            </a:extLst>
+          </p:cNvPr>
+          <p:cNvSpPr>
+            <a:spLocks noGrp="1"/>
+          </p:cNvSpPr>
+          <p:nvPr>
+            <p:ph type="title"/>
+          </p:nvPr>
+        </p:nvSpPr>
+        <p:spPr/>
+        <p:txBody>
+          <a:bodyPr/>
+          <a:lstStyle/>
+          <a:p>
+            <a:r>
+              <a:rPr lang="ko-KR" altLang="en-US" dirty="0">
+                <a:ea typeface="Microsoft GothicNeo"/>
+                <a:cs typeface="Microsoft GothicNeo"/>
+              </a:rPr>
+              <a:t>&lt; </a:t>
+            </a:r>
+            <a:r>
+              <a:rPr lang="ko-KR" altLang="en-US" dirty="0" err="1">
+                <a:ea typeface="Microsoft GothicNeo"/>
+                <a:cs typeface="Microsoft GothicNeo"/>
+              </a:rPr>
+              <a:t>deque</a:t>
+            </a:r>
+            <a:r>
+              <a:rPr lang="ko-KR" altLang="en-US" dirty="0">
+                <a:ea typeface="Microsoft GothicNeo"/>
+                <a:cs typeface="Microsoft GothicNeo"/>
+              </a:rPr>
+              <a:t> &gt; </a:t>
+            </a:r>
+            <a:endParaRPr lang="ko-KR" altLang="en-US" dirty="0"/>
+          </a:p>
+        </p:txBody>
+      </p:sp>
+      <p:sp>
+        <p:nvSpPr>
+          <p:cNvPr id="3" name="내용 개체 틀 2">
+            <a:extLst>
+              <a:ext uri="{FF2B5EF4-FFF2-40B4-BE49-F238E27FC236}">
+                <a16:creationId xmlns:a16="http://schemas.microsoft.com/office/drawing/2014/main" id="{C94360B2-F381-25D0-5305-5D4AEDB33014}"/>
+              </a:ext>
+            </a:extLst>
+          </p:cNvPr>
+          <p:cNvSpPr>
+            <a:spLocks noGrp="1"/>
+          </p:cNvSpPr>
+          <p:nvPr>
+            <p:ph idx="1"/>
+          </p:nvPr>
+        </p:nvSpPr>
+        <p:spPr/>
+        <p:txBody>
+          <a:bodyPr lIns="109728" tIns="109728" rIns="109728" bIns="91440" anchor="t"/>
+          <a:lstStyle/>
+          <a:p>
+            <a:r>
+              <a:rPr lang="ko-KR" altLang="en-US" dirty="0" err="1">
+                <a:solidFill>
+                  <a:srgbClr val="FFFFFF">
+                    <a:alpha val="70000"/>
+                  </a:srgbClr>
+                </a:solidFill>
+                <a:ea typeface="Microsoft GothicNeo"/>
+                <a:cs typeface="Microsoft GothicNeo"/>
+              </a:rPr>
+              <a:t>Vector</a:t>
+            </a:r>
+            <a:r>
+              <a:rPr lang="ko-KR" altLang="en-US" dirty="0">
+                <a:solidFill>
+                  <a:srgbClr val="FFFFFF">
+                    <a:alpha val="70000"/>
+                  </a:srgbClr>
+                </a:solidFill>
+                <a:ea typeface="Microsoft GothicNeo"/>
+                <a:cs typeface="Microsoft GothicNeo"/>
+              </a:rPr>
+              <a:t> 컨테이너와 매우 유사하지만  </a:t>
+            </a:r>
+            <a:r>
+              <a:rPr lang="ko-KR" altLang="en-US" dirty="0" err="1">
+                <a:solidFill>
+                  <a:srgbClr val="FFFFFF">
+                    <a:alpha val="70000"/>
+                  </a:srgbClr>
+                </a:solidFill>
+                <a:ea typeface="Microsoft GothicNeo"/>
+                <a:cs typeface="Microsoft GothicNeo"/>
+              </a:rPr>
+              <a:t>백터의</a:t>
+            </a:r>
+            <a:r>
+              <a:rPr lang="ko-KR" altLang="en-US" dirty="0">
+                <a:solidFill>
+                  <a:srgbClr val="FFFFFF">
+                    <a:alpha val="70000"/>
+                  </a:srgbClr>
+                </a:solidFill>
+                <a:ea typeface="Microsoft GothicNeo"/>
+                <a:cs typeface="Microsoft GothicNeo"/>
+              </a:rPr>
+              <a:t> 앞 인덱스로부터의</a:t>
+            </a:r>
+          </a:p>
+          <a:p>
+            <a:r>
+              <a:rPr lang="ko-KR" altLang="en-US" dirty="0">
+                <a:solidFill>
+                  <a:srgbClr val="FFFFFF">
+                    <a:alpha val="70000"/>
+                  </a:srgbClr>
+                </a:solidFill>
+                <a:ea typeface="Microsoft GothicNeo"/>
+                <a:cs typeface="Microsoft GothicNeo"/>
+              </a:rPr>
+              <a:t>데이터 </a:t>
+            </a:r>
+            <a:r>
+              <a:rPr lang="ko-KR" altLang="en-US" err="1">
+                <a:solidFill>
+                  <a:srgbClr val="FFFFFF">
+                    <a:alpha val="70000"/>
+                  </a:srgbClr>
+                </a:solidFill>
+                <a:ea typeface="Microsoft GothicNeo"/>
+                <a:cs typeface="Microsoft GothicNeo"/>
+              </a:rPr>
+              <a:t>삽입.삭제가</a:t>
+            </a:r>
+            <a:r>
+              <a:rPr lang="ko-KR" altLang="en-US" dirty="0">
+                <a:solidFill>
+                  <a:srgbClr val="FFFFFF">
+                    <a:alpha val="70000"/>
+                  </a:srgbClr>
+                </a:solidFill>
+                <a:ea typeface="Microsoft GothicNeo"/>
+                <a:cs typeface="Microsoft GothicNeo"/>
+              </a:rPr>
+              <a:t> 가능한 컨테이너이다.</a:t>
+            </a:r>
+          </a:p>
+          <a:p>
+            <a:pPr marL="0" indent="0">
+              <a:buNone/>
+            </a:pPr>
+            <a:r>
+              <a:rPr lang="ko-KR" altLang="en-US" dirty="0" err="1">
+                <a:solidFill>
+                  <a:srgbClr val="FFFFFF">
+                    <a:alpha val="70000"/>
+                  </a:srgbClr>
+                </a:solidFill>
+                <a:ea typeface="Microsoft GothicNeo"/>
+                <a:cs typeface="Microsoft GothicNeo"/>
+              </a:rPr>
+              <a:t>Deque</a:t>
+            </a:r>
+            <a:r>
+              <a:rPr lang="ko-KR" altLang="en-US" dirty="0">
+                <a:solidFill>
+                  <a:srgbClr val="FFFFFF">
+                    <a:alpha val="70000"/>
+                  </a:srgbClr>
+                </a:solidFill>
+                <a:ea typeface="Microsoft GothicNeo"/>
+                <a:cs typeface="Microsoft GothicNeo"/>
+              </a:rPr>
+              <a:t>&lt;</a:t>
+            </a:r>
+            <a:r>
+              <a:rPr lang="ko-KR" altLang="en-US" dirty="0" err="1">
+                <a:solidFill>
+                  <a:srgbClr val="FFFFFF">
+                    <a:alpha val="70000"/>
+                  </a:srgbClr>
+                </a:solidFill>
+                <a:ea typeface="Microsoft GothicNeo"/>
+                <a:cs typeface="Microsoft GothicNeo"/>
+              </a:rPr>
+              <a:t>int</a:t>
+            </a:r>
+            <a:r>
+              <a:rPr lang="ko-KR" altLang="en-US" dirty="0">
+                <a:solidFill>
+                  <a:srgbClr val="FFFFFF">
+                    <a:alpha val="70000"/>
+                  </a:srgbClr>
+                </a:solidFill>
+                <a:ea typeface="Microsoft GothicNeo"/>
+                <a:cs typeface="Microsoft GothicNeo"/>
+              </a:rPr>
+              <a:t>&gt; </a:t>
+            </a:r>
+            <a:r>
+              <a:rPr lang="ko-KR" altLang="en-US" dirty="0" err="1">
+                <a:solidFill>
+                  <a:srgbClr val="FFFFFF">
+                    <a:alpha val="70000"/>
+                  </a:srgbClr>
+                </a:solidFill>
+                <a:ea typeface="Microsoft GothicNeo"/>
+                <a:cs typeface="Microsoft GothicNeo"/>
+              </a:rPr>
+              <a:t>vec</a:t>
+            </a:r>
+            <a:r>
+              <a:rPr lang="ko-KR" altLang="en-US" dirty="0">
+                <a:solidFill>
+                  <a:srgbClr val="FFFFFF">
+                    <a:alpha val="70000"/>
+                  </a:srgbClr>
+                </a:solidFill>
+                <a:ea typeface="Microsoft GothicNeo"/>
+                <a:cs typeface="Microsoft GothicNeo"/>
+              </a:rPr>
+              <a:t> ;</a:t>
+            </a:r>
+          </a:p>
+          <a:p>
+            <a:pPr marL="0" indent="0">
+              <a:buNone/>
+            </a:pPr>
+            <a:r>
+              <a:rPr lang="ko-KR" altLang="en-US" dirty="0" err="1">
+                <a:solidFill>
+                  <a:srgbClr val="FFFFFF">
+                    <a:alpha val="70000"/>
+                  </a:srgbClr>
+                </a:solidFill>
+                <a:ea typeface="Microsoft GothicNeo"/>
+                <a:cs typeface="Microsoft GothicNeo"/>
+              </a:rPr>
+              <a:t>Vec.push_front</a:t>
+            </a:r>
+            <a:r>
+              <a:rPr lang="ko-KR" altLang="en-US" dirty="0">
+                <a:solidFill>
+                  <a:srgbClr val="FFFFFF">
+                    <a:alpha val="70000"/>
+                  </a:srgbClr>
+                </a:solidFill>
+                <a:ea typeface="Microsoft GothicNeo"/>
+                <a:cs typeface="Microsoft GothicNeo"/>
+              </a:rPr>
+              <a:t>(</a:t>
+            </a:r>
+            <a:r>
+              <a:rPr lang="ko-KR" altLang="en-US" dirty="0" err="1">
+                <a:solidFill>
+                  <a:srgbClr val="FFFFFF">
+                    <a:alpha val="70000"/>
+                  </a:srgbClr>
+                </a:solidFill>
+                <a:ea typeface="Microsoft GothicNeo"/>
+                <a:cs typeface="Microsoft GothicNeo"/>
+              </a:rPr>
+              <a:t>int</a:t>
+            </a:r>
+            <a:r>
+              <a:rPr lang="ko-KR" altLang="en-US" dirty="0">
+                <a:solidFill>
+                  <a:srgbClr val="FFFFFF">
+                    <a:alpha val="70000"/>
+                  </a:srgbClr>
+                </a:solidFill>
+                <a:ea typeface="Microsoft GothicNeo"/>
+                <a:cs typeface="Microsoft GothicNeo"/>
+              </a:rPr>
+              <a:t> </a:t>
+            </a:r>
+            <a:r>
+              <a:rPr lang="ko-KR" altLang="en-US" dirty="0" err="1">
+                <a:solidFill>
+                  <a:srgbClr val="FFFFFF">
+                    <a:alpha val="70000"/>
+                  </a:srgbClr>
+                </a:solidFill>
+                <a:ea typeface="Microsoft GothicNeo"/>
+                <a:cs typeface="Microsoft GothicNeo"/>
+              </a:rPr>
+              <a:t>val</a:t>
+            </a:r>
+            <a:r>
+              <a:rPr lang="ko-KR" altLang="en-US" dirty="0">
+                <a:solidFill>
+                  <a:srgbClr val="FFFFFF">
+                    <a:alpha val="70000"/>
+                  </a:srgbClr>
+                </a:solidFill>
+                <a:ea typeface="Microsoft GothicNeo"/>
+                <a:cs typeface="Microsoft GothicNeo"/>
+              </a:rPr>
+              <a:t>); // </a:t>
+            </a:r>
+            <a:r>
+              <a:rPr lang="ko-KR" altLang="en-US" dirty="0" err="1">
+                <a:solidFill>
+                  <a:srgbClr val="FFFFFF">
+                    <a:alpha val="70000"/>
+                  </a:srgbClr>
+                </a:solidFill>
+                <a:ea typeface="Microsoft GothicNeo"/>
+                <a:cs typeface="Microsoft GothicNeo"/>
+              </a:rPr>
+              <a:t>vec.pop_front</a:t>
+            </a:r>
+            <a:r>
+              <a:rPr lang="ko-KR" altLang="en-US" dirty="0">
+                <a:solidFill>
+                  <a:srgbClr val="FFFFFF">
+                    <a:alpha val="70000"/>
+                  </a:srgbClr>
+                </a:solidFill>
+                <a:ea typeface="Microsoft GothicNeo"/>
+                <a:cs typeface="Microsoft GothicNeo"/>
+              </a:rPr>
+              <a:t>(); // 같이 사용한다.</a:t>
+            </a:r>
+          </a:p>
+        </p:txBody>
+      </p:sp>
+    </p:spTree>
+    <p:extLst>
+      <p:ext uri="{BB962C8B-B14F-4D97-AF65-F5344CB8AC3E}">
+        <p14:creationId xmlns:p14="http://schemas.microsoft.com/office/powerpoint/2010/main" val="107491525"/>
+      </p:ext>
+    </p:extLst>
+  </p:cSld>
+  <p:clrMapOvr>
+    <a:masterClrMapping/>
+  </p:clrMapOvr>
+</p:sld>
+</file>
+
+<file path=ppt/slides/slide46.xml><?xml version="1.0" encoding="utf-8"?>
+<p:sld xmlns:a="http://schemas.openxmlformats.org/drawingml/2006/main" xmlns:r="http://schemas.openxmlformats.org/officeDocument/2006/relationships" xmlns:p="http://schemas.openxmlformats.org/presentationml/2006/main">
+  <p:cSld>
+    <p:spTree>
+      <p:nvGrpSpPr>
+        <p:cNvPr id="1" name=""/>
+        <p:cNvGrpSpPr/>
+        <p:nvPr/>
+      </p:nvGrpSpPr>
+      <p:grpSpPr>
+        <a:xfrm>
+          <a:off x="0" y="0"/>
+          <a:ext cx="0" cy="0"/>
+          <a:chOff x="0" y="0"/>
+          <a:chExt cx="0" cy="0"/>
+        </a:xfrm>
+      </p:grpSpPr>
+      <p:sp>
+        <p:nvSpPr>
+          <p:cNvPr id="2" name="제목 1">
+            <a:extLst>
+              <a:ext uri="{FF2B5EF4-FFF2-40B4-BE49-F238E27FC236}">
+                <a16:creationId xmlns:a16="http://schemas.microsoft.com/office/drawing/2014/main" id="{6B4D3063-745B-4893-BEC8-E66BF01B1FBE}"/>
+              </a:ext>
+            </a:extLst>
+          </p:cNvPr>
+          <p:cNvSpPr>
+            <a:spLocks noGrp="1"/>
+          </p:cNvSpPr>
+          <p:nvPr>
+            <p:ph type="title"/>
+          </p:nvPr>
+        </p:nvSpPr>
+        <p:spPr/>
+        <p:txBody>
+          <a:bodyPr/>
+          <a:lstStyle/>
+          <a:p>
+            <a:r>
+              <a:rPr lang="ko-KR" altLang="en-US" dirty="0">
+                <a:ea typeface="Microsoft GothicNeo"/>
+                <a:cs typeface="Microsoft GothicNeo"/>
+              </a:rPr>
+              <a:t>&lt;연관 컨테이너&gt;</a:t>
+            </a:r>
+            <a:endParaRPr lang="ko-KR" altLang="en-US" dirty="0"/>
+          </a:p>
+        </p:txBody>
+      </p:sp>
+      <p:sp>
+        <p:nvSpPr>
+          <p:cNvPr id="3" name="내용 개체 틀 2">
+            <a:extLst>
+              <a:ext uri="{FF2B5EF4-FFF2-40B4-BE49-F238E27FC236}">
+                <a16:creationId xmlns:a16="http://schemas.microsoft.com/office/drawing/2014/main" id="{E4E169F4-6CCB-3639-ABEA-C270C14E9FF6}"/>
+              </a:ext>
+            </a:extLst>
+          </p:cNvPr>
+          <p:cNvSpPr>
+            <a:spLocks noGrp="1"/>
+          </p:cNvSpPr>
+          <p:nvPr>
+            <p:ph idx="1"/>
+          </p:nvPr>
+        </p:nvSpPr>
+        <p:spPr/>
+        <p:txBody>
+          <a:bodyPr lIns="109728" tIns="109728" rIns="109728" bIns="91440" anchor="t"/>
+          <a:lstStyle/>
+          <a:p>
+            <a:r>
+              <a:rPr lang="ko-KR" altLang="en-US" dirty="0">
+                <a:solidFill>
+                  <a:srgbClr val="FFFFFF">
+                    <a:alpha val="70000"/>
+                  </a:srgbClr>
+                </a:solidFill>
+                <a:ea typeface="Microsoft GothicNeo"/>
+                <a:cs typeface="Microsoft GothicNeo"/>
+              </a:rPr>
+              <a:t> </a:t>
+            </a:r>
+            <a:r>
+              <a:rPr lang="ko-KR" altLang="en-US" dirty="0" err="1">
+                <a:solidFill>
+                  <a:srgbClr val="FFFFFF">
+                    <a:alpha val="70000"/>
+                  </a:srgbClr>
+                </a:solidFill>
+                <a:ea typeface="Microsoft GothicNeo"/>
+                <a:cs typeface="Microsoft GothicNeo"/>
+              </a:rPr>
+              <a:t>Key를</a:t>
+            </a:r>
+            <a:r>
+              <a:rPr lang="ko-KR" altLang="en-US" dirty="0">
+                <a:solidFill>
+                  <a:srgbClr val="FFFFFF">
+                    <a:alpha val="70000"/>
+                  </a:srgbClr>
+                </a:solidFill>
+                <a:ea typeface="Microsoft GothicNeo"/>
+                <a:cs typeface="Microsoft GothicNeo"/>
+              </a:rPr>
+              <a:t> 가지고 정렬을 한다. </a:t>
+            </a:r>
+            <a:r>
+              <a:rPr lang="ko-KR" altLang="en-US" dirty="0" err="1">
+                <a:solidFill>
+                  <a:srgbClr val="FFFFFF">
+                    <a:alpha val="70000"/>
+                  </a:srgbClr>
+                </a:solidFill>
+                <a:ea typeface="Microsoft GothicNeo"/>
+                <a:cs typeface="Microsoft GothicNeo"/>
+              </a:rPr>
+              <a:t>Key자체가</a:t>
+            </a:r>
+            <a:r>
+              <a:rPr lang="ko-KR" altLang="en-US" dirty="0">
+                <a:solidFill>
+                  <a:srgbClr val="FFFFFF">
+                    <a:alpha val="70000"/>
+                  </a:srgbClr>
+                </a:solidFill>
+                <a:ea typeface="Microsoft GothicNeo"/>
+                <a:cs typeface="Microsoft GothicNeo"/>
+              </a:rPr>
+              <a:t> 인덱스 의미를 </a:t>
+            </a:r>
+            <a:r>
+              <a:rPr lang="ko-KR" altLang="en-US" dirty="0" err="1">
+                <a:solidFill>
+                  <a:srgbClr val="FFFFFF">
+                    <a:alpha val="70000"/>
+                  </a:srgbClr>
+                </a:solidFill>
+                <a:ea typeface="Microsoft GothicNeo"/>
+                <a:cs typeface="Microsoft GothicNeo"/>
+              </a:rPr>
+              <a:t>갖기떄문에</a:t>
+            </a:r>
+            <a:endParaRPr lang="ko-KR" altLang="en-US" dirty="0">
+              <a:solidFill>
+                <a:srgbClr val="FFFFFF">
+                  <a:alpha val="70000"/>
+                </a:srgbClr>
+              </a:solidFill>
+              <a:ea typeface="Microsoft GothicNeo"/>
+              <a:cs typeface="Microsoft GothicNeo"/>
+            </a:endParaRPr>
+          </a:p>
+          <a:p>
+            <a:pPr marL="0" indent="0">
+              <a:buNone/>
+            </a:pPr>
+            <a:r>
+              <a:rPr lang="ko-KR" altLang="en-US" b="1" dirty="0">
+                <a:solidFill>
+                  <a:schemeClr val="accent3">
+                    <a:lumMod val="75000"/>
+                  </a:schemeClr>
+                </a:solidFill>
+                <a:ea typeface="Microsoft GothicNeo"/>
+                <a:cs typeface="Microsoft GothicNeo"/>
+              </a:rPr>
+              <a:t>추가는 </a:t>
+            </a:r>
+            <a:r>
+              <a:rPr lang="ko-KR" altLang="en-US" b="1" err="1">
+                <a:solidFill>
+                  <a:schemeClr val="accent3">
+                    <a:lumMod val="75000"/>
+                  </a:schemeClr>
+                </a:solidFill>
+                <a:ea typeface="Microsoft GothicNeo"/>
+                <a:cs typeface="Microsoft GothicNeo"/>
+              </a:rPr>
+              <a:t>오래걸리지만</a:t>
+            </a:r>
+            <a:r>
+              <a:rPr lang="ko-KR" altLang="en-US" b="1" dirty="0">
+                <a:solidFill>
+                  <a:schemeClr val="accent3">
+                    <a:lumMod val="75000"/>
+                  </a:schemeClr>
+                </a:solidFill>
+                <a:ea typeface="Microsoft GothicNeo"/>
+                <a:cs typeface="Microsoft GothicNeo"/>
+              </a:rPr>
+              <a:t> 탐색이 매우 빠르다</a:t>
+            </a:r>
+            <a:r>
+              <a:rPr lang="ko-KR" altLang="en-US" dirty="0">
+                <a:solidFill>
+                  <a:srgbClr val="FFFFFF">
+                    <a:alpha val="70000"/>
+                  </a:srgbClr>
+                </a:solidFill>
+                <a:ea typeface="Microsoft GothicNeo"/>
+                <a:cs typeface="Microsoft GothicNeo"/>
+              </a:rPr>
+              <a:t>는 것이 특징이다.</a:t>
+            </a:r>
+          </a:p>
+          <a:p>
+            <a:pPr marL="0" indent="0">
+              <a:buNone/>
+            </a:pPr>
+            <a:endParaRPr lang="ko-KR" altLang="en-US" dirty="0">
+              <a:solidFill>
+                <a:srgbClr val="FFFFFF">
+                  <a:alpha val="70000"/>
+                </a:srgbClr>
+              </a:solidFill>
+              <a:ea typeface="Microsoft GothicNeo"/>
+              <a:cs typeface="Microsoft GothicNeo"/>
+            </a:endParaRPr>
+          </a:p>
+          <a:p>
+            <a:pPr marL="0" indent="0">
+              <a:buNone/>
+            </a:pPr>
+            <a:r>
+              <a:rPr lang="ko-KR" altLang="en-US" dirty="0" err="1">
+                <a:solidFill>
+                  <a:srgbClr val="FFFFFF">
+                    <a:alpha val="70000"/>
+                  </a:srgbClr>
+                </a:solidFill>
+                <a:ea typeface="Microsoft GothicNeo"/>
+                <a:cs typeface="Microsoft GothicNeo"/>
+              </a:rPr>
+              <a:t>Set</a:t>
+            </a:r>
+            <a:r>
+              <a:rPr lang="ko-KR" altLang="en-US" dirty="0">
+                <a:solidFill>
+                  <a:srgbClr val="FFFFFF">
+                    <a:alpha val="70000"/>
+                  </a:srgbClr>
+                </a:solidFill>
+                <a:ea typeface="Microsoft GothicNeo"/>
+                <a:cs typeface="Microsoft GothicNeo"/>
+              </a:rPr>
+              <a:t> :  </a:t>
+            </a:r>
+            <a:r>
+              <a:rPr lang="ko-KR" altLang="en-US" dirty="0" err="1">
+                <a:solidFill>
+                  <a:srgbClr val="FFFFFF">
+                    <a:alpha val="70000"/>
+                  </a:srgbClr>
+                </a:solidFill>
+                <a:ea typeface="Microsoft GothicNeo"/>
+                <a:cs typeface="Microsoft GothicNeo"/>
+              </a:rPr>
+              <a:t>Key가지고</a:t>
+            </a:r>
+            <a:r>
+              <a:rPr lang="ko-KR" altLang="en-US" dirty="0">
+                <a:solidFill>
+                  <a:srgbClr val="FFFFFF">
+                    <a:alpha val="70000"/>
+                  </a:srgbClr>
+                </a:solidFill>
+                <a:ea typeface="Microsoft GothicNeo"/>
+                <a:cs typeface="Microsoft GothicNeo"/>
+              </a:rPr>
+              <a:t> 정렬하는 케이스</a:t>
+            </a:r>
+          </a:p>
+          <a:p>
+            <a:pPr marL="0" indent="0">
+              <a:buNone/>
+            </a:pPr>
+            <a:r>
+              <a:rPr lang="ko-KR" altLang="en-US" b="1" dirty="0" err="1">
+                <a:solidFill>
+                  <a:schemeClr val="accent3">
+                    <a:lumMod val="75000"/>
+                  </a:schemeClr>
+                </a:solidFill>
+                <a:ea typeface="Microsoft GothicNeo"/>
+                <a:cs typeface="Microsoft GothicNeo"/>
+              </a:rPr>
+              <a:t>Multi</a:t>
+            </a:r>
+            <a:r>
+              <a:rPr lang="ko-KR" altLang="en-US" dirty="0" err="1">
+                <a:solidFill>
+                  <a:srgbClr val="FFFFFF">
+                    <a:alpha val="70000"/>
+                  </a:srgbClr>
+                </a:solidFill>
+                <a:ea typeface="Microsoft GothicNeo"/>
+                <a:cs typeface="Microsoft GothicNeo"/>
+              </a:rPr>
+              <a:t>Set</a:t>
+            </a:r>
+            <a:r>
+              <a:rPr lang="ko-KR" altLang="en-US" dirty="0">
+                <a:solidFill>
+                  <a:srgbClr val="FFFFFF">
+                    <a:alpha val="70000"/>
+                  </a:srgbClr>
+                </a:solidFill>
+                <a:ea typeface="Microsoft GothicNeo"/>
+                <a:cs typeface="Microsoft GothicNeo"/>
+              </a:rPr>
+              <a:t> : 중복이 허용되는 </a:t>
+            </a:r>
+            <a:r>
+              <a:rPr lang="ko-KR" altLang="en-US" dirty="0" err="1">
+                <a:solidFill>
+                  <a:srgbClr val="FFFFFF">
+                    <a:alpha val="70000"/>
+                  </a:srgbClr>
+                </a:solidFill>
+                <a:ea typeface="Microsoft GothicNeo"/>
+                <a:cs typeface="Microsoft GothicNeo"/>
+              </a:rPr>
+              <a:t>set</a:t>
+            </a:r>
+            <a:endParaRPr lang="ko-KR" altLang="en-US" dirty="0">
+              <a:solidFill>
+                <a:srgbClr val="FFFFFF">
+                  <a:alpha val="70000"/>
+                </a:srgbClr>
+              </a:solidFill>
+              <a:ea typeface="Microsoft GothicNeo"/>
+              <a:cs typeface="Microsoft GothicNeo"/>
+            </a:endParaRPr>
+          </a:p>
+          <a:p>
+            <a:pPr marL="0" indent="0">
+              <a:buNone/>
+            </a:pPr>
+            <a:r>
+              <a:rPr lang="ko-KR" altLang="en-US" dirty="0" err="1">
+                <a:solidFill>
+                  <a:srgbClr val="FFFFFF">
+                    <a:alpha val="70000"/>
+                  </a:srgbClr>
+                </a:solidFill>
+                <a:ea typeface="Microsoft GothicNeo"/>
+                <a:cs typeface="Microsoft GothicNeo"/>
+              </a:rPr>
+              <a:t>Map</a:t>
+            </a:r>
+            <a:r>
+              <a:rPr lang="ko-KR" altLang="en-US" dirty="0">
+                <a:solidFill>
+                  <a:srgbClr val="FFFFFF">
+                    <a:alpha val="70000"/>
+                  </a:srgbClr>
+                </a:solidFill>
+                <a:ea typeface="Microsoft GothicNeo"/>
+                <a:cs typeface="Microsoft GothicNeo"/>
+              </a:rPr>
+              <a:t> : </a:t>
+            </a:r>
+            <a:r>
+              <a:rPr lang="ko-KR" altLang="en-US" dirty="0" err="1">
+                <a:solidFill>
+                  <a:srgbClr val="FFFFFF">
+                    <a:alpha val="70000"/>
+                  </a:srgbClr>
+                </a:solidFill>
+                <a:ea typeface="Microsoft GothicNeo"/>
+                <a:cs typeface="Microsoft GothicNeo"/>
+              </a:rPr>
+              <a:t>key</a:t>
+            </a:r>
+            <a:r>
+              <a:rPr lang="ko-KR" altLang="en-US" dirty="0">
+                <a:solidFill>
+                  <a:srgbClr val="FFFFFF">
+                    <a:alpha val="70000"/>
+                  </a:srgbClr>
+                </a:solidFill>
+                <a:ea typeface="Microsoft GothicNeo"/>
+                <a:cs typeface="Microsoft GothicNeo"/>
+              </a:rPr>
+              <a:t> - </a:t>
+            </a:r>
+            <a:r>
+              <a:rPr lang="ko-KR" altLang="en-US" dirty="0" err="1">
+                <a:solidFill>
+                  <a:srgbClr val="FFFFFF">
+                    <a:alpha val="70000"/>
+                  </a:srgbClr>
+                </a:solidFill>
+                <a:ea typeface="Microsoft GothicNeo"/>
+                <a:cs typeface="Microsoft GothicNeo"/>
+              </a:rPr>
+              <a:t>value를</a:t>
+            </a:r>
+            <a:r>
+              <a:rPr lang="ko-KR" altLang="en-US" dirty="0">
+                <a:solidFill>
+                  <a:srgbClr val="FFFFFF">
+                    <a:alpha val="70000"/>
+                  </a:srgbClr>
+                </a:solidFill>
+                <a:ea typeface="Microsoft GothicNeo"/>
+                <a:cs typeface="Microsoft GothicNeo"/>
+              </a:rPr>
+              <a:t> 가지고 </a:t>
+            </a:r>
+            <a:r>
+              <a:rPr lang="ko-KR" altLang="en-US" dirty="0" err="1">
+                <a:solidFill>
+                  <a:srgbClr val="FFFFFF">
+                    <a:alpha val="70000"/>
+                  </a:srgbClr>
+                </a:solidFill>
+                <a:ea typeface="Microsoft GothicNeo"/>
+                <a:cs typeface="Microsoft GothicNeo"/>
+              </a:rPr>
+              <a:t>정렬을하하는</a:t>
+            </a:r>
+            <a:r>
+              <a:rPr lang="ko-KR" altLang="en-US" dirty="0">
+                <a:solidFill>
+                  <a:srgbClr val="FFFFFF">
+                    <a:alpha val="70000"/>
+                  </a:srgbClr>
+                </a:solidFill>
+                <a:ea typeface="Microsoft GothicNeo"/>
+                <a:cs typeface="Microsoft GothicNeo"/>
+              </a:rPr>
+              <a:t> 형태</a:t>
+            </a:r>
+          </a:p>
+          <a:p>
+            <a:pPr marL="0" indent="0">
+              <a:buNone/>
+            </a:pPr>
+            <a:r>
+              <a:rPr lang="ko-KR" altLang="en-US" b="1" err="1">
+                <a:solidFill>
+                  <a:schemeClr val="accent3">
+                    <a:lumMod val="75000"/>
+                  </a:schemeClr>
+                </a:solidFill>
+                <a:ea typeface="Microsoft GothicNeo"/>
+                <a:cs typeface="Microsoft GothicNeo"/>
+              </a:rPr>
+              <a:t>Multi</a:t>
+            </a:r>
+            <a:r>
+              <a:rPr lang="ko-KR" altLang="en-US" err="1">
+                <a:solidFill>
+                  <a:srgbClr val="FFFFFF">
+                    <a:alpha val="70000"/>
+                  </a:srgbClr>
+                </a:solidFill>
+                <a:ea typeface="Microsoft GothicNeo"/>
+                <a:cs typeface="Microsoft GothicNeo"/>
+              </a:rPr>
+              <a:t>Set</a:t>
+            </a:r>
+            <a:r>
+              <a:rPr lang="ko-KR" altLang="en-US" dirty="0">
+                <a:solidFill>
+                  <a:srgbClr val="FFFFFF">
+                    <a:alpha val="70000"/>
+                  </a:srgbClr>
+                </a:solidFill>
+                <a:ea typeface="Microsoft GothicNeo"/>
+                <a:cs typeface="Microsoft GothicNeo"/>
+              </a:rPr>
+              <a:t>: </a:t>
+            </a:r>
+            <a:r>
+              <a:rPr lang="ko-KR" altLang="en-US" err="1">
+                <a:solidFill>
+                  <a:srgbClr val="FFFFFF">
+                    <a:alpha val="70000"/>
+                  </a:srgbClr>
+                </a:solidFill>
+                <a:ea typeface="Microsoft GothicNeo"/>
+                <a:cs typeface="Microsoft GothicNeo"/>
+              </a:rPr>
+              <a:t>key가</a:t>
+            </a:r>
+            <a:r>
+              <a:rPr lang="ko-KR" altLang="en-US" dirty="0">
+                <a:solidFill>
+                  <a:srgbClr val="FFFFFF">
+                    <a:alpha val="70000"/>
+                  </a:srgbClr>
+                </a:solidFill>
+                <a:ea typeface="Microsoft GothicNeo"/>
+                <a:cs typeface="Microsoft GothicNeo"/>
+              </a:rPr>
+              <a:t> </a:t>
+            </a:r>
+            <a:r>
+              <a:rPr lang="ko-KR" altLang="en-US" err="1">
+                <a:solidFill>
+                  <a:srgbClr val="FFFFFF">
+                    <a:alpha val="70000"/>
+                  </a:srgbClr>
+                </a:solidFill>
+                <a:ea typeface="Microsoft GothicNeo"/>
+                <a:cs typeface="Microsoft GothicNeo"/>
+              </a:rPr>
+              <a:t>중복될수있는</a:t>
+            </a:r>
+            <a:r>
+              <a:rPr lang="ko-KR" altLang="en-US" dirty="0">
+                <a:solidFill>
+                  <a:srgbClr val="FFFFFF">
+                    <a:alpha val="70000"/>
+                  </a:srgbClr>
+                </a:solidFill>
+                <a:ea typeface="Microsoft GothicNeo"/>
+                <a:cs typeface="Microsoft GothicNeo"/>
+              </a:rPr>
+              <a:t> 형태.</a:t>
+            </a:r>
+          </a:p>
+        </p:txBody>
+      </p:sp>
+    </p:spTree>
+    <p:extLst>
+      <p:ext uri="{BB962C8B-B14F-4D97-AF65-F5344CB8AC3E}">
+        <p14:creationId xmlns:p14="http://schemas.microsoft.com/office/powerpoint/2010/main" val="1655551079"/>
+      </p:ext>
+    </p:extLst>
+  </p:cSld>
+  <p:clrMapOvr>
+    <a:masterClrMapping/>
+  </p:clrMapOvr>
+</p:sld>
+</file>
+
+<file path=ppt/slides/slide47.xml><?xml version="1.0" encoding="utf-8"?>
+<p:sld xmlns:a="http://schemas.openxmlformats.org/drawingml/2006/main" xmlns:r="http://schemas.openxmlformats.org/officeDocument/2006/relationships" xmlns:p="http://schemas.openxmlformats.org/presentationml/2006/main">
+  <p:cSld>
+    <p:spTree>
+      <p:nvGrpSpPr>
+        <p:cNvPr id="1" name=""/>
+        <p:cNvGrpSpPr/>
+        <p:nvPr/>
+      </p:nvGrpSpPr>
+      <p:grpSpPr>
+        <a:xfrm>
+          <a:off x="0" y="0"/>
+          <a:ext cx="0" cy="0"/>
+          <a:chOff x="0" y="0"/>
+          <a:chExt cx="0" cy="0"/>
+        </a:xfrm>
+      </p:grpSpPr>
+      <p:sp>
+        <p:nvSpPr>
+          <p:cNvPr id="2" name="제목 1">
+            <a:extLst>
+              <a:ext uri="{FF2B5EF4-FFF2-40B4-BE49-F238E27FC236}">
+                <a16:creationId xmlns:a16="http://schemas.microsoft.com/office/drawing/2014/main" id="{4643E85D-1543-1BAF-9C58-8E6398EB6151}"/>
+              </a:ext>
+            </a:extLst>
+          </p:cNvPr>
+          <p:cNvSpPr>
+            <a:spLocks noGrp="1"/>
+          </p:cNvSpPr>
+          <p:nvPr>
+            <p:ph type="title"/>
+          </p:nvPr>
+        </p:nvSpPr>
+        <p:spPr/>
+        <p:txBody>
+          <a:bodyPr/>
+          <a:lstStyle/>
+          <a:p>
+            <a:r>
+              <a:rPr lang="ko-KR" altLang="en-US" dirty="0">
+                <a:ea typeface="Microsoft GothicNeo"/>
+                <a:cs typeface="Microsoft GothicNeo"/>
+              </a:rPr>
+              <a:t>&lt; </a:t>
+            </a:r>
+            <a:r>
+              <a:rPr lang="ko-KR" altLang="en-US" dirty="0" err="1">
+                <a:ea typeface="Microsoft GothicNeo"/>
+                <a:cs typeface="Microsoft GothicNeo"/>
+              </a:rPr>
+              <a:t>Map</a:t>
+            </a:r>
+            <a:r>
+              <a:rPr lang="ko-KR" altLang="en-US" dirty="0">
+                <a:ea typeface="Microsoft GothicNeo"/>
+                <a:cs typeface="Microsoft GothicNeo"/>
+              </a:rPr>
+              <a:t> &gt;</a:t>
+            </a:r>
+            <a:endParaRPr lang="ko-KR" altLang="en-US" dirty="0"/>
+          </a:p>
+        </p:txBody>
+      </p:sp>
+      <p:sp>
+        <p:nvSpPr>
+          <p:cNvPr id="3" name="내용 개체 틀 2">
+            <a:extLst>
+              <a:ext uri="{FF2B5EF4-FFF2-40B4-BE49-F238E27FC236}">
+                <a16:creationId xmlns:a16="http://schemas.microsoft.com/office/drawing/2014/main" id="{F6BC30CD-4B13-89CC-9A79-FA27990F82C7}"/>
+              </a:ext>
+            </a:extLst>
+          </p:cNvPr>
+          <p:cNvSpPr>
+            <a:spLocks noGrp="1"/>
+          </p:cNvSpPr>
+          <p:nvPr>
+            <p:ph idx="1"/>
+          </p:nvPr>
+        </p:nvSpPr>
+        <p:spPr/>
+        <p:txBody>
+          <a:bodyPr lIns="109728" tIns="109728" rIns="109728" bIns="91440" anchor="t"/>
+          <a:lstStyle/>
+          <a:p>
+            <a:r>
+              <a:rPr lang="ko-KR" altLang="en-US" dirty="0" err="1">
+                <a:solidFill>
+                  <a:srgbClr val="FFFFFF">
+                    <a:alpha val="70000"/>
+                  </a:srgbClr>
+                </a:solidFill>
+                <a:ea typeface="Microsoft GothicNeo"/>
+                <a:cs typeface="Microsoft GothicNeo"/>
+              </a:rPr>
+              <a:t>Map</a:t>
+            </a:r>
+            <a:r>
+              <a:rPr lang="ko-KR" altLang="en-US" dirty="0">
+                <a:solidFill>
+                  <a:srgbClr val="FFFFFF">
+                    <a:alpha val="70000"/>
+                  </a:srgbClr>
+                </a:solidFill>
+                <a:ea typeface="Microsoft GothicNeo"/>
+                <a:cs typeface="Microsoft GothicNeo"/>
+              </a:rPr>
+              <a:t>&lt;</a:t>
+            </a:r>
+            <a:r>
+              <a:rPr lang="ko-KR" altLang="en-US" dirty="0" err="1">
+                <a:solidFill>
+                  <a:srgbClr val="FFFFFF">
+                    <a:alpha val="70000"/>
+                  </a:srgbClr>
+                </a:solidFill>
+                <a:ea typeface="Microsoft GothicNeo"/>
+                <a:cs typeface="Microsoft GothicNeo"/>
+              </a:rPr>
+              <a:t>string,int</a:t>
+            </a:r>
+            <a:r>
+              <a:rPr lang="ko-KR" altLang="en-US" dirty="0">
+                <a:solidFill>
+                  <a:srgbClr val="FFFFFF">
+                    <a:alpha val="70000"/>
+                  </a:srgbClr>
+                </a:solidFill>
+                <a:ea typeface="Microsoft GothicNeo"/>
+                <a:cs typeface="Microsoft GothicNeo"/>
+              </a:rPr>
+              <a:t>&gt; </a:t>
+            </a:r>
+            <a:r>
+              <a:rPr lang="ko-KR" altLang="en-US" dirty="0" err="1">
+                <a:solidFill>
+                  <a:srgbClr val="FFFFFF">
+                    <a:alpha val="70000"/>
+                  </a:srgbClr>
+                </a:solidFill>
+                <a:ea typeface="Microsoft GothicNeo"/>
+                <a:cs typeface="Microsoft GothicNeo"/>
+              </a:rPr>
+              <a:t>m</a:t>
+            </a:r>
+            <a:r>
+              <a:rPr lang="ko-KR" altLang="en-US" dirty="0">
+                <a:solidFill>
+                  <a:srgbClr val="FFFFFF">
+                    <a:alpha val="70000"/>
+                  </a:srgbClr>
+                </a:solidFill>
+                <a:ea typeface="Microsoft GothicNeo"/>
+                <a:cs typeface="Microsoft GothicNeo"/>
+              </a:rPr>
+              <a:t>;  </a:t>
+            </a:r>
+          </a:p>
+          <a:p>
+            <a:pPr marL="0" indent="0">
+              <a:buNone/>
+            </a:pPr>
+            <a:r>
+              <a:rPr lang="ko-KR" altLang="en-US" dirty="0" err="1">
+                <a:solidFill>
+                  <a:srgbClr val="FFFFFF">
+                    <a:alpha val="70000"/>
+                  </a:srgbClr>
+                </a:solidFill>
+                <a:ea typeface="Microsoft GothicNeo"/>
+                <a:cs typeface="Microsoft GothicNeo"/>
+              </a:rPr>
+              <a:t>Std</a:t>
+            </a:r>
+            <a:r>
+              <a:rPr lang="ko-KR" altLang="en-US" dirty="0">
+                <a:solidFill>
+                  <a:srgbClr val="FFFFFF">
+                    <a:alpha val="70000"/>
+                  </a:srgbClr>
+                </a:solidFill>
+                <a:ea typeface="Microsoft GothicNeo"/>
+                <a:cs typeface="Microsoft GothicNeo"/>
+              </a:rPr>
+              <a:t>::</a:t>
+            </a:r>
+            <a:r>
+              <a:rPr lang="ko-KR" altLang="en-US" dirty="0" err="1">
+                <a:solidFill>
+                  <a:srgbClr val="FFFFFF">
+                    <a:alpha val="70000"/>
+                  </a:srgbClr>
+                </a:solidFill>
+                <a:ea typeface="Microsoft GothicNeo"/>
+                <a:cs typeface="Microsoft GothicNeo"/>
+              </a:rPr>
+              <a:t>cin</a:t>
+            </a:r>
+            <a:r>
+              <a:rPr lang="ko-KR" altLang="en-US" dirty="0">
+                <a:solidFill>
+                  <a:srgbClr val="FFFFFF">
+                    <a:alpha val="70000"/>
+                  </a:srgbClr>
+                </a:solidFill>
+                <a:ea typeface="Microsoft GothicNeo"/>
+                <a:cs typeface="Microsoft GothicNeo"/>
+              </a:rPr>
+              <a:t> &gt;&gt; </a:t>
+            </a:r>
+            <a:r>
+              <a:rPr lang="ko-KR" altLang="en-US" dirty="0" err="1">
+                <a:solidFill>
+                  <a:srgbClr val="FFFFFF">
+                    <a:alpha val="70000"/>
+                  </a:srgbClr>
+                </a:solidFill>
+                <a:ea typeface="Microsoft GothicNeo"/>
+                <a:cs typeface="Microsoft GothicNeo"/>
+              </a:rPr>
+              <a:t>s</a:t>
+            </a:r>
+            <a:r>
+              <a:rPr lang="ko-KR" altLang="en-US" dirty="0">
+                <a:solidFill>
+                  <a:srgbClr val="FFFFFF">
+                    <a:alpha val="70000"/>
+                  </a:srgbClr>
+                </a:solidFill>
+                <a:ea typeface="Microsoft GothicNeo"/>
+                <a:cs typeface="Microsoft GothicNeo"/>
+              </a:rPr>
+              <a:t> ;</a:t>
+            </a:r>
+          </a:p>
+          <a:p>
+            <a:pPr marL="0" indent="0">
+              <a:buNone/>
+            </a:pPr>
+            <a:r>
+              <a:rPr lang="ko-KR" altLang="en-US" dirty="0" err="1">
+                <a:solidFill>
+                  <a:srgbClr val="FFFFFF">
+                    <a:alpha val="70000"/>
+                  </a:srgbClr>
+                </a:solidFill>
+                <a:ea typeface="Microsoft GothicNeo"/>
+                <a:cs typeface="Microsoft GothicNeo"/>
+              </a:rPr>
+              <a:t>M</a:t>
+            </a:r>
+            <a:r>
+              <a:rPr lang="ko-KR" altLang="en-US" dirty="0">
+                <a:solidFill>
+                  <a:srgbClr val="FFFFFF">
+                    <a:alpha val="70000"/>
+                  </a:srgbClr>
+                </a:solidFill>
+                <a:ea typeface="Microsoft GothicNeo"/>
+                <a:cs typeface="Microsoft GothicNeo"/>
+              </a:rPr>
+              <a:t>[</a:t>
+            </a:r>
+            <a:r>
+              <a:rPr lang="ko-KR" altLang="en-US" dirty="0" err="1">
+                <a:solidFill>
+                  <a:srgbClr val="FFFFFF">
+                    <a:alpha val="70000"/>
+                  </a:srgbClr>
+                </a:solidFill>
+                <a:ea typeface="Microsoft GothicNeo"/>
+                <a:cs typeface="Microsoft GothicNeo"/>
+              </a:rPr>
+              <a:t>s</a:t>
+            </a:r>
+            <a:r>
+              <a:rPr lang="ko-KR" altLang="en-US" dirty="0">
+                <a:solidFill>
+                  <a:srgbClr val="FFFFFF">
+                    <a:alpha val="70000"/>
+                  </a:srgbClr>
+                </a:solidFill>
+                <a:ea typeface="Microsoft GothicNeo"/>
+                <a:cs typeface="Microsoft GothicNeo"/>
+              </a:rPr>
+              <a:t>]++; // 만약 </a:t>
+            </a:r>
+            <a:r>
+              <a:rPr lang="ko-KR" altLang="en-US" dirty="0" err="1">
+                <a:solidFill>
+                  <a:srgbClr val="FFFFFF">
+                    <a:alpha val="70000"/>
+                  </a:srgbClr>
+                </a:solidFill>
+                <a:ea typeface="Microsoft GothicNeo"/>
+                <a:cs typeface="Microsoft GothicNeo"/>
+              </a:rPr>
+              <a:t>s가</a:t>
+            </a:r>
+            <a:r>
+              <a:rPr lang="ko-KR" altLang="en-US" dirty="0">
+                <a:solidFill>
+                  <a:srgbClr val="FFFFFF">
+                    <a:alpha val="70000"/>
+                  </a:srgbClr>
+                </a:solidFill>
+                <a:ea typeface="Microsoft GothicNeo"/>
+                <a:cs typeface="Microsoft GothicNeo"/>
+              </a:rPr>
+              <a:t> </a:t>
+            </a:r>
+            <a:r>
+              <a:rPr lang="ko-KR" altLang="en-US" dirty="0" err="1">
+                <a:solidFill>
+                  <a:srgbClr val="FFFFFF">
+                    <a:alpha val="70000"/>
+                  </a:srgbClr>
+                </a:solidFill>
+                <a:ea typeface="Microsoft GothicNeo"/>
+                <a:cs typeface="Microsoft GothicNeo"/>
+              </a:rPr>
+              <a:t>없었을경우우</a:t>
+            </a:r>
+            <a:r>
+              <a:rPr lang="ko-KR" altLang="en-US" dirty="0">
+                <a:solidFill>
+                  <a:srgbClr val="FFFFFF">
+                    <a:alpha val="70000"/>
+                  </a:srgbClr>
+                </a:solidFill>
+                <a:ea typeface="Microsoft GothicNeo"/>
+                <a:cs typeface="Microsoft GothicNeo"/>
+              </a:rPr>
+              <a:t> 자동으로 </a:t>
+            </a:r>
+            <a:r>
+              <a:rPr lang="ko-KR" altLang="en-US" dirty="0" err="1">
+                <a:solidFill>
+                  <a:srgbClr val="FFFFFF">
+                    <a:alpha val="70000"/>
+                  </a:srgbClr>
+                </a:solidFill>
+                <a:ea typeface="Microsoft GothicNeo"/>
+                <a:cs typeface="Microsoft GothicNeo"/>
+              </a:rPr>
+              <a:t>m에</a:t>
+            </a:r>
+            <a:r>
+              <a:rPr lang="ko-KR" altLang="en-US" dirty="0">
+                <a:solidFill>
+                  <a:srgbClr val="FFFFFF">
+                    <a:alpha val="70000"/>
+                  </a:srgbClr>
+                </a:solidFill>
+                <a:ea typeface="Microsoft GothicNeo"/>
+                <a:cs typeface="Microsoft GothicNeo"/>
+              </a:rPr>
+              <a:t> 요소가 추가되며 </a:t>
+            </a:r>
+          </a:p>
+          <a:p>
+            <a:pPr marL="0" indent="0">
+              <a:buNone/>
+            </a:pPr>
+            <a:r>
+              <a:rPr lang="ko-KR" altLang="en-US" dirty="0">
+                <a:solidFill>
+                  <a:srgbClr val="FFFFFF">
+                    <a:alpha val="70000"/>
+                  </a:srgbClr>
+                </a:solidFill>
+                <a:ea typeface="Microsoft GothicNeo"/>
+                <a:cs typeface="Microsoft GothicNeo"/>
+              </a:rPr>
+              <a:t>++로 인해  값이 추가된다.</a:t>
+            </a:r>
+          </a:p>
+          <a:p>
+            <a:pPr marL="0" indent="0">
+              <a:buNone/>
+            </a:pPr>
+            <a:r>
+              <a:rPr lang="ko-KR" altLang="en-US" dirty="0" err="1">
+                <a:solidFill>
+                  <a:srgbClr val="FFFFFF">
+                    <a:alpha val="70000"/>
+                  </a:srgbClr>
+                </a:solidFill>
+                <a:ea typeface="Microsoft GothicNeo"/>
+                <a:cs typeface="Microsoft GothicNeo"/>
+              </a:rPr>
+              <a:t>For</a:t>
+            </a:r>
+            <a:r>
+              <a:rPr lang="ko-KR" altLang="en-US" dirty="0">
+                <a:solidFill>
+                  <a:srgbClr val="FFFFFF">
+                    <a:alpha val="70000"/>
+                  </a:srgbClr>
+                </a:solidFill>
+                <a:ea typeface="Microsoft GothicNeo"/>
+                <a:cs typeface="Microsoft GothicNeo"/>
+              </a:rPr>
+              <a:t>(</a:t>
+            </a:r>
+            <a:r>
+              <a:rPr lang="ko-KR" altLang="en-US" dirty="0" err="1">
+                <a:solidFill>
+                  <a:srgbClr val="FFFFFF">
+                    <a:alpha val="70000"/>
+                  </a:srgbClr>
+                </a:solidFill>
+                <a:ea typeface="Microsoft GothicNeo"/>
+                <a:cs typeface="Microsoft GothicNeo"/>
+              </a:rPr>
+              <a:t>Map</a:t>
+            </a:r>
+            <a:r>
+              <a:rPr lang="ko-KR" altLang="en-US" dirty="0">
+                <a:solidFill>
+                  <a:srgbClr val="FFFFFF">
+                    <a:alpha val="70000"/>
+                  </a:srgbClr>
+                </a:solidFill>
+                <a:ea typeface="Microsoft GothicNeo"/>
+                <a:cs typeface="Microsoft GothicNeo"/>
+              </a:rPr>
+              <a:t>&lt;</a:t>
+            </a:r>
+            <a:r>
+              <a:rPr lang="ko-KR" altLang="en-US" dirty="0" err="1">
+                <a:solidFill>
+                  <a:srgbClr val="FFFFFF">
+                    <a:alpha val="70000"/>
+                  </a:srgbClr>
+                </a:solidFill>
+                <a:ea typeface="Microsoft GothicNeo"/>
+                <a:cs typeface="Microsoft GothicNeo"/>
+              </a:rPr>
+              <a:t>string,int</a:t>
+            </a:r>
+            <a:r>
+              <a:rPr lang="ko-KR" altLang="en-US" dirty="0">
+                <a:solidFill>
+                  <a:srgbClr val="FFFFFF">
+                    <a:alpha val="70000"/>
+                  </a:srgbClr>
+                </a:solidFill>
+                <a:ea typeface="Microsoft GothicNeo"/>
+                <a:cs typeface="Microsoft GothicNeo"/>
+              </a:rPr>
+              <a:t>&gt;::</a:t>
+            </a:r>
+            <a:r>
+              <a:rPr lang="ko-KR" altLang="en-US" dirty="0" err="1">
+                <a:solidFill>
+                  <a:srgbClr val="FFFFFF">
+                    <a:alpha val="70000"/>
+                  </a:srgbClr>
+                </a:solidFill>
+                <a:ea typeface="Microsoft GothicNeo"/>
+                <a:cs typeface="Microsoft GothicNeo"/>
+              </a:rPr>
+              <a:t>iterator</a:t>
+            </a:r>
+            <a:r>
+              <a:rPr lang="ko-KR" altLang="en-US" dirty="0">
+                <a:solidFill>
+                  <a:srgbClr val="FFFFFF">
+                    <a:alpha val="70000"/>
+                  </a:srgbClr>
+                </a:solidFill>
+                <a:ea typeface="Microsoft GothicNeo"/>
+                <a:cs typeface="Microsoft GothicNeo"/>
+              </a:rPr>
+              <a:t> </a:t>
+            </a:r>
+            <a:r>
+              <a:rPr lang="ko-KR" altLang="en-US" dirty="0" err="1">
+                <a:solidFill>
+                  <a:srgbClr val="FFFFFF">
+                    <a:alpha val="70000"/>
+                  </a:srgbClr>
+                </a:solidFill>
+                <a:ea typeface="Microsoft GothicNeo"/>
+                <a:cs typeface="Microsoft GothicNeo"/>
+              </a:rPr>
+              <a:t>iter</a:t>
+            </a:r>
+            <a:r>
+              <a:rPr lang="ko-KR" altLang="en-US" dirty="0">
+                <a:solidFill>
+                  <a:srgbClr val="FFFFFF">
+                    <a:alpha val="70000"/>
+                  </a:srgbClr>
+                </a:solidFill>
+                <a:ea typeface="Microsoft GothicNeo"/>
+                <a:cs typeface="Microsoft GothicNeo"/>
+              </a:rPr>
+              <a:t> ; </a:t>
+            </a:r>
+            <a:r>
+              <a:rPr lang="ko-KR" altLang="en-US" dirty="0" err="1">
+                <a:solidFill>
+                  <a:srgbClr val="FFFFFF">
+                    <a:alpha val="70000"/>
+                  </a:srgbClr>
+                </a:solidFill>
+                <a:ea typeface="Microsoft GothicNeo"/>
+                <a:cs typeface="Microsoft GothicNeo"/>
+              </a:rPr>
+              <a:t>iter</a:t>
+            </a:r>
+            <a:r>
+              <a:rPr lang="ko-KR" altLang="en-US" dirty="0">
+                <a:solidFill>
+                  <a:srgbClr val="FFFFFF">
+                    <a:alpha val="70000"/>
+                  </a:srgbClr>
+                </a:solidFill>
+                <a:ea typeface="Microsoft GothicNeo"/>
+                <a:cs typeface="Microsoft GothicNeo"/>
+              </a:rPr>
+              <a:t> != </a:t>
+            </a:r>
+            <a:r>
+              <a:rPr lang="ko-KR" altLang="en-US" dirty="0" err="1">
+                <a:solidFill>
+                  <a:srgbClr val="FFFFFF">
+                    <a:alpha val="70000"/>
+                  </a:srgbClr>
+                </a:solidFill>
+                <a:ea typeface="Microsoft GothicNeo"/>
+                <a:cs typeface="Microsoft GothicNeo"/>
+              </a:rPr>
+              <a:t>m.end</a:t>
+            </a:r>
+            <a:r>
+              <a:rPr lang="ko-KR" altLang="en-US" dirty="0">
+                <a:solidFill>
+                  <a:srgbClr val="FFFFFF">
+                    <a:alpha val="70000"/>
+                  </a:srgbClr>
+                </a:solidFill>
+                <a:ea typeface="Microsoft GothicNeo"/>
+                <a:cs typeface="Microsoft GothicNeo"/>
+              </a:rPr>
+              <a:t>(); </a:t>
+            </a:r>
+            <a:r>
+              <a:rPr lang="ko-KR" altLang="en-US" dirty="0" err="1">
+                <a:solidFill>
+                  <a:srgbClr val="FFFFFF">
+                    <a:alpha val="70000"/>
+                  </a:srgbClr>
+                </a:solidFill>
+                <a:ea typeface="Microsoft GothicNeo"/>
+                <a:cs typeface="Microsoft GothicNeo"/>
+              </a:rPr>
+              <a:t>iter</a:t>
+            </a:r>
+            <a:r>
+              <a:rPr lang="ko-KR" altLang="en-US" dirty="0">
+                <a:solidFill>
+                  <a:srgbClr val="FFFFFF">
+                    <a:alpha val="70000"/>
+                  </a:srgbClr>
+                </a:solidFill>
+                <a:ea typeface="Microsoft GothicNeo"/>
+                <a:cs typeface="Microsoft GothicNeo"/>
+              </a:rPr>
+              <a:t>++)</a:t>
+            </a:r>
+          </a:p>
+          <a:p>
+            <a:pPr marL="0" indent="0">
+              <a:buNone/>
+            </a:pPr>
+            <a:r>
+              <a:rPr lang="ko-KR" altLang="en-US" dirty="0">
+                <a:solidFill>
+                  <a:srgbClr val="FFFFFF">
+                    <a:alpha val="70000"/>
+                  </a:srgbClr>
+                </a:solidFill>
+                <a:ea typeface="Microsoft GothicNeo"/>
+                <a:cs typeface="Microsoft GothicNeo"/>
+              </a:rPr>
+              <a:t>       // </a:t>
+            </a:r>
+            <a:r>
+              <a:rPr lang="ko-KR" altLang="en-US" dirty="0" err="1">
+                <a:solidFill>
+                  <a:srgbClr val="FFFFFF">
+                    <a:alpha val="70000"/>
+                  </a:srgbClr>
+                </a:solidFill>
+                <a:ea typeface="Microsoft GothicNeo"/>
+                <a:cs typeface="Microsoft GothicNeo"/>
+              </a:rPr>
+              <a:t>Iter</a:t>
+            </a:r>
+            <a:r>
+              <a:rPr lang="ko-KR" altLang="en-US" dirty="0">
+                <a:solidFill>
+                  <a:srgbClr val="FFFFFF">
+                    <a:alpha val="70000"/>
+                  </a:srgbClr>
+                </a:solidFill>
+                <a:ea typeface="Microsoft GothicNeo"/>
+                <a:cs typeface="Microsoft GothicNeo"/>
+              </a:rPr>
+              <a:t>-&gt;</a:t>
+            </a:r>
+            <a:r>
+              <a:rPr lang="ko-KR" altLang="en-US" dirty="0" err="1">
+                <a:solidFill>
+                  <a:srgbClr val="FFFFFF">
+                    <a:alpha val="70000"/>
+                  </a:srgbClr>
+                </a:solidFill>
+                <a:ea typeface="Microsoft GothicNeo"/>
+                <a:cs typeface="Microsoft GothicNeo"/>
+              </a:rPr>
+              <a:t>first</a:t>
+            </a:r>
+            <a:r>
+              <a:rPr lang="ko-KR" altLang="en-US" dirty="0">
+                <a:solidFill>
+                  <a:srgbClr val="FFFFFF">
+                    <a:alpha val="70000"/>
+                  </a:srgbClr>
+                </a:solidFill>
+                <a:ea typeface="Microsoft GothicNeo"/>
+                <a:cs typeface="Microsoft GothicNeo"/>
+              </a:rPr>
+              <a:t>  || </a:t>
+            </a:r>
+            <a:r>
+              <a:rPr lang="ko-KR" altLang="en-US" dirty="0" err="1">
+                <a:solidFill>
+                  <a:srgbClr val="FFFFFF">
+                    <a:alpha val="70000"/>
+                  </a:srgbClr>
+                </a:solidFill>
+                <a:ea typeface="Microsoft GothicNeo"/>
+                <a:cs typeface="Microsoft GothicNeo"/>
+              </a:rPr>
+              <a:t>iter.second</a:t>
+            </a:r>
+            <a:r>
+              <a:rPr lang="ko-KR" altLang="en-US" dirty="0">
+                <a:solidFill>
+                  <a:srgbClr val="FFFFFF">
+                    <a:alpha val="70000"/>
+                  </a:srgbClr>
+                </a:solidFill>
+                <a:ea typeface="Microsoft GothicNeo"/>
+                <a:cs typeface="Microsoft GothicNeo"/>
+              </a:rPr>
+              <a:t> 로 </a:t>
+            </a:r>
+            <a:r>
+              <a:rPr lang="ko-KR" altLang="en-US" dirty="0" err="1">
+                <a:solidFill>
+                  <a:srgbClr val="FFFFFF">
+                    <a:alpha val="70000"/>
+                  </a:srgbClr>
+                </a:solidFill>
+                <a:ea typeface="Microsoft GothicNeo"/>
+                <a:cs typeface="Microsoft GothicNeo"/>
+              </a:rPr>
+              <a:t>key_value</a:t>
+            </a:r>
+            <a:r>
+              <a:rPr lang="ko-KR" altLang="en-US" dirty="0">
+                <a:solidFill>
+                  <a:srgbClr val="FFFFFF">
+                    <a:alpha val="70000"/>
+                  </a:srgbClr>
+                </a:solidFill>
+                <a:ea typeface="Microsoft GothicNeo"/>
+                <a:cs typeface="Microsoft GothicNeo"/>
+              </a:rPr>
+              <a:t> 접근이 가능하다</a:t>
+            </a:r>
+          </a:p>
+        </p:txBody>
+      </p:sp>
+    </p:spTree>
+    <p:extLst>
+      <p:ext uri="{BB962C8B-B14F-4D97-AF65-F5344CB8AC3E}">
+        <p14:creationId xmlns:p14="http://schemas.microsoft.com/office/powerpoint/2010/main" val="1868433268"/>
+      </p:ext>
+    </p:extLst>
+  </p:cSld>
+  <p:clrMapOvr>
+    <a:masterClrMapping/>
+  </p:clrMapOvr>
+</p:sld>
+</file>
+
+<file path=ppt/slides/slide48.xml><?xml version="1.0" encoding="utf-8"?>
+<p:sld xmlns:a="http://schemas.openxmlformats.org/drawingml/2006/main" xmlns:r="http://schemas.openxmlformats.org/officeDocument/2006/relationships" xmlns:p="http://schemas.openxmlformats.org/presentationml/2006/main">
+  <p:cSld>
+    <p:spTree>
+      <p:nvGrpSpPr>
+        <p:cNvPr id="1" name=""/>
+        <p:cNvGrpSpPr/>
+        <p:nvPr/>
+      </p:nvGrpSpPr>
+      <p:grpSpPr>
+        <a:xfrm>
+          <a:off x="0" y="0"/>
+          <a:ext cx="0" cy="0"/>
+          <a:chOff x="0" y="0"/>
+          <a:chExt cx="0" cy="0"/>
+        </a:xfrm>
+      </p:grpSpPr>
+      <p:sp>
+        <p:nvSpPr>
+          <p:cNvPr id="2" name="제목 1">
+            <a:extLst>
+              <a:ext uri="{FF2B5EF4-FFF2-40B4-BE49-F238E27FC236}">
+                <a16:creationId xmlns:a16="http://schemas.microsoft.com/office/drawing/2014/main" id="{0F57333C-7BC7-F9A2-EA22-B0EE9E43CF2E}"/>
+              </a:ext>
+            </a:extLst>
+          </p:cNvPr>
+          <p:cNvSpPr>
+            <a:spLocks noGrp="1"/>
+          </p:cNvSpPr>
+          <p:nvPr>
+            <p:ph type="title"/>
+          </p:nvPr>
+        </p:nvSpPr>
+        <p:spPr/>
+        <p:txBody>
+          <a:bodyPr/>
+          <a:lstStyle/>
+          <a:p>
+            <a:r>
+              <a:rPr lang="ko-KR" altLang="en-US" dirty="0">
+                <a:ea typeface="Microsoft GothicNeo"/>
+                <a:cs typeface="Microsoft GothicNeo"/>
+              </a:rPr>
+              <a:t>&lt; 반복자 &gt; </a:t>
+            </a:r>
+            <a:endParaRPr lang="ko-KR" altLang="en-US" dirty="0"/>
+          </a:p>
+        </p:txBody>
+      </p:sp>
+      <p:sp>
+        <p:nvSpPr>
+          <p:cNvPr id="3" name="내용 개체 틀 2">
+            <a:extLst>
+              <a:ext uri="{FF2B5EF4-FFF2-40B4-BE49-F238E27FC236}">
+                <a16:creationId xmlns:a16="http://schemas.microsoft.com/office/drawing/2014/main" id="{4C41D762-493B-55BD-485D-3A0353BFA79B}"/>
+              </a:ext>
+            </a:extLst>
+          </p:cNvPr>
+          <p:cNvSpPr>
+            <a:spLocks noGrp="1"/>
+          </p:cNvSpPr>
+          <p:nvPr>
+            <p:ph idx="1"/>
+          </p:nvPr>
+        </p:nvSpPr>
+        <p:spPr>
+          <a:xfrm>
+            <a:off x="762000" y="2104030"/>
+            <a:ext cx="10668000" cy="4000053"/>
+          </a:xfrm>
+        </p:spPr>
+        <p:txBody>
+          <a:bodyPr lIns="109728" tIns="109728" rIns="109728" bIns="91440" anchor="t"/>
+          <a:lstStyle/>
+          <a:p>
+            <a:r>
+              <a:rPr lang="ko-KR" altLang="en-US" err="1">
+                <a:solidFill>
+                  <a:srgbClr val="FFFFFF">
+                    <a:alpha val="70000"/>
+                  </a:srgbClr>
+                </a:solidFill>
+                <a:ea typeface="Microsoft GothicNeo"/>
+                <a:cs typeface="Microsoft GothicNeo"/>
+              </a:rPr>
+              <a:t>Iterator는</a:t>
+            </a:r>
+            <a:r>
+              <a:rPr lang="ko-KR" altLang="en-US" dirty="0">
+                <a:solidFill>
+                  <a:srgbClr val="FFFFFF">
+                    <a:alpha val="70000"/>
+                  </a:srgbClr>
+                </a:solidFill>
+                <a:ea typeface="Microsoft GothicNeo"/>
+                <a:cs typeface="Microsoft GothicNeo"/>
+              </a:rPr>
+              <a:t> 여러가지 컨테이너들을 다루기 쉽게 </a:t>
+            </a:r>
+            <a:r>
+              <a:rPr lang="ko-KR" altLang="en-US" b="1" dirty="0">
+                <a:solidFill>
+                  <a:schemeClr val="accent3">
+                    <a:lumMod val="75000"/>
+                  </a:schemeClr>
+                </a:solidFill>
+                <a:ea typeface="Microsoft GothicNeo"/>
+                <a:cs typeface="Microsoft GothicNeo"/>
+              </a:rPr>
+              <a:t>다음 요소로 향하는 </a:t>
+            </a:r>
+            <a:r>
+              <a:rPr lang="ko-KR" altLang="en-US" b="1" err="1">
+                <a:solidFill>
+                  <a:schemeClr val="accent3">
+                    <a:lumMod val="75000"/>
+                  </a:schemeClr>
+                </a:solidFill>
+                <a:ea typeface="Microsoft GothicNeo"/>
+                <a:cs typeface="Microsoft GothicNeo"/>
+              </a:rPr>
+              <a:t>pointer의</a:t>
+            </a:r>
+            <a:r>
+              <a:rPr lang="ko-KR" altLang="en-US" b="1" dirty="0">
+                <a:solidFill>
+                  <a:schemeClr val="accent3">
+                    <a:lumMod val="75000"/>
+                  </a:schemeClr>
+                </a:solidFill>
+                <a:ea typeface="Microsoft GothicNeo"/>
+                <a:cs typeface="Microsoft GothicNeo"/>
+              </a:rPr>
+              <a:t> 역할</a:t>
+            </a:r>
+            <a:r>
+              <a:rPr lang="ko-KR" altLang="en-US" dirty="0">
+                <a:solidFill>
+                  <a:srgbClr val="FFFFFF">
+                    <a:alpha val="70000"/>
+                  </a:srgbClr>
+                </a:solidFill>
+                <a:ea typeface="Microsoft GothicNeo"/>
+                <a:cs typeface="Microsoft GothicNeo"/>
+              </a:rPr>
+              <a:t>을 가지고있다.</a:t>
+            </a:r>
+          </a:p>
+          <a:p>
+            <a:r>
+              <a:rPr lang="ko-KR" altLang="en-US" dirty="0" err="1">
+                <a:solidFill>
+                  <a:srgbClr val="FFFFFF">
+                    <a:alpha val="70000"/>
+                  </a:srgbClr>
+                </a:solidFill>
+                <a:ea typeface="Microsoft GothicNeo"/>
+                <a:cs typeface="Microsoft GothicNeo"/>
+              </a:rPr>
+              <a:t>Iterator로</a:t>
+            </a:r>
+            <a:r>
+              <a:rPr lang="ko-KR" altLang="en-US" dirty="0">
+                <a:solidFill>
+                  <a:srgbClr val="FFFFFF">
+                    <a:alpha val="70000"/>
+                  </a:srgbClr>
+                </a:solidFill>
+                <a:ea typeface="Microsoft GothicNeo"/>
+                <a:cs typeface="Microsoft GothicNeo"/>
+              </a:rPr>
+              <a:t> 인해 다른 컨테이너에서도 일괄적으로 </a:t>
+            </a:r>
+            <a:r>
+              <a:rPr lang="ko-KR" altLang="en-US" dirty="0" err="1">
+                <a:solidFill>
+                  <a:srgbClr val="FFFFFF">
+                    <a:alpha val="70000"/>
+                  </a:srgbClr>
+                </a:solidFill>
+                <a:ea typeface="Microsoft GothicNeo"/>
+                <a:cs typeface="Microsoft GothicNeo"/>
+              </a:rPr>
+              <a:t>사용할수있는</a:t>
+            </a:r>
+          </a:p>
+          <a:p>
+            <a:pPr marL="0" indent="0">
+              <a:buNone/>
+            </a:pPr>
+            <a:r>
+              <a:rPr lang="ko-KR" altLang="en-US" dirty="0">
+                <a:solidFill>
+                  <a:srgbClr val="FFFFFF">
+                    <a:alpha val="70000"/>
+                  </a:srgbClr>
+                </a:solidFill>
+                <a:ea typeface="Microsoft GothicNeo"/>
+                <a:cs typeface="Microsoft GothicNeo"/>
+              </a:rPr>
+              <a:t>일반화 프로그래밍을 구현하였고 내부적으로 </a:t>
+            </a:r>
+            <a:r>
+              <a:rPr lang="ko-KR" altLang="en-US" dirty="0" err="1">
+                <a:solidFill>
+                  <a:srgbClr val="FFFFFF">
+                    <a:alpha val="70000"/>
+                  </a:srgbClr>
+                </a:solidFill>
+                <a:ea typeface="Microsoft GothicNeo"/>
+                <a:cs typeface="Microsoft GothicNeo"/>
+              </a:rPr>
+              <a:t>template를</a:t>
+            </a:r>
+            <a:r>
+              <a:rPr lang="ko-KR" altLang="en-US" dirty="0">
+                <a:solidFill>
+                  <a:srgbClr val="FFFFFF">
+                    <a:alpha val="70000"/>
+                  </a:srgbClr>
+                </a:solidFill>
+                <a:ea typeface="Microsoft GothicNeo"/>
+                <a:cs typeface="Microsoft GothicNeo"/>
+              </a:rPr>
+              <a:t> 사용하여 </a:t>
+            </a:r>
+            <a:r>
+              <a:rPr lang="ko-KR" altLang="en-US" dirty="0" err="1">
+                <a:solidFill>
+                  <a:srgbClr val="FFFFFF">
+                    <a:alpha val="70000"/>
+                  </a:srgbClr>
+                </a:solidFill>
+                <a:ea typeface="Microsoft GothicNeo"/>
+                <a:cs typeface="Microsoft GothicNeo"/>
+              </a:rPr>
+              <a:t>구현한것으로</a:t>
+            </a:r>
+            <a:r>
+              <a:rPr lang="ko-KR" altLang="en-US" dirty="0">
+                <a:solidFill>
+                  <a:srgbClr val="FFFFFF">
+                    <a:alpha val="70000"/>
+                  </a:srgbClr>
+                </a:solidFill>
+                <a:ea typeface="Microsoft GothicNeo"/>
+                <a:cs typeface="Microsoft GothicNeo"/>
+              </a:rPr>
+              <a:t> 보인다.</a:t>
+            </a:r>
+          </a:p>
+          <a:p>
+            <a:pPr marL="0" indent="0">
+              <a:buNone/>
+            </a:pPr>
+            <a:r>
+              <a:rPr lang="ko-KR" altLang="en-US" dirty="0">
+                <a:solidFill>
+                  <a:srgbClr val="FFFFFF">
+                    <a:alpha val="70000"/>
+                  </a:srgbClr>
+                </a:solidFill>
+                <a:ea typeface="Microsoft GothicNeo"/>
+                <a:cs typeface="Microsoft GothicNeo"/>
+              </a:rPr>
+              <a:t>++연산자오버로딩을 통해 </a:t>
+            </a:r>
+            <a:r>
+              <a:rPr lang="ko-KR" altLang="en-US" dirty="0" err="1">
+                <a:solidFill>
+                  <a:srgbClr val="FFFFFF">
+                    <a:alpha val="70000"/>
+                  </a:srgbClr>
+                </a:solidFill>
+                <a:ea typeface="Microsoft GothicNeo"/>
+                <a:cs typeface="Microsoft GothicNeo"/>
+              </a:rPr>
+              <a:t>논리적,물리적으로</a:t>
+            </a:r>
+            <a:r>
+              <a:rPr lang="ko-KR" altLang="en-US" dirty="0">
+                <a:solidFill>
+                  <a:srgbClr val="FFFFFF">
+                    <a:alpha val="70000"/>
+                  </a:srgbClr>
+                </a:solidFill>
+                <a:ea typeface="Microsoft GothicNeo"/>
+                <a:cs typeface="Microsoft GothicNeo"/>
+              </a:rPr>
+              <a:t> 순차접근이 가능하다.</a:t>
+            </a:r>
+          </a:p>
+          <a:p>
+            <a:pPr marL="0" indent="0">
+              <a:buNone/>
+            </a:pPr>
+            <a:r>
+              <a:rPr lang="ko-KR" altLang="en-US" b="1" err="1">
+                <a:solidFill>
+                  <a:schemeClr val="accent3">
+                    <a:lumMod val="75000"/>
+                  </a:schemeClr>
+                </a:solidFill>
+                <a:ea typeface="Microsoft GothicNeo"/>
+                <a:cs typeface="Microsoft GothicNeo"/>
+              </a:rPr>
+              <a:t>Iterator에서</a:t>
+            </a:r>
+            <a:r>
+              <a:rPr lang="ko-KR" altLang="en-US" b="1" dirty="0">
+                <a:solidFill>
+                  <a:schemeClr val="accent3">
+                    <a:lumMod val="75000"/>
+                  </a:schemeClr>
+                </a:solidFill>
+                <a:ea typeface="Microsoft GothicNeo"/>
+                <a:cs typeface="Microsoft GothicNeo"/>
+              </a:rPr>
+              <a:t> 컨테이너들이 가지는 객체의 </a:t>
+            </a:r>
+            <a:r>
+              <a:rPr lang="ko-KR" altLang="en-US" b="1" err="1">
+                <a:solidFill>
+                  <a:schemeClr val="accent3">
+                    <a:lumMod val="75000"/>
+                  </a:schemeClr>
+                </a:solidFill>
+                <a:ea typeface="Microsoft GothicNeo"/>
+                <a:cs typeface="Microsoft GothicNeo"/>
+              </a:rPr>
+              <a:t>end</a:t>
+            </a:r>
+            <a:r>
+              <a:rPr lang="ko-KR" altLang="en-US" b="1" dirty="0">
+                <a:solidFill>
+                  <a:schemeClr val="accent3">
+                    <a:lumMod val="75000"/>
+                  </a:schemeClr>
+                </a:solidFill>
+                <a:ea typeface="Microsoft GothicNeo"/>
+                <a:cs typeface="Microsoft GothicNeo"/>
+              </a:rPr>
+              <a:t>()는 실제로 데이터가 </a:t>
+            </a:r>
+            <a:r>
+              <a:rPr lang="ko-KR" altLang="en-US" b="1" err="1">
+                <a:solidFill>
+                  <a:schemeClr val="accent3">
+                    <a:lumMod val="75000"/>
+                  </a:schemeClr>
+                </a:solidFill>
+                <a:ea typeface="Microsoft GothicNeo"/>
+                <a:cs typeface="Microsoft GothicNeo"/>
+              </a:rPr>
+              <a:t>들어있지않으므로</a:t>
+            </a:r>
+            <a:r>
+              <a:rPr lang="ko-KR" altLang="en-US" b="1" dirty="0">
+                <a:solidFill>
+                  <a:schemeClr val="accent3">
+                    <a:lumMod val="75000"/>
+                  </a:schemeClr>
+                </a:solidFill>
+                <a:ea typeface="Microsoft GothicNeo"/>
+                <a:cs typeface="Microsoft GothicNeo"/>
+              </a:rPr>
+              <a:t> </a:t>
+            </a:r>
+            <a:r>
+              <a:rPr lang="ko-KR" altLang="en-US" b="1" err="1">
+                <a:solidFill>
+                  <a:schemeClr val="accent3">
+                    <a:lumMod val="75000"/>
+                  </a:schemeClr>
+                </a:solidFill>
+                <a:ea typeface="Microsoft GothicNeo"/>
+                <a:cs typeface="Microsoft GothicNeo"/>
+              </a:rPr>
+              <a:t>null을</a:t>
+            </a:r>
+            <a:r>
+              <a:rPr lang="ko-KR" altLang="en-US" b="1" dirty="0">
+                <a:solidFill>
+                  <a:schemeClr val="accent3">
+                    <a:lumMod val="75000"/>
+                  </a:schemeClr>
+                </a:solidFill>
+                <a:ea typeface="Microsoft GothicNeo"/>
+                <a:cs typeface="Microsoft GothicNeo"/>
+              </a:rPr>
+              <a:t> 갖기에 사용에 </a:t>
+            </a:r>
+            <a:r>
+              <a:rPr lang="ko-KR" altLang="en-US" b="1" err="1">
+                <a:solidFill>
+                  <a:schemeClr val="accent3">
+                    <a:lumMod val="75000"/>
+                  </a:schemeClr>
+                </a:solidFill>
+                <a:ea typeface="Microsoft GothicNeo"/>
+                <a:cs typeface="Microsoft GothicNeo"/>
+              </a:rPr>
+              <a:t>유의하여야한다</a:t>
+            </a:r>
+            <a:r>
+              <a:rPr lang="ko-KR" altLang="en-US" b="1" dirty="0">
+                <a:solidFill>
+                  <a:schemeClr val="accent3">
+                    <a:lumMod val="75000"/>
+                  </a:schemeClr>
+                </a:solidFill>
+                <a:ea typeface="Microsoft GothicNeo"/>
+                <a:cs typeface="Microsoft GothicNeo"/>
+              </a:rPr>
+              <a:t>.</a:t>
+            </a:r>
+          </a:p>
+        </p:txBody>
+      </p:sp>
+    </p:spTree>
+    <p:extLst>
+      <p:ext uri="{BB962C8B-B14F-4D97-AF65-F5344CB8AC3E}">
+        <p14:creationId xmlns:p14="http://schemas.microsoft.com/office/powerpoint/2010/main" val="127638776"/>
+      </p:ext>
+    </p:extLst>
+  </p:cSld>
+  <p:clrMapOvr>
+    <a:masterClrMapping/>
+  </p:clrMapOvr>
+</p:sld>
+</file>
+
 <file path=ppt/slides/slide5.xml><?xml version="1.0" encoding="utf-8"?>
 <p:sld xmlns:a="http://schemas.openxmlformats.org/drawingml/2006/main" xmlns:r="http://schemas.openxmlformats.org/officeDocument/2006/relationships" xmlns:p="http://schemas.openxmlformats.org/presentationml/2006/main">
   <p:cSld>

--- a/전공지식/C언어의 기초/C언어 기초지식.pptx
+++ b/전공지식/C언어의 기초/C언어 기초지식.pptx
@@ -53,6 +53,11 @@
     <p:sldId id="302" r:id="rId47"/>
     <p:sldId id="303" r:id="rId48"/>
     <p:sldId id="304" r:id="rId49"/>
+    <p:sldId id="305" r:id="rId50"/>
+    <p:sldId id="306" r:id="rId51"/>
+    <p:sldId id="307" r:id="rId52"/>
+    <p:sldId id="308" r:id="rId53"/>
+    <p:sldId id="309" r:id="rId54"/>
   </p:sldIdLst>
   <p:sldSz cx="12192000" cy="6858000"/>
   <p:notesSz cx="6858000" cy="9144000"/>
@@ -164,6 +169,7 @@
   <p1510:revLst>
     <p1510:client id="{68FA48E1-8A62-4041-A1F4-B32A27D0A544}" v="264" dt="2023-10-21T14:52:49.774"/>
     <p1510:client id="{70AA4CCD-8E10-434E-868F-5C5E0A410C2E}" v="3097" dt="2023-10-17T12:35:51.078"/>
+    <p1510:client id="{7714E316-76DC-4FA9-834C-D956377333FE}" v="746" dt="2023-10-24T17:17:00.856"/>
     <p1510:client id="{773FEA85-BD00-400D-8917-366C44315C9D}" v="1719" dt="2023-10-19T11:41:03.164"/>
     <p1510:client id="{95F9D723-334F-40E2-9BD2-493BAD9321A6}" v="1499" dt="2023-10-23T15:06:12.089"/>
     <p1510:client id="{B9D2BD16-586F-47BD-8BBE-467168D151DF}" v="1667" dt="2023-10-24T14:46:02.688"/>
@@ -33795,6 +33801,366 @@
 </p:sld>
 </file>
 
+<file path=ppt/slides/slide49.xml><?xml version="1.0" encoding="utf-8"?>
+<p:sld xmlns:a="http://schemas.openxmlformats.org/drawingml/2006/main" xmlns:r="http://schemas.openxmlformats.org/officeDocument/2006/relationships" xmlns:p="http://schemas.openxmlformats.org/presentationml/2006/main">
+  <p:cSld>
+    <p:spTree>
+      <p:nvGrpSpPr>
+        <p:cNvPr id="1" name=""/>
+        <p:cNvGrpSpPr/>
+        <p:nvPr/>
+      </p:nvGrpSpPr>
+      <p:grpSpPr>
+        <a:xfrm>
+          <a:off x="0" y="0"/>
+          <a:ext cx="0" cy="0"/>
+          <a:chOff x="0" y="0"/>
+          <a:chExt cx="0" cy="0"/>
+        </a:xfrm>
+      </p:grpSpPr>
+      <p:sp>
+        <p:nvSpPr>
+          <p:cNvPr id="2" name="제목 1">
+            <a:extLst>
+              <a:ext uri="{FF2B5EF4-FFF2-40B4-BE49-F238E27FC236}">
+                <a16:creationId xmlns:a16="http://schemas.microsoft.com/office/drawing/2014/main" id="{499AF511-CBFA-A508-C1A9-F58FBB4338F4}"/>
+              </a:ext>
+            </a:extLst>
+          </p:cNvPr>
+          <p:cNvSpPr>
+            <a:spLocks noGrp="1"/>
+          </p:cNvSpPr>
+          <p:nvPr>
+            <p:ph type="title"/>
+          </p:nvPr>
+        </p:nvSpPr>
+        <p:spPr/>
+        <p:txBody>
+          <a:bodyPr/>
+          <a:lstStyle/>
+          <a:p>
+            <a:r>
+              <a:rPr lang="ko-KR" altLang="en-US" dirty="0">
+                <a:ea typeface="Microsoft GothicNeo"/>
+                <a:cs typeface="Microsoft GothicNeo"/>
+              </a:rPr>
+              <a:t>&lt;컨테이너 </a:t>
+            </a:r>
+            <a:r>
+              <a:rPr lang="ko-KR" altLang="en-US" dirty="0" err="1">
+                <a:ea typeface="Microsoft GothicNeo"/>
+                <a:cs typeface="Microsoft GothicNeo"/>
+              </a:rPr>
+              <a:t>어뎁터</a:t>
+            </a:r>
+            <a:r>
+              <a:rPr lang="ko-KR" altLang="en-US" dirty="0">
+                <a:ea typeface="Microsoft GothicNeo"/>
+                <a:cs typeface="Microsoft GothicNeo"/>
+              </a:rPr>
+              <a:t> &gt; // </a:t>
+            </a:r>
+            <a:r>
+              <a:rPr lang="ko-KR" altLang="en-US" dirty="0" err="1">
+                <a:ea typeface="Microsoft GothicNeo"/>
+                <a:cs typeface="Microsoft GothicNeo"/>
+              </a:rPr>
+              <a:t>stack</a:t>
+            </a:r>
+            <a:r>
+              <a:rPr lang="ko-KR" altLang="en-US" dirty="0">
+                <a:ea typeface="Microsoft GothicNeo"/>
+                <a:cs typeface="Microsoft GothicNeo"/>
+              </a:rPr>
+              <a:t> &amp; </a:t>
+            </a:r>
+            <a:r>
+              <a:rPr lang="ko-KR" altLang="en-US" dirty="0" err="1">
+                <a:ea typeface="Microsoft GothicNeo"/>
+                <a:cs typeface="Microsoft GothicNeo"/>
+              </a:rPr>
+              <a:t>queue</a:t>
+            </a:r>
+            <a:endParaRPr lang="ko-KR" altLang="en-US" dirty="0" err="1"/>
+          </a:p>
+        </p:txBody>
+      </p:sp>
+      <p:sp>
+        <p:nvSpPr>
+          <p:cNvPr id="3" name="내용 개체 틀 2">
+            <a:extLst>
+              <a:ext uri="{FF2B5EF4-FFF2-40B4-BE49-F238E27FC236}">
+                <a16:creationId xmlns:a16="http://schemas.microsoft.com/office/drawing/2014/main" id="{7567D0A5-DE26-1C26-6793-1BF5EFC0C66E}"/>
+              </a:ext>
+            </a:extLst>
+          </p:cNvPr>
+          <p:cNvSpPr>
+            <a:spLocks noGrp="1"/>
+          </p:cNvSpPr>
+          <p:nvPr>
+            <p:ph idx="1"/>
+          </p:nvPr>
+        </p:nvSpPr>
+        <p:spPr/>
+        <p:txBody>
+          <a:bodyPr lIns="109728" tIns="109728" rIns="109728" bIns="91440" anchor="t"/>
+          <a:lstStyle/>
+          <a:p>
+            <a:r>
+              <a:rPr lang="ko-KR" altLang="en-US" dirty="0">
+                <a:solidFill>
+                  <a:srgbClr val="FFFFFF">
+                    <a:alpha val="70000"/>
+                  </a:srgbClr>
+                </a:solidFill>
+                <a:ea typeface="Microsoft GothicNeo"/>
+                <a:cs typeface="Microsoft GothicNeo"/>
+              </a:rPr>
+              <a:t>이미 존재하는 컨테이너로 새로운 기능을 제공하기위해 만들어짐</a:t>
+            </a:r>
+          </a:p>
+          <a:p>
+            <a:r>
+              <a:rPr lang="ko-KR" altLang="en-US" dirty="0" err="1">
+                <a:solidFill>
+                  <a:srgbClr val="FFFFFF">
+                    <a:alpha val="70000"/>
+                  </a:srgbClr>
+                </a:solidFill>
+                <a:ea typeface="Microsoft GothicNeo"/>
+                <a:cs typeface="Microsoft GothicNeo"/>
+              </a:rPr>
+              <a:t>Stack</a:t>
+            </a:r>
+            <a:r>
+              <a:rPr lang="ko-KR" altLang="en-US" dirty="0">
+                <a:solidFill>
+                  <a:srgbClr val="FFFFFF">
+                    <a:alpha val="70000"/>
+                  </a:srgbClr>
+                </a:solidFill>
+                <a:ea typeface="Microsoft GothicNeo"/>
+                <a:cs typeface="Microsoft GothicNeo"/>
+              </a:rPr>
+              <a:t> 은 </a:t>
+            </a:r>
+            <a:r>
+              <a:rPr lang="ko-KR" altLang="en-US" dirty="0" err="1">
+                <a:solidFill>
+                  <a:srgbClr val="FFFFFF">
+                    <a:alpha val="70000"/>
+                  </a:srgbClr>
+                </a:solidFill>
+                <a:ea typeface="Microsoft GothicNeo"/>
+                <a:cs typeface="Microsoft GothicNeo"/>
+              </a:rPr>
+              <a:t>회문을</a:t>
+            </a:r>
+            <a:r>
+              <a:rPr lang="ko-KR" altLang="en-US" dirty="0">
+                <a:solidFill>
+                  <a:srgbClr val="FFFFFF">
+                    <a:alpha val="70000"/>
+                  </a:srgbClr>
+                </a:solidFill>
+                <a:ea typeface="Microsoft GothicNeo"/>
+                <a:cs typeface="Microsoft GothicNeo"/>
+              </a:rPr>
+              <a:t> 검사하거나 자료형을 입력과 출력을 거꾸로 </a:t>
+            </a:r>
+            <a:r>
+              <a:rPr lang="ko-KR" altLang="en-US" dirty="0" err="1">
+                <a:solidFill>
+                  <a:srgbClr val="FFFFFF">
+                    <a:alpha val="70000"/>
+                  </a:srgbClr>
+                </a:solidFill>
+                <a:ea typeface="Microsoft GothicNeo"/>
+                <a:cs typeface="Microsoft GothicNeo"/>
+              </a:rPr>
+              <a:t>하고싶을떄</a:t>
+            </a:r>
+            <a:r>
+              <a:rPr lang="ko-KR" altLang="en-US" dirty="0">
+                <a:solidFill>
+                  <a:srgbClr val="FFFFFF">
+                    <a:alpha val="70000"/>
+                  </a:srgbClr>
+                </a:solidFill>
+                <a:ea typeface="Microsoft GothicNeo"/>
+                <a:cs typeface="Microsoft GothicNeo"/>
+              </a:rPr>
+              <a:t> 사용함.</a:t>
+            </a:r>
+          </a:p>
+          <a:p>
+            <a:r>
+              <a:rPr lang="ko-KR" altLang="en-US" dirty="0" err="1">
+                <a:solidFill>
+                  <a:srgbClr val="FFFFFF">
+                    <a:alpha val="70000"/>
+                  </a:srgbClr>
+                </a:solidFill>
+                <a:ea typeface="Microsoft GothicNeo"/>
+                <a:cs typeface="Microsoft GothicNeo"/>
+              </a:rPr>
+              <a:t>Queue는</a:t>
+            </a:r>
+            <a:r>
+              <a:rPr lang="ko-KR" altLang="en-US" dirty="0">
+                <a:solidFill>
+                  <a:srgbClr val="FFFFFF">
+                    <a:alpha val="70000"/>
+                  </a:srgbClr>
+                </a:solidFill>
+                <a:ea typeface="Microsoft GothicNeo"/>
+                <a:cs typeface="Microsoft GothicNeo"/>
+              </a:rPr>
+              <a:t> </a:t>
+            </a:r>
+            <a:r>
+              <a:rPr lang="ko-KR" altLang="en-US" dirty="0" err="1">
+                <a:solidFill>
+                  <a:srgbClr val="FFFFFF">
+                    <a:alpha val="70000"/>
+                  </a:srgbClr>
+                </a:solidFill>
+                <a:ea typeface="Microsoft GothicNeo"/>
+                <a:cs typeface="Microsoft GothicNeo"/>
+              </a:rPr>
+              <a:t>BFS에서</a:t>
+            </a:r>
+            <a:r>
+              <a:rPr lang="ko-KR" altLang="en-US" dirty="0">
+                <a:solidFill>
+                  <a:srgbClr val="FFFFFF">
+                    <a:alpha val="70000"/>
+                  </a:srgbClr>
+                </a:solidFill>
+                <a:ea typeface="Microsoft GothicNeo"/>
+                <a:cs typeface="Microsoft GothicNeo"/>
+              </a:rPr>
+              <a:t> 사용용</a:t>
+            </a:r>
+          </a:p>
+          <a:p>
+            <a:r>
+              <a:rPr lang="ko-KR" altLang="en-US" dirty="0">
+                <a:solidFill>
+                  <a:srgbClr val="FFFFFF">
+                    <a:alpha val="70000"/>
+                  </a:srgbClr>
+                </a:solidFill>
+                <a:ea typeface="Microsoft GothicNeo"/>
+                <a:cs typeface="Microsoft GothicNeo"/>
+              </a:rPr>
+              <a:t>우선순위 큐는 </a:t>
+            </a:r>
+            <a:r>
+              <a:rPr lang="ko-KR" altLang="en-US" dirty="0" err="1">
+                <a:solidFill>
+                  <a:srgbClr val="FFFFFF">
+                    <a:alpha val="70000"/>
+                  </a:srgbClr>
+                </a:solidFill>
+                <a:ea typeface="Microsoft GothicNeo"/>
+                <a:cs typeface="Microsoft GothicNeo"/>
+              </a:rPr>
+              <a:t>탐색할떄</a:t>
+            </a:r>
+            <a:r>
+              <a:rPr lang="ko-KR" altLang="en-US" dirty="0">
+                <a:solidFill>
+                  <a:srgbClr val="FFFFFF">
+                    <a:alpha val="70000"/>
+                  </a:srgbClr>
+                </a:solidFill>
+                <a:ea typeface="Microsoft GothicNeo"/>
+                <a:cs typeface="Microsoft GothicNeo"/>
+              </a:rPr>
+              <a:t> </a:t>
+            </a:r>
+            <a:r>
+              <a:rPr lang="ko-KR" altLang="en-US" dirty="0" err="1">
+                <a:solidFill>
+                  <a:srgbClr val="FFFFFF">
+                    <a:alpha val="70000"/>
+                  </a:srgbClr>
+                </a:solidFill>
+                <a:ea typeface="Microsoft GothicNeo"/>
+                <a:cs typeface="Microsoft GothicNeo"/>
+              </a:rPr>
+              <a:t>최소힙</a:t>
+            </a:r>
+            <a:r>
+              <a:rPr lang="ko-KR" altLang="en-US" dirty="0">
+                <a:solidFill>
+                  <a:srgbClr val="FFFFFF">
+                    <a:alpha val="70000"/>
+                  </a:srgbClr>
+                </a:solidFill>
+                <a:ea typeface="Microsoft GothicNeo"/>
+                <a:cs typeface="Microsoft GothicNeo"/>
+              </a:rPr>
+              <a:t> 이나 </a:t>
+            </a:r>
+            <a:r>
+              <a:rPr lang="ko-KR" altLang="en-US" dirty="0" err="1">
+                <a:solidFill>
+                  <a:srgbClr val="FFFFFF">
+                    <a:alpha val="70000"/>
+                  </a:srgbClr>
+                </a:solidFill>
+                <a:ea typeface="Microsoft GothicNeo"/>
+                <a:cs typeface="Microsoft GothicNeo"/>
+              </a:rPr>
+              <a:t>최대힙힙을</a:t>
+            </a:r>
+            <a:r>
+              <a:rPr lang="ko-KR" altLang="en-US" dirty="0">
+                <a:solidFill>
+                  <a:srgbClr val="FFFFFF">
+                    <a:alpha val="70000"/>
+                  </a:srgbClr>
+                </a:solidFill>
+                <a:ea typeface="Microsoft GothicNeo"/>
+                <a:cs typeface="Microsoft GothicNeo"/>
+              </a:rPr>
+              <a:t> 이용해 이분탐색을 한다.</a:t>
+            </a:r>
+          </a:p>
+          <a:p>
+            <a:pPr marL="0" indent="0">
+              <a:buNone/>
+            </a:pPr>
+            <a:r>
+              <a:rPr lang="ko-KR" altLang="en-US" dirty="0">
+                <a:solidFill>
+                  <a:srgbClr val="FFFFFF">
+                    <a:alpha val="70000"/>
+                  </a:srgbClr>
+                </a:solidFill>
+                <a:ea typeface="Microsoft GothicNeo"/>
+                <a:cs typeface="Microsoft GothicNeo"/>
+              </a:rPr>
+              <a:t>=&gt; 때문에 데이터의 량의 탐색에 쓰인다.</a:t>
+            </a:r>
+          </a:p>
+        </p:txBody>
+      </p:sp>
+    </p:spTree>
+    <p:extLst>
+      <p:ext uri="{BB962C8B-B14F-4D97-AF65-F5344CB8AC3E}">
+        <p14:creationId xmlns:p14="http://schemas.microsoft.com/office/powerpoint/2010/main" val="1611843895"/>
+      </p:ext>
+    </p:extLst>
+  </p:cSld>
+  <p:clrMapOvr>
+    <a:masterClrMapping/>
+  </p:clrMapOvr>
+</p:sld>
+</file>
+
 <file path=ppt/slides/slide5.xml><?xml version="1.0" encoding="utf-8"?>
 <p:sld xmlns:a="http://schemas.openxmlformats.org/drawingml/2006/main" xmlns:r="http://schemas.openxmlformats.org/officeDocument/2006/relationships" xmlns:p="http://schemas.openxmlformats.org/presentationml/2006/main">
   <p:cSld>
@@ -34130,6 +34496,1959 @@
     <p:extLst>
       <p:ext uri="{BB962C8B-B14F-4D97-AF65-F5344CB8AC3E}">
         <p14:creationId xmlns:p14="http://schemas.microsoft.com/office/powerpoint/2010/main" val="3868318990"/>
+      </p:ext>
+    </p:extLst>
+  </p:cSld>
+  <p:clrMapOvr>
+    <a:masterClrMapping/>
+  </p:clrMapOvr>
+</p:sld>
+</file>
+
+<file path=ppt/slides/slide50.xml><?xml version="1.0" encoding="utf-8"?>
+<p:sld xmlns:a="http://schemas.openxmlformats.org/drawingml/2006/main" xmlns:r="http://schemas.openxmlformats.org/officeDocument/2006/relationships" xmlns:p="http://schemas.openxmlformats.org/presentationml/2006/main">
+  <p:cSld>
+    <p:spTree>
+      <p:nvGrpSpPr>
+        <p:cNvPr id="1" name=""/>
+        <p:cNvGrpSpPr/>
+        <p:nvPr/>
+      </p:nvGrpSpPr>
+      <p:grpSpPr>
+        <a:xfrm>
+          <a:off x="0" y="0"/>
+          <a:ext cx="0" cy="0"/>
+          <a:chOff x="0" y="0"/>
+          <a:chExt cx="0" cy="0"/>
+        </a:xfrm>
+      </p:grpSpPr>
+      <p:sp>
+        <p:nvSpPr>
+          <p:cNvPr id="2" name="제목 1">
+            <a:extLst>
+              <a:ext uri="{FF2B5EF4-FFF2-40B4-BE49-F238E27FC236}">
+                <a16:creationId xmlns:a16="http://schemas.microsoft.com/office/drawing/2014/main" id="{36C5168E-17FC-A1C5-D4F5-28C656C347E7}"/>
+              </a:ext>
+            </a:extLst>
+          </p:cNvPr>
+          <p:cNvSpPr>
+            <a:spLocks noGrp="1"/>
+          </p:cNvSpPr>
+          <p:nvPr>
+            <p:ph type="title"/>
+          </p:nvPr>
+        </p:nvSpPr>
+        <p:spPr/>
+        <p:txBody>
+          <a:bodyPr/>
+          <a:lstStyle/>
+          <a:p>
+            <a:r>
+              <a:rPr lang="ko-KR" altLang="en-US" dirty="0">
+                <a:ea typeface="Microsoft GothicNeo"/>
+                <a:cs typeface="Microsoft GothicNeo"/>
+              </a:rPr>
+              <a:t>&lt; </a:t>
+            </a:r>
+            <a:r>
+              <a:rPr lang="ko-KR" altLang="en-US" dirty="0" err="1">
+                <a:ea typeface="Microsoft GothicNeo"/>
+                <a:cs typeface="Microsoft GothicNeo"/>
+              </a:rPr>
+              <a:t>Algorithm</a:t>
+            </a:r>
+            <a:r>
+              <a:rPr lang="ko-KR" altLang="en-US" dirty="0">
+                <a:ea typeface="Microsoft GothicNeo"/>
+                <a:cs typeface="Microsoft GothicNeo"/>
+              </a:rPr>
+              <a:t> 헤더파일 &gt;</a:t>
+            </a:r>
+            <a:endParaRPr lang="ko-KR" altLang="en-US" dirty="0"/>
+          </a:p>
+        </p:txBody>
+      </p:sp>
+      <p:sp>
+        <p:nvSpPr>
+          <p:cNvPr id="3" name="내용 개체 틀 2">
+            <a:extLst>
+              <a:ext uri="{FF2B5EF4-FFF2-40B4-BE49-F238E27FC236}">
+                <a16:creationId xmlns:a16="http://schemas.microsoft.com/office/drawing/2014/main" id="{85CA71FB-092F-1DE9-8C33-CBB054D55FDC}"/>
+              </a:ext>
+            </a:extLst>
+          </p:cNvPr>
+          <p:cNvSpPr>
+            <a:spLocks noGrp="1"/>
+          </p:cNvSpPr>
+          <p:nvPr>
+            <p:ph idx="1"/>
+          </p:nvPr>
+        </p:nvSpPr>
+        <p:spPr/>
+        <p:txBody>
+          <a:bodyPr lIns="109728" tIns="109728" rIns="109728" bIns="91440" anchor="t"/>
+          <a:lstStyle/>
+          <a:p>
+            <a:r>
+              <a:rPr lang="ko-KR" altLang="en-US" b="1" dirty="0">
+                <a:solidFill>
+                  <a:schemeClr val="accent2">
+                    <a:lumMod val="75000"/>
+                  </a:schemeClr>
+                </a:solidFill>
+                <a:ea typeface="Microsoft GothicNeo"/>
+                <a:cs typeface="Microsoft GothicNeo"/>
+              </a:rPr>
+              <a:t>코딩테스트에서 매우 효과적으로 사용될 헤더파일이다.</a:t>
+            </a:r>
+          </a:p>
+          <a:p>
+            <a:r>
+              <a:rPr lang="ko-KR" altLang="en-US" dirty="0">
+                <a:solidFill>
+                  <a:srgbClr val="FFFFFF">
+                    <a:alpha val="70000"/>
+                  </a:srgbClr>
+                </a:solidFill>
+                <a:ea typeface="Microsoft GothicNeo"/>
+                <a:cs typeface="Microsoft GothicNeo"/>
+              </a:rPr>
+              <a:t>컨테이너의 어댑터는 입출력에 관련이 있었다고 한다면</a:t>
+            </a:r>
+            <a:endParaRPr lang="ko-KR" dirty="0"/>
+          </a:p>
+          <a:p>
+            <a:pPr marL="0" indent="0">
+              <a:buNone/>
+            </a:pPr>
+            <a:r>
+              <a:rPr lang="ko-KR" altLang="en-US" dirty="0">
+                <a:solidFill>
+                  <a:srgbClr val="FFFFFF">
+                    <a:alpha val="70000"/>
+                  </a:srgbClr>
+                </a:solidFill>
+                <a:ea typeface="Microsoft GothicNeo"/>
+                <a:cs typeface="Microsoft GothicNeo"/>
+              </a:rPr>
+              <a:t>컨테이너의 알고리즘을 담당하는 헤더파일이다.</a:t>
+            </a:r>
+          </a:p>
+          <a:p>
+            <a:pPr>
+              <a:buFont typeface="Arial"/>
+            </a:pPr>
+            <a:r>
+              <a:rPr lang="ko-KR" dirty="0">
+                <a:solidFill>
+                  <a:srgbClr val="FFFFFF">
+                    <a:alpha val="70000"/>
+                  </a:srgbClr>
+                </a:solidFill>
+                <a:ea typeface="+mn-lt"/>
+                <a:cs typeface="+mn-lt"/>
+              </a:rPr>
+              <a:t>변경 알고리즘과 </a:t>
+            </a:r>
+            <a:r>
+              <a:rPr lang="ko-KR" altLang="en-US" err="1">
+                <a:solidFill>
+                  <a:srgbClr val="FFFFFF">
+                    <a:alpha val="70000"/>
+                  </a:srgbClr>
+                </a:solidFill>
+                <a:ea typeface="+mn-lt"/>
+                <a:cs typeface="+mn-lt"/>
+              </a:rPr>
+              <a:t>비변경</a:t>
+            </a:r>
+            <a:r>
+              <a:rPr lang="ko-KR" altLang="en-US" dirty="0">
+                <a:solidFill>
+                  <a:srgbClr val="FFFFFF">
+                    <a:alpha val="70000"/>
+                  </a:srgbClr>
+                </a:solidFill>
+                <a:ea typeface="+mn-lt"/>
+                <a:cs typeface="+mn-lt"/>
+              </a:rPr>
+              <a:t> 알고리즘이 </a:t>
+            </a:r>
+            <a:r>
+              <a:rPr lang="ko-KR" dirty="0">
+                <a:solidFill>
+                  <a:srgbClr val="FFFFFF">
+                    <a:alpha val="70000"/>
+                  </a:srgbClr>
+                </a:solidFill>
+                <a:ea typeface="+mn-lt"/>
+                <a:cs typeface="+mn-lt"/>
+              </a:rPr>
+              <a:t>존재한다</a:t>
+            </a:r>
+            <a:r>
+              <a:rPr lang="en-US" altLang="ko-KR" dirty="0">
+                <a:solidFill>
+                  <a:srgbClr val="FFFFFF">
+                    <a:alpha val="70000"/>
+                  </a:srgbClr>
+                </a:solidFill>
+                <a:ea typeface="+mn-lt"/>
+                <a:cs typeface="+mn-lt"/>
+              </a:rPr>
+              <a:t>.</a:t>
+            </a:r>
+            <a:r>
+              <a:rPr lang="ko-KR" altLang="en-US" dirty="0">
+                <a:solidFill>
+                  <a:srgbClr val="FFFFFF">
+                    <a:alpha val="70000"/>
+                  </a:srgbClr>
+                </a:solidFill>
+                <a:ea typeface="+mn-lt"/>
+                <a:cs typeface="+mn-lt"/>
+              </a:rPr>
+              <a:t> </a:t>
+            </a:r>
+          </a:p>
+          <a:p>
+            <a:pPr marL="0" indent="0">
+              <a:buNone/>
+            </a:pPr>
+            <a:r>
+              <a:rPr lang="ko-KR" altLang="en-US" dirty="0">
+                <a:solidFill>
+                  <a:srgbClr val="FFFFFF">
+                    <a:alpha val="70000"/>
+                  </a:srgbClr>
+                </a:solidFill>
+                <a:ea typeface="Microsoft GothicNeo"/>
+                <a:cs typeface="Microsoft GothicNeo"/>
+              </a:rPr>
+              <a:t>변경 알고리즘 : 컨테이너의 요소를 바꾸는 알고리즘</a:t>
+            </a:r>
+          </a:p>
+          <a:p>
+            <a:pPr marL="0" indent="0">
+              <a:buNone/>
+            </a:pPr>
+            <a:r>
+              <a:rPr lang="ko-KR" altLang="en-US" dirty="0" err="1">
+                <a:solidFill>
+                  <a:srgbClr val="FFFFFF">
+                    <a:alpha val="70000"/>
+                  </a:srgbClr>
+                </a:solidFill>
+                <a:ea typeface="Microsoft GothicNeo"/>
+                <a:cs typeface="Microsoft GothicNeo"/>
+              </a:rPr>
+              <a:t>비변경</a:t>
+            </a:r>
+            <a:r>
+              <a:rPr lang="ko-KR" altLang="en-US" dirty="0">
+                <a:solidFill>
+                  <a:srgbClr val="FFFFFF">
+                    <a:alpha val="70000"/>
+                  </a:srgbClr>
+                </a:solidFill>
+                <a:ea typeface="Microsoft GothicNeo"/>
+                <a:cs typeface="Microsoft GothicNeo"/>
+              </a:rPr>
+              <a:t> 알고리즘 : 컨테이너의 요소는 변경하지 않는 알고리즘 </a:t>
+            </a:r>
+          </a:p>
+        </p:txBody>
+      </p:sp>
+    </p:spTree>
+    <p:extLst>
+      <p:ext uri="{BB962C8B-B14F-4D97-AF65-F5344CB8AC3E}">
+        <p14:creationId xmlns:p14="http://schemas.microsoft.com/office/powerpoint/2010/main" val="1369555356"/>
+      </p:ext>
+    </p:extLst>
+  </p:cSld>
+  <p:clrMapOvr>
+    <a:masterClrMapping/>
+  </p:clrMapOvr>
+</p:sld>
+</file>
+
+<file path=ppt/slides/slide51.xml><?xml version="1.0" encoding="utf-8"?>
+<p:sld xmlns:a="http://schemas.openxmlformats.org/drawingml/2006/main" xmlns:r="http://schemas.openxmlformats.org/officeDocument/2006/relationships" xmlns:p="http://schemas.openxmlformats.org/presentationml/2006/main">
+  <p:cSld>
+    <p:spTree>
+      <p:nvGrpSpPr>
+        <p:cNvPr id="1" name=""/>
+        <p:cNvGrpSpPr/>
+        <p:nvPr/>
+      </p:nvGrpSpPr>
+      <p:grpSpPr>
+        <a:xfrm>
+          <a:off x="0" y="0"/>
+          <a:ext cx="0" cy="0"/>
+          <a:chOff x="0" y="0"/>
+          <a:chExt cx="0" cy="0"/>
+        </a:xfrm>
+      </p:grpSpPr>
+      <p:sp>
+        <p:nvSpPr>
+          <p:cNvPr id="2" name="제목 1">
+            <a:extLst>
+              <a:ext uri="{FF2B5EF4-FFF2-40B4-BE49-F238E27FC236}">
+                <a16:creationId xmlns:a16="http://schemas.microsoft.com/office/drawing/2014/main" id="{A53C1D64-2840-B79F-34C6-AFF2AB253AE4}"/>
+              </a:ext>
+            </a:extLst>
+          </p:cNvPr>
+          <p:cNvSpPr>
+            <a:spLocks noGrp="1"/>
+          </p:cNvSpPr>
+          <p:nvPr>
+            <p:ph type="title"/>
+          </p:nvPr>
+        </p:nvSpPr>
+        <p:spPr/>
+        <p:txBody>
+          <a:bodyPr/>
+          <a:lstStyle/>
+          <a:p>
+            <a:r>
+              <a:rPr lang="ko-KR" altLang="en-US" dirty="0">
+                <a:ea typeface="Microsoft GothicNeo"/>
+                <a:cs typeface="Microsoft GothicNeo"/>
+              </a:rPr>
+              <a:t>&lt; </a:t>
+            </a:r>
+            <a:r>
+              <a:rPr lang="ko-KR" altLang="en-US" dirty="0" err="1">
+                <a:ea typeface="Microsoft GothicNeo"/>
+                <a:cs typeface="Microsoft GothicNeo"/>
+              </a:rPr>
+              <a:t>비변경</a:t>
+            </a:r>
+            <a:r>
+              <a:rPr lang="ko-KR" altLang="en-US" dirty="0">
+                <a:ea typeface="Microsoft GothicNeo"/>
+                <a:cs typeface="Microsoft GothicNeo"/>
+              </a:rPr>
+              <a:t> 알고리즘 &gt;</a:t>
+            </a:r>
+            <a:br>
+              <a:rPr lang="ko-KR" altLang="en-US" dirty="0">
+                <a:ea typeface="Microsoft GothicNeo"/>
+                <a:cs typeface="Microsoft GothicNeo"/>
+              </a:rPr>
+            </a:br>
+            <a:r>
+              <a:rPr lang="ko-KR" altLang="en-US" sz="3200" dirty="0">
+                <a:solidFill>
+                  <a:srgbClr val="00B050"/>
+                </a:solidFill>
+                <a:ea typeface="Microsoft GothicNeo"/>
+                <a:cs typeface="Microsoft GothicNeo"/>
+              </a:rPr>
+              <a:t>     계수 알고리즘</a:t>
+            </a:r>
+            <a:endParaRPr lang="ko-KR" altLang="en-US" sz="3200" b="0">
+              <a:solidFill>
+                <a:srgbClr val="00B050"/>
+              </a:solidFill>
+              <a:ea typeface="Microsoft GothicNeo"/>
+              <a:cs typeface="Microsoft GothicNeo"/>
+            </a:endParaRPr>
+          </a:p>
+        </p:txBody>
+      </p:sp>
+      <p:sp>
+        <p:nvSpPr>
+          <p:cNvPr id="3" name="내용 개체 틀 2">
+            <a:extLst>
+              <a:ext uri="{FF2B5EF4-FFF2-40B4-BE49-F238E27FC236}">
+                <a16:creationId xmlns:a16="http://schemas.microsoft.com/office/drawing/2014/main" id="{B5A564F5-BF18-FD52-BD70-E11959A81EE9}"/>
+              </a:ext>
+            </a:extLst>
+          </p:cNvPr>
+          <p:cNvSpPr>
+            <a:spLocks noGrp="1"/>
+          </p:cNvSpPr>
+          <p:nvPr>
+            <p:ph idx="1"/>
+          </p:nvPr>
+        </p:nvSpPr>
+        <p:spPr/>
+        <p:txBody>
+          <a:bodyPr lIns="109728" tIns="109728" rIns="109728" bIns="91440" anchor="t"/>
+          <a:lstStyle/>
+          <a:p>
+            <a:r>
+              <a:rPr lang="ko-KR" altLang="en-US" b="1" err="1">
+                <a:solidFill>
+                  <a:schemeClr val="accent2">
+                    <a:lumMod val="75000"/>
+                  </a:schemeClr>
+                </a:solidFill>
+                <a:ea typeface="Microsoft GothicNeo"/>
+                <a:cs typeface="Microsoft GothicNeo"/>
+              </a:rPr>
+              <a:t>Count</a:t>
+            </a:r>
+            <a:r>
+              <a:rPr lang="ko-KR" altLang="en-US" b="1" dirty="0">
+                <a:solidFill>
+                  <a:schemeClr val="accent2">
+                    <a:lumMod val="75000"/>
+                  </a:schemeClr>
+                </a:solidFill>
+                <a:ea typeface="Microsoft GothicNeo"/>
+                <a:cs typeface="Microsoft GothicNeo"/>
+              </a:rPr>
+              <a:t>(</a:t>
+            </a:r>
+            <a:r>
+              <a:rPr lang="ko-KR" altLang="en-US" b="1" err="1">
+                <a:solidFill>
+                  <a:schemeClr val="accent2">
+                    <a:lumMod val="75000"/>
+                  </a:schemeClr>
+                </a:solidFill>
+                <a:ea typeface="Microsoft GothicNeo"/>
+                <a:cs typeface="Microsoft GothicNeo"/>
+              </a:rPr>
+              <a:t>v.begin</a:t>
+            </a:r>
+            <a:r>
+              <a:rPr lang="ko-KR" altLang="en-US" b="1" dirty="0">
+                <a:solidFill>
+                  <a:schemeClr val="accent2">
+                    <a:lumMod val="75000"/>
+                  </a:schemeClr>
+                </a:solidFill>
+                <a:ea typeface="Microsoft GothicNeo"/>
+                <a:cs typeface="Microsoft GothicNeo"/>
+              </a:rPr>
+              <a:t>(), </a:t>
+            </a:r>
+            <a:r>
+              <a:rPr lang="ko-KR" altLang="en-US" b="1" err="1">
+                <a:solidFill>
+                  <a:schemeClr val="accent2">
+                    <a:lumMod val="75000"/>
+                  </a:schemeClr>
+                </a:solidFill>
+                <a:ea typeface="Microsoft GothicNeo"/>
+                <a:cs typeface="Microsoft GothicNeo"/>
+              </a:rPr>
+              <a:t>v.end</a:t>
+            </a:r>
+            <a:r>
+              <a:rPr lang="ko-KR" altLang="en-US" b="1" dirty="0">
+                <a:solidFill>
+                  <a:schemeClr val="accent2">
+                    <a:lumMod val="75000"/>
+                  </a:schemeClr>
+                </a:solidFill>
+                <a:ea typeface="Microsoft GothicNeo"/>
+                <a:cs typeface="Microsoft GothicNeo"/>
+              </a:rPr>
+              <a:t>(), </a:t>
+            </a:r>
+            <a:r>
+              <a:rPr lang="ko-KR" altLang="en-US" b="1" err="1">
+                <a:solidFill>
+                  <a:schemeClr val="accent2">
+                    <a:lumMod val="75000"/>
+                  </a:schemeClr>
+                </a:solidFill>
+                <a:ea typeface="Microsoft GothicNeo"/>
+                <a:cs typeface="Microsoft GothicNeo"/>
+              </a:rPr>
+              <a:t>find_val</a:t>
+            </a:r>
+            <a:r>
+              <a:rPr lang="ko-KR" altLang="en-US" b="1" dirty="0">
+                <a:solidFill>
+                  <a:schemeClr val="accent2">
+                    <a:lumMod val="75000"/>
+                  </a:schemeClr>
+                </a:solidFill>
+                <a:ea typeface="Microsoft GothicNeo"/>
+                <a:cs typeface="Microsoft GothicNeo"/>
+              </a:rPr>
+              <a:t>); </a:t>
+            </a:r>
+            <a:endParaRPr lang="ko-KR">
+              <a:solidFill>
+                <a:schemeClr val="accent2">
+                  <a:lumMod val="75000"/>
+                </a:schemeClr>
+              </a:solidFill>
+            </a:endParaRPr>
+          </a:p>
+          <a:p>
+            <a:r>
+              <a:rPr lang="ko-KR" altLang="en-US" dirty="0">
+                <a:solidFill>
+                  <a:srgbClr val="FFFFFF">
+                    <a:alpha val="70000"/>
+                  </a:srgbClr>
+                </a:solidFill>
+                <a:ea typeface="Microsoft GothicNeo"/>
+                <a:cs typeface="Microsoft GothicNeo"/>
+              </a:rPr>
+              <a:t>// </a:t>
+            </a:r>
+            <a:r>
+              <a:rPr lang="ko-KR" altLang="en-US" dirty="0" err="1">
+                <a:solidFill>
+                  <a:srgbClr val="FFFFFF">
+                    <a:alpha val="70000"/>
+                  </a:srgbClr>
+                </a:solidFill>
+                <a:ea typeface="Microsoft GothicNeo"/>
+                <a:cs typeface="Microsoft GothicNeo"/>
+              </a:rPr>
+              <a:t>v컨테이너의</a:t>
+            </a:r>
+            <a:r>
+              <a:rPr lang="ko-KR" altLang="en-US" dirty="0">
+                <a:solidFill>
+                  <a:srgbClr val="FFFFFF">
+                    <a:alpha val="70000"/>
+                  </a:srgbClr>
+                </a:solidFill>
+                <a:ea typeface="Microsoft GothicNeo"/>
+                <a:cs typeface="Microsoft GothicNeo"/>
+              </a:rPr>
+              <a:t> 범위 에서 </a:t>
+            </a:r>
+            <a:r>
+              <a:rPr lang="ko-KR" altLang="en-US" dirty="0" err="1">
+                <a:solidFill>
+                  <a:srgbClr val="FFFFFF">
+                    <a:alpha val="70000"/>
+                  </a:srgbClr>
+                </a:solidFill>
+                <a:ea typeface="Microsoft GothicNeo"/>
+                <a:cs typeface="Microsoft GothicNeo"/>
+              </a:rPr>
+              <a:t>val값을</a:t>
+            </a:r>
+            <a:r>
+              <a:rPr lang="ko-KR" altLang="en-US" dirty="0">
+                <a:solidFill>
+                  <a:srgbClr val="FFFFFF">
+                    <a:alpha val="70000"/>
+                  </a:srgbClr>
+                </a:solidFill>
+                <a:ea typeface="Microsoft GothicNeo"/>
+                <a:cs typeface="Microsoft GothicNeo"/>
+              </a:rPr>
+              <a:t> 갖는 요소 개수를 반환해준다.</a:t>
+            </a:r>
+            <a:endParaRPr lang="ko-KR"/>
+          </a:p>
+          <a:p>
+            <a:r>
+              <a:rPr lang="ko-KR" b="1" dirty="0" err="1">
+                <a:solidFill>
+                  <a:schemeClr val="accent2">
+                    <a:lumMod val="75000"/>
+                  </a:schemeClr>
+                </a:solidFill>
+                <a:ea typeface="+mn-lt"/>
+                <a:cs typeface="+mn-lt"/>
+              </a:rPr>
+              <a:t>Count</a:t>
+            </a:r>
+            <a:r>
+              <a:rPr lang="en-US" altLang="ko-KR" b="1" dirty="0">
+                <a:solidFill>
+                  <a:schemeClr val="accent2">
+                    <a:lumMod val="75000"/>
+                  </a:schemeClr>
+                </a:solidFill>
+                <a:ea typeface="+mn-lt"/>
+                <a:cs typeface="+mn-lt"/>
+              </a:rPr>
+              <a:t>_if(</a:t>
+            </a:r>
+            <a:r>
+              <a:rPr lang="ko-KR" b="1" dirty="0" err="1">
+                <a:solidFill>
+                  <a:schemeClr val="accent2">
+                    <a:lumMod val="75000"/>
+                  </a:schemeClr>
+                </a:solidFill>
+                <a:ea typeface="+mn-lt"/>
+                <a:cs typeface="+mn-lt"/>
+              </a:rPr>
+              <a:t>v.begin</a:t>
+            </a:r>
+            <a:r>
+              <a:rPr lang="ko-KR" b="1" dirty="0">
+                <a:solidFill>
+                  <a:schemeClr val="accent2">
+                    <a:lumMod val="75000"/>
+                  </a:schemeClr>
+                </a:solidFill>
+                <a:ea typeface="+mn-lt"/>
+                <a:cs typeface="+mn-lt"/>
+              </a:rPr>
+              <a:t>(), </a:t>
+            </a:r>
+            <a:r>
+              <a:rPr lang="ko-KR" b="1" dirty="0" err="1">
+                <a:solidFill>
+                  <a:schemeClr val="accent2">
+                    <a:lumMod val="75000"/>
+                  </a:schemeClr>
+                </a:solidFill>
+                <a:ea typeface="+mn-lt"/>
+                <a:cs typeface="+mn-lt"/>
+              </a:rPr>
+              <a:t>v.end</a:t>
+            </a:r>
+            <a:r>
+              <a:rPr lang="ko-KR" b="1" dirty="0">
+                <a:solidFill>
+                  <a:schemeClr val="accent2">
+                    <a:lumMod val="75000"/>
+                  </a:schemeClr>
+                </a:solidFill>
+                <a:ea typeface="+mn-lt"/>
+                <a:cs typeface="+mn-lt"/>
+              </a:rPr>
+              <a:t>(),</a:t>
+            </a:r>
+            <a:r>
+              <a:rPr lang="ko-KR" altLang="en-US" b="1" dirty="0">
+                <a:solidFill>
+                  <a:schemeClr val="accent2">
+                    <a:lumMod val="75000"/>
+                  </a:schemeClr>
+                </a:solidFill>
+                <a:ea typeface="+mn-lt"/>
+                <a:cs typeface="+mn-lt"/>
+              </a:rPr>
+              <a:t> </a:t>
+            </a:r>
+            <a:r>
+              <a:rPr lang="ko-KR" altLang="en-US" b="1" dirty="0" err="1">
+                <a:solidFill>
+                  <a:schemeClr val="accent2">
+                    <a:lumMod val="75000"/>
+                  </a:schemeClr>
+                </a:solidFill>
+                <a:ea typeface="+mn-lt"/>
+                <a:cs typeface="+mn-lt"/>
+              </a:rPr>
+              <a:t>함수명</a:t>
+            </a:r>
+            <a:r>
+              <a:rPr lang="ko-KR" altLang="en-US" b="1" dirty="0">
+                <a:solidFill>
+                  <a:schemeClr val="accent2">
+                    <a:lumMod val="75000"/>
+                  </a:schemeClr>
+                </a:solidFill>
+                <a:ea typeface="+mn-lt"/>
+                <a:cs typeface="+mn-lt"/>
+              </a:rPr>
+              <a:t>(</a:t>
+            </a:r>
+            <a:r>
+              <a:rPr lang="ko-KR" altLang="en-US" b="1" dirty="0" err="1">
+                <a:solidFill>
+                  <a:schemeClr val="accent2">
+                    <a:lumMod val="75000"/>
+                  </a:schemeClr>
+                </a:solidFill>
+                <a:ea typeface="+mn-lt"/>
+                <a:cs typeface="+mn-lt"/>
+              </a:rPr>
+              <a:t>함수포인터</a:t>
+            </a:r>
+            <a:r>
+              <a:rPr lang="ko-KR" altLang="en-US" b="1" dirty="0">
+                <a:solidFill>
+                  <a:schemeClr val="accent2">
+                    <a:lumMod val="75000"/>
+                  </a:schemeClr>
+                </a:solidFill>
+                <a:ea typeface="+mn-lt"/>
+                <a:cs typeface="+mn-lt"/>
+              </a:rPr>
+              <a:t>) </a:t>
+            </a:r>
+            <a:r>
+              <a:rPr lang="en-US" altLang="ko-KR" b="1" dirty="0">
+                <a:solidFill>
+                  <a:schemeClr val="accent2">
+                    <a:lumMod val="75000"/>
+                  </a:schemeClr>
+                </a:solidFill>
+                <a:ea typeface="+mn-lt"/>
+                <a:cs typeface="+mn-lt"/>
+              </a:rPr>
+              <a:t>);</a:t>
+            </a:r>
+          </a:p>
+          <a:p>
+            <a:r>
+              <a:rPr lang="en-US" altLang="ko-KR" dirty="0">
+                <a:solidFill>
+                  <a:srgbClr val="FFFFFF">
+                    <a:alpha val="70000"/>
+                  </a:srgbClr>
+                </a:solidFill>
+                <a:ea typeface="Microsoft GothicNeo"/>
+                <a:cs typeface="Microsoft GothicNeo"/>
+              </a:rPr>
+              <a:t>// </a:t>
+            </a:r>
+            <a:r>
+              <a:rPr lang="en-US" altLang="ko-KR" dirty="0" err="1">
+                <a:solidFill>
+                  <a:srgbClr val="FFFFFF">
+                    <a:alpha val="70000"/>
+                  </a:srgbClr>
+                </a:solidFill>
+                <a:ea typeface="Microsoft GothicNeo"/>
+                <a:cs typeface="Microsoft GothicNeo"/>
+              </a:rPr>
+              <a:t>함수의</a:t>
+            </a:r>
+            <a:r>
+              <a:rPr lang="en-US" altLang="ko-KR" dirty="0">
+                <a:solidFill>
+                  <a:srgbClr val="FFFFFF">
+                    <a:alpha val="70000"/>
+                  </a:srgbClr>
+                </a:solidFill>
+                <a:ea typeface="Microsoft GothicNeo"/>
+                <a:cs typeface="Microsoft GothicNeo"/>
+              </a:rPr>
+              <a:t> </a:t>
+            </a:r>
+            <a:r>
+              <a:rPr lang="en-US" altLang="ko-KR" dirty="0" err="1">
+                <a:solidFill>
+                  <a:srgbClr val="FFFFFF">
+                    <a:alpha val="70000"/>
+                  </a:srgbClr>
+                </a:solidFill>
+                <a:ea typeface="Microsoft GothicNeo"/>
+                <a:cs typeface="Microsoft GothicNeo"/>
+              </a:rPr>
+              <a:t>조건에서</a:t>
+            </a:r>
+            <a:r>
+              <a:rPr lang="en-US" altLang="ko-KR" dirty="0">
+                <a:solidFill>
+                  <a:srgbClr val="FFFFFF">
+                    <a:alpha val="70000"/>
+                  </a:srgbClr>
+                </a:solidFill>
+                <a:ea typeface="Microsoft GothicNeo"/>
+                <a:cs typeface="Microsoft GothicNeo"/>
+              </a:rPr>
+              <a:t> </a:t>
+            </a:r>
+            <a:r>
+              <a:rPr lang="en-US" altLang="ko-KR" dirty="0" err="1">
+                <a:solidFill>
+                  <a:srgbClr val="FFFFFF">
+                    <a:alpha val="70000"/>
+                  </a:srgbClr>
+                </a:solidFill>
+                <a:ea typeface="Microsoft GothicNeo"/>
+                <a:cs typeface="Microsoft GothicNeo"/>
+              </a:rPr>
+              <a:t>bool을</a:t>
+            </a:r>
+            <a:r>
+              <a:rPr lang="en-US" altLang="ko-KR" dirty="0">
+                <a:solidFill>
+                  <a:srgbClr val="FFFFFF">
+                    <a:alpha val="70000"/>
+                  </a:srgbClr>
+                </a:solidFill>
+                <a:ea typeface="Microsoft GothicNeo"/>
+                <a:cs typeface="Microsoft GothicNeo"/>
+              </a:rPr>
+              <a:t> </a:t>
+            </a:r>
+            <a:r>
+              <a:rPr lang="en-US" altLang="ko-KR" dirty="0" err="1">
+                <a:solidFill>
+                  <a:srgbClr val="FFFFFF">
+                    <a:alpha val="70000"/>
+                  </a:srgbClr>
+                </a:solidFill>
+                <a:ea typeface="Microsoft GothicNeo"/>
+                <a:cs typeface="Microsoft GothicNeo"/>
+              </a:rPr>
+              <a:t>반환하는</a:t>
+            </a:r>
+            <a:r>
+              <a:rPr lang="en-US" altLang="ko-KR" dirty="0">
+                <a:solidFill>
+                  <a:srgbClr val="FFFFFF">
+                    <a:alpha val="70000"/>
+                  </a:srgbClr>
+                </a:solidFill>
+                <a:ea typeface="Microsoft GothicNeo"/>
+                <a:cs typeface="Microsoft GothicNeo"/>
+              </a:rPr>
+              <a:t> </a:t>
+            </a:r>
+            <a:r>
+              <a:rPr lang="en-US" altLang="ko-KR" dirty="0" err="1">
+                <a:solidFill>
+                  <a:srgbClr val="FFFFFF">
+                    <a:alpha val="70000"/>
+                  </a:srgbClr>
+                </a:solidFill>
+                <a:ea typeface="Microsoft GothicNeo"/>
+                <a:cs typeface="Microsoft GothicNeo"/>
+              </a:rPr>
+              <a:t>함수를</a:t>
+            </a:r>
+            <a:r>
+              <a:rPr lang="en-US" altLang="ko-KR" dirty="0">
+                <a:solidFill>
+                  <a:srgbClr val="FFFFFF">
+                    <a:alpha val="70000"/>
+                  </a:srgbClr>
+                </a:solidFill>
+                <a:ea typeface="Microsoft GothicNeo"/>
+                <a:cs typeface="Microsoft GothicNeo"/>
+              </a:rPr>
+              <a:t> </a:t>
+            </a:r>
+            <a:r>
+              <a:rPr lang="en-US" altLang="ko-KR" dirty="0" err="1">
+                <a:solidFill>
+                  <a:srgbClr val="FFFFFF">
+                    <a:alpha val="70000"/>
+                  </a:srgbClr>
+                </a:solidFill>
+                <a:ea typeface="Microsoft GothicNeo"/>
+                <a:cs typeface="Microsoft GothicNeo"/>
+              </a:rPr>
+              <a:t>작성하여</a:t>
+            </a:r>
+            <a:r>
+              <a:rPr lang="en-US" altLang="ko-KR" dirty="0">
+                <a:solidFill>
+                  <a:srgbClr val="FFFFFF">
+                    <a:alpha val="70000"/>
+                  </a:srgbClr>
+                </a:solidFill>
+                <a:ea typeface="Microsoft GothicNeo"/>
+                <a:cs typeface="Microsoft GothicNeo"/>
+              </a:rPr>
+              <a:t> </a:t>
+            </a:r>
+            <a:r>
+              <a:rPr lang="en-US" altLang="ko-KR" dirty="0" err="1">
+                <a:solidFill>
+                  <a:srgbClr val="FFFFFF">
+                    <a:alpha val="70000"/>
+                  </a:srgbClr>
+                </a:solidFill>
+                <a:ea typeface="Microsoft GothicNeo"/>
+                <a:cs typeface="Microsoft GothicNeo"/>
+              </a:rPr>
+              <a:t>함수명을</a:t>
+            </a:r>
+            <a:r>
+              <a:rPr lang="en-US" altLang="ko-KR" dirty="0">
+                <a:solidFill>
+                  <a:srgbClr val="FFFFFF">
+                    <a:alpha val="70000"/>
+                  </a:srgbClr>
+                </a:solidFill>
+                <a:ea typeface="Microsoft GothicNeo"/>
+                <a:cs typeface="Microsoft GothicNeo"/>
+              </a:rPr>
+              <a:t> </a:t>
+            </a:r>
+            <a:r>
+              <a:rPr lang="en-US" altLang="ko-KR" dirty="0" err="1">
+                <a:solidFill>
+                  <a:srgbClr val="FFFFFF">
+                    <a:alpha val="70000"/>
+                  </a:srgbClr>
+                </a:solidFill>
+                <a:ea typeface="Microsoft GothicNeo"/>
+                <a:cs typeface="Microsoft GothicNeo"/>
+              </a:rPr>
+              <a:t>적어준다</a:t>
+            </a:r>
+            <a:r>
+              <a:rPr lang="en-US" altLang="ko-KR" dirty="0">
+                <a:solidFill>
+                  <a:srgbClr val="FFFFFF">
+                    <a:alpha val="70000"/>
+                  </a:srgbClr>
+                </a:solidFill>
+                <a:ea typeface="Microsoft GothicNeo"/>
+                <a:cs typeface="Microsoft GothicNeo"/>
+              </a:rPr>
+              <a:t>.</a:t>
+            </a:r>
+          </a:p>
+          <a:p>
+            <a:pPr marL="0" indent="0">
+              <a:buNone/>
+            </a:pPr>
+            <a:r>
+              <a:rPr lang="en-US" altLang="ko-KR" dirty="0">
+                <a:solidFill>
+                  <a:srgbClr val="FFFFFF">
+                    <a:alpha val="70000"/>
+                  </a:srgbClr>
+                </a:solidFill>
+                <a:ea typeface="Microsoft GothicNeo"/>
+                <a:cs typeface="Microsoft GothicNeo"/>
+              </a:rPr>
+              <a:t>위 </a:t>
+            </a:r>
+            <a:r>
+              <a:rPr lang="en-US" altLang="ko-KR" dirty="0" err="1">
+                <a:solidFill>
+                  <a:srgbClr val="FFFFFF">
+                    <a:alpha val="70000"/>
+                  </a:srgbClr>
+                </a:solidFill>
+                <a:ea typeface="Microsoft GothicNeo"/>
+                <a:cs typeface="Microsoft GothicNeo"/>
+              </a:rPr>
+              <a:t>함수에서</a:t>
+            </a:r>
+            <a:r>
+              <a:rPr lang="en-US" altLang="ko-KR" dirty="0">
+                <a:solidFill>
+                  <a:srgbClr val="FFFFFF">
+                    <a:alpha val="70000"/>
+                  </a:srgbClr>
+                </a:solidFill>
+                <a:ea typeface="Microsoft GothicNeo"/>
+                <a:cs typeface="Microsoft GothicNeo"/>
+              </a:rPr>
+              <a:t> </a:t>
+            </a:r>
+            <a:r>
+              <a:rPr lang="en-US" altLang="ko-KR" dirty="0" err="1">
+                <a:solidFill>
+                  <a:srgbClr val="FFFFFF">
+                    <a:alpha val="70000"/>
+                  </a:srgbClr>
+                </a:solidFill>
+                <a:ea typeface="Microsoft GothicNeo"/>
+                <a:cs typeface="Microsoft GothicNeo"/>
+              </a:rPr>
+              <a:t>반환하는</a:t>
+            </a:r>
+            <a:r>
+              <a:rPr lang="en-US" altLang="ko-KR" dirty="0">
+                <a:solidFill>
+                  <a:srgbClr val="FFFFFF">
+                    <a:alpha val="70000"/>
+                  </a:srgbClr>
+                </a:solidFill>
+                <a:ea typeface="Microsoft GothicNeo"/>
+                <a:cs typeface="Microsoft GothicNeo"/>
+              </a:rPr>
+              <a:t> bool </a:t>
+            </a:r>
+            <a:r>
+              <a:rPr lang="en-US" altLang="ko-KR" dirty="0" err="1">
+                <a:solidFill>
+                  <a:srgbClr val="FFFFFF">
+                    <a:alpha val="70000"/>
+                  </a:srgbClr>
+                </a:solidFill>
+                <a:ea typeface="Microsoft GothicNeo"/>
+                <a:cs typeface="Microsoft GothicNeo"/>
+              </a:rPr>
+              <a:t>값에</a:t>
+            </a:r>
+            <a:r>
+              <a:rPr lang="en-US" altLang="ko-KR" dirty="0">
+                <a:solidFill>
+                  <a:srgbClr val="FFFFFF">
+                    <a:alpha val="70000"/>
+                  </a:srgbClr>
+                </a:solidFill>
+                <a:ea typeface="Microsoft GothicNeo"/>
+                <a:cs typeface="Microsoft GothicNeo"/>
+              </a:rPr>
+              <a:t> </a:t>
+            </a:r>
+            <a:r>
+              <a:rPr lang="en-US" altLang="ko-KR" dirty="0" err="1">
+                <a:solidFill>
+                  <a:srgbClr val="FFFFFF">
+                    <a:alpha val="70000"/>
+                  </a:srgbClr>
+                </a:solidFill>
+                <a:ea typeface="Microsoft GothicNeo"/>
+                <a:cs typeface="Microsoft GothicNeo"/>
+              </a:rPr>
+              <a:t>참이</a:t>
+            </a:r>
+            <a:r>
+              <a:rPr lang="en-US" altLang="ko-KR" dirty="0">
+                <a:solidFill>
+                  <a:srgbClr val="FFFFFF">
+                    <a:alpha val="70000"/>
+                  </a:srgbClr>
+                </a:solidFill>
+                <a:ea typeface="Microsoft GothicNeo"/>
+                <a:cs typeface="Microsoft GothicNeo"/>
+              </a:rPr>
+              <a:t> </a:t>
+            </a:r>
+            <a:r>
+              <a:rPr lang="en-US" altLang="ko-KR" dirty="0" err="1">
+                <a:solidFill>
+                  <a:srgbClr val="FFFFFF">
+                    <a:alpha val="70000"/>
+                  </a:srgbClr>
+                </a:solidFill>
+                <a:ea typeface="Microsoft GothicNeo"/>
+                <a:cs typeface="Microsoft GothicNeo"/>
+              </a:rPr>
+              <a:t>되는</a:t>
+            </a:r>
+            <a:r>
+              <a:rPr lang="en-US" altLang="ko-KR" dirty="0">
+                <a:solidFill>
+                  <a:srgbClr val="FFFFFF">
+                    <a:alpha val="70000"/>
+                  </a:srgbClr>
+                </a:solidFill>
+                <a:ea typeface="Microsoft GothicNeo"/>
+                <a:cs typeface="Microsoft GothicNeo"/>
+              </a:rPr>
+              <a:t> </a:t>
+            </a:r>
+            <a:r>
+              <a:rPr lang="en-US" altLang="ko-KR" dirty="0" err="1">
+                <a:solidFill>
+                  <a:srgbClr val="FFFFFF">
+                    <a:alpha val="70000"/>
+                  </a:srgbClr>
+                </a:solidFill>
+                <a:ea typeface="Microsoft GothicNeo"/>
+                <a:cs typeface="Microsoft GothicNeo"/>
+              </a:rPr>
+              <a:t>값을</a:t>
+            </a:r>
+            <a:r>
+              <a:rPr lang="en-US" altLang="ko-KR" dirty="0">
+                <a:solidFill>
+                  <a:srgbClr val="FFFFFF">
+                    <a:alpha val="70000"/>
+                  </a:srgbClr>
+                </a:solidFill>
+                <a:ea typeface="Microsoft GothicNeo"/>
+                <a:cs typeface="Microsoft GothicNeo"/>
+              </a:rPr>
+              <a:t> </a:t>
+            </a:r>
+            <a:r>
+              <a:rPr lang="en-US" altLang="ko-KR" dirty="0" err="1">
+                <a:solidFill>
+                  <a:srgbClr val="FFFFFF">
+                    <a:alpha val="70000"/>
+                  </a:srgbClr>
+                </a:solidFill>
+                <a:ea typeface="Microsoft GothicNeo"/>
+                <a:cs typeface="Microsoft GothicNeo"/>
+              </a:rPr>
+              <a:t>count해준다</a:t>
+            </a:r>
+            <a:r>
+              <a:rPr lang="en-US" altLang="ko-KR" dirty="0">
+                <a:solidFill>
+                  <a:srgbClr val="FFFFFF">
+                    <a:alpha val="70000"/>
+                  </a:srgbClr>
+                </a:solidFill>
+                <a:ea typeface="Microsoft GothicNeo"/>
+                <a:cs typeface="Microsoft GothicNeo"/>
+              </a:rPr>
+              <a:t>.</a:t>
+            </a:r>
+          </a:p>
+        </p:txBody>
+      </p:sp>
+    </p:spTree>
+    <p:extLst>
+      <p:ext uri="{BB962C8B-B14F-4D97-AF65-F5344CB8AC3E}">
+        <p14:creationId xmlns:p14="http://schemas.microsoft.com/office/powerpoint/2010/main" val="1308167515"/>
+      </p:ext>
+    </p:extLst>
+  </p:cSld>
+  <p:clrMapOvr>
+    <a:masterClrMapping/>
+  </p:clrMapOvr>
+</p:sld>
+</file>
+
+<file path=ppt/slides/slide52.xml><?xml version="1.0" encoding="utf-8"?>
+<p:sld xmlns:a="http://schemas.openxmlformats.org/drawingml/2006/main" xmlns:r="http://schemas.openxmlformats.org/officeDocument/2006/relationships" xmlns:p="http://schemas.openxmlformats.org/presentationml/2006/main">
+  <p:cSld>
+    <p:spTree>
+      <p:nvGrpSpPr>
+        <p:cNvPr id="1" name=""/>
+        <p:cNvGrpSpPr/>
+        <p:nvPr/>
+      </p:nvGrpSpPr>
+      <p:grpSpPr>
+        <a:xfrm>
+          <a:off x="0" y="0"/>
+          <a:ext cx="0" cy="0"/>
+          <a:chOff x="0" y="0"/>
+          <a:chExt cx="0" cy="0"/>
+        </a:xfrm>
+      </p:grpSpPr>
+      <p:sp>
+        <p:nvSpPr>
+          <p:cNvPr id="2" name="제목 1">
+            <a:extLst>
+              <a:ext uri="{FF2B5EF4-FFF2-40B4-BE49-F238E27FC236}">
+                <a16:creationId xmlns:a16="http://schemas.microsoft.com/office/drawing/2014/main" id="{BA230570-4509-2346-F23F-858BF6A28867}"/>
+              </a:ext>
+            </a:extLst>
+          </p:cNvPr>
+          <p:cNvSpPr>
+            <a:spLocks noGrp="1"/>
+          </p:cNvSpPr>
+          <p:nvPr>
+            <p:ph type="title"/>
+          </p:nvPr>
+        </p:nvSpPr>
+        <p:spPr/>
+        <p:txBody>
+          <a:bodyPr/>
+          <a:lstStyle/>
+          <a:p>
+            <a:r>
+              <a:rPr lang="ko-KR" dirty="0">
+                <a:ea typeface="+mj-lt"/>
+                <a:cs typeface="+mj-lt"/>
+              </a:rPr>
+              <a:t>&lt; </a:t>
+            </a:r>
+            <a:r>
+              <a:rPr lang="ko-KR" err="1">
+                <a:ea typeface="+mj-lt"/>
+                <a:cs typeface="+mj-lt"/>
+              </a:rPr>
+              <a:t>비변경</a:t>
+            </a:r>
+            <a:r>
+              <a:rPr lang="ko-KR" dirty="0">
+                <a:ea typeface="+mj-lt"/>
+                <a:cs typeface="+mj-lt"/>
+              </a:rPr>
+              <a:t> 알고리즘 &gt;</a:t>
+            </a:r>
+            <a:br>
+              <a:rPr lang="ko-KR" dirty="0">
+                <a:ea typeface="+mj-lt"/>
+                <a:cs typeface="+mj-lt"/>
+              </a:rPr>
+            </a:br>
+            <a:r>
+              <a:rPr lang="ko-KR" dirty="0">
+                <a:ea typeface="+mj-lt"/>
+                <a:cs typeface="+mj-lt"/>
+              </a:rPr>
+              <a:t>     </a:t>
+            </a:r>
+            <a:r>
+              <a:rPr lang="ko-KR" dirty="0">
+                <a:solidFill>
+                  <a:srgbClr val="00B050"/>
+                </a:solidFill>
+                <a:ea typeface="+mj-lt"/>
+                <a:cs typeface="+mj-lt"/>
+              </a:rPr>
+              <a:t>탐색 알고리즘</a:t>
+            </a:r>
+            <a:endParaRPr lang="ko-KR" dirty="0">
+              <a:solidFill>
+                <a:srgbClr val="00B050"/>
+              </a:solidFill>
+            </a:endParaRPr>
+          </a:p>
+        </p:txBody>
+      </p:sp>
+      <p:sp>
+        <p:nvSpPr>
+          <p:cNvPr id="3" name="내용 개체 틀 2">
+            <a:extLst>
+              <a:ext uri="{FF2B5EF4-FFF2-40B4-BE49-F238E27FC236}">
+                <a16:creationId xmlns:a16="http://schemas.microsoft.com/office/drawing/2014/main" id="{35DD58E1-F00E-E21E-0290-98C03095FA67}"/>
+              </a:ext>
+            </a:extLst>
+          </p:cNvPr>
+          <p:cNvSpPr>
+            <a:spLocks noGrp="1"/>
+          </p:cNvSpPr>
+          <p:nvPr>
+            <p:ph idx="1"/>
+          </p:nvPr>
+        </p:nvSpPr>
+        <p:spPr/>
+        <p:txBody>
+          <a:bodyPr lIns="109728" tIns="109728" rIns="109728" bIns="91440" anchor="t"/>
+          <a:lstStyle/>
+          <a:p>
+            <a:r>
+              <a:rPr lang="ko-KR" altLang="en-US" err="1">
+                <a:solidFill>
+                  <a:srgbClr val="FFFFFF">
+                    <a:alpha val="70000"/>
+                  </a:srgbClr>
+                </a:solidFill>
+                <a:ea typeface="+mn-lt"/>
+                <a:cs typeface="+mn-lt"/>
+              </a:rPr>
+              <a:t>Search</a:t>
+            </a:r>
+            <a:r>
+              <a:rPr lang="ko-KR" altLang="en-US" dirty="0">
+                <a:solidFill>
+                  <a:srgbClr val="FFFFFF">
+                    <a:alpha val="70000"/>
+                  </a:srgbClr>
+                </a:solidFill>
+                <a:ea typeface="+mn-lt"/>
+                <a:cs typeface="+mn-lt"/>
+              </a:rPr>
+              <a:t>() // </a:t>
+            </a:r>
+            <a:r>
+              <a:rPr lang="ko-KR" sz="1800" b="1" dirty="0">
+                <a:solidFill>
+                  <a:schemeClr val="bg1">
+                    <a:lumMod val="50000"/>
+                    <a:lumOff val="50000"/>
+                  </a:schemeClr>
+                </a:solidFill>
+                <a:latin typeface="Segoe UI"/>
+                <a:ea typeface="+mn-lt"/>
+                <a:cs typeface="Segoe UI"/>
+              </a:rPr>
+              <a:t>대상 범위 내에서 </a:t>
+            </a:r>
+            <a:r>
+              <a:rPr lang="ko-KR" altLang="en-US" sz="1800" b="1" dirty="0">
+                <a:solidFill>
+                  <a:schemeClr val="bg1">
+                    <a:lumMod val="50000"/>
+                    <a:lumOff val="50000"/>
+                  </a:schemeClr>
+                </a:solidFill>
+                <a:latin typeface="Segoe UI"/>
+                <a:ea typeface="+mn-lt"/>
+                <a:cs typeface="Segoe UI"/>
+              </a:rPr>
+              <a:t>지정된</a:t>
+            </a:r>
+            <a:r>
+              <a:rPr lang="ko-KR" sz="1800" b="1" dirty="0">
+                <a:solidFill>
+                  <a:schemeClr val="bg1">
+                    <a:lumMod val="50000"/>
+                    <a:lumOff val="50000"/>
+                  </a:schemeClr>
+                </a:solidFill>
+                <a:latin typeface="Segoe UI"/>
+                <a:ea typeface="+mn-lt"/>
+                <a:cs typeface="Segoe UI"/>
+              </a:rPr>
+              <a:t> 시퀀스의 요소와 동일한 첫 번째 시퀀스를 검색합니다.</a:t>
+            </a:r>
+          </a:p>
+          <a:p>
+            <a:r>
+              <a:rPr lang="en-US" altLang="ko-KR" sz="1800" b="1" err="1">
+                <a:solidFill>
+                  <a:schemeClr val="bg1">
+                    <a:lumMod val="50000"/>
+                    <a:lumOff val="50000"/>
+                  </a:schemeClr>
+                </a:solidFill>
+                <a:latin typeface="Segoe UI"/>
+                <a:ea typeface="+mn-lt"/>
+                <a:cs typeface="Segoe UI"/>
+              </a:rPr>
+              <a:t>Search_n</a:t>
+            </a:r>
+            <a:r>
+              <a:rPr lang="en-US" altLang="ko-KR" sz="1800" b="1" dirty="0">
+                <a:solidFill>
+                  <a:schemeClr val="bg1">
+                    <a:lumMod val="50000"/>
+                    <a:lumOff val="50000"/>
+                  </a:schemeClr>
+                </a:solidFill>
+                <a:latin typeface="Segoe UI"/>
+                <a:ea typeface="+mn-lt"/>
+                <a:cs typeface="Segoe UI"/>
+              </a:rPr>
+              <a:t>() // </a:t>
+            </a:r>
+            <a:r>
+              <a:rPr lang="en-US" sz="1800" b="1" err="1">
+                <a:solidFill>
+                  <a:schemeClr val="bg1">
+                    <a:lumMod val="50000"/>
+                    <a:lumOff val="50000"/>
+                  </a:schemeClr>
+                </a:solidFill>
+                <a:latin typeface="Segoe UI"/>
+                <a:ea typeface="+mn-lt"/>
+                <a:cs typeface="Segoe UI"/>
+              </a:rPr>
+              <a:t>범위에서</a:t>
+            </a:r>
+            <a:r>
+              <a:rPr lang="en-US" sz="1800" b="1" dirty="0">
+                <a:solidFill>
+                  <a:schemeClr val="bg1">
+                    <a:lumMod val="50000"/>
+                    <a:lumOff val="50000"/>
+                  </a:schemeClr>
+                </a:solidFill>
+                <a:latin typeface="Segoe UI"/>
+                <a:ea typeface="+mn-lt"/>
+                <a:cs typeface="Segoe UI"/>
+              </a:rPr>
+              <a:t> </a:t>
+            </a:r>
+            <a:r>
+              <a:rPr lang="en-US" sz="1800" b="1" err="1">
+                <a:solidFill>
+                  <a:schemeClr val="bg1">
+                    <a:lumMod val="50000"/>
+                    <a:lumOff val="50000"/>
+                  </a:schemeClr>
+                </a:solidFill>
+                <a:latin typeface="Segoe UI"/>
+                <a:ea typeface="+mn-lt"/>
+                <a:cs typeface="Segoe UI"/>
+              </a:rPr>
+              <a:t>특정</a:t>
+            </a:r>
+            <a:r>
+              <a:rPr lang="en-US" sz="1800" b="1" dirty="0">
+                <a:solidFill>
+                  <a:schemeClr val="bg1">
+                    <a:lumMod val="50000"/>
+                    <a:lumOff val="50000"/>
+                  </a:schemeClr>
+                </a:solidFill>
+                <a:latin typeface="Segoe UI"/>
+                <a:ea typeface="+mn-lt"/>
+                <a:cs typeface="Segoe UI"/>
+              </a:rPr>
+              <a:t> </a:t>
+            </a:r>
+            <a:r>
+              <a:rPr lang="en-US" sz="1800" b="1" err="1">
+                <a:solidFill>
+                  <a:schemeClr val="bg1">
+                    <a:lumMod val="50000"/>
+                    <a:lumOff val="50000"/>
+                  </a:schemeClr>
+                </a:solidFill>
+                <a:latin typeface="Segoe UI"/>
+                <a:ea typeface="+mn-lt"/>
+                <a:cs typeface="Segoe UI"/>
+              </a:rPr>
+              <a:t>값의</a:t>
+            </a:r>
+            <a:r>
+              <a:rPr lang="en-US" sz="1800" b="1" dirty="0">
+                <a:solidFill>
+                  <a:schemeClr val="bg1">
+                    <a:lumMod val="50000"/>
+                    <a:lumOff val="50000"/>
+                  </a:schemeClr>
+                </a:solidFill>
+                <a:latin typeface="Segoe UI"/>
+                <a:ea typeface="+mn-lt"/>
+                <a:cs typeface="Segoe UI"/>
+              </a:rPr>
+              <a:t> </a:t>
+            </a:r>
+            <a:r>
+              <a:rPr lang="en-US" sz="1800" b="1" err="1">
+                <a:solidFill>
+                  <a:schemeClr val="bg1">
+                    <a:lumMod val="50000"/>
+                    <a:lumOff val="50000"/>
+                  </a:schemeClr>
+                </a:solidFill>
+                <a:latin typeface="Segoe UI"/>
+                <a:ea typeface="+mn-lt"/>
+                <a:cs typeface="Segoe UI"/>
+              </a:rPr>
+              <a:t>요소가</a:t>
+            </a:r>
+            <a:r>
+              <a:rPr lang="en-US" sz="1800" b="1" dirty="0">
+                <a:solidFill>
+                  <a:schemeClr val="bg1">
+                    <a:lumMod val="50000"/>
+                    <a:lumOff val="50000"/>
+                  </a:schemeClr>
+                </a:solidFill>
+                <a:latin typeface="Segoe UI"/>
+                <a:ea typeface="+mn-lt"/>
+                <a:cs typeface="Segoe UI"/>
+              </a:rPr>
+              <a:t> </a:t>
+            </a:r>
+            <a:r>
+              <a:rPr lang="en-US" sz="1800" b="1" err="1">
+                <a:solidFill>
+                  <a:schemeClr val="bg1">
+                    <a:lumMod val="50000"/>
+                    <a:lumOff val="50000"/>
+                  </a:schemeClr>
+                </a:solidFill>
+                <a:latin typeface="Segoe UI"/>
+                <a:ea typeface="+mn-lt"/>
+                <a:cs typeface="Segoe UI"/>
+              </a:rPr>
+              <a:t>지정된</a:t>
+            </a:r>
+            <a:r>
+              <a:rPr lang="en-US" sz="1800" b="1" dirty="0">
+                <a:solidFill>
+                  <a:schemeClr val="bg1">
+                    <a:lumMod val="50000"/>
+                    <a:lumOff val="50000"/>
+                  </a:schemeClr>
+                </a:solidFill>
+                <a:latin typeface="Segoe UI"/>
+                <a:ea typeface="+mn-lt"/>
+                <a:cs typeface="Segoe UI"/>
+              </a:rPr>
+              <a:t> </a:t>
+            </a:r>
+            <a:r>
+              <a:rPr lang="en-US" sz="1800" b="1" err="1">
+                <a:solidFill>
+                  <a:schemeClr val="bg1">
+                    <a:lumMod val="50000"/>
+                    <a:lumOff val="50000"/>
+                  </a:schemeClr>
+                </a:solidFill>
+                <a:latin typeface="Segoe UI"/>
+                <a:ea typeface="+mn-lt"/>
+                <a:cs typeface="Segoe UI"/>
+              </a:rPr>
+              <a:t>수만큼</a:t>
+            </a:r>
+            <a:r>
+              <a:rPr lang="en-US" sz="1800" b="1" dirty="0">
+                <a:solidFill>
+                  <a:schemeClr val="bg1">
+                    <a:lumMod val="50000"/>
+                    <a:lumOff val="50000"/>
+                  </a:schemeClr>
+                </a:solidFill>
+                <a:latin typeface="Segoe UI"/>
+                <a:ea typeface="+mn-lt"/>
+                <a:cs typeface="Segoe UI"/>
+              </a:rPr>
+              <a:t> </a:t>
+            </a:r>
+            <a:r>
+              <a:rPr lang="en-US" sz="1800" b="1" err="1">
+                <a:solidFill>
+                  <a:schemeClr val="bg1">
+                    <a:lumMod val="50000"/>
+                    <a:lumOff val="50000"/>
+                  </a:schemeClr>
+                </a:solidFill>
+                <a:latin typeface="Segoe UI"/>
+                <a:ea typeface="+mn-lt"/>
+                <a:cs typeface="Segoe UI"/>
+              </a:rPr>
+              <a:t>있거나</a:t>
+            </a:r>
+            <a:r>
+              <a:rPr lang="en-US" sz="1800" b="1" dirty="0">
+                <a:solidFill>
+                  <a:schemeClr val="bg1">
+                    <a:lumMod val="50000"/>
+                    <a:lumOff val="50000"/>
+                  </a:schemeClr>
+                </a:solidFill>
+                <a:latin typeface="Segoe UI"/>
+                <a:ea typeface="+mn-lt"/>
+                <a:cs typeface="Segoe UI"/>
+              </a:rPr>
+              <a:t> </a:t>
+            </a:r>
+            <a:r>
+              <a:rPr lang="en-US" sz="1800" b="1" err="1">
+                <a:solidFill>
+                  <a:schemeClr val="bg1">
+                    <a:lumMod val="50000"/>
+                    <a:lumOff val="50000"/>
+                  </a:schemeClr>
+                </a:solidFill>
+                <a:latin typeface="Segoe UI"/>
+                <a:ea typeface="+mn-lt"/>
+                <a:cs typeface="Segoe UI"/>
+              </a:rPr>
+              <a:t>이진</a:t>
+            </a:r>
+            <a:r>
+              <a:rPr lang="en-US" sz="1800" b="1" dirty="0">
+                <a:solidFill>
+                  <a:schemeClr val="bg1">
+                    <a:lumMod val="50000"/>
+                    <a:lumOff val="50000"/>
+                  </a:schemeClr>
+                </a:solidFill>
+                <a:latin typeface="Segoe UI"/>
+                <a:ea typeface="+mn-lt"/>
+                <a:cs typeface="Segoe UI"/>
+              </a:rPr>
+              <a:t> </a:t>
+            </a:r>
+            <a:r>
+              <a:rPr lang="en-US" sz="1800" b="1" err="1">
+                <a:solidFill>
+                  <a:schemeClr val="bg1">
+                    <a:lumMod val="50000"/>
+                    <a:lumOff val="50000"/>
+                  </a:schemeClr>
+                </a:solidFill>
+                <a:latin typeface="Segoe UI"/>
+                <a:ea typeface="+mn-lt"/>
+                <a:cs typeface="Segoe UI"/>
+              </a:rPr>
+              <a:t>조건자가</a:t>
+            </a:r>
+            <a:r>
+              <a:rPr lang="en-US" sz="1800" b="1" dirty="0">
+                <a:solidFill>
+                  <a:schemeClr val="bg1">
+                    <a:lumMod val="50000"/>
+                    <a:lumOff val="50000"/>
+                  </a:schemeClr>
+                </a:solidFill>
+                <a:latin typeface="Segoe UI"/>
+                <a:ea typeface="+mn-lt"/>
+                <a:cs typeface="Segoe UI"/>
+              </a:rPr>
+              <a:t> </a:t>
+            </a:r>
+            <a:r>
+              <a:rPr lang="en-US" sz="1800" b="1" err="1">
+                <a:solidFill>
+                  <a:schemeClr val="bg1">
+                    <a:lumMod val="50000"/>
+                    <a:lumOff val="50000"/>
+                  </a:schemeClr>
+                </a:solidFill>
+                <a:latin typeface="Segoe UI"/>
+                <a:ea typeface="+mn-lt"/>
+                <a:cs typeface="Segoe UI"/>
+              </a:rPr>
+              <a:t>지정한</a:t>
+            </a:r>
+            <a:r>
+              <a:rPr lang="en-US" sz="1800" b="1" dirty="0">
+                <a:solidFill>
+                  <a:schemeClr val="bg1">
+                    <a:lumMod val="50000"/>
+                    <a:lumOff val="50000"/>
+                  </a:schemeClr>
+                </a:solidFill>
+                <a:latin typeface="Segoe UI"/>
+                <a:ea typeface="+mn-lt"/>
+                <a:cs typeface="Segoe UI"/>
+              </a:rPr>
+              <a:t> </a:t>
+            </a:r>
+            <a:r>
+              <a:rPr lang="en-US" sz="1800" b="1" err="1">
+                <a:solidFill>
+                  <a:schemeClr val="bg1">
+                    <a:lumMod val="50000"/>
+                    <a:lumOff val="50000"/>
+                  </a:schemeClr>
+                </a:solidFill>
+                <a:latin typeface="Segoe UI"/>
+                <a:ea typeface="+mn-lt"/>
+                <a:cs typeface="Segoe UI"/>
+              </a:rPr>
+              <a:t>해당</a:t>
+            </a:r>
+            <a:r>
+              <a:rPr lang="en-US" sz="1800" b="1" dirty="0">
+                <a:solidFill>
+                  <a:schemeClr val="bg1">
+                    <a:lumMod val="50000"/>
+                    <a:lumOff val="50000"/>
+                  </a:schemeClr>
+                </a:solidFill>
+                <a:latin typeface="Segoe UI"/>
+                <a:ea typeface="+mn-lt"/>
+                <a:cs typeface="Segoe UI"/>
+              </a:rPr>
+              <a:t> </a:t>
+            </a:r>
+            <a:r>
+              <a:rPr lang="en-US" sz="1800" b="1" err="1">
+                <a:solidFill>
+                  <a:schemeClr val="bg1">
+                    <a:lumMod val="50000"/>
+                    <a:lumOff val="50000"/>
+                  </a:schemeClr>
+                </a:solidFill>
+                <a:latin typeface="Segoe UI"/>
+                <a:ea typeface="+mn-lt"/>
+                <a:cs typeface="Segoe UI"/>
+              </a:rPr>
+              <a:t>값과</a:t>
+            </a:r>
+            <a:r>
+              <a:rPr lang="en-US" sz="1800" b="1" dirty="0">
+                <a:solidFill>
+                  <a:schemeClr val="bg1">
+                    <a:lumMod val="50000"/>
+                    <a:lumOff val="50000"/>
+                  </a:schemeClr>
+                </a:solidFill>
+                <a:latin typeface="Segoe UI"/>
+                <a:ea typeface="+mn-lt"/>
+                <a:cs typeface="Segoe UI"/>
+              </a:rPr>
+              <a:t> </a:t>
+            </a:r>
+            <a:r>
+              <a:rPr lang="en-US" sz="1800" b="1" err="1">
+                <a:solidFill>
+                  <a:schemeClr val="bg1">
+                    <a:lumMod val="50000"/>
+                    <a:lumOff val="50000"/>
+                  </a:schemeClr>
+                </a:solidFill>
+                <a:latin typeface="Segoe UI"/>
+                <a:ea typeface="+mn-lt"/>
+                <a:cs typeface="Segoe UI"/>
+              </a:rPr>
+              <a:t>관련이</a:t>
+            </a:r>
+            <a:r>
+              <a:rPr lang="en-US" sz="1800" b="1" dirty="0">
+                <a:solidFill>
+                  <a:schemeClr val="bg1">
+                    <a:lumMod val="50000"/>
+                    <a:lumOff val="50000"/>
+                  </a:schemeClr>
+                </a:solidFill>
+                <a:latin typeface="Segoe UI"/>
+                <a:ea typeface="+mn-lt"/>
+                <a:cs typeface="Segoe UI"/>
+              </a:rPr>
+              <a:t> </a:t>
+            </a:r>
+            <a:r>
+              <a:rPr lang="en-US" sz="1800" b="1" err="1">
+                <a:solidFill>
+                  <a:schemeClr val="bg1">
+                    <a:lumMod val="50000"/>
+                    <a:lumOff val="50000"/>
+                  </a:schemeClr>
+                </a:solidFill>
+                <a:latin typeface="Segoe UI"/>
+                <a:ea typeface="+mn-lt"/>
+                <a:cs typeface="Segoe UI"/>
+              </a:rPr>
+              <a:t>있는</a:t>
+            </a:r>
+            <a:r>
+              <a:rPr lang="en-US" sz="1800" b="1" dirty="0">
+                <a:solidFill>
+                  <a:schemeClr val="bg1">
+                    <a:lumMod val="50000"/>
+                    <a:lumOff val="50000"/>
+                  </a:schemeClr>
+                </a:solidFill>
+                <a:latin typeface="Segoe UI"/>
+                <a:ea typeface="+mn-lt"/>
+                <a:cs typeface="Segoe UI"/>
+              </a:rPr>
+              <a:t> 첫 </a:t>
+            </a:r>
+            <a:r>
+              <a:rPr lang="en-US" sz="1800" b="1" err="1">
+                <a:solidFill>
+                  <a:schemeClr val="bg1">
+                    <a:lumMod val="50000"/>
+                    <a:lumOff val="50000"/>
+                  </a:schemeClr>
+                </a:solidFill>
+                <a:latin typeface="Segoe UI"/>
+                <a:ea typeface="+mn-lt"/>
+                <a:cs typeface="Segoe UI"/>
+              </a:rPr>
+              <a:t>번째</a:t>
+            </a:r>
+            <a:r>
+              <a:rPr lang="en-US" sz="1800" b="1" dirty="0">
+                <a:solidFill>
+                  <a:schemeClr val="bg1">
+                    <a:lumMod val="50000"/>
+                    <a:lumOff val="50000"/>
+                  </a:schemeClr>
+                </a:solidFill>
+                <a:latin typeface="Segoe UI"/>
+                <a:ea typeface="+mn-lt"/>
+                <a:cs typeface="Segoe UI"/>
+              </a:rPr>
+              <a:t> </a:t>
+            </a:r>
+            <a:r>
+              <a:rPr lang="en-US" sz="1800" b="1" err="1">
+                <a:solidFill>
+                  <a:schemeClr val="bg1">
+                    <a:lumMod val="50000"/>
+                    <a:lumOff val="50000"/>
+                  </a:schemeClr>
+                </a:solidFill>
+                <a:latin typeface="Segoe UI"/>
+                <a:ea typeface="+mn-lt"/>
+                <a:cs typeface="Segoe UI"/>
+              </a:rPr>
+              <a:t>하위</a:t>
+            </a:r>
+            <a:r>
+              <a:rPr lang="en-US" sz="1800" b="1" dirty="0">
+                <a:solidFill>
+                  <a:schemeClr val="bg1">
+                    <a:lumMod val="50000"/>
+                    <a:lumOff val="50000"/>
+                  </a:schemeClr>
+                </a:solidFill>
+                <a:latin typeface="Segoe UI"/>
+                <a:ea typeface="+mn-lt"/>
+                <a:cs typeface="Segoe UI"/>
+              </a:rPr>
+              <a:t> </a:t>
+            </a:r>
+            <a:r>
+              <a:rPr lang="en-US" sz="1800" b="1" err="1">
+                <a:solidFill>
+                  <a:schemeClr val="bg1">
+                    <a:lumMod val="50000"/>
+                    <a:lumOff val="50000"/>
+                  </a:schemeClr>
+                </a:solidFill>
+                <a:latin typeface="Segoe UI"/>
+                <a:ea typeface="+mn-lt"/>
+                <a:cs typeface="Segoe UI"/>
+              </a:rPr>
+              <a:t>시퀀스를</a:t>
+            </a:r>
+            <a:r>
+              <a:rPr lang="en-US" sz="1800" b="1" dirty="0">
+                <a:solidFill>
+                  <a:schemeClr val="bg1">
+                    <a:lumMod val="50000"/>
+                    <a:lumOff val="50000"/>
+                  </a:schemeClr>
+                </a:solidFill>
+                <a:latin typeface="Segoe UI"/>
+                <a:ea typeface="+mn-lt"/>
+                <a:cs typeface="Segoe UI"/>
+              </a:rPr>
+              <a:t> </a:t>
+            </a:r>
+            <a:r>
+              <a:rPr lang="en-US" sz="1800" b="1" err="1">
+                <a:solidFill>
+                  <a:schemeClr val="bg1">
+                    <a:lumMod val="50000"/>
+                    <a:lumOff val="50000"/>
+                  </a:schemeClr>
+                </a:solidFill>
+                <a:latin typeface="Segoe UI"/>
+                <a:ea typeface="+mn-lt"/>
+                <a:cs typeface="Segoe UI"/>
+              </a:rPr>
+              <a:t>검색합니다</a:t>
+            </a:r>
+            <a:r>
+              <a:rPr lang="en-US" sz="1800" b="1" dirty="0">
+                <a:solidFill>
+                  <a:schemeClr val="bg1">
+                    <a:lumMod val="50000"/>
+                    <a:lumOff val="50000"/>
+                  </a:schemeClr>
+                </a:solidFill>
+                <a:latin typeface="Segoe UI"/>
+                <a:ea typeface="+mn-lt"/>
+                <a:cs typeface="Segoe UI"/>
+              </a:rPr>
+              <a:t>.</a:t>
+            </a:r>
+            <a:endParaRPr lang="ko-KR" sz="1800" b="1" dirty="0">
+              <a:solidFill>
+                <a:schemeClr val="bg1">
+                  <a:lumMod val="50000"/>
+                  <a:lumOff val="50000"/>
+                </a:schemeClr>
+              </a:solidFill>
+              <a:latin typeface="Segoe UI"/>
+              <a:ea typeface="+mn-lt"/>
+              <a:cs typeface="Segoe UI"/>
+            </a:endParaRPr>
+          </a:p>
+        </p:txBody>
+      </p:sp>
+    </p:spTree>
+    <p:extLst>
+      <p:ext uri="{BB962C8B-B14F-4D97-AF65-F5344CB8AC3E}">
+        <p14:creationId xmlns:p14="http://schemas.microsoft.com/office/powerpoint/2010/main" val="2672842801"/>
+      </p:ext>
+    </p:extLst>
+  </p:cSld>
+  <p:clrMapOvr>
+    <a:masterClrMapping/>
+  </p:clrMapOvr>
+</p:sld>
+</file>
+
+<file path=ppt/slides/slide53.xml><?xml version="1.0" encoding="utf-8"?>
+<p:sld xmlns:a="http://schemas.openxmlformats.org/drawingml/2006/main" xmlns:r="http://schemas.openxmlformats.org/officeDocument/2006/relationships" xmlns:p="http://schemas.openxmlformats.org/presentationml/2006/main">
+  <p:cSld>
+    <p:spTree>
+      <p:nvGrpSpPr>
+        <p:cNvPr id="1" name=""/>
+        <p:cNvGrpSpPr/>
+        <p:nvPr/>
+      </p:nvGrpSpPr>
+      <p:grpSpPr>
+        <a:xfrm>
+          <a:off x="0" y="0"/>
+          <a:ext cx="0" cy="0"/>
+          <a:chOff x="0" y="0"/>
+          <a:chExt cx="0" cy="0"/>
+        </a:xfrm>
+      </p:grpSpPr>
+      <p:sp>
+        <p:nvSpPr>
+          <p:cNvPr id="2" name="제목 1">
+            <a:extLst>
+              <a:ext uri="{FF2B5EF4-FFF2-40B4-BE49-F238E27FC236}">
+                <a16:creationId xmlns:a16="http://schemas.microsoft.com/office/drawing/2014/main" id="{1138F0AA-7041-93D4-4934-CE9FDAED261D}"/>
+              </a:ext>
+            </a:extLst>
+          </p:cNvPr>
+          <p:cNvSpPr>
+            <a:spLocks noGrp="1"/>
+          </p:cNvSpPr>
+          <p:nvPr>
+            <p:ph type="title"/>
+          </p:nvPr>
+        </p:nvSpPr>
+        <p:spPr/>
+        <p:txBody>
+          <a:bodyPr/>
+          <a:lstStyle/>
+          <a:p>
+            <a:r>
+              <a:rPr lang="ko-KR" altLang="en-US" dirty="0" err="1">
+                <a:ea typeface="Microsoft GothicNeo"/>
+                <a:cs typeface="Microsoft GothicNeo"/>
+              </a:rPr>
+              <a:t>Algorithm</a:t>
+            </a:r>
+            <a:r>
+              <a:rPr lang="ko-KR" altLang="en-US" dirty="0">
+                <a:ea typeface="Microsoft GothicNeo"/>
+                <a:cs typeface="Microsoft GothicNeo"/>
+              </a:rPr>
+              <a:t> 헤더 설명링크</a:t>
+            </a:r>
+          </a:p>
+        </p:txBody>
+      </p:sp>
+      <p:sp>
+        <p:nvSpPr>
+          <p:cNvPr id="3" name="내용 개체 틀 2">
+            <a:extLst>
+              <a:ext uri="{FF2B5EF4-FFF2-40B4-BE49-F238E27FC236}">
+                <a16:creationId xmlns:a16="http://schemas.microsoft.com/office/drawing/2014/main" id="{9BF36904-01D0-630E-724B-8BC4AFD2DE08}"/>
+              </a:ext>
+            </a:extLst>
+          </p:cNvPr>
+          <p:cNvSpPr>
+            <a:spLocks noGrp="1"/>
+          </p:cNvSpPr>
+          <p:nvPr>
+            <p:ph idx="1"/>
+          </p:nvPr>
+        </p:nvSpPr>
+        <p:spPr/>
+        <p:txBody>
+          <a:bodyPr lIns="109728" tIns="109728" rIns="109728" bIns="91440" anchor="t"/>
+          <a:lstStyle/>
+          <a:p>
+            <a:r>
+              <a:rPr lang="en-US" altLang="ko-KR" dirty="0">
+                <a:latin typeface="Arial"/>
+                <a:cs typeface="Arial"/>
+                <a:hlinkClick r:id="rId2"/>
+              </a:rPr>
+              <a:t>MS</a:t>
+            </a:r>
+            <a:r>
+              <a:rPr lang="ko-KR" dirty="0">
+                <a:latin typeface="Arial"/>
+                <a:cs typeface="Arial"/>
+                <a:hlinkClick r:id="rId2"/>
+              </a:rPr>
+              <a:t>의 algorithm 헤더 설명링크</a:t>
+            </a:r>
+            <a:endParaRPr lang="ko-KR">
+              <a:latin typeface="Malgun Gothic"/>
+              <a:ea typeface="Malgun Gothic"/>
+            </a:endParaRPr>
+          </a:p>
+          <a:p>
+            <a:endParaRPr lang="ko-KR" dirty="0">
+              <a:solidFill>
+                <a:srgbClr val="FFFFFF">
+                  <a:alpha val="70000"/>
+                </a:srgbClr>
+              </a:solidFill>
+              <a:latin typeface="Arial"/>
+              <a:cs typeface="Arial"/>
+            </a:endParaRPr>
+          </a:p>
+        </p:txBody>
+      </p:sp>
+    </p:spTree>
+    <p:extLst>
+      <p:ext uri="{BB962C8B-B14F-4D97-AF65-F5344CB8AC3E}">
+        <p14:creationId xmlns:p14="http://schemas.microsoft.com/office/powerpoint/2010/main" val="2637663317"/>
       </p:ext>
     </p:extLst>
   </p:cSld>
